--- a/Gaussian_Processes_Sebastian_Klein.pptx
+++ b/Gaussian_Processes_Sebastian_Klein.pptx
@@ -5,19 +5,26 @@
     <p:sldMasterId id="2147483648" r:id="rId1"/>
   </p:sldMasterIdLst>
   <p:notesMasterIdLst>
-    <p:notesMasterId r:id="rId9"/>
+    <p:notesMasterId r:id="rId16"/>
   </p:notesMasterIdLst>
   <p:handoutMasterIdLst>
-    <p:handoutMasterId r:id="rId10"/>
+    <p:handoutMasterId r:id="rId17"/>
   </p:handoutMasterIdLst>
   <p:sldIdLst>
     <p:sldId id="256" r:id="rId2"/>
     <p:sldId id="257" r:id="rId3"/>
     <p:sldId id="258" r:id="rId4"/>
-    <p:sldId id="260" r:id="rId5"/>
-    <p:sldId id="261" r:id="rId6"/>
-    <p:sldId id="262" r:id="rId7"/>
-    <p:sldId id="259" r:id="rId8"/>
+    <p:sldId id="265" r:id="rId5"/>
+    <p:sldId id="266" r:id="rId6"/>
+    <p:sldId id="261" r:id="rId7"/>
+    <p:sldId id="270" r:id="rId8"/>
+    <p:sldId id="269" r:id="rId9"/>
+    <p:sldId id="272" r:id="rId10"/>
+    <p:sldId id="273" r:id="rId11"/>
+    <p:sldId id="259" r:id="rId12"/>
+    <p:sldId id="271" r:id="rId13"/>
+    <p:sldId id="264" r:id="rId14"/>
+    <p:sldId id="268" r:id="rId15"/>
   </p:sldIdLst>
   <p:sldSz cx="12192000" cy="6858000"/>
   <p:notesSz cx="6858000" cy="9144000"/>
@@ -116,7 +123,187 @@
       </a:defRPr>
     </a:lvl9pPr>
   </p:defaultTextStyle>
+  <p:extLst>
+    <p:ext uri="{EFAFB233-063F-42B5-8137-9DF3F51BA10A}">
+      <p15:sldGuideLst xmlns:p15="http://schemas.microsoft.com/office/powerpoint/2012/main"/>
+    </p:ext>
+    <p:ext uri="{2D200454-40CA-4A62-9FC3-DE9A4176ACB9}">
+      <p15:notesGuideLst xmlns:p15="http://schemas.microsoft.com/office/powerpoint/2012/main"/>
+    </p:ext>
+  </p:extLst>
 </p:presentation>
+</file>
+
+<file path=ppt/authors.xml><?xml version="1.0" encoding="utf-8"?>
+<p188:authorLst xmlns:a="http://schemas.openxmlformats.org/drawingml/2006/main" xmlns:r="http://schemas.openxmlformats.org/officeDocument/2006/relationships" xmlns:p188="http://schemas.microsoft.com/office/powerpoint/2018/8/main">
+  <p188:author id="{13B2B41D-029F-7058-ECEE-DBBC1468C105}" name="Sebastian Klein" initials="SK" userId="S::Sebastian.Klein@bwedu.de::c77804d0-6dc1-42c6-b2c7-3ba113f04962" providerId="AD"/>
+</p188:authorLst>
+</file>
+
+<file path=ppt/comments/modernComment_10A_8448820D.xml><?xml version="1.0" encoding="utf-8"?>
+<p188:cmLst xmlns:a="http://schemas.openxmlformats.org/drawingml/2006/main" xmlns:r="http://schemas.openxmlformats.org/officeDocument/2006/relationships" xmlns:p188="http://schemas.microsoft.com/office/powerpoint/2018/8/main">
+  <p188:cm id="{74B86F90-6C6B-4826-A394-F92530BB6247}" authorId="{13B2B41D-029F-7058-ECEE-DBBC1468C105}" created="2023-12-28T10:03:36.169">
+    <ac:txMkLst xmlns:ac="http://schemas.microsoft.com/office/drawing/2013/main/command">
+      <pc:docMk xmlns:pc="http://schemas.microsoft.com/office/powerpoint/2013/main/command"/>
+      <pc:sldMk xmlns:pc="http://schemas.microsoft.com/office/powerpoint/2013/main/command" cId="2219344397" sldId="266"/>
+      <ac:spMk id="3" creationId="{95EC1D9D-247F-FA8D-9842-2776F9614861}"/>
+      <ac:txMk cp="259" len="9">
+        <ac:context len="279" hash="3331325136"/>
+      </ac:txMk>
+    </ac:txMkLst>
+    <p188:pos x="3234267" y="3855508"/>
+    <p188:txBody>
+      <a:bodyPr/>
+      <a:lstStyle/>
+      <a:p>
+        <a:r>
+          <a:rPr lang="en-US"/>
+          <a:t>Really p(w|D) here or do we model actually p(f|D) as a Normal distribution?
+Also cornell lecture given from excell sheet has here p(y|x, D) -MLE? Not MAP?</a:t>
+        </a:r>
+      </a:p>
+    </p188:txBody>
+  </p188:cm>
+  <p188:cm id="{55AF7191-8FFD-4AF1-8C25-770ABDFB15CC}" authorId="{13B2B41D-029F-7058-ECEE-DBBC1468C105}" created="2023-12-28T16:28:31.415">
+    <ac:txMkLst xmlns:ac="http://schemas.microsoft.com/office/drawing/2013/main/command">
+      <pc:docMk xmlns:pc="http://schemas.microsoft.com/office/powerpoint/2013/main/command"/>
+      <pc:sldMk xmlns:pc="http://schemas.microsoft.com/office/powerpoint/2013/main/command" cId="2219344397" sldId="266"/>
+      <ac:spMk id="3" creationId="{95EC1D9D-247F-FA8D-9842-2776F9614861}"/>
+      <ac:txMk cp="46" len="25">
+        <ac:context len="279" hash="3331325136"/>
+      </ac:txMk>
+    </ac:txMkLst>
+    <p188:pos x="3877733" y="629708"/>
+    <p188:txBody>
+      <a:bodyPr/>
+      <a:lstStyle/>
+      <a:p>
+        <a:r>
+          <a:rPr lang="en-US"/>
+          <a:t>Correct description here?</a:t>
+        </a:r>
+      </a:p>
+    </p188:txBody>
+  </p188:cm>
+  <p188:cm id="{329A8099-4493-46E2-B534-92A0D7BF0A23}" authorId="{13B2B41D-029F-7058-ECEE-DBBC1468C105}" created="2023-12-28T16:34:39.662">
+    <ac:txMkLst xmlns:ac="http://schemas.microsoft.com/office/drawing/2013/main/command">
+      <pc:docMk xmlns:pc="http://schemas.microsoft.com/office/powerpoint/2013/main/command"/>
+      <pc:sldMk xmlns:pc="http://schemas.microsoft.com/office/powerpoint/2013/main/command" cId="2219344397" sldId="266"/>
+      <ac:spMk id="3" creationId="{95EC1D9D-247F-FA8D-9842-2776F9614861}"/>
+      <ac:txMk cp="98" len="44">
+        <ac:context len="279" hash="3331325136"/>
+      </ac:txMk>
+    </ac:txMkLst>
+    <p188:pos x="4538133" y="1654175"/>
+    <p188:txBody>
+      <a:bodyPr/>
+      <a:lstStyle/>
+      <a:p>
+        <a:r>
+          <a:rPr lang="en-US"/>
+          <a:t>Soll ich überhaupt hier so genau darauf eingehen wie MLE / MAP berechnet wird? Brauche aber eigentlich als überleitung zu p(y|x,w) (siehe nächsten kommentar zu p(y|x,D).</a:t>
+        </a:r>
+      </a:p>
+    </p188:txBody>
+  </p188:cm>
+  <p188:cm id="{513DDBE4-12AA-4902-A2B6-1B88FE86E3A5}" authorId="{13B2B41D-029F-7058-ECEE-DBBC1468C105}" created="2023-12-28T16:35:25.363">
+    <ac:txMkLst xmlns:ac="http://schemas.microsoft.com/office/drawing/2013/main/command">
+      <pc:docMk xmlns:pc="http://schemas.microsoft.com/office/powerpoint/2013/main/command"/>
+      <pc:sldMk xmlns:pc="http://schemas.microsoft.com/office/powerpoint/2013/main/command" cId="2219344397" sldId="266"/>
+      <ac:spMk id="3" creationId="{95EC1D9D-247F-FA8D-9842-2776F9614861}"/>
+      <ac:txMk cp="98" len="10">
+        <ac:context len="279" hash="3331325136"/>
+      </ac:txMk>
+    </ac:txMkLst>
+    <p188:pos x="2370667" y="1654175"/>
+    <p188:txBody>
+      <a:bodyPr/>
+      <a:lstStyle/>
+      <a:p>
+        <a:r>
+          <a:rPr lang="en-US"/>
+          <a:t>Ist das hier eigentlich p(y|x,w) weil cornell darüber in der schreibweiße unklar….
+</a:t>
+        </a:r>
+      </a:p>
+    </p188:txBody>
+  </p188:cm>
+</p188:cmLst>
+</file>
+
+<file path=ppt/comments/modernComment_10C_EE6C5A0E.xml><?xml version="1.0" encoding="utf-8"?>
+<p188:cmLst xmlns:a="http://schemas.openxmlformats.org/drawingml/2006/main" xmlns:r="http://schemas.openxmlformats.org/officeDocument/2006/relationships" xmlns:p188="http://schemas.microsoft.com/office/powerpoint/2018/8/main">
+  <p188:cm id="{61AF48F4-9A22-456B-B704-1C0BBD94D877}" authorId="{13B2B41D-029F-7058-ECEE-DBBC1468C105}" created="2023-12-28T16:01:47.967">
+    <ac:txMkLst xmlns:ac="http://schemas.microsoft.com/office/drawing/2013/main/command">
+      <pc:docMk xmlns:pc="http://schemas.microsoft.com/office/powerpoint/2013/main/command"/>
+      <pc:sldMk xmlns:pc="http://schemas.microsoft.com/office/powerpoint/2013/main/command" cId="4000078350" sldId="268"/>
+      <ac:spMk id="3" creationId="{CDFB2D19-8CAB-A394-6B0A-6D99E0AE0761}"/>
+      <ac:txMk cp="0">
+        <ac:context len="267" hash="3203988066"/>
+      </ac:txMk>
+    </ac:txMkLst>
+    <p188:pos x="6366933" y="1323975"/>
+    <p188:txBody>
+      <a:bodyPr/>
+      <a:lstStyle/>
+      <a:p>
+        <a:r>
+          <a:rPr lang="en-US"/>
+          <a:t>Als platzthalter hier * ok?</a:t>
+        </a:r>
+      </a:p>
+    </p188:txBody>
+  </p188:cm>
+</p188:cmLst>
+</file>
+
+<file path=ppt/comments/modernComment_10E_A2216400.xml><?xml version="1.0" encoding="utf-8"?>
+<p188:cmLst xmlns:a="http://schemas.openxmlformats.org/drawingml/2006/main" xmlns:r="http://schemas.openxmlformats.org/officeDocument/2006/relationships" xmlns:p188="http://schemas.microsoft.com/office/powerpoint/2018/8/main">
+  <p188:cm id="{B8F0F366-3BED-41B7-8193-D223EFAB128C}" authorId="{13B2B41D-029F-7058-ECEE-DBBC1468C105}" created="2023-12-28T16:06:55.145">
+    <ac:txMkLst xmlns:ac="http://schemas.microsoft.com/office/drawing/2013/main/command">
+      <pc:docMk xmlns:pc="http://schemas.microsoft.com/office/powerpoint/2013/main/command"/>
+      <pc:sldMk xmlns:pc="http://schemas.microsoft.com/office/powerpoint/2013/main/command" cId="2720097280" sldId="270"/>
+      <ac:spMk id="7" creationId="{B8032623-46A4-D75E-B483-9F17A5584A8B}"/>
+      <ac:txMk cp="144" len="12">
+        <ac:context len="276" hash="3063397002"/>
+      </ac:txMk>
+    </ac:txMkLst>
+    <p188:pos x="3141133" y="2229908"/>
+    <p188:txBody>
+      <a:bodyPr/>
+      <a:lstStyle/>
+      <a:p>
+        <a:r>
+          <a:rPr lang="en-US"/>
+          <a:t>* als index platzhalter hier sinnvoll?
+</a:t>
+        </a:r>
+      </a:p>
+    </p188:txBody>
+  </p188:cm>
+</p188:cmLst>
+</file>
+
+<file path=ppt/comments/modernComment_110_75C53AEB.xml><?xml version="1.0" encoding="utf-8"?>
+<p188:cmLst xmlns:a="http://schemas.openxmlformats.org/drawingml/2006/main" xmlns:r="http://schemas.openxmlformats.org/officeDocument/2006/relationships" xmlns:p188="http://schemas.microsoft.com/office/powerpoint/2018/8/main">
+  <p188:cm id="{530ABB50-E98A-48D8-B343-CA9AC7727041}" authorId="{13B2B41D-029F-7058-ECEE-DBBC1468C105}" created="2023-12-28T17:17:46.282">
+    <pc:sldMkLst xmlns:pc="http://schemas.microsoft.com/office/powerpoint/2013/main/command">
+      <pc:docMk/>
+      <pc:sldMk cId="1975859947" sldId="272"/>
+    </pc:sldMkLst>
+    <p188:txBody>
+      <a:bodyPr/>
+      <a:lstStyle/>
+      <a:p>
+        <a:r>
+          <a:rPr lang="en-US"/>
+          <a:t>Ist das eigentlich so korrekt bei bayesischer inferenz? Man berechnet ja "nur" Sigma und sobald man wissen will wie der Funktionswert an einem punkt x ist wird sofort Sigma erweitert. Für den nächsten punkt x' gehört dann ja aber x zum training daten set oder? 
+Praktisch wird hier ja einfach eine N(0,Simga) erstellt als "gelernte" fkt </a:t>
+        </a:r>
+      </a:p>
+    </p188:txBody>
+  </p188:cm>
+</p188:cmLst>
 </file>
 
 <file path=ppt/handoutMasters/handoutMaster1.xml><?xml version="1.0" encoding="utf-8"?>
@@ -213,7 +400,7 @@
           <a:p>
             <a:fld id="{66FF3E35-658E-4F15-8BA1-4FAC4F68E103}" type="datetimeFigureOut">
               <a:rPr lang="en-US" smtClean="0"/>
-              <a:t>12/27/2023</a:t>
+              <a:t>12/28/2023</a:t>
             </a:fld>
             <a:endParaRPr lang="en-US"/>
           </a:p>
@@ -390,7 +577,7 @@
           <a:p>
             <a:fld id="{631FCEAB-DDA5-4ABF-8380-ACA806E1F533}" type="datetimeFigureOut">
               <a:rPr lang="en-US" smtClean="0"/>
-              <a:t>12/27/2023</a:t>
+              <a:t>12/28/2023</a:t>
             </a:fld>
             <a:endParaRPr lang="en-US"/>
           </a:p>
@@ -686,8 +873,8 @@
         </p:nvSpPr>
         <p:spPr/>
       </p:sp>
-      <mc:AlternateContent xmlns:mc="http://schemas.openxmlformats.org/markup-compatibility/2006">
-        <mc:Choice xmlns:a14="http://schemas.microsoft.com/office/drawing/2010/main" Requires="a14">
+      <mc:AlternateContent xmlns:mc="http://schemas.openxmlformats.org/markup-compatibility/2006" xmlns:a14="http://schemas.microsoft.com/office/drawing/2010/main">
+        <mc:Choice Requires="a14">
           <p:sp>
             <p:nvSpPr>
               <p:cNvPr id="3" name="Notes Placeholder 2"/>
@@ -921,7 +1108,7 @@
                 </a:pPr>
                 <a:r>
                   <a:rPr lang="en-US" dirty="0"/>
-                  <a:t>MLE - max probability of Data </a:t>
+                  <a:t>MLE - Maximum Likelihood Estimation - max probability of Data </a:t>
                 </a:r>
                 <a14:m>
                   <m:oMath xmlns:m="http://schemas.openxmlformats.org/officeDocument/2006/math">
@@ -975,12 +1162,42 @@
                 <a:endParaRPr lang="en-US" dirty="0"/>
               </a:p>
               <a:p>
-                <a:endParaRPr lang="en-US" dirty="0"/>
+                <a:pPr marL="0" marR="0" lvl="0" indent="0" algn="l" defTabSz="914400" rtl="0" eaLnBrk="1" fontAlgn="auto" latinLnBrk="0" hangingPunct="1">
+                  <a:lnSpc>
+                    <a:spcPct val="100000"/>
+                  </a:lnSpc>
+                  <a:spcBef>
+                    <a:spcPts val="0"/>
+                  </a:spcBef>
+                  <a:spcAft>
+                    <a:spcPts val="0"/>
+                  </a:spcAft>
+                  <a:buClrTx/>
+                  <a:buSzTx/>
+                  <a:buFontTx/>
+                  <a:buNone/>
+                  <a:tabLst/>
+                  <a:defRPr/>
+                </a:pPr>
+                <a:r>
+                  <a:rPr lang="en-US" dirty="0"/>
+                  <a:t>MAP- </a:t>
+                </a:r>
+                <a:r>
+                  <a:rPr lang="en-US" b="0" dirty="0"/>
+                  <a:t>Maximum a posteriori</a:t>
+                </a:r>
+              </a:p>
+              <a:p>
+                <a:r>
+                  <a:rPr lang="en-US" b="0" dirty="0"/>
+                  <a:t> </a:t>
+                </a:r>
               </a:p>
             </p:txBody>
           </p:sp>
         </mc:Choice>
-        <mc:Fallback>
+        <mc:Fallback xmlns="">
           <p:sp>
             <p:nvSpPr>
               <p:cNvPr id="3" name="Notes Placeholder 2"/>
@@ -1187,6 +1404,1402 @@
         </p:nvSpPr>
         <p:spPr/>
       </p:sp>
+      <mc:AlternateContent xmlns:mc="http://schemas.openxmlformats.org/markup-compatibility/2006" xmlns:a14="http://schemas.microsoft.com/office/drawing/2010/main">
+        <mc:Choice Requires="a14">
+          <p:sp>
+            <p:nvSpPr>
+              <p:cNvPr id="3" name="Notes Placeholder 2"/>
+              <p:cNvSpPr>
+                <a:spLocks noGrp="1"/>
+              </p:cNvSpPr>
+              <p:nvPr>
+                <p:ph type="body" idx="1"/>
+              </p:nvPr>
+            </p:nvSpPr>
+            <p:spPr/>
+            <p:txBody>
+              <a:bodyPr/>
+              <a:lstStyle/>
+              <a:p>
+                <a:pPr marL="0" marR="0" lvl="0" indent="0" algn="l" defTabSz="914400" rtl="0" eaLnBrk="1" fontAlgn="auto" latinLnBrk="0" hangingPunct="1">
+                  <a:lnSpc>
+                    <a:spcPct val="100000"/>
+                  </a:lnSpc>
+                  <a:spcBef>
+                    <a:spcPts val="0"/>
+                  </a:spcBef>
+                  <a:spcAft>
+                    <a:spcPts val="0"/>
+                  </a:spcAft>
+                  <a:buClrTx/>
+                  <a:buSzTx/>
+                  <a:buFontTx/>
+                  <a:buNone/>
+                  <a:tabLst/>
+                  <a:defRPr/>
+                </a:pPr>
+                <a:r>
+                  <a:rPr lang="de-DE" b="0" i="0" baseline="0" dirty="0">
+                    <a:latin typeface="+mn-lt"/>
+                  </a:rPr>
+                  <a:t> </a:t>
+                </a:r>
+                <a14:m>
+                  <m:oMath xmlns:m="http://schemas.openxmlformats.org/officeDocument/2006/math">
+                    <m:sSup>
+                      <m:sSupPr>
+                        <m:ctrlPr>
+                          <a:rPr lang="de-DE" b="0" i="1" smtClean="0">
+                            <a:latin typeface="Cambria Math" panose="02040503050406030204" pitchFamily="18" charset="0"/>
+                          </a:rPr>
+                        </m:ctrlPr>
+                      </m:sSupPr>
+                      <m:e>
+                        <m:r>
+                          <a:rPr lang="de-DE" b="0" i="1" smtClean="0">
+                            <a:latin typeface="Cambria Math" panose="02040503050406030204" pitchFamily="18" charset="0"/>
+                          </a:rPr>
+                          <m:t>𝑤</m:t>
+                        </m:r>
+                      </m:e>
+                      <m:sup>
+                        <m:r>
+                          <a:rPr lang="de-DE" b="0" i="1" smtClean="0">
+                            <a:latin typeface="Cambria Math" panose="02040503050406030204" pitchFamily="18" charset="0"/>
+                          </a:rPr>
+                          <m:t>𝑇</m:t>
+                        </m:r>
+                      </m:sup>
+                    </m:sSup>
+                    <m:r>
+                      <a:rPr lang="de-DE" b="0" i="1" smtClean="0">
+                        <a:latin typeface="Cambria Math" panose="02040503050406030204" pitchFamily="18" charset="0"/>
+                      </a:rPr>
+                      <m:t>𝑥</m:t>
+                    </m:r>
+                    <m:r>
+                      <a:rPr lang="de-DE" b="0" i="1" smtClean="0">
+                        <a:latin typeface="Cambria Math" panose="02040503050406030204" pitchFamily="18" charset="0"/>
+                      </a:rPr>
+                      <m:t>+</m:t>
+                    </m:r>
+                    <m:r>
+                      <a:rPr lang="de-DE" b="0" i="1" smtClean="0">
+                        <a:latin typeface="Cambria Math" panose="02040503050406030204" pitchFamily="18" charset="0"/>
+                      </a:rPr>
+                      <m:t>𝜖</m:t>
+                    </m:r>
+                  </m:oMath>
+                </a14:m>
+                <a:r>
+                  <a:rPr lang="en-US" dirty="0"/>
+                  <a:t> – epsilon</a:t>
+                </a:r>
+                <a:r>
+                  <a:rPr lang="en-US" baseline="0" dirty="0"/>
+                  <a:t> = noise, w - model parameters</a:t>
+                </a:r>
+                <a:endParaRPr lang="en-US" dirty="0"/>
+              </a:p>
+              <a:p>
+                <a:endParaRPr lang="de-DE" b="0" i="1" dirty="0">
+                  <a:latin typeface="Cambria Math" panose="02040503050406030204" pitchFamily="18" charset="0"/>
+                </a:endParaRPr>
+              </a:p>
+              <a:p>
+                <a14:m>
+                  <m:oMath xmlns:m="http://schemas.openxmlformats.org/officeDocument/2006/math">
+                    <m:r>
+                      <a:rPr lang="de-DE" b="0" i="1" smtClean="0">
+                        <a:latin typeface="Cambria Math" panose="02040503050406030204" pitchFamily="18" charset="0"/>
+                      </a:rPr>
+                      <m:t>𝑝</m:t>
+                    </m:r>
+                    <m:r>
+                      <a:rPr lang="de-DE" b="0" i="1" smtClean="0">
+                        <a:latin typeface="Cambria Math" panose="02040503050406030204" pitchFamily="18" charset="0"/>
+                      </a:rPr>
+                      <m:t>(</m:t>
+                    </m:r>
+                    <m:sSub>
+                      <m:sSubPr>
+                        <m:ctrlPr>
+                          <a:rPr lang="de-DE" b="0" i="1" smtClean="0">
+                            <a:latin typeface="Cambria Math" panose="02040503050406030204" pitchFamily="18" charset="0"/>
+                          </a:rPr>
+                        </m:ctrlPr>
+                      </m:sSubPr>
+                      <m:e>
+                        <m:r>
+                          <a:rPr lang="de-DE" b="0" i="1" smtClean="0">
+                            <a:latin typeface="Cambria Math" panose="02040503050406030204" pitchFamily="18" charset="0"/>
+                          </a:rPr>
+                          <m:t>𝑦</m:t>
+                        </m:r>
+                      </m:e>
+                      <m:sub>
+                        <m:r>
+                          <a:rPr lang="de-DE" b="0" i="1" smtClean="0">
+                            <a:latin typeface="Cambria Math" panose="02040503050406030204" pitchFamily="18" charset="0"/>
+                          </a:rPr>
+                          <m:t>𝑖</m:t>
+                        </m:r>
+                      </m:sub>
+                    </m:sSub>
+                    <m:r>
+                      <a:rPr lang="de-DE" b="0" i="1" smtClean="0">
+                        <a:latin typeface="Cambria Math" panose="02040503050406030204" pitchFamily="18" charset="0"/>
+                      </a:rPr>
+                      <m:t>|</m:t>
+                    </m:r>
+                    <m:sSub>
+                      <m:sSubPr>
+                        <m:ctrlPr>
+                          <a:rPr lang="de-DE" b="0" i="1" smtClean="0">
+                            <a:latin typeface="Cambria Math" panose="02040503050406030204" pitchFamily="18" charset="0"/>
+                          </a:rPr>
+                        </m:ctrlPr>
+                      </m:sSubPr>
+                      <m:e>
+                        <m:r>
+                          <a:rPr lang="de-DE" b="0" i="1" smtClean="0">
+                            <a:latin typeface="Cambria Math" panose="02040503050406030204" pitchFamily="18" charset="0"/>
+                          </a:rPr>
+                          <m:t>𝑥</m:t>
+                        </m:r>
+                      </m:e>
+                      <m:sub>
+                        <m:r>
+                          <a:rPr lang="de-DE" b="0" i="1" smtClean="0">
+                            <a:latin typeface="Cambria Math" panose="02040503050406030204" pitchFamily="18" charset="0"/>
+                          </a:rPr>
+                          <m:t>𝑖</m:t>
+                        </m:r>
+                      </m:sub>
+                    </m:sSub>
+                    <m:r>
+                      <a:rPr lang="de-DE" b="0" i="1" smtClean="0">
+                        <a:latin typeface="Cambria Math" panose="02040503050406030204" pitchFamily="18" charset="0"/>
+                      </a:rPr>
+                      <m:t>, </m:t>
+                    </m:r>
+                    <m:r>
+                      <a:rPr lang="de-DE" b="0" i="1" smtClean="0">
+                        <a:latin typeface="Cambria Math" panose="02040503050406030204" pitchFamily="18" charset="0"/>
+                      </a:rPr>
+                      <m:t>𝑤</m:t>
+                    </m:r>
+                  </m:oMath>
+                </a14:m>
+                <a:r>
+                  <a:rPr lang="en-US" dirty="0"/>
+                  <a:t>) how likely</a:t>
+                </a:r>
+                <a:r>
+                  <a:rPr lang="en-US" baseline="0" dirty="0"/>
+                  <a:t> is it that the </a:t>
+                </a:r>
+                <a:r>
+                  <a:rPr lang="en-US" baseline="0" dirty="0" err="1"/>
+                  <a:t>x_i</a:t>
+                </a:r>
+                <a:r>
+                  <a:rPr lang="en-US" baseline="0" dirty="0"/>
+                  <a:t> gives rise to the </a:t>
+                </a:r>
+                <a:r>
+                  <a:rPr lang="en-US" baseline="0" dirty="0" err="1"/>
+                  <a:t>y_i</a:t>
+                </a:r>
+                <a:r>
+                  <a:rPr lang="en-US" baseline="0" dirty="0"/>
+                  <a:t> with the parameter w</a:t>
+                </a:r>
+              </a:p>
+              <a:p>
+                <a:endParaRPr lang="en-US" baseline="0" dirty="0"/>
+              </a:p>
+              <a:p>
+                <a:pPr marL="0" marR="0" lvl="0" indent="0" algn="l" defTabSz="914400" rtl="0" eaLnBrk="1" fontAlgn="auto" latinLnBrk="0" hangingPunct="1">
+                  <a:lnSpc>
+                    <a:spcPct val="100000"/>
+                  </a:lnSpc>
+                  <a:spcBef>
+                    <a:spcPts val="0"/>
+                  </a:spcBef>
+                  <a:spcAft>
+                    <a:spcPts val="0"/>
+                  </a:spcAft>
+                  <a:buClrTx/>
+                  <a:buSzTx/>
+                  <a:buFontTx/>
+                  <a:buNone/>
+                  <a:tabLst/>
+                  <a:defRPr/>
+                </a:pPr>
+                <a:r>
+                  <a:rPr lang="en-US" dirty="0"/>
+                  <a:t>MLE - Maximum Likelihood Estimation - max probability of Data </a:t>
+                </a:r>
+                <a14:m>
+                  <m:oMath xmlns:m="http://schemas.openxmlformats.org/officeDocument/2006/math">
+                    <m:r>
+                      <a:rPr lang="de-DE" b="0" i="1" smtClean="0">
+                        <a:latin typeface="Cambria Math" panose="02040503050406030204" pitchFamily="18" charset="0"/>
+                      </a:rPr>
+                      <m:t>𝑝</m:t>
+                    </m:r>
+                    <m:d>
+                      <m:dPr>
+                        <m:ctrlPr>
+                          <a:rPr lang="de-DE" b="0" i="1" smtClean="0">
+                            <a:latin typeface="Cambria Math" panose="02040503050406030204" pitchFamily="18" charset="0"/>
+                          </a:rPr>
+                        </m:ctrlPr>
+                      </m:dPr>
+                      <m:e>
+                        <m:r>
+                          <a:rPr lang="de-DE" b="0" i="1" smtClean="0">
+                            <a:latin typeface="Cambria Math" panose="02040503050406030204" pitchFamily="18" charset="0"/>
+                          </a:rPr>
+                          <m:t>𝐷</m:t>
+                        </m:r>
+                      </m:e>
+                      <m:e>
+                        <m:r>
+                          <a:rPr lang="de-DE" b="0" i="1" smtClean="0">
+                            <a:latin typeface="Cambria Math" panose="02040503050406030204" pitchFamily="18" charset="0"/>
+                          </a:rPr>
+                          <m:t>𝑤</m:t>
+                        </m:r>
+                      </m:e>
+                    </m:d>
+                  </m:oMath>
+                </a14:m>
+                <a:r>
+                  <a:rPr lang="en-US" dirty="0"/>
+                  <a:t> for a parameter </a:t>
+                </a:r>
+                <a14:m>
+                  <m:oMath xmlns:m="http://schemas.openxmlformats.org/officeDocument/2006/math">
+                    <m:r>
+                      <a:rPr lang="en-US" i="1" dirty="0" smtClean="0">
+                        <a:latin typeface="Cambria Math" panose="02040503050406030204" pitchFamily="18" charset="0"/>
+                      </a:rPr>
+                      <m:t>𝑤</m:t>
+                    </m:r>
+                  </m:oMath>
+                </a14:m>
+                <a:endParaRPr lang="en-US" dirty="0"/>
+              </a:p>
+              <a:p>
+                <a:pPr marL="0" marR="0" lvl="0" indent="0" algn="l" defTabSz="914400" rtl="0" eaLnBrk="1" fontAlgn="auto" latinLnBrk="0" hangingPunct="1">
+                  <a:lnSpc>
+                    <a:spcPct val="100000"/>
+                  </a:lnSpc>
+                  <a:spcBef>
+                    <a:spcPts val="0"/>
+                  </a:spcBef>
+                  <a:spcAft>
+                    <a:spcPts val="0"/>
+                  </a:spcAft>
+                  <a:buClrTx/>
+                  <a:buSzTx/>
+                  <a:buFontTx/>
+                  <a:buNone/>
+                  <a:tabLst/>
+                  <a:defRPr/>
+                </a:pPr>
+                <a:r>
+                  <a:rPr lang="en-US" dirty="0"/>
+                  <a:t>MAP- </a:t>
+                </a:r>
+                <a:r>
+                  <a:rPr lang="en-US" b="0" dirty="0"/>
+                  <a:t>Maximum a posteriori</a:t>
+                </a:r>
+              </a:p>
+              <a:p>
+                <a:r>
+                  <a:rPr lang="en-US" b="0" dirty="0"/>
+                  <a:t> </a:t>
+                </a:r>
+              </a:p>
+            </p:txBody>
+          </p:sp>
+        </mc:Choice>
+        <mc:Fallback xmlns="">
+          <p:sp>
+            <p:nvSpPr>
+              <p:cNvPr id="3" name="Notes Placeholder 2"/>
+              <p:cNvSpPr>
+                <a:spLocks noGrp="1"/>
+              </p:cNvSpPr>
+              <p:nvPr>
+                <p:ph type="body" idx="1"/>
+              </p:nvPr>
+            </p:nvSpPr>
+            <p:spPr/>
+            <p:txBody>
+              <a:bodyPr/>
+              <a:lstStyle/>
+              <a:p>
+                <a:pPr marL="0" marR="0" lvl="0" indent="0" algn="l" defTabSz="914400" rtl="0" eaLnBrk="1" fontAlgn="auto" latinLnBrk="0" hangingPunct="1">
+                  <a:lnSpc>
+                    <a:spcPct val="100000"/>
+                  </a:lnSpc>
+                  <a:spcBef>
+                    <a:spcPts val="0"/>
+                  </a:spcBef>
+                  <a:spcAft>
+                    <a:spcPts val="0"/>
+                  </a:spcAft>
+                  <a:buClrTx/>
+                  <a:buSzTx/>
+                  <a:buFontTx/>
+                  <a:buNone/>
+                  <a:tabLst/>
+                  <a:defRPr/>
+                </a:pPr>
+                <a:r>
+                  <a:rPr lang="de-DE" b="0" i="0" baseline="0" dirty="0">
+                    <a:latin typeface="+mn-lt"/>
+                  </a:rPr>
+                  <a:t> </a:t>
+                </a:r>
+                <a:r>
+                  <a:rPr lang="de-DE" b="0" i="0">
+                    <a:latin typeface="Cambria Math" panose="02040503050406030204" pitchFamily="18" charset="0"/>
+                  </a:rPr>
+                  <a:t>𝑤^𝑇 𝑥+𝜖</a:t>
+                </a:r>
+                <a:r>
+                  <a:rPr lang="en-US" dirty="0"/>
+                  <a:t> – epsilon</a:t>
+                </a:r>
+                <a:r>
+                  <a:rPr lang="en-US" baseline="0" dirty="0"/>
+                  <a:t> = noise, w - model parameters</a:t>
+                </a:r>
+                <a:endParaRPr lang="en-US" dirty="0"/>
+              </a:p>
+              <a:p>
+                <a:endParaRPr lang="de-DE" b="0" i="1" dirty="0">
+                  <a:latin typeface="Cambria Math" panose="02040503050406030204" pitchFamily="18" charset="0"/>
+                </a:endParaRPr>
+              </a:p>
+              <a:p>
+                <a:r>
+                  <a:rPr lang="de-DE" b="0" i="0">
+                    <a:latin typeface="Cambria Math" panose="02040503050406030204" pitchFamily="18" charset="0"/>
+                  </a:rPr>
+                  <a:t>𝑝(𝑦_𝑖 |𝑥_𝑖, 𝑤</a:t>
+                </a:r>
+                <a:r>
+                  <a:rPr lang="en-US" dirty="0"/>
+                  <a:t>) how likely</a:t>
+                </a:r>
+                <a:r>
+                  <a:rPr lang="en-US" baseline="0" dirty="0"/>
+                  <a:t> is it that the </a:t>
+                </a:r>
+                <a:r>
+                  <a:rPr lang="en-US" baseline="0" dirty="0" err="1"/>
+                  <a:t>x_i</a:t>
+                </a:r>
+                <a:r>
+                  <a:rPr lang="en-US" baseline="0" dirty="0"/>
+                  <a:t> gives rise to the </a:t>
+                </a:r>
+                <a:r>
+                  <a:rPr lang="en-US" baseline="0" dirty="0" err="1"/>
+                  <a:t>y_i</a:t>
+                </a:r>
+                <a:r>
+                  <a:rPr lang="en-US" baseline="0" dirty="0"/>
+                  <a:t> with the parameter w</a:t>
+                </a:r>
+              </a:p>
+              <a:p>
+                <a:endParaRPr lang="en-US" baseline="0" dirty="0"/>
+              </a:p>
+              <a:p>
+                <a:pPr marL="0" marR="0" lvl="0" indent="0" algn="l" defTabSz="914400" rtl="0" eaLnBrk="1" fontAlgn="auto" latinLnBrk="0" hangingPunct="1">
+                  <a:lnSpc>
+                    <a:spcPct val="100000"/>
+                  </a:lnSpc>
+                  <a:spcBef>
+                    <a:spcPts val="0"/>
+                  </a:spcBef>
+                  <a:spcAft>
+                    <a:spcPts val="0"/>
+                  </a:spcAft>
+                  <a:buClrTx/>
+                  <a:buSzTx/>
+                  <a:buFontTx/>
+                  <a:buNone/>
+                  <a:tabLst/>
+                  <a:defRPr/>
+                </a:pPr>
+                <a:r>
+                  <a:rPr lang="en-US" dirty="0"/>
+                  <a:t>MLE - max probability of Data </a:t>
+                </a:r>
+                <a:r>
+                  <a:rPr lang="de-DE" b="0" i="0">
+                    <a:latin typeface="Cambria Math" panose="02040503050406030204" pitchFamily="18" charset="0"/>
+                  </a:rPr>
+                  <a:t>𝑝(𝐷│𝑤)</a:t>
+                </a:r>
+                <a:r>
+                  <a:rPr lang="en-US" dirty="0"/>
+                  <a:t> for a parameter </a:t>
+                </a:r>
+                <a:r>
+                  <a:rPr lang="en-US" i="0" dirty="0">
+                    <a:latin typeface="Cambria Math" panose="02040503050406030204" pitchFamily="18" charset="0"/>
+                  </a:rPr>
+                  <a:t>𝑤</a:t>
+                </a:r>
+                <a:endParaRPr lang="en-US" dirty="0"/>
+              </a:p>
+              <a:p>
+                <a:endParaRPr lang="en-US" dirty="0"/>
+              </a:p>
+            </p:txBody>
+          </p:sp>
+        </mc:Fallback>
+      </mc:AlternateContent>
+      <p:sp>
+        <p:nvSpPr>
+          <p:cNvPr id="4" name="Slide Number Placeholder 3"/>
+          <p:cNvSpPr>
+            <a:spLocks noGrp="1"/>
+          </p:cNvSpPr>
+          <p:nvPr>
+            <p:ph type="sldNum" sz="quarter" idx="5"/>
+          </p:nvPr>
+        </p:nvSpPr>
+        <p:spPr/>
+        <p:txBody>
+          <a:bodyPr/>
+          <a:lstStyle/>
+          <a:p>
+            <a:fld id="{3A502356-D99B-483A-94D6-EC27E896F7C3}" type="slidenum">
+              <a:rPr lang="en-US" smtClean="0"/>
+              <a:t>4</a:t>
+            </a:fld>
+            <a:endParaRPr lang="en-US"/>
+          </a:p>
+        </p:txBody>
+      </p:sp>
+    </p:spTree>
+    <p:extLst>
+      <p:ext uri="{BB962C8B-B14F-4D97-AF65-F5344CB8AC3E}">
+        <p14:creationId xmlns:p14="http://schemas.microsoft.com/office/powerpoint/2010/main" val="3904558063"/>
+      </p:ext>
+    </p:extLst>
+  </p:cSld>
+  <p:clrMapOvr>
+    <a:masterClrMapping/>
+  </p:clrMapOvr>
+</p:notes>
+</file>
+
+<file path=ppt/notesSlides/notesSlide3.xml><?xml version="1.0" encoding="utf-8"?>
+<p:notes xmlns:a="http://schemas.openxmlformats.org/drawingml/2006/main" xmlns:r="http://schemas.openxmlformats.org/officeDocument/2006/relationships" xmlns:p="http://schemas.openxmlformats.org/presentationml/2006/main">
+  <p:cSld>
+    <p:spTree>
+      <p:nvGrpSpPr>
+        <p:cNvPr id="1" name=""/>
+        <p:cNvGrpSpPr/>
+        <p:nvPr/>
+      </p:nvGrpSpPr>
+      <p:grpSpPr>
+        <a:xfrm>
+          <a:off x="0" y="0"/>
+          <a:ext cx="0" cy="0"/>
+          <a:chOff x="0" y="0"/>
+          <a:chExt cx="0" cy="0"/>
+        </a:xfrm>
+      </p:grpSpPr>
+      <p:sp>
+        <p:nvSpPr>
+          <p:cNvPr id="2" name="Slide Image Placeholder 1"/>
+          <p:cNvSpPr>
+            <a:spLocks noGrp="1" noRot="1" noChangeAspect="1"/>
+          </p:cNvSpPr>
+          <p:nvPr>
+            <p:ph type="sldImg"/>
+          </p:nvPr>
+        </p:nvSpPr>
+        <p:spPr/>
+      </p:sp>
+      <mc:AlternateContent xmlns:mc="http://schemas.openxmlformats.org/markup-compatibility/2006" xmlns:a14="http://schemas.microsoft.com/office/drawing/2010/main">
+        <mc:Choice Requires="a14">
+          <p:sp>
+            <p:nvSpPr>
+              <p:cNvPr id="3" name="Notes Placeholder 2"/>
+              <p:cNvSpPr>
+                <a:spLocks noGrp="1"/>
+              </p:cNvSpPr>
+              <p:nvPr>
+                <p:ph type="body" idx="1"/>
+              </p:nvPr>
+            </p:nvSpPr>
+            <p:spPr/>
+            <p:txBody>
+              <a:bodyPr/>
+              <a:lstStyle/>
+              <a:p>
+                <a:pPr marL="0" marR="0" lvl="0" indent="0" algn="l" defTabSz="914400" rtl="0" eaLnBrk="1" fontAlgn="auto" latinLnBrk="0" hangingPunct="1">
+                  <a:lnSpc>
+                    <a:spcPct val="100000"/>
+                  </a:lnSpc>
+                  <a:spcBef>
+                    <a:spcPts val="0"/>
+                  </a:spcBef>
+                  <a:spcAft>
+                    <a:spcPts val="0"/>
+                  </a:spcAft>
+                  <a:buClrTx/>
+                  <a:buSzTx/>
+                  <a:buFontTx/>
+                  <a:buNone/>
+                  <a:tabLst/>
+                  <a:defRPr/>
+                </a:pPr>
+                <a:r>
+                  <a:rPr lang="de-DE" b="0" i="0" baseline="0" dirty="0">
+                    <a:latin typeface="+mn-lt"/>
+                  </a:rPr>
+                  <a:t> </a:t>
+                </a:r>
+                <a14:m>
+                  <m:oMath xmlns:m="http://schemas.openxmlformats.org/officeDocument/2006/math">
+                    <m:sSup>
+                      <m:sSupPr>
+                        <m:ctrlPr>
+                          <a:rPr lang="de-DE" b="0" i="1" smtClean="0">
+                            <a:latin typeface="Cambria Math" panose="02040503050406030204" pitchFamily="18" charset="0"/>
+                          </a:rPr>
+                        </m:ctrlPr>
+                      </m:sSupPr>
+                      <m:e>
+                        <m:r>
+                          <a:rPr lang="de-DE" b="0" i="1" smtClean="0">
+                            <a:latin typeface="Cambria Math" panose="02040503050406030204" pitchFamily="18" charset="0"/>
+                          </a:rPr>
+                          <m:t>𝑤</m:t>
+                        </m:r>
+                      </m:e>
+                      <m:sup>
+                        <m:r>
+                          <a:rPr lang="de-DE" b="0" i="1" smtClean="0">
+                            <a:latin typeface="Cambria Math" panose="02040503050406030204" pitchFamily="18" charset="0"/>
+                          </a:rPr>
+                          <m:t>𝑇</m:t>
+                        </m:r>
+                      </m:sup>
+                    </m:sSup>
+                    <m:r>
+                      <a:rPr lang="de-DE" b="0" i="1" smtClean="0">
+                        <a:latin typeface="Cambria Math" panose="02040503050406030204" pitchFamily="18" charset="0"/>
+                      </a:rPr>
+                      <m:t>𝑥</m:t>
+                    </m:r>
+                    <m:r>
+                      <a:rPr lang="de-DE" b="0" i="1" smtClean="0">
+                        <a:latin typeface="Cambria Math" panose="02040503050406030204" pitchFamily="18" charset="0"/>
+                      </a:rPr>
+                      <m:t>+</m:t>
+                    </m:r>
+                    <m:r>
+                      <a:rPr lang="de-DE" b="0" i="1" smtClean="0">
+                        <a:latin typeface="Cambria Math" panose="02040503050406030204" pitchFamily="18" charset="0"/>
+                      </a:rPr>
+                      <m:t>𝜖</m:t>
+                    </m:r>
+                  </m:oMath>
+                </a14:m>
+                <a:r>
+                  <a:rPr lang="en-US" dirty="0"/>
+                  <a:t> – epsilon</a:t>
+                </a:r>
+                <a:r>
+                  <a:rPr lang="en-US" baseline="0" dirty="0"/>
+                  <a:t> = noise, w - model parameters</a:t>
+                </a:r>
+                <a:endParaRPr lang="en-US" dirty="0"/>
+              </a:p>
+              <a:p>
+                <a:endParaRPr lang="de-DE" b="0" i="1" dirty="0">
+                  <a:latin typeface="Cambria Math" panose="02040503050406030204" pitchFamily="18" charset="0"/>
+                </a:endParaRPr>
+              </a:p>
+              <a:p>
+                <a14:m>
+                  <m:oMath xmlns:m="http://schemas.openxmlformats.org/officeDocument/2006/math">
+                    <m:r>
+                      <a:rPr lang="de-DE" b="0" i="1" smtClean="0">
+                        <a:latin typeface="Cambria Math" panose="02040503050406030204" pitchFamily="18" charset="0"/>
+                      </a:rPr>
+                      <m:t>𝑝</m:t>
+                    </m:r>
+                    <m:r>
+                      <a:rPr lang="de-DE" b="0" i="1" smtClean="0">
+                        <a:latin typeface="Cambria Math" panose="02040503050406030204" pitchFamily="18" charset="0"/>
+                      </a:rPr>
+                      <m:t>(</m:t>
+                    </m:r>
+                    <m:sSub>
+                      <m:sSubPr>
+                        <m:ctrlPr>
+                          <a:rPr lang="de-DE" b="0" i="1" smtClean="0">
+                            <a:latin typeface="Cambria Math" panose="02040503050406030204" pitchFamily="18" charset="0"/>
+                          </a:rPr>
+                        </m:ctrlPr>
+                      </m:sSubPr>
+                      <m:e>
+                        <m:r>
+                          <a:rPr lang="de-DE" b="0" i="1" smtClean="0">
+                            <a:latin typeface="Cambria Math" panose="02040503050406030204" pitchFamily="18" charset="0"/>
+                          </a:rPr>
+                          <m:t>𝑦</m:t>
+                        </m:r>
+                      </m:e>
+                      <m:sub>
+                        <m:r>
+                          <a:rPr lang="de-DE" b="0" i="1" smtClean="0">
+                            <a:latin typeface="Cambria Math" panose="02040503050406030204" pitchFamily="18" charset="0"/>
+                          </a:rPr>
+                          <m:t>𝑖</m:t>
+                        </m:r>
+                      </m:sub>
+                    </m:sSub>
+                    <m:r>
+                      <a:rPr lang="de-DE" b="0" i="1" smtClean="0">
+                        <a:latin typeface="Cambria Math" panose="02040503050406030204" pitchFamily="18" charset="0"/>
+                      </a:rPr>
+                      <m:t>|</m:t>
+                    </m:r>
+                    <m:sSub>
+                      <m:sSubPr>
+                        <m:ctrlPr>
+                          <a:rPr lang="de-DE" b="0" i="1" smtClean="0">
+                            <a:latin typeface="Cambria Math" panose="02040503050406030204" pitchFamily="18" charset="0"/>
+                          </a:rPr>
+                        </m:ctrlPr>
+                      </m:sSubPr>
+                      <m:e>
+                        <m:r>
+                          <a:rPr lang="de-DE" b="0" i="1" smtClean="0">
+                            <a:latin typeface="Cambria Math" panose="02040503050406030204" pitchFamily="18" charset="0"/>
+                          </a:rPr>
+                          <m:t>𝑥</m:t>
+                        </m:r>
+                      </m:e>
+                      <m:sub>
+                        <m:r>
+                          <a:rPr lang="de-DE" b="0" i="1" smtClean="0">
+                            <a:latin typeface="Cambria Math" panose="02040503050406030204" pitchFamily="18" charset="0"/>
+                          </a:rPr>
+                          <m:t>𝑖</m:t>
+                        </m:r>
+                      </m:sub>
+                    </m:sSub>
+                    <m:r>
+                      <a:rPr lang="de-DE" b="0" i="1" smtClean="0">
+                        <a:latin typeface="Cambria Math" panose="02040503050406030204" pitchFamily="18" charset="0"/>
+                      </a:rPr>
+                      <m:t>, </m:t>
+                    </m:r>
+                    <m:r>
+                      <a:rPr lang="de-DE" b="0" i="1" smtClean="0">
+                        <a:latin typeface="Cambria Math" panose="02040503050406030204" pitchFamily="18" charset="0"/>
+                      </a:rPr>
+                      <m:t>𝑤</m:t>
+                    </m:r>
+                  </m:oMath>
+                </a14:m>
+                <a:r>
+                  <a:rPr lang="en-US" dirty="0"/>
+                  <a:t>) how likely</a:t>
+                </a:r>
+                <a:r>
+                  <a:rPr lang="en-US" baseline="0" dirty="0"/>
+                  <a:t> is it that the </a:t>
+                </a:r>
+                <a:r>
+                  <a:rPr lang="en-US" baseline="0" dirty="0" err="1"/>
+                  <a:t>x_i</a:t>
+                </a:r>
+                <a:r>
+                  <a:rPr lang="en-US" baseline="0" dirty="0"/>
+                  <a:t> gives rise to the </a:t>
+                </a:r>
+                <a:r>
+                  <a:rPr lang="en-US" baseline="0" dirty="0" err="1"/>
+                  <a:t>y_i</a:t>
+                </a:r>
+                <a:r>
+                  <a:rPr lang="en-US" baseline="0" dirty="0"/>
+                  <a:t> with the parameter w</a:t>
+                </a:r>
+              </a:p>
+              <a:p>
+                <a:endParaRPr lang="en-US" baseline="0" dirty="0"/>
+              </a:p>
+              <a:p>
+                <a:pPr marL="0" marR="0" lvl="0" indent="0" algn="l" defTabSz="914400" rtl="0" eaLnBrk="1" fontAlgn="auto" latinLnBrk="0" hangingPunct="1">
+                  <a:lnSpc>
+                    <a:spcPct val="100000"/>
+                  </a:lnSpc>
+                  <a:spcBef>
+                    <a:spcPts val="0"/>
+                  </a:spcBef>
+                  <a:spcAft>
+                    <a:spcPts val="0"/>
+                  </a:spcAft>
+                  <a:buClrTx/>
+                  <a:buSzTx/>
+                  <a:buFontTx/>
+                  <a:buNone/>
+                  <a:tabLst/>
+                  <a:defRPr/>
+                </a:pPr>
+                <a:r>
+                  <a:rPr lang="en-US" dirty="0"/>
+                  <a:t>MLE - Maximum Likelihood Estimation - max probability of Data </a:t>
+                </a:r>
+                <a14:m>
+                  <m:oMath xmlns:m="http://schemas.openxmlformats.org/officeDocument/2006/math">
+                    <m:r>
+                      <a:rPr lang="de-DE" b="0" i="1" smtClean="0">
+                        <a:latin typeface="Cambria Math" panose="02040503050406030204" pitchFamily="18" charset="0"/>
+                      </a:rPr>
+                      <m:t>𝑝</m:t>
+                    </m:r>
+                    <m:d>
+                      <m:dPr>
+                        <m:ctrlPr>
+                          <a:rPr lang="de-DE" b="0" i="1" smtClean="0">
+                            <a:latin typeface="Cambria Math" panose="02040503050406030204" pitchFamily="18" charset="0"/>
+                          </a:rPr>
+                        </m:ctrlPr>
+                      </m:dPr>
+                      <m:e>
+                        <m:r>
+                          <a:rPr lang="de-DE" b="0" i="1" smtClean="0">
+                            <a:latin typeface="Cambria Math" panose="02040503050406030204" pitchFamily="18" charset="0"/>
+                          </a:rPr>
+                          <m:t>𝐷</m:t>
+                        </m:r>
+                      </m:e>
+                      <m:e>
+                        <m:r>
+                          <a:rPr lang="de-DE" b="0" i="1" smtClean="0">
+                            <a:latin typeface="Cambria Math" panose="02040503050406030204" pitchFamily="18" charset="0"/>
+                          </a:rPr>
+                          <m:t>𝑤</m:t>
+                        </m:r>
+                      </m:e>
+                    </m:d>
+                  </m:oMath>
+                </a14:m>
+                <a:r>
+                  <a:rPr lang="en-US" dirty="0"/>
+                  <a:t> for a parameter </a:t>
+                </a:r>
+                <a14:m>
+                  <m:oMath xmlns:m="http://schemas.openxmlformats.org/officeDocument/2006/math">
+                    <m:r>
+                      <a:rPr lang="en-US" i="1" dirty="0" smtClean="0">
+                        <a:latin typeface="Cambria Math" panose="02040503050406030204" pitchFamily="18" charset="0"/>
+                      </a:rPr>
+                      <m:t>𝑤</m:t>
+                    </m:r>
+                  </m:oMath>
+                </a14:m>
+                <a:endParaRPr lang="en-US" dirty="0"/>
+              </a:p>
+              <a:p>
+                <a:pPr marL="0" marR="0" lvl="0" indent="0" algn="l" defTabSz="914400" rtl="0" eaLnBrk="1" fontAlgn="auto" latinLnBrk="0" hangingPunct="1">
+                  <a:lnSpc>
+                    <a:spcPct val="100000"/>
+                  </a:lnSpc>
+                  <a:spcBef>
+                    <a:spcPts val="0"/>
+                  </a:spcBef>
+                  <a:spcAft>
+                    <a:spcPts val="0"/>
+                  </a:spcAft>
+                  <a:buClrTx/>
+                  <a:buSzTx/>
+                  <a:buFontTx/>
+                  <a:buNone/>
+                  <a:tabLst/>
+                  <a:defRPr/>
+                </a:pPr>
+                <a:r>
+                  <a:rPr lang="en-US" dirty="0"/>
+                  <a:t>MAP- </a:t>
+                </a:r>
+                <a:r>
+                  <a:rPr lang="en-US" b="0" dirty="0"/>
+                  <a:t>Maximum a posteriori</a:t>
+                </a:r>
+              </a:p>
+              <a:p>
+                <a:pPr marL="0" marR="0" lvl="0" indent="0" algn="l" defTabSz="914400" rtl="0" eaLnBrk="1" fontAlgn="auto" latinLnBrk="0" hangingPunct="1">
+                  <a:lnSpc>
+                    <a:spcPct val="100000"/>
+                  </a:lnSpc>
+                  <a:spcBef>
+                    <a:spcPts val="0"/>
+                  </a:spcBef>
+                  <a:spcAft>
+                    <a:spcPts val="0"/>
+                  </a:spcAft>
+                  <a:buClrTx/>
+                  <a:buSzTx/>
+                  <a:buFontTx/>
+                  <a:buNone/>
+                  <a:tabLst/>
+                  <a:defRPr/>
+                </a:pPr>
+                <a:endParaRPr lang="en-US" b="0" dirty="0"/>
+              </a:p>
+              <a:p>
+                <a:pPr marL="0" marR="0" lvl="0" indent="0" algn="l" defTabSz="914400" rtl="0" eaLnBrk="1" fontAlgn="auto" latinLnBrk="0" hangingPunct="1">
+                  <a:lnSpc>
+                    <a:spcPct val="100000"/>
+                  </a:lnSpc>
+                  <a:spcBef>
+                    <a:spcPts val="0"/>
+                  </a:spcBef>
+                  <a:spcAft>
+                    <a:spcPts val="0"/>
+                  </a:spcAft>
+                  <a:buClrTx/>
+                  <a:buSzTx/>
+                  <a:buFontTx/>
+                  <a:buNone/>
+                  <a:tabLst/>
+                  <a:defRPr/>
+                </a:pPr>
+                <a:r>
+                  <a:rPr lang="en-US" b="0" dirty="0"/>
+                  <a:t>Assume Gaussian probability in MLE -&gt; p</a:t>
+                </a:r>
+              </a:p>
+              <a:p>
+                <a:pPr marL="0" marR="0" lvl="0" indent="0" algn="l" defTabSz="914400" rtl="0" eaLnBrk="1" fontAlgn="auto" latinLnBrk="0" hangingPunct="1">
+                  <a:lnSpc>
+                    <a:spcPct val="100000"/>
+                  </a:lnSpc>
+                  <a:spcBef>
+                    <a:spcPts val="0"/>
+                  </a:spcBef>
+                  <a:spcAft>
+                    <a:spcPts val="0"/>
+                  </a:spcAft>
+                  <a:buClrTx/>
+                  <a:buSzTx/>
+                  <a:buFontTx/>
+                  <a:buNone/>
+                  <a:tabLst/>
+                  <a:defRPr/>
+                </a:pPr>
+                <a:r>
+                  <a:rPr lang="en-US" b="0" dirty="0"/>
+                  <a:t>Last line -&gt; How do we come to the conclusion </a:t>
+                </a:r>
+                <a14:m>
+                  <m:oMath xmlns:m="http://schemas.openxmlformats.org/officeDocument/2006/math">
+                    <m:r>
+                      <a:rPr lang="de-DE" b="0" i="1" smtClean="0">
+                        <a:latin typeface="Cambria Math" panose="02040503050406030204" pitchFamily="18" charset="0"/>
+                      </a:rPr>
+                      <m:t>𝑝</m:t>
+                    </m:r>
+                    <m:d>
+                      <m:dPr>
+                        <m:ctrlPr>
+                          <a:rPr lang="de-DE" b="0" i="1" smtClean="0">
+                            <a:latin typeface="Cambria Math" panose="02040503050406030204" pitchFamily="18" charset="0"/>
+                          </a:rPr>
+                        </m:ctrlPr>
+                      </m:dPr>
+                      <m:e>
+                        <m:r>
+                          <a:rPr lang="de-DE" b="0" i="1" smtClean="0">
+                            <a:latin typeface="Cambria Math" panose="02040503050406030204" pitchFamily="18" charset="0"/>
+                          </a:rPr>
+                          <m:t>𝑤</m:t>
+                        </m:r>
+                      </m:e>
+                      <m:e>
+                        <m:r>
+                          <a:rPr lang="de-DE" b="0" i="1" smtClean="0">
+                            <a:latin typeface="Cambria Math" panose="02040503050406030204" pitchFamily="18" charset="0"/>
+                          </a:rPr>
+                          <m:t>𝐷</m:t>
+                        </m:r>
+                      </m:e>
+                    </m:d>
+                    <m:r>
+                      <a:rPr lang="de-DE" b="0" i="0" smtClean="0">
+                        <a:latin typeface="Cambria Math" panose="02040503050406030204" pitchFamily="18" charset="0"/>
+                      </a:rPr>
+                      <m:t>~</m:t>
+                    </m:r>
+                    <m:r>
+                      <a:rPr lang="de-DE" b="0" i="1" smtClean="0">
+                        <a:latin typeface="Cambria Math" panose="02040503050406030204" pitchFamily="18" charset="0"/>
+                      </a:rPr>
+                      <m:t>𝒩</m:t>
+                    </m:r>
+                    <m:r>
+                      <a:rPr lang="de-DE" b="0" i="1" smtClean="0">
+                        <a:latin typeface="Cambria Math" panose="02040503050406030204" pitchFamily="18" charset="0"/>
+                      </a:rPr>
+                      <m:t>(</m:t>
+                    </m:r>
+                    <m:r>
+                      <a:rPr lang="de-DE" b="0" i="1" smtClean="0">
+                        <a:latin typeface="Cambria Math" panose="02040503050406030204" pitchFamily="18" charset="0"/>
+                      </a:rPr>
+                      <m:t>𝜇</m:t>
+                    </m:r>
+                    <m:r>
+                      <a:rPr lang="de-DE" b="0" i="1" smtClean="0">
+                        <a:latin typeface="Cambria Math" panose="02040503050406030204" pitchFamily="18" charset="0"/>
+                      </a:rPr>
+                      <m:t>, </m:t>
+                    </m:r>
+                    <m:r>
+                      <m:rPr>
+                        <m:sty m:val="p"/>
+                      </m:rPr>
+                      <a:rPr lang="de-DE" b="0" i="0" smtClean="0">
+                        <a:latin typeface="Cambria Math" panose="02040503050406030204" pitchFamily="18" charset="0"/>
+                      </a:rPr>
+                      <m:t>Σ</m:t>
+                    </m:r>
+                    <m:r>
+                      <a:rPr lang="de-DE" b="0" i="0" smtClean="0">
+                        <a:latin typeface="Cambria Math" panose="02040503050406030204" pitchFamily="18" charset="0"/>
+                      </a:rPr>
+                      <m:t>)</m:t>
+                    </m:r>
+                  </m:oMath>
+                </a14:m>
+                <a:endParaRPr lang="en-US" b="0" dirty="0"/>
+              </a:p>
+              <a:p>
+                <a:r>
+                  <a:rPr lang="en-US" b="0" dirty="0"/>
+                  <a:t> </a:t>
+                </a:r>
+              </a:p>
+            </p:txBody>
+          </p:sp>
+        </mc:Choice>
+        <mc:Fallback xmlns="">
+          <p:sp>
+            <p:nvSpPr>
+              <p:cNvPr id="3" name="Notes Placeholder 2"/>
+              <p:cNvSpPr>
+                <a:spLocks noGrp="1"/>
+              </p:cNvSpPr>
+              <p:nvPr>
+                <p:ph type="body" idx="1"/>
+              </p:nvPr>
+            </p:nvSpPr>
+            <p:spPr/>
+            <p:txBody>
+              <a:bodyPr/>
+              <a:lstStyle/>
+              <a:p>
+                <a:pPr marL="0" marR="0" lvl="0" indent="0" algn="l" defTabSz="914400" rtl="0" eaLnBrk="1" fontAlgn="auto" latinLnBrk="0" hangingPunct="1">
+                  <a:lnSpc>
+                    <a:spcPct val="100000"/>
+                  </a:lnSpc>
+                  <a:spcBef>
+                    <a:spcPts val="0"/>
+                  </a:spcBef>
+                  <a:spcAft>
+                    <a:spcPts val="0"/>
+                  </a:spcAft>
+                  <a:buClrTx/>
+                  <a:buSzTx/>
+                  <a:buFontTx/>
+                  <a:buNone/>
+                  <a:tabLst/>
+                  <a:defRPr/>
+                </a:pPr>
+                <a:r>
+                  <a:rPr lang="de-DE" b="0" i="0" baseline="0" dirty="0">
+                    <a:latin typeface="+mn-lt"/>
+                  </a:rPr>
+                  <a:t> </a:t>
+                </a:r>
+                <a:r>
+                  <a:rPr lang="de-DE" b="0" i="0">
+                    <a:latin typeface="Cambria Math" panose="02040503050406030204" pitchFamily="18" charset="0"/>
+                  </a:rPr>
+                  <a:t>𝑤^𝑇 𝑥+𝜖</a:t>
+                </a:r>
+                <a:r>
+                  <a:rPr lang="en-US" dirty="0"/>
+                  <a:t> – epsilon</a:t>
+                </a:r>
+                <a:r>
+                  <a:rPr lang="en-US" baseline="0" dirty="0"/>
+                  <a:t> = noise, w - model parameters</a:t>
+                </a:r>
+                <a:endParaRPr lang="en-US" dirty="0"/>
+              </a:p>
+              <a:p>
+                <a:endParaRPr lang="de-DE" b="0" i="1" dirty="0">
+                  <a:latin typeface="Cambria Math" panose="02040503050406030204" pitchFamily="18" charset="0"/>
+                </a:endParaRPr>
+              </a:p>
+              <a:p>
+                <a:r>
+                  <a:rPr lang="de-DE" b="0" i="0">
+                    <a:latin typeface="Cambria Math" panose="02040503050406030204" pitchFamily="18" charset="0"/>
+                  </a:rPr>
+                  <a:t>𝑝(𝑦_𝑖 |𝑥_𝑖, 𝑤</a:t>
+                </a:r>
+                <a:r>
+                  <a:rPr lang="en-US" dirty="0"/>
+                  <a:t>) how likely</a:t>
+                </a:r>
+                <a:r>
+                  <a:rPr lang="en-US" baseline="0" dirty="0"/>
+                  <a:t> is it that the </a:t>
+                </a:r>
+                <a:r>
+                  <a:rPr lang="en-US" baseline="0" dirty="0" err="1"/>
+                  <a:t>x_i</a:t>
+                </a:r>
+                <a:r>
+                  <a:rPr lang="en-US" baseline="0" dirty="0"/>
+                  <a:t> gives rise to the </a:t>
+                </a:r>
+                <a:r>
+                  <a:rPr lang="en-US" baseline="0" dirty="0" err="1"/>
+                  <a:t>y_i</a:t>
+                </a:r>
+                <a:r>
+                  <a:rPr lang="en-US" baseline="0" dirty="0"/>
+                  <a:t> with the parameter w</a:t>
+                </a:r>
+              </a:p>
+              <a:p>
+                <a:endParaRPr lang="en-US" baseline="0" dirty="0"/>
+              </a:p>
+              <a:p>
+                <a:pPr marL="0" marR="0" lvl="0" indent="0" algn="l" defTabSz="914400" rtl="0" eaLnBrk="1" fontAlgn="auto" latinLnBrk="0" hangingPunct="1">
+                  <a:lnSpc>
+                    <a:spcPct val="100000"/>
+                  </a:lnSpc>
+                  <a:spcBef>
+                    <a:spcPts val="0"/>
+                  </a:spcBef>
+                  <a:spcAft>
+                    <a:spcPts val="0"/>
+                  </a:spcAft>
+                  <a:buClrTx/>
+                  <a:buSzTx/>
+                  <a:buFontTx/>
+                  <a:buNone/>
+                  <a:tabLst/>
+                  <a:defRPr/>
+                </a:pPr>
+                <a:r>
+                  <a:rPr lang="en-US" dirty="0"/>
+                  <a:t>MLE - max probability of Data </a:t>
+                </a:r>
+                <a:r>
+                  <a:rPr lang="de-DE" b="0" i="0">
+                    <a:latin typeface="Cambria Math" panose="02040503050406030204" pitchFamily="18" charset="0"/>
+                  </a:rPr>
+                  <a:t>𝑝(𝐷│𝑤)</a:t>
+                </a:r>
+                <a:r>
+                  <a:rPr lang="en-US" dirty="0"/>
+                  <a:t> for a parameter </a:t>
+                </a:r>
+                <a:r>
+                  <a:rPr lang="en-US" i="0" dirty="0">
+                    <a:latin typeface="Cambria Math" panose="02040503050406030204" pitchFamily="18" charset="0"/>
+                  </a:rPr>
+                  <a:t>𝑤</a:t>
+                </a:r>
+                <a:endParaRPr lang="en-US" dirty="0"/>
+              </a:p>
+              <a:p>
+                <a:endParaRPr lang="en-US" dirty="0"/>
+              </a:p>
+            </p:txBody>
+          </p:sp>
+        </mc:Fallback>
+      </mc:AlternateContent>
+      <p:sp>
+        <p:nvSpPr>
+          <p:cNvPr id="4" name="Slide Number Placeholder 3"/>
+          <p:cNvSpPr>
+            <a:spLocks noGrp="1"/>
+          </p:cNvSpPr>
+          <p:nvPr>
+            <p:ph type="sldNum" sz="quarter" idx="5"/>
+          </p:nvPr>
+        </p:nvSpPr>
+        <p:spPr/>
+        <p:txBody>
+          <a:bodyPr/>
+          <a:lstStyle/>
+          <a:p>
+            <a:fld id="{3A502356-D99B-483A-94D6-EC27E896F7C3}" type="slidenum">
+              <a:rPr lang="en-US" smtClean="0"/>
+              <a:t>5</a:t>
+            </a:fld>
+            <a:endParaRPr lang="en-US"/>
+          </a:p>
+        </p:txBody>
+      </p:sp>
+    </p:spTree>
+    <p:extLst>
+      <p:ext uri="{BB962C8B-B14F-4D97-AF65-F5344CB8AC3E}">
+        <p14:creationId xmlns:p14="http://schemas.microsoft.com/office/powerpoint/2010/main" val="2372621898"/>
+      </p:ext>
+    </p:extLst>
+  </p:cSld>
+  <p:clrMapOvr>
+    <a:masterClrMapping/>
+  </p:clrMapOvr>
+</p:notes>
+</file>
+
+<file path=ppt/notesSlides/notesSlide4.xml><?xml version="1.0" encoding="utf-8"?>
+<p:notes xmlns:a="http://schemas.openxmlformats.org/drawingml/2006/main" xmlns:r="http://schemas.openxmlformats.org/officeDocument/2006/relationships" xmlns:p="http://schemas.openxmlformats.org/presentationml/2006/main">
+  <p:cSld>
+    <p:spTree>
+      <p:nvGrpSpPr>
+        <p:cNvPr id="1" name=""/>
+        <p:cNvGrpSpPr/>
+        <p:nvPr/>
+      </p:nvGrpSpPr>
+      <p:grpSpPr>
+        <a:xfrm>
+          <a:off x="0" y="0"/>
+          <a:ext cx="0" cy="0"/>
+          <a:chOff x="0" y="0"/>
+          <a:chExt cx="0" cy="0"/>
+        </a:xfrm>
+      </p:grpSpPr>
+      <p:sp>
+        <p:nvSpPr>
+          <p:cNvPr id="2" name="Slide Image Placeholder 1"/>
+          <p:cNvSpPr>
+            <a:spLocks noGrp="1" noRot="1" noChangeAspect="1"/>
+          </p:cNvSpPr>
+          <p:nvPr>
+            <p:ph type="sldImg"/>
+          </p:nvPr>
+        </p:nvSpPr>
+        <p:spPr/>
+      </p:sp>
+      <p:sp>
+        <p:nvSpPr>
+          <p:cNvPr id="3" name="Notes Placeholder 2"/>
+          <p:cNvSpPr>
+            <a:spLocks noGrp="1"/>
+          </p:cNvSpPr>
+          <p:nvPr>
+            <p:ph type="body" idx="1"/>
+          </p:nvPr>
+        </p:nvSpPr>
+        <p:spPr/>
+        <p:txBody>
+          <a:bodyPr/>
+          <a:lstStyle/>
+          <a:p>
+            <a:endParaRPr lang="en-US" dirty="0"/>
+          </a:p>
+        </p:txBody>
+      </p:sp>
+      <p:sp>
+        <p:nvSpPr>
+          <p:cNvPr id="4" name="Slide Number Placeholder 3"/>
+          <p:cNvSpPr>
+            <a:spLocks noGrp="1"/>
+          </p:cNvSpPr>
+          <p:nvPr>
+            <p:ph type="sldNum" sz="quarter" idx="5"/>
+          </p:nvPr>
+        </p:nvSpPr>
+        <p:spPr/>
+        <p:txBody>
+          <a:bodyPr/>
+          <a:lstStyle/>
+          <a:p>
+            <a:fld id="{3A502356-D99B-483A-94D6-EC27E896F7C3}" type="slidenum">
+              <a:rPr lang="en-US" smtClean="0"/>
+              <a:t>6</a:t>
+            </a:fld>
+            <a:endParaRPr lang="en-US"/>
+          </a:p>
+        </p:txBody>
+      </p:sp>
+    </p:spTree>
+    <p:extLst>
+      <p:ext uri="{BB962C8B-B14F-4D97-AF65-F5344CB8AC3E}">
+        <p14:creationId xmlns:p14="http://schemas.microsoft.com/office/powerpoint/2010/main" val="1733766471"/>
+      </p:ext>
+    </p:extLst>
+  </p:cSld>
+  <p:clrMapOvr>
+    <a:masterClrMapping/>
+  </p:clrMapOvr>
+</p:notes>
+</file>
+
+<file path=ppt/notesSlides/notesSlide5.xml><?xml version="1.0" encoding="utf-8"?>
+<p:notes xmlns:a="http://schemas.openxmlformats.org/drawingml/2006/main" xmlns:r="http://schemas.openxmlformats.org/officeDocument/2006/relationships" xmlns:p="http://schemas.openxmlformats.org/presentationml/2006/main">
+  <p:cSld>
+    <p:spTree>
+      <p:nvGrpSpPr>
+        <p:cNvPr id="1" name=""/>
+        <p:cNvGrpSpPr/>
+        <p:nvPr/>
+      </p:nvGrpSpPr>
+      <p:grpSpPr>
+        <a:xfrm>
+          <a:off x="0" y="0"/>
+          <a:ext cx="0" cy="0"/>
+          <a:chOff x="0" y="0"/>
+          <a:chExt cx="0" cy="0"/>
+        </a:xfrm>
+      </p:grpSpPr>
+      <p:sp>
+        <p:nvSpPr>
+          <p:cNvPr id="2" name="Slide Image Placeholder 1"/>
+          <p:cNvSpPr>
+            <a:spLocks noGrp="1" noRot="1" noChangeAspect="1"/>
+          </p:cNvSpPr>
+          <p:nvPr>
+            <p:ph type="sldImg"/>
+          </p:nvPr>
+        </p:nvSpPr>
+        <p:spPr/>
+      </p:sp>
+      <p:sp>
+        <p:nvSpPr>
+          <p:cNvPr id="3" name="Notes Placeholder 2"/>
+          <p:cNvSpPr>
+            <a:spLocks noGrp="1"/>
+          </p:cNvSpPr>
+          <p:nvPr>
+            <p:ph type="body" idx="1"/>
+          </p:nvPr>
+        </p:nvSpPr>
+        <p:spPr/>
+        <p:txBody>
+          <a:bodyPr/>
+          <a:lstStyle/>
+          <a:p>
+            <a:r>
+              <a:rPr lang="en-US" dirty="0"/>
+              <a:t>Marginalization tells us that the posterior </a:t>
+            </a:r>
+            <a:r>
+              <a:rPr lang="en-US" dirty="0" err="1"/>
+              <a:t>distributioin</a:t>
+            </a:r>
+            <a:r>
+              <a:rPr lang="en-US" dirty="0"/>
+              <a:t> p(</a:t>
+            </a:r>
+            <a:r>
+              <a:rPr lang="en-US" dirty="0" err="1"/>
+              <a:t>w|D</a:t>
+            </a:r>
+            <a:r>
+              <a:rPr lang="en-US" dirty="0"/>
+              <a:t>) is also gaussian distributed with some mean and some covariance matrix</a:t>
+            </a:r>
+          </a:p>
+        </p:txBody>
+      </p:sp>
+      <p:sp>
+        <p:nvSpPr>
+          <p:cNvPr id="4" name="Slide Number Placeholder 3"/>
+          <p:cNvSpPr>
+            <a:spLocks noGrp="1"/>
+          </p:cNvSpPr>
+          <p:nvPr>
+            <p:ph type="sldNum" sz="quarter" idx="5"/>
+          </p:nvPr>
+        </p:nvSpPr>
+        <p:spPr/>
+        <p:txBody>
+          <a:bodyPr/>
+          <a:lstStyle/>
+          <a:p>
+            <a:fld id="{3A502356-D99B-483A-94D6-EC27E896F7C3}" type="slidenum">
+              <a:rPr lang="en-US" smtClean="0"/>
+              <a:t>7</a:t>
+            </a:fld>
+            <a:endParaRPr lang="en-US"/>
+          </a:p>
+        </p:txBody>
+      </p:sp>
+    </p:spTree>
+    <p:extLst>
+      <p:ext uri="{BB962C8B-B14F-4D97-AF65-F5344CB8AC3E}">
+        <p14:creationId xmlns:p14="http://schemas.microsoft.com/office/powerpoint/2010/main" val="2974901179"/>
+      </p:ext>
+    </p:extLst>
+  </p:cSld>
+  <p:clrMapOvr>
+    <a:masterClrMapping/>
+  </p:clrMapOvr>
+</p:notes>
+</file>
+
+<file path=ppt/notesSlides/notesSlide6.xml><?xml version="1.0" encoding="utf-8"?>
+<p:notes xmlns:a="http://schemas.openxmlformats.org/drawingml/2006/main" xmlns:r="http://schemas.openxmlformats.org/officeDocument/2006/relationships" xmlns:p="http://schemas.openxmlformats.org/presentationml/2006/main">
+  <p:cSld>
+    <p:spTree>
+      <p:nvGrpSpPr>
+        <p:cNvPr id="1" name=""/>
+        <p:cNvGrpSpPr/>
+        <p:nvPr/>
+      </p:nvGrpSpPr>
+      <p:grpSpPr>
+        <a:xfrm>
+          <a:off x="0" y="0"/>
+          <a:ext cx="0" cy="0"/>
+          <a:chOff x="0" y="0"/>
+          <a:chExt cx="0" cy="0"/>
+        </a:xfrm>
+      </p:grpSpPr>
+      <p:sp>
+        <p:nvSpPr>
+          <p:cNvPr id="2" name="Slide Image Placeholder 1"/>
+          <p:cNvSpPr>
+            <a:spLocks noGrp="1" noRot="1" noChangeAspect="1"/>
+          </p:cNvSpPr>
+          <p:nvPr>
+            <p:ph type="sldImg"/>
+          </p:nvPr>
+        </p:nvSpPr>
+        <p:spPr/>
+      </p:sp>
       <mc:AlternateContent xmlns:mc="http://schemas.openxmlformats.org/markup-compatibility/2006">
         <mc:Choice xmlns:a14="http://schemas.microsoft.com/office/drawing/2010/main" Requires="a14">
           <p:sp>
@@ -1222,185 +2835,9 @@
                   <a:defRPr/>
                 </a:pPr>
                 <a:r>
-                  <a:rPr lang="de-DE" b="0" i="0" baseline="0" dirty="0">
-                    <a:latin typeface="+mn-lt"/>
-                  </a:rPr>
-                  <a:t> </a:t>
-                </a:r>
-                <a14:m>
-                  <m:oMath xmlns:m="http://schemas.openxmlformats.org/officeDocument/2006/math">
-                    <m:sSup>
-                      <m:sSupPr>
-                        <m:ctrlPr>
-                          <a:rPr lang="de-DE" b="0" i="1" smtClean="0">
-                            <a:latin typeface="Cambria Math" panose="02040503050406030204" pitchFamily="18" charset="0"/>
-                          </a:rPr>
-                        </m:ctrlPr>
-                      </m:sSupPr>
-                      <m:e>
-                        <m:r>
-                          <a:rPr lang="de-DE" b="0" i="1" smtClean="0">
-                            <a:latin typeface="Cambria Math" panose="02040503050406030204" pitchFamily="18" charset="0"/>
-                          </a:rPr>
-                          <m:t>𝑤</m:t>
-                        </m:r>
-                      </m:e>
-                      <m:sup>
-                        <m:r>
-                          <a:rPr lang="de-DE" b="0" i="1" smtClean="0">
-                            <a:latin typeface="Cambria Math" panose="02040503050406030204" pitchFamily="18" charset="0"/>
-                          </a:rPr>
-                          <m:t>𝑇</m:t>
-                        </m:r>
-                      </m:sup>
-                    </m:sSup>
-                    <m:r>
-                      <a:rPr lang="de-DE" b="0" i="1" smtClean="0">
-                        <a:latin typeface="Cambria Math" panose="02040503050406030204" pitchFamily="18" charset="0"/>
-                      </a:rPr>
-                      <m:t>𝑥</m:t>
-                    </m:r>
-                    <m:r>
-                      <a:rPr lang="de-DE" b="0" i="1" smtClean="0">
-                        <a:latin typeface="Cambria Math" panose="02040503050406030204" pitchFamily="18" charset="0"/>
-                      </a:rPr>
-                      <m:t>+</m:t>
-                    </m:r>
-                    <m:r>
-                      <a:rPr lang="de-DE" b="0" i="1" smtClean="0">
-                        <a:latin typeface="Cambria Math" panose="02040503050406030204" pitchFamily="18" charset="0"/>
-                      </a:rPr>
-                      <m:t>𝜖</m:t>
-                    </m:r>
-                  </m:oMath>
-                </a14:m>
-                <a:r>
                   <a:rPr lang="en-US" dirty="0"/>
-                  <a:t> – epsilon</a:t>
-                </a:r>
-                <a:r>
-                  <a:rPr lang="en-US" baseline="0" dirty="0"/>
-                  <a:t> = noise, w - model parameters</a:t>
-                </a:r>
-                <a:endParaRPr lang="en-US" dirty="0"/>
-              </a:p>
-              <a:p>
-                <a:endParaRPr lang="de-DE" b="0" i="1" dirty="0">
-                  <a:latin typeface="Cambria Math" panose="02040503050406030204" pitchFamily="18" charset="0"/>
-                </a:endParaRPr>
-              </a:p>
-              <a:p>
-                <a14:m>
-                  <m:oMath xmlns:m="http://schemas.openxmlformats.org/officeDocument/2006/math">
-                    <m:r>
-                      <a:rPr lang="de-DE" b="0" i="1" smtClean="0">
-                        <a:latin typeface="Cambria Math" panose="02040503050406030204" pitchFamily="18" charset="0"/>
-                      </a:rPr>
-                      <m:t>𝑝</m:t>
-                    </m:r>
-                    <m:r>
-                      <a:rPr lang="de-DE" b="0" i="1" smtClean="0">
-                        <a:latin typeface="Cambria Math" panose="02040503050406030204" pitchFamily="18" charset="0"/>
-                      </a:rPr>
-                      <m:t>(</m:t>
-                    </m:r>
-                    <m:sSub>
-                      <m:sSubPr>
-                        <m:ctrlPr>
-                          <a:rPr lang="de-DE" b="0" i="1" smtClean="0">
-                            <a:latin typeface="Cambria Math" panose="02040503050406030204" pitchFamily="18" charset="0"/>
-                          </a:rPr>
-                        </m:ctrlPr>
-                      </m:sSubPr>
-                      <m:e>
-                        <m:r>
-                          <a:rPr lang="de-DE" b="0" i="1" smtClean="0">
-                            <a:latin typeface="Cambria Math" panose="02040503050406030204" pitchFamily="18" charset="0"/>
-                          </a:rPr>
-                          <m:t>𝑦</m:t>
-                        </m:r>
-                      </m:e>
-                      <m:sub>
-                        <m:r>
-                          <a:rPr lang="de-DE" b="0" i="1" smtClean="0">
-                            <a:latin typeface="Cambria Math" panose="02040503050406030204" pitchFamily="18" charset="0"/>
-                          </a:rPr>
-                          <m:t>𝑖</m:t>
-                        </m:r>
-                      </m:sub>
-                    </m:sSub>
-                    <m:r>
-                      <a:rPr lang="de-DE" b="0" i="1" smtClean="0">
-                        <a:latin typeface="Cambria Math" panose="02040503050406030204" pitchFamily="18" charset="0"/>
-                      </a:rPr>
-                      <m:t>|</m:t>
-                    </m:r>
-                    <m:sSub>
-                      <m:sSubPr>
-                        <m:ctrlPr>
-                          <a:rPr lang="de-DE" b="0" i="1" smtClean="0">
-                            <a:latin typeface="Cambria Math" panose="02040503050406030204" pitchFamily="18" charset="0"/>
-                          </a:rPr>
-                        </m:ctrlPr>
-                      </m:sSubPr>
-                      <m:e>
-                        <m:r>
-                          <a:rPr lang="de-DE" b="0" i="1" smtClean="0">
-                            <a:latin typeface="Cambria Math" panose="02040503050406030204" pitchFamily="18" charset="0"/>
-                          </a:rPr>
-                          <m:t>𝑥</m:t>
-                        </m:r>
-                      </m:e>
-                      <m:sub>
-                        <m:r>
-                          <a:rPr lang="de-DE" b="0" i="1" smtClean="0">
-                            <a:latin typeface="Cambria Math" panose="02040503050406030204" pitchFamily="18" charset="0"/>
-                          </a:rPr>
-                          <m:t>𝑖</m:t>
-                        </m:r>
-                      </m:sub>
-                    </m:sSub>
-                    <m:r>
-                      <a:rPr lang="de-DE" b="0" i="1" smtClean="0">
-                        <a:latin typeface="Cambria Math" panose="02040503050406030204" pitchFamily="18" charset="0"/>
-                      </a:rPr>
-                      <m:t>, </m:t>
-                    </m:r>
-                    <m:r>
-                      <a:rPr lang="de-DE" b="0" i="1" smtClean="0">
-                        <a:latin typeface="Cambria Math" panose="02040503050406030204" pitchFamily="18" charset="0"/>
-                      </a:rPr>
-                      <m:t>𝑤</m:t>
-                    </m:r>
-                  </m:oMath>
-                </a14:m>
-                <a:r>
-                  <a:rPr lang="en-US" dirty="0"/>
-                  <a:t>) how likely</a:t>
-                </a:r>
-                <a:r>
-                  <a:rPr lang="en-US" baseline="0" dirty="0"/>
-                  <a:t> is it that the </a:t>
-                </a:r>
-                <a:r>
-                  <a:rPr lang="en-US" baseline="0" dirty="0" err="1"/>
-                  <a:t>x_i</a:t>
-                </a:r>
-                <a:r>
-                  <a:rPr lang="en-US" baseline="0" dirty="0"/>
-                  <a:t> gives rise to the </a:t>
-                </a:r>
-                <a:r>
-                  <a:rPr lang="en-US" baseline="0" dirty="0" err="1"/>
-                  <a:t>y_i</a:t>
-                </a:r>
-                <a:r>
-                  <a:rPr lang="en-US" baseline="0" dirty="0"/>
-                  <a:t> with the parameter w</a:t>
-                </a:r>
-              </a:p>
-              <a:p>
-                <a:endParaRPr lang="en-US" baseline="0" dirty="0"/>
+                  <a:t>(or vice versa) conditioning </a:t>
+                </a:r>
               </a:p>
               <a:p>
                 <a:pPr marL="0" marR="0" lvl="0" indent="0" algn="l" defTabSz="914400" rtl="0" eaLnBrk="1" fontAlgn="auto" latinLnBrk="0" hangingPunct="1">
@@ -1420,56 +2857,68 @@
                   <a:tabLst/>
                   <a:defRPr/>
                 </a:pPr>
+                <a:endParaRPr lang="en-US" dirty="0"/>
+              </a:p>
+              <a:p>
                 <a:r>
                   <a:rPr lang="en-US" dirty="0"/>
-                  <a:t>MLE - max probability of Data </a:t>
+                  <a:t>Cornerstone of GP </a:t>
+                </a:r>
+              </a:p>
+              <a:p>
+                <a:pPr marL="0" marR="0" lvl="0" indent="0" algn="l" defTabSz="914400" rtl="0" eaLnBrk="1" fontAlgn="auto" latinLnBrk="0" hangingPunct="1">
+                  <a:lnSpc>
+                    <a:spcPct val="100000"/>
+                  </a:lnSpc>
+                  <a:spcBef>
+                    <a:spcPts val="0"/>
+                  </a:spcBef>
+                  <a:spcAft>
+                    <a:spcPts val="0"/>
+                  </a:spcAft>
+                  <a:buClrTx/>
+                  <a:buSzTx/>
+                  <a:buFontTx/>
+                  <a:buNone/>
+                  <a:tabLst/>
+                  <a:defRPr/>
+                </a:pPr>
+                <a:r>
+                  <a:rPr lang="en-US" dirty="0"/>
+                  <a:t>Last line assume </a:t>
                 </a:r>
                 <a14:m>
                   <m:oMath xmlns:m="http://schemas.openxmlformats.org/officeDocument/2006/math">
-                    <m:r>
-                      <a:rPr lang="de-DE" b="0" i="1" smtClean="0">
-                        <a:latin typeface="Cambria Math" panose="02040503050406030204" pitchFamily="18" charset="0"/>
-                      </a:rPr>
-                      <m:t>𝑝</m:t>
-                    </m:r>
-                    <m:d>
-                      <m:dPr>
+                    <m:sSub>
+                      <m:sSubPr>
                         <m:ctrlPr>
                           <a:rPr lang="de-DE" b="0" i="1" smtClean="0">
                             <a:latin typeface="Cambria Math" panose="02040503050406030204" pitchFamily="18" charset="0"/>
                           </a:rPr>
                         </m:ctrlPr>
-                      </m:dPr>
+                      </m:sSubPr>
                       <m:e>
                         <m:r>
                           <a:rPr lang="de-DE" b="0" i="1" smtClean="0">
                             <a:latin typeface="Cambria Math" panose="02040503050406030204" pitchFamily="18" charset="0"/>
                           </a:rPr>
-                          <m:t>𝐷</m:t>
+                          <m:t>𝜇</m:t>
                         </m:r>
                       </m:e>
-                      <m:e>
+                      <m:sub>
                         <m:r>
                           <a:rPr lang="de-DE" b="0" i="1" smtClean="0">
                             <a:latin typeface="Cambria Math" panose="02040503050406030204" pitchFamily="18" charset="0"/>
                           </a:rPr>
-                          <m:t>𝑤</m:t>
+                          <m:t>𝑌</m:t>
                         </m:r>
-                      </m:e>
-                    </m:d>
-                  </m:oMath>
-                </a14:m>
-                <a:r>
-                  <a:rPr lang="en-US" dirty="0"/>
-                  <a:t> for a parameter </a:t>
-                </a:r>
-                <a14:m>
-                  <m:oMath xmlns:m="http://schemas.openxmlformats.org/officeDocument/2006/math">
-                    <m:r>
-                      <a:rPr lang="en-US" i="1" dirty="0" smtClean="0">
-                        <a:latin typeface="Cambria Math" panose="02040503050406030204" pitchFamily="18" charset="0"/>
-                      </a:rPr>
-                      <m:t>𝑤</m:t>
+                      </m:sub>
+                    </m:sSub>
+                    <m:r>
+                      <a:rPr lang="de-DE" b="0" i="1" smtClean="0">
+                        <a:latin typeface="Cambria Math" panose="02040503050406030204" pitchFamily="18" charset="0"/>
+                      </a:rPr>
+                      <m:t>=0</m:t>
                     </m:r>
                   </m:oMath>
                 </a14:m>
@@ -1515,66 +2964,9 @@
                   <a:defRPr/>
                 </a:pPr>
                 <a:r>
-                  <a:rPr lang="de-DE" b="0" i="0" baseline="0" dirty="0">
-                    <a:latin typeface="+mn-lt"/>
-                  </a:rPr>
-                  <a:t> </a:t>
-                </a:r>
-                <a:r>
-                  <a:rPr lang="de-DE" b="0" i="0">
-                    <a:latin typeface="Cambria Math" panose="02040503050406030204" pitchFamily="18" charset="0"/>
-                  </a:rPr>
-                  <a:t>𝑤^𝑇 𝑥+𝜖</a:t>
-                </a:r>
-                <a:r>
                   <a:rPr lang="en-US" dirty="0"/>
-                  <a:t> – epsilon</a:t>
-                </a:r>
-                <a:r>
-                  <a:rPr lang="en-US" baseline="0" dirty="0"/>
-                  <a:t> = noise, w - model parameters</a:t>
-                </a:r>
-                <a:endParaRPr lang="en-US" dirty="0"/>
-              </a:p>
-              <a:p>
-                <a:endParaRPr lang="de-DE" b="0" i="1" dirty="0">
-                  <a:latin typeface="Cambria Math" panose="02040503050406030204" pitchFamily="18" charset="0"/>
-                </a:endParaRPr>
-              </a:p>
-              <a:p>
-                <a:r>
-                  <a:rPr lang="de-DE" b="0" i="0">
-                    <a:latin typeface="Cambria Math" panose="02040503050406030204" pitchFamily="18" charset="0"/>
-                  </a:rPr>
-                  <a:t>𝑝(𝑦_𝑖 |𝑥_𝑖, 𝑤</a:t>
-                </a:r>
-                <a:r>
-                  <a:rPr lang="en-US" dirty="0"/>
-                  <a:t>) how likely</a:t>
-                </a:r>
-                <a:r>
-                  <a:rPr lang="en-US" baseline="0" dirty="0"/>
-                  <a:t> is it that the </a:t>
-                </a:r>
-                <a:r>
-                  <a:rPr lang="en-US" baseline="0" dirty="0" err="1"/>
-                  <a:t>x_i</a:t>
-                </a:r>
-                <a:r>
-                  <a:rPr lang="en-US" baseline="0" dirty="0"/>
-                  <a:t> gives rise to the </a:t>
-                </a:r>
-                <a:r>
-                  <a:rPr lang="en-US" baseline="0" dirty="0" err="1"/>
-                  <a:t>y_i</a:t>
-                </a:r>
-                <a:r>
-                  <a:rPr lang="en-US" baseline="0" dirty="0"/>
-                  <a:t> with the parameter w</a:t>
-                </a:r>
-              </a:p>
-              <a:p>
-                <a:endParaRPr lang="en-US" baseline="0" dirty="0"/>
+                  <a:t>(or vice versa) conditioning </a:t>
+                </a:r>
               </a:p>
               <a:p>
                 <a:pPr marL="0" marR="0" lvl="0" indent="0" algn="l" defTabSz="914400" rtl="0" eaLnBrk="1" fontAlgn="auto" latinLnBrk="0" hangingPunct="1">
@@ -1594,25 +2986,41 @@
                   <a:tabLst/>
                   <a:defRPr/>
                 </a:pPr>
+                <a:endParaRPr lang="en-US" dirty="0"/>
+              </a:p>
+              <a:p>
                 <a:r>
                   <a:rPr lang="en-US" dirty="0"/>
-                  <a:t>MLE - max probability of Data </a:t>
+                  <a:t>Cornerstone of GP </a:t>
+                </a:r>
+              </a:p>
+              <a:p>
+                <a:pPr marL="0" marR="0" lvl="0" indent="0" algn="l" defTabSz="914400" rtl="0" eaLnBrk="1" fontAlgn="auto" latinLnBrk="0" hangingPunct="1">
+                  <a:lnSpc>
+                    <a:spcPct val="100000"/>
+                  </a:lnSpc>
+                  <a:spcBef>
+                    <a:spcPts val="0"/>
+                  </a:spcBef>
+                  <a:spcAft>
+                    <a:spcPts val="0"/>
+                  </a:spcAft>
+                  <a:buClrTx/>
+                  <a:buSzTx/>
+                  <a:buFontTx/>
+                  <a:buNone/>
+                  <a:tabLst/>
+                  <a:defRPr/>
+                </a:pPr>
+                <a:r>
+                  <a:rPr lang="en-US" dirty="0"/>
+                  <a:t>Last line assume </a:t>
                 </a:r>
                 <a:r>
                   <a:rPr lang="de-DE" b="0" i="0">
                     <a:latin typeface="Cambria Math" panose="02040503050406030204" pitchFamily="18" charset="0"/>
                   </a:rPr>
-                  <a:t>𝑝(𝐷│𝑤)</a:t>
-                </a:r>
-                <a:r>
-                  <a:rPr lang="en-US" dirty="0"/>
-                  <a:t> for a parameter </a:t>
-                </a:r>
-                <a:r>
-                  <a:rPr lang="en-US" i="0" dirty="0">
-                    <a:latin typeface="Cambria Math" panose="02040503050406030204" pitchFamily="18" charset="0"/>
-                  </a:rPr>
-                  <a:t>𝑤</a:t>
+                  <a:t>𝜇_𝑌=0</a:t>
                 </a:r>
                 <a:endParaRPr lang="en-US" dirty="0"/>
               </a:p>
@@ -1640,7 +3048,7 @@
           <a:p>
             <a:fld id="{3A502356-D99B-483A-94D6-EC27E896F7C3}" type="slidenum">
               <a:rPr lang="en-US" smtClean="0"/>
-              <a:t>4</a:t>
+              <a:t>8</a:t>
             </a:fld>
             <a:endParaRPr lang="en-US"/>
           </a:p>
@@ -1649,7 +3057,263 @@
     </p:spTree>
     <p:extLst>
       <p:ext uri="{BB962C8B-B14F-4D97-AF65-F5344CB8AC3E}">
-        <p14:creationId xmlns:p14="http://schemas.microsoft.com/office/powerpoint/2010/main" val="4020559334"/>
+        <p14:creationId xmlns:p14="http://schemas.microsoft.com/office/powerpoint/2010/main" val="157636405"/>
+      </p:ext>
+    </p:extLst>
+  </p:cSld>
+  <p:clrMapOvr>
+    <a:masterClrMapping/>
+  </p:clrMapOvr>
+</p:notes>
+</file>
+
+<file path=ppt/notesSlides/notesSlide7.xml><?xml version="1.0" encoding="utf-8"?>
+<p:notes xmlns:a="http://schemas.openxmlformats.org/drawingml/2006/main" xmlns:r="http://schemas.openxmlformats.org/officeDocument/2006/relationships" xmlns:p="http://schemas.openxmlformats.org/presentationml/2006/main">
+  <p:cSld>
+    <p:spTree>
+      <p:nvGrpSpPr>
+        <p:cNvPr id="1" name=""/>
+        <p:cNvGrpSpPr/>
+        <p:nvPr/>
+      </p:nvGrpSpPr>
+      <p:grpSpPr>
+        <a:xfrm>
+          <a:off x="0" y="0"/>
+          <a:ext cx="0" cy="0"/>
+          <a:chOff x="0" y="0"/>
+          <a:chExt cx="0" cy="0"/>
+        </a:xfrm>
+      </p:grpSpPr>
+      <p:sp>
+        <p:nvSpPr>
+          <p:cNvPr id="2" name="Slide Image Placeholder 1"/>
+          <p:cNvSpPr>
+            <a:spLocks noGrp="1" noRot="1" noChangeAspect="1"/>
+          </p:cNvSpPr>
+          <p:nvPr>
+            <p:ph type="sldImg"/>
+          </p:nvPr>
+        </p:nvSpPr>
+        <p:spPr/>
+      </p:sp>
+      <mc:AlternateContent xmlns:mc="http://schemas.openxmlformats.org/markup-compatibility/2006">
+        <mc:Choice xmlns:a14="http://schemas.microsoft.com/office/drawing/2010/main" Requires="a14">
+          <p:sp>
+            <p:nvSpPr>
+              <p:cNvPr id="3" name="Notes Placeholder 2"/>
+              <p:cNvSpPr>
+                <a:spLocks noGrp="1"/>
+              </p:cNvSpPr>
+              <p:nvPr>
+                <p:ph type="body" idx="1"/>
+              </p:nvPr>
+            </p:nvSpPr>
+            <p:spPr/>
+            <p:txBody>
+              <a:bodyPr/>
+              <a:lstStyle/>
+              <a:p>
+                <a:r>
+                  <a:rPr lang="en-US" dirty="0"/>
+                  <a:t>Later we can add back </a:t>
+                </a:r>
+                <a14:m>
+                  <m:oMath xmlns:m="http://schemas.openxmlformats.org/officeDocument/2006/math">
+                    <m:r>
+                      <a:rPr lang="en-US" i="1" dirty="0" smtClean="0">
+                        <a:latin typeface="Cambria Math" panose="02040503050406030204" pitchFamily="18" charset="0"/>
+                      </a:rPr>
+                      <m:t>𝜇</m:t>
+                    </m:r>
+                    <m:r>
+                      <a:rPr lang="de-DE" b="0" i="1" dirty="0" smtClean="0">
+                        <a:latin typeface="Cambria Math" panose="02040503050406030204" pitchFamily="18" charset="0"/>
+                      </a:rPr>
+                      <m:t>≠</m:t>
+                    </m:r>
+                    <m:r>
+                      <a:rPr lang="en-US" i="1" dirty="0" smtClean="0">
+                        <a:latin typeface="Cambria Math" panose="02040503050406030204" pitchFamily="18" charset="0"/>
+                      </a:rPr>
+                      <m:t>0 </m:t>
+                    </m:r>
+                  </m:oMath>
+                </a14:m>
+                <a:endParaRPr lang="en-US" dirty="0"/>
+              </a:p>
+            </p:txBody>
+          </p:sp>
+        </mc:Choice>
+        <mc:Fallback>
+          <p:sp>
+            <p:nvSpPr>
+              <p:cNvPr id="3" name="Notes Placeholder 2"/>
+              <p:cNvSpPr>
+                <a:spLocks noGrp="1"/>
+              </p:cNvSpPr>
+              <p:nvPr>
+                <p:ph type="body" idx="1"/>
+              </p:nvPr>
+            </p:nvSpPr>
+            <p:spPr/>
+            <p:txBody>
+              <a:bodyPr/>
+              <a:lstStyle/>
+              <a:p>
+                <a:r>
+                  <a:rPr lang="en-US" dirty="0"/>
+                  <a:t>Later we can add back </a:t>
+                </a:r>
+                <a:r>
+                  <a:rPr lang="en-US" i="0" dirty="0">
+                    <a:latin typeface="Cambria Math" panose="02040503050406030204" pitchFamily="18" charset="0"/>
+                  </a:rPr>
+                  <a:t>𝜇</a:t>
+                </a:r>
+                <a:r>
+                  <a:rPr lang="de-DE" b="0" i="0" dirty="0">
+                    <a:latin typeface="Cambria Math" panose="02040503050406030204" pitchFamily="18" charset="0"/>
+                  </a:rPr>
+                  <a:t>≠</a:t>
+                </a:r>
+                <a:r>
+                  <a:rPr lang="en-US" i="0" dirty="0">
+                    <a:latin typeface="Cambria Math" panose="02040503050406030204" pitchFamily="18" charset="0"/>
+                  </a:rPr>
+                  <a:t>0 </a:t>
+                </a:r>
+                <a:endParaRPr lang="en-US" dirty="0"/>
+              </a:p>
+            </p:txBody>
+          </p:sp>
+        </mc:Fallback>
+      </mc:AlternateContent>
+      <p:sp>
+        <p:nvSpPr>
+          <p:cNvPr id="4" name="Slide Number Placeholder 3"/>
+          <p:cNvSpPr>
+            <a:spLocks noGrp="1"/>
+          </p:cNvSpPr>
+          <p:nvPr>
+            <p:ph type="sldNum" sz="quarter" idx="5"/>
+          </p:nvPr>
+        </p:nvSpPr>
+        <p:spPr/>
+        <p:txBody>
+          <a:bodyPr/>
+          <a:lstStyle/>
+          <a:p>
+            <a:fld id="{3A502356-D99B-483A-94D6-EC27E896F7C3}" type="slidenum">
+              <a:rPr lang="en-US" smtClean="0"/>
+              <a:t>9</a:t>
+            </a:fld>
+            <a:endParaRPr lang="en-US"/>
+          </a:p>
+        </p:txBody>
+      </p:sp>
+    </p:spTree>
+    <p:extLst>
+      <p:ext uri="{BB962C8B-B14F-4D97-AF65-F5344CB8AC3E}">
+        <p14:creationId xmlns:p14="http://schemas.microsoft.com/office/powerpoint/2010/main" val="2374436458"/>
+      </p:ext>
+    </p:extLst>
+  </p:cSld>
+  <p:clrMapOvr>
+    <a:masterClrMapping/>
+  </p:clrMapOvr>
+</p:notes>
+</file>
+
+<file path=ppt/notesSlides/notesSlide8.xml><?xml version="1.0" encoding="utf-8"?>
+<p:notes xmlns:a="http://schemas.openxmlformats.org/drawingml/2006/main" xmlns:r="http://schemas.openxmlformats.org/officeDocument/2006/relationships" xmlns:p="http://schemas.openxmlformats.org/presentationml/2006/main">
+  <p:cSld>
+    <p:spTree>
+      <p:nvGrpSpPr>
+        <p:cNvPr id="1" name=""/>
+        <p:cNvGrpSpPr/>
+        <p:nvPr/>
+      </p:nvGrpSpPr>
+      <p:grpSpPr>
+        <a:xfrm>
+          <a:off x="0" y="0"/>
+          <a:ext cx="0" cy="0"/>
+          <a:chOff x="0" y="0"/>
+          <a:chExt cx="0" cy="0"/>
+        </a:xfrm>
+      </p:grpSpPr>
+      <p:sp>
+        <p:nvSpPr>
+          <p:cNvPr id="2" name="Slide Image Placeholder 1"/>
+          <p:cNvSpPr>
+            <a:spLocks noGrp="1" noRot="1" noChangeAspect="1"/>
+          </p:cNvSpPr>
+          <p:nvPr>
+            <p:ph type="sldImg"/>
+          </p:nvPr>
+        </p:nvSpPr>
+        <p:spPr/>
+      </p:sp>
+      <p:sp>
+        <p:nvSpPr>
+          <p:cNvPr id="3" name="Notes Placeholder 2"/>
+          <p:cNvSpPr>
+            <a:spLocks noGrp="1"/>
+          </p:cNvSpPr>
+          <p:nvPr>
+            <p:ph type="body" idx="1"/>
+          </p:nvPr>
+        </p:nvSpPr>
+        <p:spPr/>
+        <p:txBody>
+          <a:bodyPr/>
+          <a:lstStyle/>
+          <a:p>
+            <a:r>
+              <a:rPr lang="en-US" dirty="0"/>
+              <a:t>partial information – here full subset X or Y</a:t>
+            </a:r>
+          </a:p>
+          <a:p>
+            <a:endParaRPr lang="en-US" dirty="0"/>
+          </a:p>
+          <a:p>
+            <a:r>
+              <a:rPr lang="en-US" dirty="0"/>
+              <a:t>Marginalize out by Expectation Value</a:t>
+            </a:r>
+          </a:p>
+          <a:p>
+            <a:endParaRPr lang="en-US" dirty="0"/>
+          </a:p>
+        </p:txBody>
+      </p:sp>
+      <p:sp>
+        <p:nvSpPr>
+          <p:cNvPr id="4" name="Slide Number Placeholder 3"/>
+          <p:cNvSpPr>
+            <a:spLocks noGrp="1"/>
+          </p:cNvSpPr>
+          <p:nvPr>
+            <p:ph type="sldNum" sz="quarter" idx="5"/>
+          </p:nvPr>
+        </p:nvSpPr>
+        <p:spPr/>
+        <p:txBody>
+          <a:bodyPr/>
+          <a:lstStyle/>
+          <a:p>
+            <a:fld id="{3A502356-D99B-483A-94D6-EC27E896F7C3}" type="slidenum">
+              <a:rPr lang="en-US" smtClean="0"/>
+              <a:t>14</a:t>
+            </a:fld>
+            <a:endParaRPr lang="en-US"/>
+          </a:p>
+        </p:txBody>
+      </p:sp>
+    </p:spTree>
+    <p:extLst>
+      <p:ext uri="{BB962C8B-B14F-4D97-AF65-F5344CB8AC3E}">
+        <p14:creationId xmlns:p14="http://schemas.microsoft.com/office/powerpoint/2010/main" val="2283407856"/>
       </p:ext>
     </p:extLst>
   </p:cSld>
@@ -1806,7 +3470,7 @@
           <a:p>
             <a:fld id="{14A1EB0C-03D0-4C25-B5FA-CA2ACD2F4C5E}" type="datetime1">
               <a:rPr lang="en-US" smtClean="0"/>
-              <a:t>12/27/2023</a:t>
+              <a:t>12/28/2023</a:t>
             </a:fld>
             <a:endParaRPr lang="en-US"/>
           </a:p>
@@ -2004,7 +3668,7 @@
           <a:p>
             <a:fld id="{58DE9B44-1982-481D-8E62-F5B703B62E26}" type="datetime1">
               <a:rPr lang="en-US" smtClean="0"/>
-              <a:t>12/27/2023</a:t>
+              <a:t>12/28/2023</a:t>
             </a:fld>
             <a:endParaRPr lang="en-US"/>
           </a:p>
@@ -2212,7 +3876,7 @@
           <a:p>
             <a:fld id="{C7E363C5-2D8D-4EA9-8A92-06E1E7431E8D}" type="datetime1">
               <a:rPr lang="en-US" smtClean="0"/>
-              <a:t>12/27/2023</a:t>
+              <a:t>12/28/2023</a:t>
             </a:fld>
             <a:endParaRPr lang="en-US"/>
           </a:p>
@@ -3813,7 +5477,7 @@
           <a:p>
             <a:fld id="{D933E38D-75DD-424E-8255-D67FAEBE3552}" type="datetime1">
               <a:rPr lang="en-US" smtClean="0"/>
-              <a:t>12/27/2023</a:t>
+              <a:t>12/28/2023</a:t>
             </a:fld>
             <a:endParaRPr lang="en-US"/>
           </a:p>
@@ -4101,7 +5765,7 @@
           <a:p>
             <a:fld id="{2E0A4160-D778-4C65-BC7D-92EF2B426EBF}" type="datetime1">
               <a:rPr lang="en-US" smtClean="0"/>
-              <a:t>12/27/2023</a:t>
+              <a:t>12/28/2023</a:t>
             </a:fld>
             <a:endParaRPr lang="en-US"/>
           </a:p>
@@ -4342,7 +6006,7 @@
           <a:p>
             <a:fld id="{9F5274B6-C005-4D88-867D-FFE49AE2CA08}" type="datetime1">
               <a:rPr lang="en-US" smtClean="0"/>
-              <a:t>12/27/2023</a:t>
+              <a:t>12/28/2023</a:t>
             </a:fld>
             <a:endParaRPr lang="en-US"/>
           </a:p>
@@ -4785,6 +6449,10 @@
               <a:rPr lang="en-US" dirty="0"/>
               <a:t>Gaussian Processes</a:t>
             </a:r>
+            <a:br>
+              <a:rPr lang="en-US" dirty="0"/>
+            </a:br>
+            <a:endParaRPr lang="en-US" dirty="0"/>
           </a:p>
         </p:txBody>
       </p:sp>
@@ -4835,6 +6503,2187 @@
   <p:clrMapOvr>
     <a:masterClrMapping/>
   </p:clrMapOvr>
+</p:sld>
+</file>
+
+<file path=ppt/slides/slide10.xml><?xml version="1.0" encoding="utf-8"?>
+<p:sld xmlns:a="http://schemas.openxmlformats.org/drawingml/2006/main" xmlns:r="http://schemas.openxmlformats.org/officeDocument/2006/relationships" xmlns:p="http://schemas.openxmlformats.org/presentationml/2006/main">
+  <p:cSld>
+    <p:spTree>
+      <p:nvGrpSpPr>
+        <p:cNvPr id="1" name=""/>
+        <p:cNvGrpSpPr/>
+        <p:nvPr/>
+      </p:nvGrpSpPr>
+      <p:grpSpPr>
+        <a:xfrm>
+          <a:off x="0" y="0"/>
+          <a:ext cx="0" cy="0"/>
+          <a:chOff x="0" y="0"/>
+          <a:chExt cx="0" cy="0"/>
+        </a:xfrm>
+      </p:grpSpPr>
+      <p:sp>
+        <p:nvSpPr>
+          <p:cNvPr id="2" name="Title 1">
+            <a:extLst>
+              <a:ext uri="{FF2B5EF4-FFF2-40B4-BE49-F238E27FC236}">
+                <a16:creationId xmlns:a16="http://schemas.microsoft.com/office/drawing/2014/main" id="{3B7AD1F9-5C62-52E8-7AE2-C76645E9CEA8}"/>
+              </a:ext>
+            </a:extLst>
+          </p:cNvPr>
+          <p:cNvSpPr>
+            <a:spLocks noGrp="1"/>
+          </p:cNvSpPr>
+          <p:nvPr>
+            <p:ph type="title"/>
+          </p:nvPr>
+        </p:nvSpPr>
+        <p:spPr/>
+        <p:txBody>
+          <a:bodyPr/>
+          <a:lstStyle/>
+          <a:p>
+            <a:r>
+              <a:rPr lang="en-US" dirty="0"/>
+              <a:t>Regression as Gaussian Process [2]</a:t>
+            </a:r>
+          </a:p>
+        </p:txBody>
+      </p:sp>
+      <mc:AlternateContent xmlns:mc="http://schemas.openxmlformats.org/markup-compatibility/2006">
+        <mc:Choice xmlns:a14="http://schemas.microsoft.com/office/drawing/2010/main" Requires="a14">
+          <p:sp>
+            <p:nvSpPr>
+              <p:cNvPr id="3" name="Content Placeholder 2">
+                <a:extLst>
+                  <a:ext uri="{FF2B5EF4-FFF2-40B4-BE49-F238E27FC236}">
+                    <a16:creationId xmlns:a16="http://schemas.microsoft.com/office/drawing/2014/main" id="{32F70A31-7983-A4F2-F99D-8C854D713EEA}"/>
+                  </a:ext>
+                </a:extLst>
+              </p:cNvPr>
+              <p:cNvSpPr>
+                <a:spLocks noGrp="1"/>
+              </p:cNvSpPr>
+              <p:nvPr>
+                <p:ph idx="1"/>
+              </p:nvPr>
+            </p:nvSpPr>
+            <p:spPr/>
+            <p:txBody>
+              <a:bodyPr/>
+              <a:lstStyle/>
+              <a:p>
+                <a:r>
+                  <a:rPr lang="en-US" dirty="0"/>
+                  <a:t>Last result </a:t>
+                </a:r>
+                <a14:m>
+                  <m:oMath xmlns:m="http://schemas.openxmlformats.org/officeDocument/2006/math">
+                    <m:r>
+                      <a:rPr lang="de-DE" i="1" smtClean="0">
+                        <a:latin typeface="Cambria Math" panose="02040503050406030204" pitchFamily="18" charset="0"/>
+                      </a:rPr>
+                      <m:t>𝒩</m:t>
+                    </m:r>
+                    <m:d>
+                      <m:dPr>
+                        <m:ctrlPr>
+                          <a:rPr lang="de-DE" i="1">
+                            <a:latin typeface="Cambria Math" panose="02040503050406030204" pitchFamily="18" charset="0"/>
+                          </a:rPr>
+                        </m:ctrlPr>
+                      </m:dPr>
+                      <m:e>
+                        <m:r>
+                          <a:rPr lang="de-DE" b="0" i="1" smtClean="0">
+                            <a:latin typeface="Cambria Math" panose="02040503050406030204" pitchFamily="18" charset="0"/>
+                          </a:rPr>
+                          <m:t>0</m:t>
+                        </m:r>
+                        <m:r>
+                          <a:rPr lang="de-DE" i="1">
+                            <a:latin typeface="Cambria Math" panose="02040503050406030204" pitchFamily="18" charset="0"/>
+                          </a:rPr>
+                          <m:t>, </m:t>
+                        </m:r>
+                        <m:sSub>
+                          <m:sSubPr>
+                            <m:ctrlPr>
+                              <a:rPr lang="de-DE" b="0" i="1" smtClean="0">
+                                <a:latin typeface="Cambria Math" panose="02040503050406030204" pitchFamily="18" charset="0"/>
+                              </a:rPr>
+                            </m:ctrlPr>
+                          </m:sSubPr>
+                          <m:e>
+                            <m:r>
+                              <m:rPr>
+                                <m:sty m:val="p"/>
+                                <m:aln/>
+                              </m:rPr>
+                              <a:rPr lang="de-DE" b="0" i="0" smtClean="0">
+                                <a:latin typeface="Cambria Math" panose="02040503050406030204" pitchFamily="18" charset="0"/>
+                              </a:rPr>
+                              <m:t>Σ</m:t>
+                            </m:r>
+                          </m:e>
+                          <m:sub>
+                            <m:r>
+                              <a:rPr lang="de-DE" b="0" i="1" smtClean="0">
+                                <a:latin typeface="Cambria Math" panose="02040503050406030204" pitchFamily="18" charset="0"/>
+                              </a:rPr>
+                              <m:t>𝑋</m:t>
+                            </m:r>
+                            <m:r>
+                              <m:rPr>
+                                <m:aln/>
+                              </m:rPr>
+                              <a:rPr lang="de-DE" b="0" i="1" smtClean="0">
+                                <a:latin typeface="Cambria Math" panose="02040503050406030204" pitchFamily="18" charset="0"/>
+                              </a:rPr>
+                              <m:t>𝑋</m:t>
+                            </m:r>
+                          </m:sub>
+                        </m:sSub>
+                        <m:r>
+                          <m:rPr>
+                            <m:aln/>
+                          </m:rPr>
+                          <a:rPr lang="de-DE" i="1">
+                            <a:latin typeface="Cambria Math" panose="02040503050406030204" pitchFamily="18" charset="0"/>
+                          </a:rPr>
+                          <m:t>−</m:t>
+                        </m:r>
+                        <m:sSubSup>
+                          <m:sSubSupPr>
+                            <m:ctrlPr>
+                              <a:rPr lang="de-DE" i="1">
+                                <a:latin typeface="Cambria Math" panose="02040503050406030204" pitchFamily="18" charset="0"/>
+                              </a:rPr>
+                            </m:ctrlPr>
+                          </m:sSubSupPr>
+                          <m:e>
+                            <m:r>
+                              <m:rPr>
+                                <m:sty m:val="p"/>
+                              </m:rPr>
+                              <a:rPr lang="de-DE">
+                                <a:latin typeface="Cambria Math" panose="02040503050406030204" pitchFamily="18" charset="0"/>
+                              </a:rPr>
+                              <m:t>Σ</m:t>
+                            </m:r>
+                          </m:e>
+                          <m:sub>
+                            <m:r>
+                              <a:rPr lang="de-DE" b="0" i="1" smtClean="0">
+                                <a:latin typeface="Cambria Math" panose="02040503050406030204" pitchFamily="18" charset="0"/>
+                              </a:rPr>
+                              <m:t>𝑌𝑋</m:t>
+                            </m:r>
+                          </m:sub>
+                          <m:sup>
+                            <m:r>
+                              <a:rPr lang="de-DE" i="1">
+                                <a:latin typeface="Cambria Math" panose="02040503050406030204" pitchFamily="18" charset="0"/>
+                              </a:rPr>
+                              <m:t>𝑇</m:t>
+                            </m:r>
+                          </m:sup>
+                        </m:sSubSup>
+                        <m:r>
+                          <a:rPr lang="de-DE" i="1">
+                            <a:latin typeface="Cambria Math" panose="02040503050406030204" pitchFamily="18" charset="0"/>
+                          </a:rPr>
+                          <m:t> </m:t>
+                        </m:r>
+                        <m:sSubSup>
+                          <m:sSubSupPr>
+                            <m:ctrlPr>
+                              <a:rPr lang="de-DE" i="1">
+                                <a:latin typeface="Cambria Math" panose="02040503050406030204" pitchFamily="18" charset="0"/>
+                              </a:rPr>
+                            </m:ctrlPr>
+                          </m:sSubSupPr>
+                          <m:e>
+                            <m:r>
+                              <m:rPr>
+                                <m:sty m:val="p"/>
+                              </m:rPr>
+                              <a:rPr lang="de-DE">
+                                <a:latin typeface="Cambria Math" panose="02040503050406030204" pitchFamily="18" charset="0"/>
+                              </a:rPr>
+                              <m:t>Σ</m:t>
+                            </m:r>
+                          </m:e>
+                          <m:sub>
+                            <m:r>
+                              <a:rPr lang="de-DE" b="0" i="1" smtClean="0">
+                                <a:latin typeface="Cambria Math" panose="02040503050406030204" pitchFamily="18" charset="0"/>
+                              </a:rPr>
+                              <m:t>𝑌𝑌</m:t>
+                            </m:r>
+                          </m:sub>
+                          <m:sup>
+                            <m:r>
+                              <a:rPr lang="de-DE" i="1">
+                                <a:latin typeface="Cambria Math" panose="02040503050406030204" pitchFamily="18" charset="0"/>
+                              </a:rPr>
+                              <m:t>−1</m:t>
+                            </m:r>
+                          </m:sup>
+                        </m:sSubSup>
+                        <m:r>
+                          <a:rPr lang="de-DE" i="1">
+                            <a:latin typeface="Cambria Math" panose="02040503050406030204" pitchFamily="18" charset="0"/>
+                          </a:rPr>
+                          <m:t> </m:t>
+                        </m:r>
+                        <m:sSub>
+                          <m:sSubPr>
+                            <m:ctrlPr>
+                              <a:rPr lang="de-DE" i="1">
+                                <a:latin typeface="Cambria Math" panose="02040503050406030204" pitchFamily="18" charset="0"/>
+                              </a:rPr>
+                            </m:ctrlPr>
+                          </m:sSubPr>
+                          <m:e>
+                            <m:r>
+                              <m:rPr>
+                                <m:sty m:val="p"/>
+                              </m:rPr>
+                              <a:rPr lang="de-DE">
+                                <a:latin typeface="Cambria Math" panose="02040503050406030204" pitchFamily="18" charset="0"/>
+                              </a:rPr>
+                              <m:t>Σ</m:t>
+                            </m:r>
+                          </m:e>
+                          <m:sub>
+                            <m:r>
+                              <m:rPr>
+                                <m:sty m:val="p"/>
+                              </m:rPr>
+                              <a:rPr lang="de-DE" b="0" i="0" smtClean="0">
+                                <a:latin typeface="Cambria Math" panose="02040503050406030204" pitchFamily="18" charset="0"/>
+                              </a:rPr>
+                              <m:t>YX</m:t>
+                            </m:r>
+                          </m:sub>
+                        </m:sSub>
+                      </m:e>
+                    </m:d>
+                  </m:oMath>
+                </a14:m>
+                <a:endParaRPr lang="en-US" dirty="0"/>
+              </a:p>
+              <a:p>
+                <a:r>
+                  <a:rPr lang="en-US" dirty="0"/>
+                  <a:t>How to determine any </a:t>
+                </a:r>
+                <a14:m>
+                  <m:oMath xmlns:m="http://schemas.openxmlformats.org/officeDocument/2006/math">
+                    <m:r>
+                      <m:rPr>
+                        <m:sty m:val="p"/>
+                      </m:rPr>
+                      <a:rPr lang="de-DE" b="0" i="0" smtClean="0">
+                        <a:latin typeface="Cambria Math" panose="02040503050406030204" pitchFamily="18" charset="0"/>
+                      </a:rPr>
+                      <m:t>Σ</m:t>
+                    </m:r>
+                  </m:oMath>
+                </a14:m>
+                <a:r>
+                  <a:rPr lang="en-US" dirty="0"/>
+                  <a:t>? –&gt; </a:t>
+                </a:r>
+                <a14:m>
+                  <m:oMath xmlns:m="http://schemas.openxmlformats.org/officeDocument/2006/math">
+                    <m:r>
+                      <m:rPr>
+                        <m:sty m:val="p"/>
+                      </m:rPr>
+                      <a:rPr lang="de-DE" b="0" i="0" smtClean="0">
+                        <a:latin typeface="Cambria Math" panose="02040503050406030204" pitchFamily="18" charset="0"/>
+                      </a:rPr>
+                      <m:t>Σ</m:t>
+                    </m:r>
+                  </m:oMath>
+                </a14:m>
+                <a:r>
+                  <a:rPr lang="en-US" dirty="0"/>
+                  <a:t> given by covariance function  </a:t>
+                </a:r>
+              </a:p>
+            </p:txBody>
+          </p:sp>
+        </mc:Choice>
+        <mc:Fallback>
+          <p:sp>
+            <p:nvSpPr>
+              <p:cNvPr id="3" name="Content Placeholder 2">
+                <a:extLst>
+                  <a:ext uri="{FF2B5EF4-FFF2-40B4-BE49-F238E27FC236}">
+                    <a16:creationId xmlns:a16="http://schemas.microsoft.com/office/drawing/2014/main" id="{32F70A31-7983-A4F2-F99D-8C854D713EEA}"/>
+                  </a:ext>
+                </a:extLst>
+              </p:cNvPr>
+              <p:cNvSpPr>
+                <a:spLocks noGrp="1" noRot="1" noChangeAspect="1" noMove="1" noResize="1" noEditPoints="1" noAdjustHandles="1" noChangeArrowheads="1" noChangeShapeType="1" noTextEdit="1"/>
+              </p:cNvSpPr>
+              <p:nvPr>
+                <p:ph idx="1"/>
+              </p:nvPr>
+            </p:nvSpPr>
+            <p:spPr>
+              <a:blipFill>
+                <a:blip r:embed="rId2"/>
+                <a:stretch>
+                  <a:fillRect l="-1043" t="-2101"/>
+                </a:stretch>
+              </a:blipFill>
+            </p:spPr>
+            <p:txBody>
+              <a:bodyPr/>
+              <a:lstStyle/>
+              <a:p>
+                <a:r>
+                  <a:rPr lang="en-US">
+                    <a:noFill/>
+                  </a:rPr>
+                  <a:t> </a:t>
+                </a:r>
+              </a:p>
+            </p:txBody>
+          </p:sp>
+        </mc:Fallback>
+      </mc:AlternateContent>
+      <p:sp>
+        <p:nvSpPr>
+          <p:cNvPr id="4" name="Footer Placeholder 3">
+            <a:extLst>
+              <a:ext uri="{FF2B5EF4-FFF2-40B4-BE49-F238E27FC236}">
+                <a16:creationId xmlns:a16="http://schemas.microsoft.com/office/drawing/2014/main" id="{81C50226-24DA-82E9-77C9-6A8385D48F32}"/>
+              </a:ext>
+            </a:extLst>
+          </p:cNvPr>
+          <p:cNvSpPr>
+            <a:spLocks noGrp="1"/>
+          </p:cNvSpPr>
+          <p:nvPr>
+            <p:ph type="ftr" sz="quarter" idx="11"/>
+          </p:nvPr>
+        </p:nvSpPr>
+        <p:spPr/>
+        <p:txBody>
+          <a:bodyPr/>
+          <a:lstStyle/>
+          <a:p>
+            <a:r>
+              <a:rPr lang="en-US" dirty="0"/>
+              <a:t>[2] </a:t>
+            </a:r>
+            <a:r>
+              <a:rPr lang="en-US" sz="1200" dirty="0"/>
+              <a:t>C. </a:t>
+            </a:r>
+            <a:r>
+              <a:rPr lang="en-US" sz="1200" dirty="0" err="1"/>
+              <a:t>Fonnesbeck</a:t>
+            </a:r>
+            <a:r>
+              <a:rPr lang="en-US" sz="1200" dirty="0"/>
+              <a:t>, Fitting Gaussian Process Models in Python (https://domino. ai/blog/fitting-gaussian-process-models-python)</a:t>
+            </a:r>
+            <a:endParaRPr lang="en-US" dirty="0"/>
+          </a:p>
+        </p:txBody>
+      </p:sp>
+      <p:sp>
+        <p:nvSpPr>
+          <p:cNvPr id="5" name="Slide Number Placeholder 4">
+            <a:extLst>
+              <a:ext uri="{FF2B5EF4-FFF2-40B4-BE49-F238E27FC236}">
+                <a16:creationId xmlns:a16="http://schemas.microsoft.com/office/drawing/2014/main" id="{1069E252-785C-6FDB-353F-0637C229A674}"/>
+              </a:ext>
+            </a:extLst>
+          </p:cNvPr>
+          <p:cNvSpPr>
+            <a:spLocks noGrp="1"/>
+          </p:cNvSpPr>
+          <p:nvPr>
+            <p:ph type="sldNum" sz="quarter" idx="12"/>
+          </p:nvPr>
+        </p:nvSpPr>
+        <p:spPr/>
+        <p:txBody>
+          <a:bodyPr/>
+          <a:lstStyle/>
+          <a:p>
+            <a:fld id="{BB5BDEE0-5897-43EE-8390-09DDB5CCC2DB}" type="slidenum">
+              <a:rPr lang="en-US" smtClean="0"/>
+              <a:t>10</a:t>
+            </a:fld>
+            <a:endParaRPr lang="en-US" dirty="0"/>
+          </a:p>
+        </p:txBody>
+      </p:sp>
+    </p:spTree>
+    <p:extLst>
+      <p:ext uri="{BB962C8B-B14F-4D97-AF65-F5344CB8AC3E}">
+        <p14:creationId xmlns:p14="http://schemas.microsoft.com/office/powerpoint/2010/main" val="996054803"/>
+      </p:ext>
+    </p:extLst>
+  </p:cSld>
+  <p:clrMapOvr>
+    <a:masterClrMapping/>
+  </p:clrMapOvr>
+</p:sld>
+</file>
+
+<file path=ppt/slides/slide11.xml><?xml version="1.0" encoding="utf-8"?>
+<p:sld xmlns:a="http://schemas.openxmlformats.org/drawingml/2006/main" xmlns:r="http://schemas.openxmlformats.org/officeDocument/2006/relationships" xmlns:p="http://schemas.openxmlformats.org/presentationml/2006/main">
+  <p:cSld>
+    <p:spTree>
+      <p:nvGrpSpPr>
+        <p:cNvPr id="1" name=""/>
+        <p:cNvGrpSpPr/>
+        <p:nvPr/>
+      </p:nvGrpSpPr>
+      <p:grpSpPr>
+        <a:xfrm>
+          <a:off x="0" y="0"/>
+          <a:ext cx="0" cy="0"/>
+          <a:chOff x="0" y="0"/>
+          <a:chExt cx="0" cy="0"/>
+        </a:xfrm>
+      </p:grpSpPr>
+      <p:sp>
+        <p:nvSpPr>
+          <p:cNvPr id="2" name="Title 1">
+            <a:extLst>
+              <a:ext uri="{FF2B5EF4-FFF2-40B4-BE49-F238E27FC236}">
+                <a16:creationId xmlns:a16="http://schemas.microsoft.com/office/drawing/2014/main" id="{DAAC92BD-0221-F666-F89D-5E96493622B6}"/>
+              </a:ext>
+            </a:extLst>
+          </p:cNvPr>
+          <p:cNvSpPr>
+            <a:spLocks noGrp="1"/>
+          </p:cNvSpPr>
+          <p:nvPr>
+            <p:ph type="title"/>
+          </p:nvPr>
+        </p:nvSpPr>
+        <p:spPr/>
+        <p:txBody>
+          <a:bodyPr/>
+          <a:lstStyle/>
+          <a:p>
+            <a:r>
+              <a:rPr lang="en-US" dirty="0"/>
+              <a:t>Sources</a:t>
+            </a:r>
+          </a:p>
+        </p:txBody>
+      </p:sp>
+      <mc:AlternateContent xmlns:mc="http://schemas.openxmlformats.org/markup-compatibility/2006" xmlns:a14="http://schemas.microsoft.com/office/drawing/2010/main">
+        <mc:Choice Requires="a14">
+          <p:sp>
+            <p:nvSpPr>
+              <p:cNvPr id="3" name="Content Placeholder 2">
+                <a:extLst>
+                  <a:ext uri="{FF2B5EF4-FFF2-40B4-BE49-F238E27FC236}">
+                    <a16:creationId xmlns:a16="http://schemas.microsoft.com/office/drawing/2014/main" id="{068C9075-FA1B-2AD5-F066-3A1F165A4558}"/>
+                  </a:ext>
+                </a:extLst>
+              </p:cNvPr>
+              <p:cNvSpPr>
+                <a:spLocks noGrp="1"/>
+              </p:cNvSpPr>
+              <p:nvPr>
+                <p:ph idx="1"/>
+              </p:nvPr>
+            </p:nvSpPr>
+            <p:spPr/>
+            <p:txBody>
+              <a:bodyPr>
+                <a:normAutofit/>
+              </a:bodyPr>
+              <a:lstStyle/>
+              <a:p>
+                <a:r>
+                  <a:rPr lang="en-US" sz="1800" dirty="0"/>
+                  <a:t>K. Weinberger, Machine Learning Lecture: Gaussian Process (</a:t>
+                </a:r>
+                <a:r>
+                  <a:rPr lang="en-US" sz="1800" dirty="0">
+                    <a:hlinkClick r:id="rId2"/>
+                  </a:rPr>
+                  <a:t>https://www.cs.cornell.edu/courses/cs4780/2018fa/lectures/lecturenote15.html</a:t>
+                </a:r>
+                <a:r>
+                  <a:rPr lang="en-US" sz="1800" dirty="0"/>
+                  <a:t>) </a:t>
+                </a:r>
+              </a:p>
+              <a:p>
+                <a:pPr lvl="1"/>
+                <a:r>
+                  <a:rPr lang="en-US" sz="1400" dirty="0"/>
+                  <a:t>The Multivariate gaussian distribution is written here with the normalization factor </a:t>
+                </a:r>
+                <a14:m>
+                  <m:oMath xmlns:m="http://schemas.openxmlformats.org/officeDocument/2006/math">
+                    <m:r>
+                      <a:rPr lang="de-DE" sz="1400" b="0" i="1" smtClean="0">
+                        <a:latin typeface="Cambria Math" panose="02040503050406030204" pitchFamily="18" charset="0"/>
+                      </a:rPr>
+                      <m:t>∝</m:t>
+                    </m:r>
+                    <m:func>
+                      <m:funcPr>
+                        <m:ctrlPr>
+                          <a:rPr lang="de-DE" sz="1400" b="0" i="1" smtClean="0">
+                            <a:latin typeface="Cambria Math" panose="02040503050406030204" pitchFamily="18" charset="0"/>
+                          </a:rPr>
+                        </m:ctrlPr>
+                      </m:funcPr>
+                      <m:fName>
+                        <m:r>
+                          <m:rPr>
+                            <m:sty m:val="p"/>
+                          </m:rPr>
+                          <a:rPr lang="de-DE" sz="1400" b="0" i="0" smtClean="0">
+                            <a:latin typeface="Cambria Math" panose="02040503050406030204" pitchFamily="18" charset="0"/>
+                          </a:rPr>
+                          <m:t>det</m:t>
+                        </m:r>
+                      </m:fName>
+                      <m:e>
+                        <m:sSup>
+                          <m:sSupPr>
+                            <m:ctrlPr>
+                              <a:rPr lang="de-DE" sz="1400" b="0" i="1" smtClean="0">
+                                <a:latin typeface="Cambria Math" panose="02040503050406030204" pitchFamily="18" charset="0"/>
+                              </a:rPr>
+                            </m:ctrlPr>
+                          </m:sSupPr>
+                          <m:e>
+                            <m:d>
+                              <m:dPr>
+                                <m:ctrlPr>
+                                  <a:rPr lang="de-DE" sz="1400" b="0" i="1" smtClean="0">
+                                    <a:latin typeface="Cambria Math" panose="02040503050406030204" pitchFamily="18" charset="0"/>
+                                  </a:rPr>
+                                </m:ctrlPr>
+                              </m:dPr>
+                              <m:e>
+                                <m:r>
+                                  <m:rPr>
+                                    <m:sty m:val="p"/>
+                                  </m:rPr>
+                                  <a:rPr lang="de-DE" sz="1400" b="0" i="0" smtClean="0">
+                                    <a:latin typeface="Cambria Math" panose="02040503050406030204" pitchFamily="18" charset="0"/>
+                                  </a:rPr>
+                                  <m:t>Σ</m:t>
+                                </m:r>
+                              </m:e>
+                            </m:d>
+                          </m:e>
+                          <m:sup>
+                            <m:r>
+                              <a:rPr lang="de-DE" sz="1400" b="0" i="1" smtClean="0">
+                                <a:latin typeface="Cambria Math" panose="02040503050406030204" pitchFamily="18" charset="0"/>
+                              </a:rPr>
+                              <m:t>−1</m:t>
+                            </m:r>
+                          </m:sup>
+                        </m:sSup>
+                      </m:e>
+                    </m:func>
+                  </m:oMath>
+                </a14:m>
+                <a:r>
+                  <a:rPr lang="en-US" sz="1400" dirty="0"/>
+                  <a:t> while it should be </a:t>
+                </a:r>
+                <a14:m>
+                  <m:oMath xmlns:m="http://schemas.openxmlformats.org/officeDocument/2006/math">
+                    <m:r>
+                      <a:rPr lang="de-DE" sz="1400" b="0" i="1" smtClean="0">
+                        <a:latin typeface="Cambria Math" panose="02040503050406030204" pitchFamily="18" charset="0"/>
+                      </a:rPr>
+                      <m:t>∝</m:t>
+                    </m:r>
+                    <m:func>
+                      <m:funcPr>
+                        <m:ctrlPr>
+                          <a:rPr lang="de-DE" sz="1400" b="0" i="1" smtClean="0">
+                            <a:latin typeface="Cambria Math" panose="02040503050406030204" pitchFamily="18" charset="0"/>
+                          </a:rPr>
+                        </m:ctrlPr>
+                      </m:funcPr>
+                      <m:fName>
+                        <m:r>
+                          <m:rPr>
+                            <m:sty m:val="p"/>
+                          </m:rPr>
+                          <a:rPr lang="de-DE" sz="1400" b="0" i="0" smtClean="0">
+                            <a:latin typeface="Cambria Math" panose="02040503050406030204" pitchFamily="18" charset="0"/>
+                          </a:rPr>
+                          <m:t>det</m:t>
+                        </m:r>
+                      </m:fName>
+                      <m:e>
+                        <m:sSup>
+                          <m:sSupPr>
+                            <m:ctrlPr>
+                              <a:rPr lang="de-DE" sz="1400" b="0" i="1" smtClean="0">
+                                <a:latin typeface="Cambria Math" panose="02040503050406030204" pitchFamily="18" charset="0"/>
+                              </a:rPr>
+                            </m:ctrlPr>
+                          </m:sSupPr>
+                          <m:e>
+                            <m:d>
+                              <m:dPr>
+                                <m:ctrlPr>
+                                  <a:rPr lang="de-DE" sz="1400" b="0" i="1" smtClean="0">
+                                    <a:latin typeface="Cambria Math" panose="02040503050406030204" pitchFamily="18" charset="0"/>
+                                  </a:rPr>
+                                </m:ctrlPr>
+                              </m:dPr>
+                              <m:e>
+                                <m:r>
+                                  <m:rPr>
+                                    <m:sty m:val="p"/>
+                                  </m:rPr>
+                                  <a:rPr lang="de-DE" sz="1400" b="0" i="0" smtClean="0">
+                                    <a:latin typeface="Cambria Math" panose="02040503050406030204" pitchFamily="18" charset="0"/>
+                                  </a:rPr>
+                                  <m:t>Σ</m:t>
+                                </m:r>
+                              </m:e>
+                            </m:d>
+                          </m:e>
+                          <m:sup>
+                            <m:r>
+                              <a:rPr lang="de-DE" sz="1400" b="0" i="1" smtClean="0">
+                                <a:latin typeface="Cambria Math" panose="02040503050406030204" pitchFamily="18" charset="0"/>
+                              </a:rPr>
+                              <m:t>−1/2</m:t>
+                            </m:r>
+                          </m:sup>
+                        </m:sSup>
+                      </m:e>
+                    </m:func>
+                  </m:oMath>
+                </a14:m>
+                <a:endParaRPr lang="en-US" sz="1400" dirty="0"/>
+              </a:p>
+              <a:p>
+                <a:pPr lvl="1"/>
+                <a:r>
+                  <a:rPr lang="en-US" sz="1400" dirty="0"/>
+                  <a:t>In notation of conditional normal distribution the formular for the covariance Matrix is wrong, K and K_** are switched</a:t>
+                </a:r>
+                <a:endParaRPr lang="en-US" sz="1800" dirty="0"/>
+              </a:p>
+              <a:p>
+                <a:r>
+                  <a:rPr kumimoji="0" lang="en-US" altLang="en-US" sz="1800" b="0" i="0" u="none" strike="noStrike" cap="none" normalizeH="0" baseline="0" dirty="0" err="1">
+                    <a:ln>
+                      <a:noFill/>
+                    </a:ln>
+                    <a:solidFill>
+                      <a:schemeClr val="tx1"/>
+                    </a:solidFill>
+                    <a:effectLst/>
+                  </a:rPr>
+                  <a:t>Görtler</a:t>
+                </a:r>
+                <a:r>
+                  <a:rPr kumimoji="0" lang="en-US" altLang="en-US" sz="1800" b="0" i="0" u="none" strike="noStrike" cap="none" normalizeH="0" baseline="0" dirty="0">
+                    <a:ln>
+                      <a:noFill/>
+                    </a:ln>
+                    <a:solidFill>
+                      <a:schemeClr val="tx1"/>
+                    </a:solidFill>
+                    <a:effectLst/>
+                  </a:rPr>
+                  <a:t>, et al., "A Visual Exploration of Gaussian Processes", Distill, 2019. DOI: 10.23915/distill.00017</a:t>
+                </a:r>
+              </a:p>
+              <a:p>
+                <a:r>
+                  <a:rPr lang="en-US" sz="1800" dirty="0"/>
+                  <a:t>C. </a:t>
+                </a:r>
+                <a:r>
+                  <a:rPr lang="en-US" sz="1800" dirty="0" err="1"/>
+                  <a:t>Fonnesbeck</a:t>
+                </a:r>
+                <a:r>
+                  <a:rPr lang="en-US" sz="1800" dirty="0"/>
+                  <a:t>, Fitting Gaussian Process Models in Python (https://domino. ai/blog/fitting-gaussian-process-models-python)</a:t>
+                </a:r>
+              </a:p>
+            </p:txBody>
+          </p:sp>
+        </mc:Choice>
+        <mc:Fallback xmlns="">
+          <p:sp>
+            <p:nvSpPr>
+              <p:cNvPr id="3" name="Content Placeholder 2">
+                <a:extLst>
+                  <a:ext uri="{FF2B5EF4-FFF2-40B4-BE49-F238E27FC236}">
+                    <a16:creationId xmlns:a16="http://schemas.microsoft.com/office/drawing/2014/main" id="{068C9075-FA1B-2AD5-F066-3A1F165A4558}"/>
+                  </a:ext>
+                </a:extLst>
+              </p:cNvPr>
+              <p:cNvSpPr>
+                <a:spLocks noGrp="1" noRot="1" noChangeAspect="1" noMove="1" noResize="1" noEditPoints="1" noAdjustHandles="1" noChangeArrowheads="1" noChangeShapeType="1" noTextEdit="1"/>
+              </p:cNvSpPr>
+              <p:nvPr>
+                <p:ph idx="1"/>
+              </p:nvPr>
+            </p:nvSpPr>
+            <p:spPr>
+              <a:blipFill>
+                <a:blip r:embed="rId3"/>
+                <a:stretch>
+                  <a:fillRect l="-406" t="-1261"/>
+                </a:stretch>
+              </a:blipFill>
+            </p:spPr>
+            <p:txBody>
+              <a:bodyPr/>
+              <a:lstStyle/>
+              <a:p>
+                <a:r>
+                  <a:rPr lang="en-US">
+                    <a:noFill/>
+                  </a:rPr>
+                  <a:t> </a:t>
+                </a:r>
+              </a:p>
+            </p:txBody>
+          </p:sp>
+        </mc:Fallback>
+      </mc:AlternateContent>
+      <p:sp>
+        <p:nvSpPr>
+          <p:cNvPr id="4" name="Footer Placeholder 3">
+            <a:extLst>
+              <a:ext uri="{FF2B5EF4-FFF2-40B4-BE49-F238E27FC236}">
+                <a16:creationId xmlns:a16="http://schemas.microsoft.com/office/drawing/2014/main" id="{009F6E20-91B2-D6B6-3868-F0F9880617BE}"/>
+              </a:ext>
+            </a:extLst>
+          </p:cNvPr>
+          <p:cNvSpPr>
+            <a:spLocks noGrp="1"/>
+          </p:cNvSpPr>
+          <p:nvPr>
+            <p:ph type="ftr" sz="quarter" idx="11"/>
+          </p:nvPr>
+        </p:nvSpPr>
+        <p:spPr/>
+        <p:txBody>
+          <a:bodyPr/>
+          <a:lstStyle/>
+          <a:p>
+            <a:endParaRPr lang="en-US" dirty="0"/>
+          </a:p>
+        </p:txBody>
+      </p:sp>
+      <p:sp>
+        <p:nvSpPr>
+          <p:cNvPr id="5" name="Slide Number Placeholder 4">
+            <a:extLst>
+              <a:ext uri="{FF2B5EF4-FFF2-40B4-BE49-F238E27FC236}">
+                <a16:creationId xmlns:a16="http://schemas.microsoft.com/office/drawing/2014/main" id="{79B2FF18-536D-E573-3199-7F37D832AD1C}"/>
+              </a:ext>
+            </a:extLst>
+          </p:cNvPr>
+          <p:cNvSpPr>
+            <a:spLocks noGrp="1"/>
+          </p:cNvSpPr>
+          <p:nvPr>
+            <p:ph type="sldNum" sz="quarter" idx="12"/>
+          </p:nvPr>
+        </p:nvSpPr>
+        <p:spPr/>
+        <p:txBody>
+          <a:bodyPr/>
+          <a:lstStyle/>
+          <a:p>
+            <a:fld id="{BB5BDEE0-5897-43EE-8390-09DDB5CCC2DB}" type="slidenum">
+              <a:rPr lang="en-US" smtClean="0"/>
+              <a:t>11</a:t>
+            </a:fld>
+            <a:endParaRPr lang="en-US" dirty="0"/>
+          </a:p>
+        </p:txBody>
+      </p:sp>
+    </p:spTree>
+    <p:extLst>
+      <p:ext uri="{BB962C8B-B14F-4D97-AF65-F5344CB8AC3E}">
+        <p14:creationId xmlns:p14="http://schemas.microsoft.com/office/powerpoint/2010/main" val="4285351169"/>
+      </p:ext>
+    </p:extLst>
+  </p:cSld>
+  <p:clrMapOvr>
+    <a:masterClrMapping/>
+  </p:clrMapOvr>
+</p:sld>
+</file>
+
+<file path=ppt/slides/slide12.xml><?xml version="1.0" encoding="utf-8"?>
+<p:sld xmlns:a="http://schemas.openxmlformats.org/drawingml/2006/main" xmlns:r="http://schemas.openxmlformats.org/officeDocument/2006/relationships" xmlns:p="http://schemas.openxmlformats.org/presentationml/2006/main" show="0">
+  <p:cSld>
+    <p:spTree>
+      <p:nvGrpSpPr>
+        <p:cNvPr id="1" name=""/>
+        <p:cNvGrpSpPr/>
+        <p:nvPr/>
+      </p:nvGrpSpPr>
+      <p:grpSpPr>
+        <a:xfrm>
+          <a:off x="0" y="0"/>
+          <a:ext cx="0" cy="0"/>
+          <a:chOff x="0" y="0"/>
+          <a:chExt cx="0" cy="0"/>
+        </a:xfrm>
+      </p:grpSpPr>
+      <p:sp>
+        <p:nvSpPr>
+          <p:cNvPr id="6" name="Title 5">
+            <a:extLst>
+              <a:ext uri="{FF2B5EF4-FFF2-40B4-BE49-F238E27FC236}">
+                <a16:creationId xmlns:a16="http://schemas.microsoft.com/office/drawing/2014/main" id="{6174EC64-247F-C48A-CFD3-AD35CEC8D132}"/>
+              </a:ext>
+            </a:extLst>
+          </p:cNvPr>
+          <p:cNvSpPr>
+            <a:spLocks noGrp="1"/>
+          </p:cNvSpPr>
+          <p:nvPr>
+            <p:ph type="title"/>
+          </p:nvPr>
+        </p:nvSpPr>
+        <p:spPr/>
+        <p:txBody>
+          <a:bodyPr/>
+          <a:lstStyle/>
+          <a:p>
+            <a:r>
+              <a:rPr lang="en-US" dirty="0"/>
+              <a:t>Work in Progress</a:t>
+            </a:r>
+            <a:br>
+              <a:rPr lang="en-US" dirty="0"/>
+            </a:br>
+            <a:r>
+              <a:rPr lang="en-US" dirty="0"/>
+              <a:t>Slides</a:t>
+            </a:r>
+          </a:p>
+        </p:txBody>
+      </p:sp>
+      <p:sp>
+        <p:nvSpPr>
+          <p:cNvPr id="7" name="Text Placeholder 6">
+            <a:extLst>
+              <a:ext uri="{FF2B5EF4-FFF2-40B4-BE49-F238E27FC236}">
+                <a16:creationId xmlns:a16="http://schemas.microsoft.com/office/drawing/2014/main" id="{52094B81-1E0A-78AA-102D-B7E8A6F2000C}"/>
+              </a:ext>
+            </a:extLst>
+          </p:cNvPr>
+          <p:cNvSpPr>
+            <a:spLocks noGrp="1"/>
+          </p:cNvSpPr>
+          <p:nvPr>
+            <p:ph type="body" idx="1"/>
+          </p:nvPr>
+        </p:nvSpPr>
+        <p:spPr/>
+        <p:txBody>
+          <a:bodyPr/>
+          <a:lstStyle/>
+          <a:p>
+            <a:endParaRPr lang="en-US"/>
+          </a:p>
+        </p:txBody>
+      </p:sp>
+      <p:sp>
+        <p:nvSpPr>
+          <p:cNvPr id="4" name="Footer Placeholder 3">
+            <a:extLst>
+              <a:ext uri="{FF2B5EF4-FFF2-40B4-BE49-F238E27FC236}">
+                <a16:creationId xmlns:a16="http://schemas.microsoft.com/office/drawing/2014/main" id="{78678744-1BD2-C905-6E16-FF67B9641CE2}"/>
+              </a:ext>
+            </a:extLst>
+          </p:cNvPr>
+          <p:cNvSpPr>
+            <a:spLocks noGrp="1"/>
+          </p:cNvSpPr>
+          <p:nvPr>
+            <p:ph type="ftr" sz="quarter" idx="11"/>
+          </p:nvPr>
+        </p:nvSpPr>
+        <p:spPr/>
+        <p:txBody>
+          <a:bodyPr/>
+          <a:lstStyle/>
+          <a:p>
+            <a:endParaRPr lang="en-US" dirty="0"/>
+          </a:p>
+        </p:txBody>
+      </p:sp>
+      <p:sp>
+        <p:nvSpPr>
+          <p:cNvPr id="5" name="Slide Number Placeholder 4">
+            <a:extLst>
+              <a:ext uri="{FF2B5EF4-FFF2-40B4-BE49-F238E27FC236}">
+                <a16:creationId xmlns:a16="http://schemas.microsoft.com/office/drawing/2014/main" id="{F4267EE2-DCF0-20B3-E8EE-80AB95FF1ADD}"/>
+              </a:ext>
+            </a:extLst>
+          </p:cNvPr>
+          <p:cNvSpPr>
+            <a:spLocks noGrp="1"/>
+          </p:cNvSpPr>
+          <p:nvPr>
+            <p:ph type="sldNum" sz="quarter" idx="12"/>
+          </p:nvPr>
+        </p:nvSpPr>
+        <p:spPr/>
+        <p:txBody>
+          <a:bodyPr/>
+          <a:lstStyle/>
+          <a:p>
+            <a:fld id="{BB5BDEE0-5897-43EE-8390-09DDB5CCC2DB}" type="slidenum">
+              <a:rPr lang="en-US" smtClean="0"/>
+              <a:t>12</a:t>
+            </a:fld>
+            <a:endParaRPr lang="en-US" dirty="0"/>
+          </a:p>
+        </p:txBody>
+      </p:sp>
+    </p:spTree>
+    <p:extLst>
+      <p:ext uri="{BB962C8B-B14F-4D97-AF65-F5344CB8AC3E}">
+        <p14:creationId xmlns:p14="http://schemas.microsoft.com/office/powerpoint/2010/main" val="572425108"/>
+      </p:ext>
+    </p:extLst>
+  </p:cSld>
+  <p:clrMapOvr>
+    <a:masterClrMapping/>
+  </p:clrMapOvr>
+</p:sld>
+</file>
+
+<file path=ppt/slides/slide13.xml><?xml version="1.0" encoding="utf-8"?>
+<p:sld xmlns:a="http://schemas.openxmlformats.org/drawingml/2006/main" xmlns:r="http://schemas.openxmlformats.org/officeDocument/2006/relationships" xmlns:p="http://schemas.openxmlformats.org/presentationml/2006/main" show="0">
+  <p:cSld>
+    <p:spTree>
+      <p:nvGrpSpPr>
+        <p:cNvPr id="1" name=""/>
+        <p:cNvGrpSpPr/>
+        <p:nvPr/>
+      </p:nvGrpSpPr>
+      <p:grpSpPr>
+        <a:xfrm>
+          <a:off x="0" y="0"/>
+          <a:ext cx="0" cy="0"/>
+          <a:chOff x="0" y="0"/>
+          <a:chExt cx="0" cy="0"/>
+        </a:xfrm>
+      </p:grpSpPr>
+      <p:sp>
+        <p:nvSpPr>
+          <p:cNvPr id="2" name="Title 1">
+            <a:extLst>
+              <a:ext uri="{FF2B5EF4-FFF2-40B4-BE49-F238E27FC236}">
+                <a16:creationId xmlns:a16="http://schemas.microsoft.com/office/drawing/2014/main" id="{8DED6A75-A8C2-BB74-C5E6-61B5C5961BBF}"/>
+              </a:ext>
+            </a:extLst>
+          </p:cNvPr>
+          <p:cNvSpPr>
+            <a:spLocks noGrp="1"/>
+          </p:cNvSpPr>
+          <p:nvPr>
+            <p:ph type="title"/>
+          </p:nvPr>
+        </p:nvSpPr>
+        <p:spPr/>
+        <p:txBody>
+          <a:bodyPr/>
+          <a:lstStyle/>
+          <a:p>
+            <a:endParaRPr lang="en-US"/>
+          </a:p>
+        </p:txBody>
+      </p:sp>
+      <p:sp>
+        <p:nvSpPr>
+          <p:cNvPr id="5" name="Footer Placeholder 4">
+            <a:extLst>
+              <a:ext uri="{FF2B5EF4-FFF2-40B4-BE49-F238E27FC236}">
+                <a16:creationId xmlns:a16="http://schemas.microsoft.com/office/drawing/2014/main" id="{35839BAD-D57A-CCE9-F82B-5F50493BB3C5}"/>
+              </a:ext>
+            </a:extLst>
+          </p:cNvPr>
+          <p:cNvSpPr>
+            <a:spLocks noGrp="1"/>
+          </p:cNvSpPr>
+          <p:nvPr>
+            <p:ph type="ftr" sz="quarter" idx="11"/>
+          </p:nvPr>
+        </p:nvSpPr>
+        <p:spPr/>
+        <p:txBody>
+          <a:bodyPr/>
+          <a:lstStyle/>
+          <a:p>
+            <a:endParaRPr lang="en-US" dirty="0"/>
+          </a:p>
+        </p:txBody>
+      </p:sp>
+      <p:sp>
+        <p:nvSpPr>
+          <p:cNvPr id="6" name="Slide Number Placeholder 5">
+            <a:extLst>
+              <a:ext uri="{FF2B5EF4-FFF2-40B4-BE49-F238E27FC236}">
+                <a16:creationId xmlns:a16="http://schemas.microsoft.com/office/drawing/2014/main" id="{7C061F0B-705F-C4F4-0815-1953F14DCDD4}"/>
+              </a:ext>
+            </a:extLst>
+          </p:cNvPr>
+          <p:cNvSpPr>
+            <a:spLocks noGrp="1"/>
+          </p:cNvSpPr>
+          <p:nvPr>
+            <p:ph type="sldNum" sz="quarter" idx="12"/>
+          </p:nvPr>
+        </p:nvSpPr>
+        <p:spPr/>
+        <p:txBody>
+          <a:bodyPr/>
+          <a:lstStyle/>
+          <a:p>
+            <a:fld id="{BB5BDEE0-5897-43EE-8390-09DDB5CCC2DB}" type="slidenum">
+              <a:rPr lang="en-US" smtClean="0"/>
+              <a:t>13</a:t>
+            </a:fld>
+            <a:endParaRPr lang="en-US" dirty="0"/>
+          </a:p>
+        </p:txBody>
+      </p:sp>
+      <p:pic>
+        <p:nvPicPr>
+          <p:cNvPr id="12" name="Content Placeholder 32">
+            <a:extLst>
+              <a:ext uri="{FF2B5EF4-FFF2-40B4-BE49-F238E27FC236}">
+                <a16:creationId xmlns:a16="http://schemas.microsoft.com/office/drawing/2014/main" id="{2CBD54DD-8E6A-BF98-784D-F1DCD83F2C89}"/>
+              </a:ext>
+            </a:extLst>
+          </p:cNvPr>
+          <p:cNvPicPr>
+            <a:picLocks noGrp="1" noChangeAspect="1"/>
+          </p:cNvPicPr>
+          <p:nvPr>
+            <p:ph sz="half" idx="2"/>
+          </p:nvPr>
+        </p:nvPicPr>
+        <p:blipFill>
+          <a:blip r:embed="rId2">
+            <a:extLst>
+              <a:ext uri="{28A0092B-C50C-407E-A947-70E740481C1C}">
+                <a14:useLocalDpi xmlns:a14="http://schemas.microsoft.com/office/drawing/2010/main" val="0"/>
+              </a:ext>
+              <a:ext uri="{96DAC541-7B7A-43D3-8B79-37D633B846F1}">
+                <asvg:svgBlip xmlns:asvg="http://schemas.microsoft.com/office/drawing/2016/SVG/main" r:embed="rId3"/>
+              </a:ext>
+            </a:extLst>
+          </a:blip>
+          <a:stretch>
+            <a:fillRect/>
+          </a:stretch>
+        </p:blipFill>
+        <p:spPr>
+          <a:xfrm>
+            <a:off x="6172200" y="1842294"/>
+            <a:ext cx="5181600" cy="4318000"/>
+          </a:xfrm>
+        </p:spPr>
+      </p:pic>
+      <p:pic>
+        <p:nvPicPr>
+          <p:cNvPr id="13" name="Content Placeholder 45">
+            <a:extLst>
+              <a:ext uri="{FF2B5EF4-FFF2-40B4-BE49-F238E27FC236}">
+                <a16:creationId xmlns:a16="http://schemas.microsoft.com/office/drawing/2014/main" id="{C5367EBC-EC53-FEFF-F5DB-1810DA1B64EA}"/>
+              </a:ext>
+            </a:extLst>
+          </p:cNvPr>
+          <p:cNvPicPr>
+            <a:picLocks noGrp="1" noChangeAspect="1"/>
+          </p:cNvPicPr>
+          <p:nvPr>
+            <p:ph sz="half" idx="1"/>
+          </p:nvPr>
+        </p:nvPicPr>
+        <p:blipFill>
+          <a:blip r:embed="rId4">
+            <a:extLst>
+              <a:ext uri="{28A0092B-C50C-407E-A947-70E740481C1C}">
+                <a14:useLocalDpi xmlns:a14="http://schemas.microsoft.com/office/drawing/2010/main" val="0"/>
+              </a:ext>
+              <a:ext uri="{96DAC541-7B7A-43D3-8B79-37D633B846F1}">
+                <asvg:svgBlip xmlns:asvg="http://schemas.microsoft.com/office/drawing/2016/SVG/main" r:embed="rId5"/>
+              </a:ext>
+            </a:extLst>
+          </a:blip>
+          <a:stretch>
+            <a:fillRect/>
+          </a:stretch>
+        </p:blipFill>
+        <p:spPr>
+          <a:xfrm>
+            <a:off x="838200" y="1842294"/>
+            <a:ext cx="5181600" cy="4318000"/>
+          </a:xfrm>
+          <a:prstGeom prst="rect">
+            <a:avLst/>
+          </a:prstGeom>
+        </p:spPr>
+      </p:pic>
+    </p:spTree>
+    <p:extLst>
+      <p:ext uri="{BB962C8B-B14F-4D97-AF65-F5344CB8AC3E}">
+        <p14:creationId xmlns:p14="http://schemas.microsoft.com/office/powerpoint/2010/main" val="1102871256"/>
+      </p:ext>
+    </p:extLst>
+  </p:cSld>
+  <p:clrMapOvr>
+    <a:masterClrMapping/>
+  </p:clrMapOvr>
+</p:sld>
+</file>
+
+<file path=ppt/slides/slide14.xml><?xml version="1.0" encoding="utf-8"?>
+<p:sld xmlns:a="http://schemas.openxmlformats.org/drawingml/2006/main" xmlns:r="http://schemas.openxmlformats.org/officeDocument/2006/relationships" xmlns:p="http://schemas.openxmlformats.org/presentationml/2006/main" show="0">
+  <p:cSld>
+    <p:spTree>
+      <p:nvGrpSpPr>
+        <p:cNvPr id="1" name=""/>
+        <p:cNvGrpSpPr/>
+        <p:nvPr/>
+      </p:nvGrpSpPr>
+      <p:grpSpPr>
+        <a:xfrm>
+          <a:off x="0" y="0"/>
+          <a:ext cx="0" cy="0"/>
+          <a:chOff x="0" y="0"/>
+          <a:chExt cx="0" cy="0"/>
+        </a:xfrm>
+      </p:grpSpPr>
+      <p:pic>
+        <p:nvPicPr>
+          <p:cNvPr id="6" name="Content Placeholder 10">
+            <a:extLst>
+              <a:ext uri="{FF2B5EF4-FFF2-40B4-BE49-F238E27FC236}">
+                <a16:creationId xmlns:a16="http://schemas.microsoft.com/office/drawing/2014/main" id="{2BB6DBF5-C600-6D04-0A75-51132E89E2B3}"/>
+              </a:ext>
+            </a:extLst>
+          </p:cNvPr>
+          <p:cNvPicPr>
+            <a:picLocks noChangeAspect="1"/>
+          </p:cNvPicPr>
+          <p:nvPr/>
+        </p:nvPicPr>
+        <p:blipFill>
+          <a:blip r:embed="rId4">
+            <a:extLst>
+              <a:ext uri="{28A0092B-C50C-407E-A947-70E740481C1C}">
+                <a14:useLocalDpi xmlns:a14="http://schemas.microsoft.com/office/drawing/2010/main" val="0"/>
+              </a:ext>
+              <a:ext uri="{96DAC541-7B7A-43D3-8B79-37D633B846F1}">
+                <asvg:svgBlip xmlns:asvg="http://schemas.microsoft.com/office/drawing/2016/SVG/main" r:embed="rId5"/>
+              </a:ext>
+            </a:extLst>
+          </a:blip>
+          <a:stretch>
+            <a:fillRect/>
+          </a:stretch>
+        </p:blipFill>
+        <p:spPr>
+          <a:xfrm>
+            <a:off x="7757156" y="1790662"/>
+            <a:ext cx="5221605" cy="4351338"/>
+          </a:xfrm>
+          <a:prstGeom prst="rect">
+            <a:avLst/>
+          </a:prstGeom>
+        </p:spPr>
+      </p:pic>
+      <p:sp>
+        <p:nvSpPr>
+          <p:cNvPr id="2" name="Title 1">
+            <a:extLst>
+              <a:ext uri="{FF2B5EF4-FFF2-40B4-BE49-F238E27FC236}">
+                <a16:creationId xmlns:a16="http://schemas.microsoft.com/office/drawing/2014/main" id="{B21550BF-05D6-9702-0C0F-DC0A591469D1}"/>
+              </a:ext>
+            </a:extLst>
+          </p:cNvPr>
+          <p:cNvSpPr>
+            <a:spLocks noGrp="1"/>
+          </p:cNvSpPr>
+          <p:nvPr>
+            <p:ph type="title"/>
+          </p:nvPr>
+        </p:nvSpPr>
+        <p:spPr/>
+        <p:txBody>
+          <a:bodyPr/>
+          <a:lstStyle/>
+          <a:p>
+            <a:r>
+              <a:rPr lang="en-US" dirty="0"/>
+              <a:t>Intermezzo – Multivariate Gaussian[2]</a:t>
+            </a:r>
+          </a:p>
+        </p:txBody>
+      </p:sp>
+      <mc:AlternateContent xmlns:mc="http://schemas.openxmlformats.org/markup-compatibility/2006">
+        <mc:Choice xmlns:a14="http://schemas.microsoft.com/office/drawing/2010/main" Requires="a14">
+          <p:sp>
+            <p:nvSpPr>
+              <p:cNvPr id="3" name="Content Placeholder 2">
+                <a:extLst>
+                  <a:ext uri="{FF2B5EF4-FFF2-40B4-BE49-F238E27FC236}">
+                    <a16:creationId xmlns:a16="http://schemas.microsoft.com/office/drawing/2014/main" id="{CDFB2D19-8CAB-A394-6B0A-6D99E0AE0761}"/>
+                  </a:ext>
+                </a:extLst>
+              </p:cNvPr>
+              <p:cNvSpPr>
+                <a:spLocks noGrp="1"/>
+              </p:cNvSpPr>
+              <p:nvPr>
+                <p:ph idx="1"/>
+              </p:nvPr>
+            </p:nvSpPr>
+            <p:spPr/>
+            <p:txBody>
+              <a:bodyPr/>
+              <a:lstStyle/>
+              <a:p>
+                <a:r>
+                  <a:rPr lang="en-US" dirty="0"/>
+                  <a:t>Marginalization – extract partial information from </a:t>
+                </a:r>
+                <a14:m>
+                  <m:oMath xmlns:m="http://schemas.openxmlformats.org/officeDocument/2006/math">
+                    <m:sSub>
+                      <m:sSubPr>
+                        <m:ctrlPr>
+                          <a:rPr lang="de-DE" b="0" i="1" smtClean="0">
+                            <a:latin typeface="Cambria Math" panose="02040503050406030204" pitchFamily="18" charset="0"/>
+                          </a:rPr>
+                        </m:ctrlPr>
+                      </m:sSubPr>
+                      <m:e>
+                        <m:r>
+                          <a:rPr lang="de-DE" b="0" i="1" smtClean="0">
+                            <a:latin typeface="Cambria Math" panose="02040503050406030204" pitchFamily="18" charset="0"/>
+                          </a:rPr>
+                          <m:t>𝑃</m:t>
+                        </m:r>
+                      </m:e>
+                      <m:sub>
+                        <m:r>
+                          <a:rPr lang="de-DE" b="0" i="1" smtClean="0">
+                            <a:latin typeface="Cambria Math" panose="02040503050406030204" pitchFamily="18" charset="0"/>
+                          </a:rPr>
+                          <m:t>𝑋</m:t>
+                        </m:r>
+                        <m:r>
+                          <a:rPr lang="de-DE" b="0" i="1" smtClean="0">
+                            <a:latin typeface="Cambria Math" panose="02040503050406030204" pitchFamily="18" charset="0"/>
+                          </a:rPr>
+                          <m:t>,</m:t>
+                        </m:r>
+                        <m:r>
+                          <a:rPr lang="de-DE" b="0" i="1" smtClean="0">
+                            <a:latin typeface="Cambria Math" panose="02040503050406030204" pitchFamily="18" charset="0"/>
+                          </a:rPr>
+                          <m:t>𝑌</m:t>
+                        </m:r>
+                      </m:sub>
+                    </m:sSub>
+                    <m:r>
+                      <a:rPr lang="de-DE" b="0" i="1" smtClean="0">
+                        <a:latin typeface="Cambria Math" panose="02040503050406030204" pitchFamily="18" charset="0"/>
+                      </a:rPr>
+                      <m:t>= </m:t>
+                    </m:r>
+                    <m:d>
+                      <m:dPr>
+                        <m:begChr m:val="["/>
+                        <m:endChr m:val="]"/>
+                        <m:ctrlPr>
+                          <a:rPr lang="de-DE" b="0" i="1" smtClean="0">
+                            <a:latin typeface="Cambria Math" panose="02040503050406030204" pitchFamily="18" charset="0"/>
+                          </a:rPr>
+                        </m:ctrlPr>
+                      </m:dPr>
+                      <m:e>
+                        <m:m>
+                          <m:mPr>
+                            <m:mcs>
+                              <m:mc>
+                                <m:mcPr>
+                                  <m:count m:val="1"/>
+                                  <m:mcJc m:val="center"/>
+                                </m:mcPr>
+                              </m:mc>
+                            </m:mcs>
+                            <m:ctrlPr>
+                              <a:rPr lang="de-DE" b="0" i="1" smtClean="0">
+                                <a:latin typeface="Cambria Math" panose="02040503050406030204" pitchFamily="18" charset="0"/>
+                              </a:rPr>
+                            </m:ctrlPr>
+                          </m:mPr>
+                          <m:mr>
+                            <m:e>
+                              <m:r>
+                                <m:rPr>
+                                  <m:brk m:alnAt="7"/>
+                                </m:rPr>
+                                <a:rPr lang="de-DE" b="0" i="1" smtClean="0">
+                                  <a:latin typeface="Cambria Math" panose="02040503050406030204" pitchFamily="18" charset="0"/>
+                                </a:rPr>
+                                <m:t>𝑋</m:t>
+                              </m:r>
+                            </m:e>
+                          </m:mr>
+                          <m:mr>
+                            <m:e>
+                              <m:r>
+                                <a:rPr lang="de-DE" b="0" i="1" smtClean="0">
+                                  <a:latin typeface="Cambria Math" panose="02040503050406030204" pitchFamily="18" charset="0"/>
+                                </a:rPr>
+                                <m:t>𝑌</m:t>
+                              </m:r>
+                            </m:e>
+                          </m:mr>
+                        </m:m>
+                      </m:e>
+                    </m:d>
+                    <m:r>
+                      <a:rPr lang="de-DE" b="0" i="1" smtClean="0">
+                        <a:latin typeface="Cambria Math" panose="02040503050406030204" pitchFamily="18" charset="0"/>
+                      </a:rPr>
+                      <m:t> </m:t>
+                    </m:r>
+                  </m:oMath>
+                </a14:m>
+                <a:endParaRPr lang="de-DE" b="0" i="1" dirty="0">
+                  <a:latin typeface="Cambria Math" panose="02040503050406030204" pitchFamily="18" charset="0"/>
+                </a:endParaRPr>
+              </a:p>
+              <a:p>
+                <a:pPr marL="457200" lvl="1" indent="0">
+                  <a:lnSpc>
+                    <a:spcPct val="100000"/>
+                  </a:lnSpc>
+                  <a:spcAft>
+                    <a:spcPts val="600"/>
+                  </a:spcAft>
+                  <a:buNone/>
+                </a:pPr>
+                <a14:m>
+                  <m:oMathPara xmlns:m="http://schemas.openxmlformats.org/officeDocument/2006/math">
+                    <m:oMathParaPr>
+                      <m:jc m:val="centerGroup"/>
+                    </m:oMathParaPr>
+                    <m:oMath xmlns:m="http://schemas.openxmlformats.org/officeDocument/2006/math">
+                      <m:r>
+                        <a:rPr lang="de-DE" b="0" i="1" smtClean="0">
+                          <a:latin typeface="Cambria Math" panose="02040503050406030204" pitchFamily="18" charset="0"/>
+                        </a:rPr>
+                        <m:t>𝑋</m:t>
+                      </m:r>
+                      <m:r>
+                        <a:rPr lang="de-DE" b="0" i="1" smtClean="0">
+                          <a:latin typeface="Cambria Math" panose="02040503050406030204" pitchFamily="18" charset="0"/>
+                        </a:rPr>
+                        <m:t> ~ </m:t>
+                      </m:r>
+                      <m:r>
+                        <a:rPr lang="de-DE" b="0" i="1" smtClean="0">
+                          <a:latin typeface="Cambria Math" panose="02040503050406030204" pitchFamily="18" charset="0"/>
+                        </a:rPr>
+                        <m:t>𝒩</m:t>
+                      </m:r>
+                      <m:d>
+                        <m:dPr>
+                          <m:ctrlPr>
+                            <a:rPr lang="de-DE" b="0" i="1" smtClean="0">
+                              <a:latin typeface="Cambria Math" panose="02040503050406030204" pitchFamily="18" charset="0"/>
+                            </a:rPr>
+                          </m:ctrlPr>
+                        </m:dPr>
+                        <m:e>
+                          <m:sSub>
+                            <m:sSubPr>
+                              <m:ctrlPr>
+                                <a:rPr lang="de-DE" b="0" i="1" smtClean="0">
+                                  <a:latin typeface="Cambria Math" panose="02040503050406030204" pitchFamily="18" charset="0"/>
+                                </a:rPr>
+                              </m:ctrlPr>
+                            </m:sSubPr>
+                            <m:e>
+                              <m:r>
+                                <a:rPr lang="de-DE" b="0" i="1" smtClean="0">
+                                  <a:latin typeface="Cambria Math" panose="02040503050406030204" pitchFamily="18" charset="0"/>
+                                </a:rPr>
+                                <m:t>𝜇</m:t>
+                              </m:r>
+                            </m:e>
+                            <m:sub>
+                              <m:r>
+                                <a:rPr lang="de-DE" b="0" i="1" smtClean="0">
+                                  <a:latin typeface="Cambria Math" panose="02040503050406030204" pitchFamily="18" charset="0"/>
+                                </a:rPr>
+                                <m:t>𝑋</m:t>
+                              </m:r>
+                            </m:sub>
+                          </m:sSub>
+                          <m:r>
+                            <a:rPr lang="de-DE" b="0" i="1" smtClean="0">
+                              <a:latin typeface="Cambria Math" panose="02040503050406030204" pitchFamily="18" charset="0"/>
+                            </a:rPr>
+                            <m:t>,</m:t>
+                          </m:r>
+                          <m:sSub>
+                            <m:sSubPr>
+                              <m:ctrlPr>
+                                <a:rPr lang="de-DE" b="0" i="1" smtClean="0">
+                                  <a:latin typeface="Cambria Math" panose="02040503050406030204" pitchFamily="18" charset="0"/>
+                                </a:rPr>
+                              </m:ctrlPr>
+                            </m:sSubPr>
+                            <m:e>
+                              <m:r>
+                                <m:rPr>
+                                  <m:sty m:val="p"/>
+                                </m:rPr>
+                                <a:rPr lang="de-DE" b="0" i="0" smtClean="0">
+                                  <a:latin typeface="Cambria Math" panose="02040503050406030204" pitchFamily="18" charset="0"/>
+                                </a:rPr>
+                                <m:t>Σ</m:t>
+                              </m:r>
+                            </m:e>
+                            <m:sub>
+                              <m:r>
+                                <a:rPr lang="de-DE" b="0" i="1" smtClean="0">
+                                  <a:latin typeface="Cambria Math" panose="02040503050406030204" pitchFamily="18" charset="0"/>
+                                </a:rPr>
+                                <m:t>𝑋</m:t>
+                              </m:r>
+                            </m:sub>
+                          </m:sSub>
+                        </m:e>
+                      </m:d>
+                      <m:r>
+                        <a:rPr lang="de-DE" b="0" i="1" smtClean="0">
+                          <a:latin typeface="Cambria Math" panose="02040503050406030204" pitchFamily="18" charset="0"/>
+                        </a:rPr>
+                        <m:t> | </m:t>
+                      </m:r>
+                      <m:r>
+                        <a:rPr lang="de-DE" b="0" i="1" smtClean="0">
+                          <a:latin typeface="Cambria Math" panose="02040503050406030204" pitchFamily="18" charset="0"/>
+                        </a:rPr>
+                        <m:t>𝑌</m:t>
+                      </m:r>
+                      <m:r>
+                        <a:rPr lang="de-DE" b="0" i="1" smtClean="0">
+                          <a:latin typeface="Cambria Math" panose="02040503050406030204" pitchFamily="18" charset="0"/>
+                        </a:rPr>
+                        <m:t> ~ </m:t>
+                      </m:r>
+                      <m:r>
+                        <a:rPr lang="de-DE" b="0" i="1" smtClean="0">
+                          <a:latin typeface="Cambria Math" panose="02040503050406030204" pitchFamily="18" charset="0"/>
+                        </a:rPr>
+                        <m:t>𝒩</m:t>
+                      </m:r>
+                      <m:r>
+                        <a:rPr lang="de-DE" b="0" i="1" smtClean="0">
+                          <a:latin typeface="Cambria Math" panose="02040503050406030204" pitchFamily="18" charset="0"/>
+                        </a:rPr>
+                        <m:t>(</m:t>
+                      </m:r>
+                      <m:sSub>
+                        <m:sSubPr>
+                          <m:ctrlPr>
+                            <a:rPr lang="de-DE" i="1">
+                              <a:latin typeface="Cambria Math" panose="02040503050406030204" pitchFamily="18" charset="0"/>
+                            </a:rPr>
+                          </m:ctrlPr>
+                        </m:sSubPr>
+                        <m:e>
+                          <m:r>
+                            <a:rPr lang="de-DE" i="1">
+                              <a:latin typeface="Cambria Math" panose="02040503050406030204" pitchFamily="18" charset="0"/>
+                            </a:rPr>
+                            <m:t>𝜇</m:t>
+                          </m:r>
+                        </m:e>
+                        <m:sub>
+                          <m:r>
+                            <a:rPr lang="de-DE" b="0" i="1" smtClean="0">
+                              <a:latin typeface="Cambria Math" panose="02040503050406030204" pitchFamily="18" charset="0"/>
+                            </a:rPr>
+                            <m:t>𝑌</m:t>
+                          </m:r>
+                        </m:sub>
+                      </m:sSub>
+                      <m:r>
+                        <a:rPr lang="de-DE" i="1">
+                          <a:latin typeface="Cambria Math" panose="02040503050406030204" pitchFamily="18" charset="0"/>
+                        </a:rPr>
+                        <m:t>,</m:t>
+                      </m:r>
+                      <m:sSub>
+                        <m:sSubPr>
+                          <m:ctrlPr>
+                            <a:rPr lang="de-DE" i="1">
+                              <a:latin typeface="Cambria Math" panose="02040503050406030204" pitchFamily="18" charset="0"/>
+                            </a:rPr>
+                          </m:ctrlPr>
+                        </m:sSubPr>
+                        <m:e>
+                          <m:r>
+                            <m:rPr>
+                              <m:sty m:val="p"/>
+                            </m:rPr>
+                            <a:rPr lang="de-DE">
+                              <a:latin typeface="Cambria Math" panose="02040503050406030204" pitchFamily="18" charset="0"/>
+                            </a:rPr>
+                            <m:t>Σ</m:t>
+                          </m:r>
+                        </m:e>
+                        <m:sub>
+                          <m:r>
+                            <a:rPr lang="de-DE" b="0" i="1" smtClean="0">
+                              <a:latin typeface="Cambria Math" panose="02040503050406030204" pitchFamily="18" charset="0"/>
+                            </a:rPr>
+                            <m:t>𝑌</m:t>
+                          </m:r>
+                        </m:sub>
+                      </m:sSub>
+                      <m:r>
+                        <a:rPr lang="de-DE" b="0" i="0" smtClean="0">
+                          <a:latin typeface="Cambria Math" panose="02040503050406030204" pitchFamily="18" charset="0"/>
+                        </a:rPr>
+                        <m:t>)</m:t>
+                      </m:r>
+                    </m:oMath>
+                  </m:oMathPara>
+                </a14:m>
+                <a:endParaRPr lang="en-US" dirty="0"/>
+              </a:p>
+              <a:p>
+                <a:pPr lvl="1"/>
+                <a14:m>
+                  <m:oMath xmlns:m="http://schemas.openxmlformats.org/officeDocument/2006/math">
+                    <m:r>
+                      <a:rPr lang="en-US" i="1" dirty="0" smtClean="0">
+                        <a:latin typeface="Cambria Math" panose="02040503050406030204" pitchFamily="18" charset="0"/>
+                      </a:rPr>
+                      <m:t>𝑋</m:t>
+                    </m:r>
+                    <m:r>
+                      <a:rPr lang="de-DE" b="0" i="1" dirty="0" smtClean="0">
+                        <a:latin typeface="Cambria Math" panose="02040503050406030204" pitchFamily="18" charset="0"/>
+                      </a:rPr>
+                      <m:t>/</m:t>
+                    </m:r>
+                    <m:r>
+                      <a:rPr lang="en-US" i="1" dirty="0" smtClean="0">
+                        <a:latin typeface="Cambria Math" panose="02040503050406030204" pitchFamily="18" charset="0"/>
+                      </a:rPr>
+                      <m:t>𝑌</m:t>
+                    </m:r>
+                    <m:r>
+                      <a:rPr lang="en-US" i="1" dirty="0" smtClean="0">
+                        <a:latin typeface="Cambria Math" panose="02040503050406030204" pitchFamily="18" charset="0"/>
+                      </a:rPr>
+                      <m:t> </m:t>
+                    </m:r>
+                  </m:oMath>
+                </a14:m>
+                <a:r>
+                  <a:rPr lang="en-US" dirty="0"/>
+                  <a:t>only depending on corresponding </a:t>
+                </a:r>
+                <a14:m>
+                  <m:oMath xmlns:m="http://schemas.openxmlformats.org/officeDocument/2006/math">
+                    <m:sSub>
+                      <m:sSubPr>
+                        <m:ctrlPr>
+                          <a:rPr lang="de-DE" i="1">
+                            <a:latin typeface="Cambria Math" panose="02040503050406030204" pitchFamily="18" charset="0"/>
+                          </a:rPr>
+                        </m:ctrlPr>
+                      </m:sSubPr>
+                      <m:e>
+                        <m:r>
+                          <a:rPr lang="de-DE" i="1">
+                            <a:latin typeface="Cambria Math" panose="02040503050406030204" pitchFamily="18" charset="0"/>
+                          </a:rPr>
+                          <m:t>𝜇</m:t>
+                        </m:r>
+                      </m:e>
+                      <m:sub>
+                        <m:r>
+                          <a:rPr lang="de-DE">
+                            <a:latin typeface="Cambria Math" panose="02040503050406030204" pitchFamily="18" charset="0"/>
+                          </a:rPr>
+                          <m:t>∗</m:t>
+                        </m:r>
+                      </m:sub>
+                    </m:sSub>
+                    <m:r>
+                      <a:rPr lang="de-DE" b="0" i="1" smtClean="0">
+                        <a:latin typeface="Cambria Math" panose="02040503050406030204" pitchFamily="18" charset="0"/>
+                      </a:rPr>
+                      <m:t>/</m:t>
+                    </m:r>
+                    <m:sSub>
+                      <m:sSubPr>
+                        <m:ctrlPr>
+                          <a:rPr lang="de-DE" i="1">
+                            <a:latin typeface="Cambria Math" panose="02040503050406030204" pitchFamily="18" charset="0"/>
+                          </a:rPr>
+                        </m:ctrlPr>
+                      </m:sSubPr>
+                      <m:e>
+                        <m:r>
+                          <m:rPr>
+                            <m:sty m:val="p"/>
+                          </m:rPr>
+                          <a:rPr lang="de-DE">
+                            <a:latin typeface="Cambria Math" panose="02040503050406030204" pitchFamily="18" charset="0"/>
+                          </a:rPr>
+                          <m:t>Σ</m:t>
+                        </m:r>
+                      </m:e>
+                      <m:sub>
+                        <m:r>
+                          <a:rPr lang="de-DE">
+                            <a:latin typeface="Cambria Math" panose="02040503050406030204" pitchFamily="18" charset="0"/>
+                          </a:rPr>
+                          <m:t>∗</m:t>
+                        </m:r>
+                      </m:sub>
+                    </m:sSub>
+                  </m:oMath>
+                </a14:m>
+                <a:r>
+                  <a:rPr lang="de-DE" dirty="0"/>
+                  <a:t> </a:t>
+                </a:r>
+              </a:p>
+              <a:p>
+                <a:pPr marL="457200" lvl="1" indent="0">
+                  <a:lnSpc>
+                    <a:spcPct val="100000"/>
+                  </a:lnSpc>
+                  <a:spcAft>
+                    <a:spcPts val="600"/>
+                  </a:spcAft>
+                  <a:buNone/>
+                </a:pPr>
+                <a14:m>
+                  <m:oMathPara xmlns:m="http://schemas.openxmlformats.org/officeDocument/2006/math">
+                    <m:oMathParaPr>
+                      <m:jc m:val="centerGroup"/>
+                    </m:oMathParaPr>
+                    <m:oMath xmlns:m="http://schemas.openxmlformats.org/officeDocument/2006/math">
+                      <m:r>
+                        <a:rPr lang="de-DE" b="0" i="1" smtClean="0">
+                          <a:latin typeface="Cambria Math" panose="02040503050406030204" pitchFamily="18" charset="0"/>
+                        </a:rPr>
+                        <m:t>𝑝</m:t>
+                      </m:r>
+                      <m:d>
+                        <m:dPr>
+                          <m:ctrlPr>
+                            <a:rPr lang="de-DE" b="0" i="1" smtClean="0">
+                              <a:latin typeface="Cambria Math" panose="02040503050406030204" pitchFamily="18" charset="0"/>
+                            </a:rPr>
+                          </m:ctrlPr>
+                        </m:dPr>
+                        <m:e>
+                          <m:r>
+                            <a:rPr lang="de-DE" b="0" i="1" smtClean="0">
+                              <a:latin typeface="Cambria Math" panose="02040503050406030204" pitchFamily="18" charset="0"/>
+                            </a:rPr>
+                            <m:t>𝑥</m:t>
+                          </m:r>
+                          <m:r>
+                            <a:rPr lang="de-DE" b="0" i="1" smtClean="0">
+                              <a:latin typeface="Cambria Math" panose="02040503050406030204" pitchFamily="18" charset="0"/>
+                            </a:rPr>
+                            <m:t>|</m:t>
+                          </m:r>
+                          <m:r>
+                            <a:rPr lang="de-DE" b="0" i="1" smtClean="0">
+                              <a:latin typeface="Cambria Math" panose="02040503050406030204" pitchFamily="18" charset="0"/>
+                            </a:rPr>
+                            <m:t>𝑋</m:t>
+                          </m:r>
+                        </m:e>
+                      </m:d>
+                      <m:r>
+                        <a:rPr lang="de-DE" b="0" i="1" smtClean="0">
+                          <a:latin typeface="Cambria Math" panose="02040503050406030204" pitchFamily="18" charset="0"/>
+                        </a:rPr>
+                        <m:t>=</m:t>
+                      </m:r>
+                      <m:sSub>
+                        <m:sSubPr>
+                          <m:ctrlPr>
+                            <a:rPr lang="de-DE" b="0" i="1" smtClean="0">
+                              <a:latin typeface="Cambria Math" panose="02040503050406030204" pitchFamily="18" charset="0"/>
+                            </a:rPr>
+                          </m:ctrlPr>
+                        </m:sSubPr>
+                        <m:e>
+                          <m:r>
+                            <a:rPr lang="de-DE" b="0" i="1" smtClean="0">
+                              <a:latin typeface="Cambria Math" panose="02040503050406030204" pitchFamily="18" charset="0"/>
+                            </a:rPr>
+                            <m:t>𝑝</m:t>
+                          </m:r>
+                        </m:e>
+                        <m:sub>
+                          <m:r>
+                            <a:rPr lang="de-DE" b="0" i="1" smtClean="0">
+                              <a:latin typeface="Cambria Math" panose="02040503050406030204" pitchFamily="18" charset="0"/>
+                            </a:rPr>
+                            <m:t>𝑋</m:t>
+                          </m:r>
+                        </m:sub>
+                      </m:sSub>
+                      <m:d>
+                        <m:dPr>
+                          <m:ctrlPr>
+                            <a:rPr lang="de-DE" b="0" i="1" smtClean="0">
+                              <a:latin typeface="Cambria Math" panose="02040503050406030204" pitchFamily="18" charset="0"/>
+                            </a:rPr>
+                          </m:ctrlPr>
+                        </m:dPr>
+                        <m:e>
+                          <m:r>
+                            <a:rPr lang="de-DE" b="0" i="1" smtClean="0">
+                              <a:latin typeface="Cambria Math" panose="02040503050406030204" pitchFamily="18" charset="0"/>
+                            </a:rPr>
+                            <m:t>𝑥</m:t>
+                          </m:r>
+                        </m:e>
+                      </m:d>
+                      <m:r>
+                        <m:rPr>
+                          <m:aln/>
+                        </m:rPr>
+                        <a:rPr lang="de-DE" b="0" i="1" smtClean="0">
+                          <a:latin typeface="Cambria Math" panose="02040503050406030204" pitchFamily="18" charset="0"/>
+                        </a:rPr>
+                        <m:t>=</m:t>
+                      </m:r>
+                      <m:nary>
+                        <m:naryPr>
+                          <m:supHide m:val="on"/>
+                          <m:ctrlPr>
+                            <a:rPr lang="de-DE" b="0" i="1" smtClean="0">
+                              <a:latin typeface="Cambria Math" panose="02040503050406030204" pitchFamily="18" charset="0"/>
+                            </a:rPr>
+                          </m:ctrlPr>
+                        </m:naryPr>
+                        <m:sub>
+                          <m:r>
+                            <a:rPr lang="de-DE" b="0" i="1" smtClean="0">
+                              <a:latin typeface="Cambria Math" panose="02040503050406030204" pitchFamily="18" charset="0"/>
+                            </a:rPr>
+                            <m:t>𝑦</m:t>
+                          </m:r>
+                        </m:sub>
+                        <m:sup/>
+                        <m:e>
+                          <m:sSub>
+                            <m:sSubPr>
+                              <m:ctrlPr>
+                                <a:rPr lang="de-DE" b="0" i="1" smtClean="0">
+                                  <a:latin typeface="Cambria Math" panose="02040503050406030204" pitchFamily="18" charset="0"/>
+                                </a:rPr>
+                              </m:ctrlPr>
+                            </m:sSubPr>
+                            <m:e>
+                              <m:r>
+                                <a:rPr lang="de-DE" b="0" i="1" smtClean="0">
+                                  <a:latin typeface="Cambria Math" panose="02040503050406030204" pitchFamily="18" charset="0"/>
+                                </a:rPr>
+                                <m:t>𝑝</m:t>
+                              </m:r>
+                            </m:e>
+                            <m:sub>
+                              <m:r>
+                                <a:rPr lang="de-DE" b="0" i="1" smtClean="0">
+                                  <a:latin typeface="Cambria Math" panose="02040503050406030204" pitchFamily="18" charset="0"/>
+                                </a:rPr>
+                                <m:t>𝑋</m:t>
+                              </m:r>
+                              <m:r>
+                                <a:rPr lang="de-DE" b="0" i="1" smtClean="0">
+                                  <a:latin typeface="Cambria Math" panose="02040503050406030204" pitchFamily="18" charset="0"/>
+                                </a:rPr>
+                                <m:t>,</m:t>
+                              </m:r>
+                              <m:r>
+                                <a:rPr lang="de-DE" b="0" i="1" smtClean="0">
+                                  <a:latin typeface="Cambria Math" panose="02040503050406030204" pitchFamily="18" charset="0"/>
+                                </a:rPr>
+                                <m:t>𝑌</m:t>
+                              </m:r>
+                            </m:sub>
+                          </m:sSub>
+                          <m:d>
+                            <m:dPr>
+                              <m:ctrlPr>
+                                <a:rPr lang="de-DE" b="0" i="1" smtClean="0">
+                                  <a:latin typeface="Cambria Math" panose="02040503050406030204" pitchFamily="18" charset="0"/>
+                                </a:rPr>
+                              </m:ctrlPr>
+                            </m:dPr>
+                            <m:e>
+                              <m:r>
+                                <a:rPr lang="de-DE" b="0" i="1" smtClean="0">
+                                  <a:latin typeface="Cambria Math" panose="02040503050406030204" pitchFamily="18" charset="0"/>
+                                </a:rPr>
+                                <m:t>𝑥</m:t>
+                              </m:r>
+                              <m:r>
+                                <a:rPr lang="de-DE" b="0" i="1" smtClean="0">
+                                  <a:latin typeface="Cambria Math" panose="02040503050406030204" pitchFamily="18" charset="0"/>
+                                </a:rPr>
+                                <m:t>,</m:t>
+                              </m:r>
+                              <m:r>
+                                <a:rPr lang="de-DE" b="0" i="1" smtClean="0">
+                                  <a:latin typeface="Cambria Math" panose="02040503050406030204" pitchFamily="18" charset="0"/>
+                                </a:rPr>
+                                <m:t>𝑦</m:t>
+                              </m:r>
+                            </m:e>
+                          </m:d>
+                          <m:r>
+                            <a:rPr lang="de-DE" b="0" i="1" smtClean="0">
+                              <a:latin typeface="Cambria Math" panose="02040503050406030204" pitchFamily="18" charset="0"/>
+                            </a:rPr>
+                            <m:t>𝑑𝑦</m:t>
+                          </m:r>
+                        </m:e>
+                      </m:nary>
+                    </m:oMath>
+                    <m:oMath xmlns:m="http://schemas.openxmlformats.org/officeDocument/2006/math">
+                      <m:r>
+                        <a:rPr lang="de-DE" b="0" i="1" smtClean="0">
+                          <a:latin typeface="Cambria Math" panose="02040503050406030204" pitchFamily="18" charset="0"/>
+                        </a:rPr>
+                        <m:t> </m:t>
+                      </m:r>
+                      <m:r>
+                        <m:rPr>
+                          <m:aln/>
+                        </m:rPr>
+                        <a:rPr lang="de-DE" i="1">
+                          <a:latin typeface="Cambria Math" panose="02040503050406030204" pitchFamily="18" charset="0"/>
+                        </a:rPr>
+                        <m:t>=</m:t>
+                      </m:r>
+                      <m:nary>
+                        <m:naryPr>
+                          <m:supHide m:val="on"/>
+                          <m:ctrlPr>
+                            <a:rPr lang="de-DE" i="1">
+                              <a:latin typeface="Cambria Math" panose="02040503050406030204" pitchFamily="18" charset="0"/>
+                            </a:rPr>
+                          </m:ctrlPr>
+                        </m:naryPr>
+                        <m:sub>
+                          <m:r>
+                            <a:rPr lang="de-DE" i="1">
+                              <a:latin typeface="Cambria Math" panose="02040503050406030204" pitchFamily="18" charset="0"/>
+                            </a:rPr>
+                            <m:t>𝑦</m:t>
+                          </m:r>
+                        </m:sub>
+                        <m:sup/>
+                        <m:e>
+                          <m:sSub>
+                            <m:sSubPr>
+                              <m:ctrlPr>
+                                <a:rPr lang="de-DE" i="1">
+                                  <a:latin typeface="Cambria Math" panose="02040503050406030204" pitchFamily="18" charset="0"/>
+                                </a:rPr>
+                              </m:ctrlPr>
+                            </m:sSubPr>
+                            <m:e>
+                              <m:r>
+                                <a:rPr lang="de-DE" i="1">
+                                  <a:latin typeface="Cambria Math" panose="02040503050406030204" pitchFamily="18" charset="0"/>
+                                </a:rPr>
+                                <m:t>𝑝</m:t>
+                              </m:r>
+                            </m:e>
+                            <m:sub>
+                              <m:r>
+                                <a:rPr lang="de-DE" i="1">
+                                  <a:latin typeface="Cambria Math" panose="02040503050406030204" pitchFamily="18" charset="0"/>
+                                </a:rPr>
+                                <m:t>𝑋</m:t>
+                              </m:r>
+                              <m:r>
+                                <a:rPr lang="de-DE" i="1">
+                                  <a:latin typeface="Cambria Math" panose="02040503050406030204" pitchFamily="18" charset="0"/>
+                                </a:rPr>
+                                <m:t>|</m:t>
+                              </m:r>
+                              <m:r>
+                                <a:rPr lang="de-DE" i="1">
+                                  <a:latin typeface="Cambria Math" panose="02040503050406030204" pitchFamily="18" charset="0"/>
+                                </a:rPr>
+                                <m:t>𝑌</m:t>
+                              </m:r>
+                            </m:sub>
+                          </m:sSub>
+                          <m:d>
+                            <m:dPr>
+                              <m:ctrlPr>
+                                <a:rPr lang="de-DE" i="1">
+                                  <a:latin typeface="Cambria Math" panose="02040503050406030204" pitchFamily="18" charset="0"/>
+                                </a:rPr>
+                              </m:ctrlPr>
+                            </m:dPr>
+                            <m:e>
+                              <m:r>
+                                <a:rPr lang="de-DE" i="1">
+                                  <a:latin typeface="Cambria Math" panose="02040503050406030204" pitchFamily="18" charset="0"/>
+                                </a:rPr>
+                                <m:t>𝑥</m:t>
+                              </m:r>
+                              <m:r>
+                                <a:rPr lang="de-DE" i="1">
+                                  <a:latin typeface="Cambria Math" panose="02040503050406030204" pitchFamily="18" charset="0"/>
+                                </a:rPr>
+                                <m:t>|</m:t>
+                              </m:r>
+                              <m:r>
+                                <a:rPr lang="de-DE" i="1">
+                                  <a:latin typeface="Cambria Math" panose="02040503050406030204" pitchFamily="18" charset="0"/>
+                                </a:rPr>
+                                <m:t>𝑦</m:t>
+                              </m:r>
+                            </m:e>
+                          </m:d>
+                          <m:sSub>
+                            <m:sSubPr>
+                              <m:ctrlPr>
+                                <a:rPr lang="de-DE" i="1">
+                                  <a:latin typeface="Cambria Math" panose="02040503050406030204" pitchFamily="18" charset="0"/>
+                                </a:rPr>
+                              </m:ctrlPr>
+                            </m:sSubPr>
+                            <m:e>
+                              <m:r>
+                                <a:rPr lang="de-DE" i="1">
+                                  <a:latin typeface="Cambria Math" panose="02040503050406030204" pitchFamily="18" charset="0"/>
+                                </a:rPr>
+                                <m:t>𝑝</m:t>
+                              </m:r>
+                            </m:e>
+                            <m:sub>
+                              <m:r>
+                                <a:rPr lang="de-DE" i="1">
+                                  <a:latin typeface="Cambria Math" panose="02040503050406030204" pitchFamily="18" charset="0"/>
+                                </a:rPr>
+                                <m:t>𝑌</m:t>
+                              </m:r>
+                            </m:sub>
+                          </m:sSub>
+                          <m:r>
+                            <a:rPr lang="de-DE" i="1">
+                              <a:latin typeface="Cambria Math" panose="02040503050406030204" pitchFamily="18" charset="0"/>
+                            </a:rPr>
+                            <m:t>(</m:t>
+                          </m:r>
+                          <m:r>
+                            <a:rPr lang="de-DE" i="1">
+                              <a:latin typeface="Cambria Math" panose="02040503050406030204" pitchFamily="18" charset="0"/>
+                            </a:rPr>
+                            <m:t>𝑦</m:t>
+                          </m:r>
+                          <m:r>
+                            <a:rPr lang="de-DE" i="1">
+                              <a:latin typeface="Cambria Math" panose="02040503050406030204" pitchFamily="18" charset="0"/>
+                            </a:rPr>
+                            <m:t>)</m:t>
+                          </m:r>
+                          <m:r>
+                            <a:rPr lang="de-DE" i="1">
+                              <a:latin typeface="Cambria Math" panose="02040503050406030204" pitchFamily="18" charset="0"/>
+                            </a:rPr>
+                            <m:t>𝑑𝑦</m:t>
+                          </m:r>
+                        </m:e>
+                      </m:nary>
+                    </m:oMath>
+                  </m:oMathPara>
+                </a14:m>
+                <a:endParaRPr lang="en-US" dirty="0"/>
+              </a:p>
+            </p:txBody>
+          </p:sp>
+        </mc:Choice>
+        <mc:Fallback>
+          <p:sp>
+            <p:nvSpPr>
+              <p:cNvPr id="3" name="Content Placeholder 2">
+                <a:extLst>
+                  <a:ext uri="{FF2B5EF4-FFF2-40B4-BE49-F238E27FC236}">
+                    <a16:creationId xmlns:a16="http://schemas.microsoft.com/office/drawing/2014/main" id="{CDFB2D19-8CAB-A394-6B0A-6D99E0AE0761}"/>
+                  </a:ext>
+                </a:extLst>
+              </p:cNvPr>
+              <p:cNvSpPr>
+                <a:spLocks noGrp="1" noRot="1" noChangeAspect="1" noMove="1" noResize="1" noEditPoints="1" noAdjustHandles="1" noChangeArrowheads="1" noChangeShapeType="1" noTextEdit="1"/>
+              </p:cNvSpPr>
+              <p:nvPr>
+                <p:ph idx="1"/>
+              </p:nvPr>
+            </p:nvSpPr>
+            <p:spPr>
+              <a:blipFill>
+                <a:blip r:embed="rId6"/>
+                <a:stretch>
+                  <a:fillRect l="-1043"/>
+                </a:stretch>
+              </a:blipFill>
+            </p:spPr>
+            <p:txBody>
+              <a:bodyPr/>
+              <a:lstStyle/>
+              <a:p>
+                <a:r>
+                  <a:rPr lang="en-US">
+                    <a:noFill/>
+                  </a:rPr>
+                  <a:t> </a:t>
+                </a:r>
+              </a:p>
+            </p:txBody>
+          </p:sp>
+        </mc:Fallback>
+      </mc:AlternateContent>
+      <p:sp>
+        <p:nvSpPr>
+          <p:cNvPr id="4" name="Footer Placeholder 3">
+            <a:extLst>
+              <a:ext uri="{FF2B5EF4-FFF2-40B4-BE49-F238E27FC236}">
+                <a16:creationId xmlns:a16="http://schemas.microsoft.com/office/drawing/2014/main" id="{7D826975-A314-BA2D-5DEA-FCAD6EF53BB4}"/>
+              </a:ext>
+            </a:extLst>
+          </p:cNvPr>
+          <p:cNvSpPr>
+            <a:spLocks noGrp="1"/>
+          </p:cNvSpPr>
+          <p:nvPr>
+            <p:ph type="ftr" sz="quarter" idx="11"/>
+          </p:nvPr>
+        </p:nvSpPr>
+        <p:spPr/>
+        <p:txBody>
+          <a:bodyPr/>
+          <a:lstStyle/>
+          <a:p>
+            <a:r>
+              <a:rPr lang="en-US" dirty="0"/>
+              <a:t>[2] </a:t>
+            </a:r>
+            <a:r>
+              <a:rPr lang="en-US" sz="1200" dirty="0"/>
+              <a:t>C. </a:t>
+            </a:r>
+            <a:r>
+              <a:rPr lang="en-US" sz="1200" dirty="0" err="1"/>
+              <a:t>Fonnesbeck</a:t>
+            </a:r>
+            <a:r>
+              <a:rPr lang="en-US" sz="1200" dirty="0"/>
+              <a:t>, Fitting Gaussian Process Models in Python (https://domino. ai/blog/fitting-gaussian-process-models-python)</a:t>
+            </a:r>
+            <a:endParaRPr lang="en-US" dirty="0"/>
+          </a:p>
+        </p:txBody>
+      </p:sp>
+      <p:sp>
+        <p:nvSpPr>
+          <p:cNvPr id="5" name="Slide Number Placeholder 4">
+            <a:extLst>
+              <a:ext uri="{FF2B5EF4-FFF2-40B4-BE49-F238E27FC236}">
+                <a16:creationId xmlns:a16="http://schemas.microsoft.com/office/drawing/2014/main" id="{7EF13094-2A8E-D687-90AD-94DF86DC5811}"/>
+              </a:ext>
+            </a:extLst>
+          </p:cNvPr>
+          <p:cNvSpPr>
+            <a:spLocks noGrp="1"/>
+          </p:cNvSpPr>
+          <p:nvPr>
+            <p:ph type="sldNum" sz="quarter" idx="12"/>
+          </p:nvPr>
+        </p:nvSpPr>
+        <p:spPr/>
+        <p:txBody>
+          <a:bodyPr/>
+          <a:lstStyle/>
+          <a:p>
+            <a:fld id="{BB5BDEE0-5897-43EE-8390-09DDB5CCC2DB}" type="slidenum">
+              <a:rPr lang="en-US" smtClean="0"/>
+              <a:t>14</a:t>
+            </a:fld>
+            <a:endParaRPr lang="en-US" dirty="0"/>
+          </a:p>
+        </p:txBody>
+      </p:sp>
+    </p:spTree>
+    <p:extLst>
+      <p:ext uri="{BB962C8B-B14F-4D97-AF65-F5344CB8AC3E}">
+        <p14:creationId xmlns:p14="http://schemas.microsoft.com/office/powerpoint/2010/main" val="4000078350"/>
+      </p:ext>
+    </p:extLst>
+  </p:cSld>
+  <p:clrMapOvr>
+    <a:masterClrMapping/>
+  </p:clrMapOvr>
+  <p:extLst>
+    <p:ext uri="{6950BFC3-D8DA-4A85-94F7-54DA5524770B}">
+      <p188:commentRel xmlns:p188="http://schemas.microsoft.com/office/powerpoint/2018/8/main" r:id="rId3"/>
+    </p:ext>
+  </p:extLst>
 </p:sld>
 </file>
 
@@ -4929,7 +8778,7 @@
           <a:bodyPr/>
           <a:lstStyle/>
           <a:p>
-            <a:endParaRPr lang="en-US"/>
+            <a:endParaRPr lang="en-US" dirty="0"/>
           </a:p>
         </p:txBody>
       </p:sp>
@@ -4958,7 +8807,7 @@
               <a:rPr lang="en-US" smtClean="0"/>
               <a:t>2</a:t>
             </a:fld>
-            <a:endParaRPr lang="en-US"/>
+            <a:endParaRPr lang="en-US" dirty="0"/>
           </a:p>
         </p:txBody>
       </p:sp>
@@ -5041,7 +8890,7 @@
             <p:spPr/>
             <p:txBody>
               <a:bodyPr>
-                <a:normAutofit lnSpcReduction="10000"/>
+                <a:normAutofit/>
               </a:bodyPr>
               <a:lstStyle/>
               <a:p>
@@ -5301,14 +9150,7 @@
               <a:p>
                 <a:r>
                   <a:rPr lang="en-US" dirty="0"/>
-                  <a:t>MLE – Maximum Likelihood Estimation </a:t>
-                </a:r>
-              </a:p>
-              <a:p>
-                <a:pPr lvl="1"/>
-                <a:r>
-                  <a:rPr lang="en-US" dirty="0"/>
-                  <a:t>Maximize</a:t>
+                  <a:t>MLE – Maximize</a:t>
                 </a:r>
                 <a14:m>
                   <m:oMath xmlns:m="http://schemas.openxmlformats.org/officeDocument/2006/math">
@@ -5537,10 +9379,6 @@
                 <a:endParaRPr lang="en-US" b="0" dirty="0"/>
               </a:p>
               <a:p>
-                <a:pPr lvl="1"/>
-                <a:endParaRPr lang="en-US" b="0" dirty="0"/>
-              </a:p>
-              <a:p>
                 <a:r>
                   <a:rPr lang="de-DE" dirty="0"/>
                   <a:t>MAP – </a:t>
@@ -5589,12 +9427,8 @@
               <a:p>
                 <a:pPr lvl="1"/>
                 <a:r>
-                  <a:rPr lang="en-US" dirty="0"/>
-                  <a:t>Maximize</a:t>
-                </a:r>
-                <a:r>
                   <a:rPr lang="de-DE" dirty="0"/>
-                  <a:t> (using Bayes Theorem)</a:t>
+                  <a:t>Bayes Theorem</a:t>
                 </a:r>
                 <a:endParaRPr lang="en-US" dirty="0"/>
               </a:p>
@@ -5752,7 +9586,7 @@
               <a:blipFill>
                 <a:blip r:embed="rId3"/>
                 <a:stretch>
-                  <a:fillRect l="-2118" t="-3081"/>
+                  <a:fillRect l="-2118" t="-2241"/>
                 </a:stretch>
               </a:blipFill>
             </p:spPr>
@@ -5824,16 +9658,16 @@
               <a:rPr lang="en-US" smtClean="0"/>
               <a:t>3</a:t>
             </a:fld>
-            <a:endParaRPr lang="en-US"/>
+            <a:endParaRPr lang="en-US" dirty="0"/>
           </a:p>
         </p:txBody>
       </p:sp>
       <p:pic>
         <p:nvPicPr>
-          <p:cNvPr id="46" name="Content Placeholder 45">
+          <p:cNvPr id="9" name="Content Placeholder 8">
             <a:extLst>
               <a:ext uri="{FF2B5EF4-FFF2-40B4-BE49-F238E27FC236}">
-                <a16:creationId xmlns:a16="http://schemas.microsoft.com/office/drawing/2014/main" id="{5BADF607-AE29-DBF0-A10A-4F8A89B26FFD}"/>
+                <a16:creationId xmlns:a16="http://schemas.microsoft.com/office/drawing/2014/main" id="{B86AF2D1-5B2F-8445-2F65-C96172D439C6}"/>
               </a:ext>
             </a:extLst>
           </p:cNvPr>
@@ -5861,7 +9695,7 @@
         </p:blipFill>
         <p:spPr>
           <a:xfrm>
-            <a:off x="6172200" y="1842294"/>
+            <a:off x="6172200" y="1849551"/>
             <a:ext cx="5181600" cy="4318000"/>
           </a:xfrm>
         </p:spPr>
@@ -6205,14 +10039,7 @@
               <a:p>
                 <a:r>
                   <a:rPr lang="en-US" dirty="0"/>
-                  <a:t>MLE – Maximum Likelihood Estimation </a:t>
-                </a:r>
-              </a:p>
-              <a:p>
-                <a:pPr lvl="1"/>
-                <a:r>
-                  <a:rPr lang="en-US" dirty="0"/>
-                  <a:t>Maximize</a:t>
+                  <a:t>MLE – Maximize</a:t>
                 </a:r>
                 <a14:m>
                   <m:oMath xmlns:m="http://schemas.openxmlformats.org/officeDocument/2006/math">
@@ -6261,12 +10088,6 @@
               </a:p>
               <a:p>
                 <a:pPr marL="457200" lvl="1" indent="0">
-                  <a:lnSpc>
-                    <a:spcPct val="110000"/>
-                  </a:lnSpc>
-                  <a:spcAft>
-                    <a:spcPts val="600"/>
-                  </a:spcAft>
                   <a:buNone/>
                 </a:pPr>
                 <a:r>
@@ -6495,23 +10316,13 @@
               <a:p>
                 <a:pPr lvl="1"/>
                 <a:r>
-                  <a:rPr lang="en-US" dirty="0"/>
-                  <a:t>Maximize</a:t>
-                </a:r>
-                <a:r>
                   <a:rPr lang="de-DE" dirty="0"/>
-                  <a:t> (using Bayes Theorem)</a:t>
+                  <a:t>Bayes Theorem</a:t>
                 </a:r>
                 <a:endParaRPr lang="en-US" dirty="0"/>
               </a:p>
               <a:p>
                 <a:pPr marL="457200" lvl="1" indent="0">
-                  <a:lnSpc>
-                    <a:spcPct val="100000"/>
-                  </a:lnSpc>
-                  <a:spcAft>
-                    <a:spcPts val="600"/>
-                  </a:spcAft>
                   <a:buNone/>
                 </a:pPr>
                 <a:r>
@@ -6742,10 +10553,10 @@
       </p:sp>
       <p:pic>
         <p:nvPicPr>
-          <p:cNvPr id="33" name="Content Placeholder 32">
+          <p:cNvPr id="12" name="Content Placeholder 11">
             <a:extLst>
               <a:ext uri="{FF2B5EF4-FFF2-40B4-BE49-F238E27FC236}">
-                <a16:creationId xmlns:a16="http://schemas.microsoft.com/office/drawing/2014/main" id="{2492F39B-E9FB-B69B-D3FF-BF6E3FB94F5B}"/>
+                <a16:creationId xmlns:a16="http://schemas.microsoft.com/office/drawing/2014/main" id="{7A6AE31A-7E78-EBE7-FEF7-2515CD7BF6EC}"/>
               </a:ext>
             </a:extLst>
           </p:cNvPr>
@@ -6781,7 +10592,7 @@
     </p:spTree>
     <p:extLst>
       <p:ext uri="{BB962C8B-B14F-4D97-AF65-F5344CB8AC3E}">
-        <p14:creationId xmlns:p14="http://schemas.microsoft.com/office/powerpoint/2010/main" val="225109160"/>
+        <p14:creationId xmlns:p14="http://schemas.microsoft.com/office/powerpoint/2010/main" val="1237545185"/>
       </p:ext>
     </p:extLst>
   </p:cSld>
@@ -6792,6 +10603,991 @@
 </file>
 
 <file path=ppt/slides/slide5.xml><?xml version="1.0" encoding="utf-8"?>
+<p:sld xmlns:a="http://schemas.openxmlformats.org/drawingml/2006/main" xmlns:r="http://schemas.openxmlformats.org/officeDocument/2006/relationships" xmlns:p="http://schemas.openxmlformats.org/presentationml/2006/main">
+  <p:cSld>
+    <p:spTree>
+      <p:nvGrpSpPr>
+        <p:cNvPr id="1" name=""/>
+        <p:cNvGrpSpPr/>
+        <p:nvPr/>
+      </p:nvGrpSpPr>
+      <p:grpSpPr>
+        <a:xfrm>
+          <a:off x="0" y="0"/>
+          <a:ext cx="0" cy="0"/>
+          <a:chOff x="0" y="0"/>
+          <a:chExt cx="0" cy="0"/>
+        </a:xfrm>
+      </p:grpSpPr>
+      <p:sp>
+        <p:nvSpPr>
+          <p:cNvPr id="2" name="Title 1">
+            <a:extLst>
+              <a:ext uri="{FF2B5EF4-FFF2-40B4-BE49-F238E27FC236}">
+                <a16:creationId xmlns:a16="http://schemas.microsoft.com/office/drawing/2014/main" id="{8DC611DA-EF10-975A-6E8A-A67D6A74AEA9}"/>
+              </a:ext>
+            </a:extLst>
+          </p:cNvPr>
+          <p:cNvSpPr>
+            <a:spLocks noGrp="1"/>
+          </p:cNvSpPr>
+          <p:nvPr>
+            <p:ph type="title"/>
+          </p:nvPr>
+        </p:nvSpPr>
+        <p:spPr/>
+        <p:txBody>
+          <a:bodyPr/>
+          <a:lstStyle/>
+          <a:p>
+            <a:r>
+              <a:rPr lang="en-US" dirty="0"/>
+              <a:t>Motivation – Regression problems [1]</a:t>
+            </a:r>
+          </a:p>
+        </p:txBody>
+      </p:sp>
+      <mc:AlternateContent xmlns:mc="http://schemas.openxmlformats.org/markup-compatibility/2006">
+        <mc:Choice xmlns:a14="http://schemas.microsoft.com/office/drawing/2010/main" Requires="a14">
+          <p:sp>
+            <p:nvSpPr>
+              <p:cNvPr id="3" name="Content Placeholder 2">
+                <a:extLst>
+                  <a:ext uri="{FF2B5EF4-FFF2-40B4-BE49-F238E27FC236}">
+                    <a16:creationId xmlns:a16="http://schemas.microsoft.com/office/drawing/2014/main" id="{95EC1D9D-247F-FA8D-9842-2776F9614861}"/>
+                  </a:ext>
+                </a:extLst>
+              </p:cNvPr>
+              <p:cNvSpPr>
+                <a:spLocks noGrp="1"/>
+              </p:cNvSpPr>
+              <p:nvPr>
+                <p:ph sz="half" idx="1"/>
+              </p:nvPr>
+            </p:nvSpPr>
+            <p:spPr/>
+            <p:txBody>
+              <a:bodyPr>
+                <a:normAutofit/>
+              </a:bodyPr>
+              <a:lstStyle/>
+              <a:p>
+                <a:r>
+                  <a:rPr lang="en-US" dirty="0"/>
+                  <a:t>Data </a:t>
+                </a:r>
+                <a14:m>
+                  <m:oMath xmlns:m="http://schemas.openxmlformats.org/officeDocument/2006/math">
+                    <m:r>
+                      <a:rPr lang="de-DE" b="0" i="1" smtClean="0">
+                        <a:latin typeface="Cambria Math" panose="02040503050406030204" pitchFamily="18" charset="0"/>
+                      </a:rPr>
+                      <m:t>𝐷</m:t>
+                    </m:r>
+                    <m:r>
+                      <a:rPr lang="de-DE" b="0" i="1" smtClean="0">
+                        <a:latin typeface="Cambria Math" panose="02040503050406030204" pitchFamily="18" charset="0"/>
+                      </a:rPr>
+                      <m:t>=</m:t>
+                    </m:r>
+                    <m:d>
+                      <m:dPr>
+                        <m:begChr m:val="{"/>
+                        <m:endChr m:val="}"/>
+                        <m:ctrlPr>
+                          <a:rPr lang="de-DE" b="0" i="1" smtClean="0">
+                            <a:latin typeface="Cambria Math" panose="02040503050406030204" pitchFamily="18" charset="0"/>
+                          </a:rPr>
+                        </m:ctrlPr>
+                      </m:dPr>
+                      <m:e>
+                        <m:d>
+                          <m:dPr>
+                            <m:ctrlPr>
+                              <a:rPr lang="de-DE" b="0" i="1" smtClean="0">
+                                <a:latin typeface="Cambria Math" panose="02040503050406030204" pitchFamily="18" charset="0"/>
+                              </a:rPr>
+                            </m:ctrlPr>
+                          </m:dPr>
+                          <m:e>
+                            <m:sSub>
+                              <m:sSubPr>
+                                <m:ctrlPr>
+                                  <a:rPr lang="de-DE" b="0" i="1" smtClean="0">
+                                    <a:latin typeface="Cambria Math" panose="02040503050406030204" pitchFamily="18" charset="0"/>
+                                  </a:rPr>
+                                </m:ctrlPr>
+                              </m:sSubPr>
+                              <m:e>
+                                <m:r>
+                                  <a:rPr lang="de-DE" b="0" i="1" smtClean="0">
+                                    <a:latin typeface="Cambria Math" panose="02040503050406030204" pitchFamily="18" charset="0"/>
+                                  </a:rPr>
+                                  <m:t>𝑥</m:t>
+                                </m:r>
+                              </m:e>
+                              <m:sub>
+                                <m:r>
+                                  <a:rPr lang="de-DE" b="0" i="1" smtClean="0">
+                                    <a:latin typeface="Cambria Math" panose="02040503050406030204" pitchFamily="18" charset="0"/>
+                                  </a:rPr>
+                                  <m:t>1</m:t>
+                                </m:r>
+                              </m:sub>
+                            </m:sSub>
+                            <m:r>
+                              <a:rPr lang="de-DE" b="0" i="1" smtClean="0">
+                                <a:latin typeface="Cambria Math" panose="02040503050406030204" pitchFamily="18" charset="0"/>
+                              </a:rPr>
+                              <m:t>,</m:t>
+                            </m:r>
+                            <m:sSub>
+                              <m:sSubPr>
+                                <m:ctrlPr>
+                                  <a:rPr lang="de-DE" b="0" i="1" smtClean="0">
+                                    <a:latin typeface="Cambria Math" panose="02040503050406030204" pitchFamily="18" charset="0"/>
+                                  </a:rPr>
+                                </m:ctrlPr>
+                              </m:sSubPr>
+                              <m:e>
+                                <m:r>
+                                  <a:rPr lang="de-DE" b="0" i="1" smtClean="0">
+                                    <a:latin typeface="Cambria Math" panose="02040503050406030204" pitchFamily="18" charset="0"/>
+                                  </a:rPr>
+                                  <m:t>𝑦</m:t>
+                                </m:r>
+                              </m:e>
+                              <m:sub>
+                                <m:r>
+                                  <a:rPr lang="de-DE" b="0" i="1" smtClean="0">
+                                    <a:latin typeface="Cambria Math" panose="02040503050406030204" pitchFamily="18" charset="0"/>
+                                  </a:rPr>
+                                  <m:t>1</m:t>
+                                </m:r>
+                              </m:sub>
+                            </m:sSub>
+                          </m:e>
+                        </m:d>
+                        <m:r>
+                          <a:rPr lang="de-DE" b="0" i="1" smtClean="0">
+                            <a:latin typeface="Cambria Math" panose="02040503050406030204" pitchFamily="18" charset="0"/>
+                          </a:rPr>
+                          <m:t>,…,(</m:t>
+                        </m:r>
+                        <m:sSub>
+                          <m:sSubPr>
+                            <m:ctrlPr>
+                              <a:rPr lang="de-DE" b="0" i="1" smtClean="0">
+                                <a:latin typeface="Cambria Math" panose="02040503050406030204" pitchFamily="18" charset="0"/>
+                              </a:rPr>
+                            </m:ctrlPr>
+                          </m:sSubPr>
+                          <m:e>
+                            <m:r>
+                              <a:rPr lang="de-DE" b="0" i="1" smtClean="0">
+                                <a:latin typeface="Cambria Math" panose="02040503050406030204" pitchFamily="18" charset="0"/>
+                              </a:rPr>
+                              <m:t>𝑥</m:t>
+                            </m:r>
+                          </m:e>
+                          <m:sub>
+                            <m:r>
+                              <a:rPr lang="de-DE" b="0" i="1" smtClean="0">
+                                <a:latin typeface="Cambria Math" panose="02040503050406030204" pitchFamily="18" charset="0"/>
+                              </a:rPr>
+                              <m:t>𝑛</m:t>
+                            </m:r>
+                          </m:sub>
+                        </m:sSub>
+                        <m:r>
+                          <a:rPr lang="de-DE" b="0" i="1" smtClean="0">
+                            <a:latin typeface="Cambria Math" panose="02040503050406030204" pitchFamily="18" charset="0"/>
+                          </a:rPr>
+                          <m:t>,</m:t>
+                        </m:r>
+                        <m:sSub>
+                          <m:sSubPr>
+                            <m:ctrlPr>
+                              <a:rPr lang="de-DE" b="0" i="1" smtClean="0">
+                                <a:latin typeface="Cambria Math" panose="02040503050406030204" pitchFamily="18" charset="0"/>
+                              </a:rPr>
+                            </m:ctrlPr>
+                          </m:sSubPr>
+                          <m:e>
+                            <m:r>
+                              <a:rPr lang="de-DE" b="0" i="1" smtClean="0">
+                                <a:latin typeface="Cambria Math" panose="02040503050406030204" pitchFamily="18" charset="0"/>
+                              </a:rPr>
+                              <m:t>𝑦</m:t>
+                            </m:r>
+                          </m:e>
+                          <m:sub>
+                            <m:r>
+                              <a:rPr lang="de-DE" b="0" i="1" smtClean="0">
+                                <a:latin typeface="Cambria Math" panose="02040503050406030204" pitchFamily="18" charset="0"/>
+                              </a:rPr>
+                              <m:t>𝑛</m:t>
+                            </m:r>
+                          </m:sub>
+                        </m:sSub>
+                        <m:r>
+                          <a:rPr lang="de-DE" b="0" i="1" smtClean="0">
+                            <a:latin typeface="Cambria Math" panose="02040503050406030204" pitchFamily="18" charset="0"/>
+                          </a:rPr>
+                          <m:t>)</m:t>
+                        </m:r>
+                      </m:e>
+                    </m:d>
+                  </m:oMath>
+                </a14:m>
+                <a:endParaRPr lang="en-US" dirty="0"/>
+              </a:p>
+              <a:p>
+                <a:r>
+                  <a:rPr lang="en-US" dirty="0"/>
+                  <a:t>Model </a:t>
+                </a:r>
+                <a14:m>
+                  <m:oMath xmlns:m="http://schemas.openxmlformats.org/officeDocument/2006/math">
+                    <m:r>
+                      <a:rPr lang="de-DE" b="0" i="1" smtClean="0">
+                        <a:latin typeface="Cambria Math" panose="02040503050406030204" pitchFamily="18" charset="0"/>
+                      </a:rPr>
+                      <m:t>𝑓</m:t>
+                    </m:r>
+                    <m:d>
+                      <m:dPr>
+                        <m:ctrlPr>
+                          <a:rPr lang="de-DE" b="0" i="1" smtClean="0">
+                            <a:latin typeface="Cambria Math" panose="02040503050406030204" pitchFamily="18" charset="0"/>
+                          </a:rPr>
+                        </m:ctrlPr>
+                      </m:dPr>
+                      <m:e>
+                        <m:r>
+                          <a:rPr lang="de-DE" b="0" i="1" smtClean="0">
+                            <a:latin typeface="Cambria Math" panose="02040503050406030204" pitchFamily="18" charset="0"/>
+                          </a:rPr>
+                          <m:t>𝑥</m:t>
+                        </m:r>
+                      </m:e>
+                    </m:d>
+                    <m:r>
+                      <a:rPr lang="de-DE" b="0" i="1" smtClean="0">
+                        <a:latin typeface="Cambria Math" panose="02040503050406030204" pitchFamily="18" charset="0"/>
+                      </a:rPr>
+                      <m:t>=</m:t>
+                    </m:r>
+                    <m:sSup>
+                      <m:sSupPr>
+                        <m:ctrlPr>
+                          <a:rPr lang="de-DE" b="0" i="1" smtClean="0">
+                            <a:latin typeface="Cambria Math" panose="02040503050406030204" pitchFamily="18" charset="0"/>
+                          </a:rPr>
+                        </m:ctrlPr>
+                      </m:sSupPr>
+                      <m:e>
+                        <m:r>
+                          <a:rPr lang="de-DE" b="0" i="1" smtClean="0">
+                            <a:latin typeface="Cambria Math" panose="02040503050406030204" pitchFamily="18" charset="0"/>
+                          </a:rPr>
+                          <m:t>𝑤</m:t>
+                        </m:r>
+                      </m:e>
+                      <m:sup>
+                        <m:r>
+                          <a:rPr lang="de-DE" b="0" i="1" smtClean="0">
+                            <a:latin typeface="Cambria Math" panose="02040503050406030204" pitchFamily="18" charset="0"/>
+                          </a:rPr>
+                          <m:t>𝑇</m:t>
+                        </m:r>
+                      </m:sup>
+                    </m:sSup>
+                    <m:r>
+                      <a:rPr lang="de-DE" b="0" i="1" smtClean="0">
+                        <a:latin typeface="Cambria Math" panose="02040503050406030204" pitchFamily="18" charset="0"/>
+                      </a:rPr>
+                      <m:t>𝑥</m:t>
+                    </m:r>
+                    <m:r>
+                      <a:rPr lang="de-DE" b="0" i="1" smtClean="0">
+                        <a:latin typeface="Cambria Math" panose="02040503050406030204" pitchFamily="18" charset="0"/>
+                      </a:rPr>
+                      <m:t>+</m:t>
+                    </m:r>
+                    <m:r>
+                      <a:rPr lang="de-DE" b="0" i="1" smtClean="0">
+                        <a:latin typeface="Cambria Math" panose="02040503050406030204" pitchFamily="18" charset="0"/>
+                      </a:rPr>
+                      <m:t>𝜖</m:t>
+                    </m:r>
+                  </m:oMath>
+                </a14:m>
+                <a:endParaRPr lang="en-US" dirty="0"/>
+              </a:p>
+              <a:p>
+                <a:r>
+                  <a:rPr lang="en-US" dirty="0"/>
+                  <a:t>MLE – Maximize</a:t>
+                </a:r>
+                <a14:m>
+                  <m:oMath xmlns:m="http://schemas.openxmlformats.org/officeDocument/2006/math">
+                    <m:r>
+                      <a:rPr lang="de-DE" b="0" i="0" smtClean="0">
+                        <a:latin typeface="Cambria Math" panose="02040503050406030204" pitchFamily="18" charset="0"/>
+                      </a:rPr>
+                      <m:t> </m:t>
+                    </m:r>
+                    <m:r>
+                      <a:rPr lang="de-DE" b="0" i="1" smtClean="0">
+                        <a:latin typeface="Cambria Math" panose="02040503050406030204" pitchFamily="18" charset="0"/>
+                      </a:rPr>
+                      <m:t>𝑝</m:t>
+                    </m:r>
+                    <m:d>
+                      <m:dPr>
+                        <m:ctrlPr>
+                          <a:rPr lang="de-DE" b="0" i="1" smtClean="0">
+                            <a:latin typeface="Cambria Math" panose="02040503050406030204" pitchFamily="18" charset="0"/>
+                          </a:rPr>
+                        </m:ctrlPr>
+                      </m:dPr>
+                      <m:e>
+                        <m:r>
+                          <a:rPr lang="de-DE" b="0" i="1" smtClean="0">
+                            <a:latin typeface="Cambria Math" panose="02040503050406030204" pitchFamily="18" charset="0"/>
+                          </a:rPr>
+                          <m:t>𝐷</m:t>
+                        </m:r>
+                      </m:e>
+                      <m:e>
+                        <m:r>
+                          <a:rPr lang="de-DE" b="0" i="1" smtClean="0">
+                            <a:latin typeface="Cambria Math" panose="02040503050406030204" pitchFamily="18" charset="0"/>
+                          </a:rPr>
+                          <m:t>𝑤</m:t>
+                        </m:r>
+                      </m:e>
+                    </m:d>
+                  </m:oMath>
+                </a14:m>
+                <a:endParaRPr lang="de-DE" b="0" i="0" dirty="0">
+                  <a:latin typeface="Cambria Math" panose="02040503050406030204" pitchFamily="18" charset="0"/>
+                </a:endParaRPr>
+              </a:p>
+              <a:p>
+                <a:pPr marL="457200" lvl="1" indent="0">
+                  <a:buNone/>
+                </a:pPr>
+                <a:r>
+                  <a:rPr lang="de-DE" b="0" dirty="0"/>
+                  <a:t>	</a:t>
+                </a:r>
+                <a14:m>
+                  <m:oMath xmlns:m="http://schemas.openxmlformats.org/officeDocument/2006/math">
+                    <m:r>
+                      <a:rPr lang="de-DE" b="0" i="1" smtClean="0">
+                        <a:latin typeface="Cambria Math" panose="02040503050406030204" pitchFamily="18" charset="0"/>
+                      </a:rPr>
+                      <m:t>𝑝</m:t>
+                    </m:r>
+                    <m:d>
+                      <m:dPr>
+                        <m:ctrlPr>
+                          <a:rPr lang="de-DE" b="0" i="1" smtClean="0">
+                            <a:latin typeface="Cambria Math" panose="02040503050406030204" pitchFamily="18" charset="0"/>
+                          </a:rPr>
+                        </m:ctrlPr>
+                      </m:dPr>
+                      <m:e>
+                        <m:r>
+                          <a:rPr lang="de-DE" b="0" i="1" smtClean="0">
+                            <a:latin typeface="Cambria Math" panose="02040503050406030204" pitchFamily="18" charset="0"/>
+                          </a:rPr>
+                          <m:t>𝐷</m:t>
+                        </m:r>
+                      </m:e>
+                      <m:e>
+                        <m:r>
+                          <a:rPr lang="de-DE" b="0" i="1" smtClean="0">
+                            <a:latin typeface="Cambria Math" panose="02040503050406030204" pitchFamily="18" charset="0"/>
+                          </a:rPr>
+                          <m:t>𝑤</m:t>
+                        </m:r>
+                      </m:e>
+                    </m:d>
+                    <m:r>
+                      <a:rPr lang="de-DE" b="0" i="1" smtClean="0">
+                        <a:latin typeface="Cambria Math" panose="02040503050406030204" pitchFamily="18" charset="0"/>
+                      </a:rPr>
+                      <m:t>=</m:t>
+                    </m:r>
+                    <m:nary>
+                      <m:naryPr>
+                        <m:chr m:val="∏"/>
+                        <m:limLoc m:val="subSup"/>
+                        <m:ctrlPr>
+                          <a:rPr lang="de-DE" b="0" i="1" smtClean="0">
+                            <a:latin typeface="Cambria Math" panose="02040503050406030204" pitchFamily="18" charset="0"/>
+                          </a:rPr>
+                        </m:ctrlPr>
+                      </m:naryPr>
+                      <m:sub>
+                        <m:r>
+                          <m:rPr>
+                            <m:brk m:alnAt="25"/>
+                          </m:rPr>
+                          <a:rPr lang="de-DE" b="0" i="1" smtClean="0">
+                            <a:latin typeface="Cambria Math" panose="02040503050406030204" pitchFamily="18" charset="0"/>
+                          </a:rPr>
+                          <m:t>𝑖</m:t>
+                        </m:r>
+                        <m:r>
+                          <a:rPr lang="de-DE" b="0" i="1" smtClean="0">
+                            <a:latin typeface="Cambria Math" panose="02040503050406030204" pitchFamily="18" charset="0"/>
+                          </a:rPr>
+                          <m:t>=1</m:t>
+                        </m:r>
+                      </m:sub>
+                      <m:sup>
+                        <m:r>
+                          <a:rPr lang="de-DE" b="0" i="1" smtClean="0">
+                            <a:latin typeface="Cambria Math" panose="02040503050406030204" pitchFamily="18" charset="0"/>
+                          </a:rPr>
+                          <m:t>𝑛</m:t>
+                        </m:r>
+                      </m:sup>
+                      <m:e>
+                        <m:r>
+                          <a:rPr lang="de-DE" b="0" i="1" smtClean="0">
+                            <a:latin typeface="Cambria Math" panose="02040503050406030204" pitchFamily="18" charset="0"/>
+                          </a:rPr>
+                          <m:t> </m:t>
+                        </m:r>
+                        <m:r>
+                          <a:rPr lang="de-DE" b="0" i="1" smtClean="0">
+                            <a:latin typeface="Cambria Math" panose="02040503050406030204" pitchFamily="18" charset="0"/>
+                          </a:rPr>
+                          <m:t>𝑝</m:t>
+                        </m:r>
+                        <m:r>
+                          <a:rPr lang="de-DE" b="0" i="1" smtClean="0">
+                            <a:latin typeface="Cambria Math" panose="02040503050406030204" pitchFamily="18" charset="0"/>
+                          </a:rPr>
+                          <m:t>(</m:t>
+                        </m:r>
+                        <m:sSub>
+                          <m:sSubPr>
+                            <m:ctrlPr>
+                              <a:rPr lang="de-DE" b="0" i="1" smtClean="0">
+                                <a:latin typeface="Cambria Math" panose="02040503050406030204" pitchFamily="18" charset="0"/>
+                              </a:rPr>
+                            </m:ctrlPr>
+                          </m:sSubPr>
+                          <m:e>
+                            <m:r>
+                              <a:rPr lang="de-DE" b="0" i="1" smtClean="0">
+                                <a:latin typeface="Cambria Math" panose="02040503050406030204" pitchFamily="18" charset="0"/>
+                              </a:rPr>
+                              <m:t>𝑦</m:t>
+                            </m:r>
+                          </m:e>
+                          <m:sub>
+                            <m:r>
+                              <a:rPr lang="de-DE" b="0" i="1" smtClean="0">
+                                <a:latin typeface="Cambria Math" panose="02040503050406030204" pitchFamily="18" charset="0"/>
+                              </a:rPr>
+                              <m:t>𝑖</m:t>
+                            </m:r>
+                          </m:sub>
+                        </m:sSub>
+                        <m:r>
+                          <a:rPr lang="de-DE" b="0" i="1" smtClean="0">
+                            <a:latin typeface="Cambria Math" panose="02040503050406030204" pitchFamily="18" charset="0"/>
+                          </a:rPr>
+                          <m:t>|</m:t>
+                        </m:r>
+                        <m:sSub>
+                          <m:sSubPr>
+                            <m:ctrlPr>
+                              <a:rPr lang="de-DE" b="0" i="1" smtClean="0">
+                                <a:latin typeface="Cambria Math" panose="02040503050406030204" pitchFamily="18" charset="0"/>
+                              </a:rPr>
+                            </m:ctrlPr>
+                          </m:sSubPr>
+                          <m:e>
+                            <m:r>
+                              <a:rPr lang="de-DE" b="0" i="1" smtClean="0">
+                                <a:latin typeface="Cambria Math" panose="02040503050406030204" pitchFamily="18" charset="0"/>
+                              </a:rPr>
+                              <m:t>𝑥</m:t>
+                            </m:r>
+                          </m:e>
+                          <m:sub>
+                            <m:r>
+                              <a:rPr lang="de-DE" b="0" i="1" smtClean="0">
+                                <a:latin typeface="Cambria Math" panose="02040503050406030204" pitchFamily="18" charset="0"/>
+                              </a:rPr>
+                              <m:t>𝑖</m:t>
+                            </m:r>
+                          </m:sub>
+                        </m:sSub>
+                        <m:r>
+                          <a:rPr lang="de-DE" b="0" i="1" smtClean="0">
+                            <a:latin typeface="Cambria Math" panose="02040503050406030204" pitchFamily="18" charset="0"/>
+                          </a:rPr>
+                          <m:t>, </m:t>
+                        </m:r>
+                        <m:r>
+                          <a:rPr lang="de-DE" b="0" i="1" smtClean="0">
+                            <a:latin typeface="Cambria Math" panose="02040503050406030204" pitchFamily="18" charset="0"/>
+                          </a:rPr>
+                          <m:t>𝑤</m:t>
+                        </m:r>
+                        <m:r>
+                          <a:rPr lang="de-DE" b="0" i="1" smtClean="0">
+                            <a:latin typeface="Cambria Math" panose="02040503050406030204" pitchFamily="18" charset="0"/>
+                          </a:rPr>
+                          <m:t>)</m:t>
+                        </m:r>
+                      </m:e>
+                    </m:nary>
+                  </m:oMath>
+                </a14:m>
+                <a:endParaRPr lang="en-US" b="0" dirty="0"/>
+              </a:p>
+              <a:p>
+                <a:r>
+                  <a:rPr lang="de-DE" dirty="0"/>
+                  <a:t>MAP – </a:t>
+                </a:r>
+                <a:r>
+                  <a:rPr lang="en-US" dirty="0"/>
+                  <a:t>Maximize </a:t>
+                </a:r>
+                <a14:m>
+                  <m:oMath xmlns:m="http://schemas.openxmlformats.org/officeDocument/2006/math">
+                    <m:r>
+                      <a:rPr lang="de-DE" b="0" i="1" smtClean="0">
+                        <a:latin typeface="Cambria Math" panose="02040503050406030204" pitchFamily="18" charset="0"/>
+                      </a:rPr>
+                      <m:t>𝑝</m:t>
+                    </m:r>
+                    <m:d>
+                      <m:dPr>
+                        <m:ctrlPr>
+                          <a:rPr lang="de-DE" b="0" i="1" smtClean="0">
+                            <a:latin typeface="Cambria Math" panose="02040503050406030204" pitchFamily="18" charset="0"/>
+                          </a:rPr>
+                        </m:ctrlPr>
+                      </m:dPr>
+                      <m:e>
+                        <m:r>
+                          <a:rPr lang="de-DE" b="0" i="1" smtClean="0">
+                            <a:latin typeface="Cambria Math" panose="02040503050406030204" pitchFamily="18" charset="0"/>
+                          </a:rPr>
+                          <m:t>𝑤</m:t>
+                        </m:r>
+                      </m:e>
+                      <m:e>
+                        <m:r>
+                          <a:rPr lang="de-DE" b="0" i="1" smtClean="0">
+                            <a:latin typeface="Cambria Math" panose="02040503050406030204" pitchFamily="18" charset="0"/>
+                          </a:rPr>
+                          <m:t>𝐷</m:t>
+                        </m:r>
+                      </m:e>
+                    </m:d>
+                  </m:oMath>
+                </a14:m>
+                <a:endParaRPr lang="de-DE" b="0" dirty="0"/>
+              </a:p>
+              <a:p>
+                <a:pPr lvl="1"/>
+                <a:r>
+                  <a:rPr lang="de-DE" dirty="0"/>
+                  <a:t>Bayes Theorem</a:t>
+                </a:r>
+                <a:endParaRPr lang="en-US" dirty="0"/>
+              </a:p>
+              <a:p>
+                <a:pPr marL="457200" lvl="1" indent="0">
+                  <a:buNone/>
+                </a:pPr>
+                <a:r>
+                  <a:rPr lang="de-DE" b="0" dirty="0"/>
+                  <a:t>	</a:t>
+                </a:r>
+                <a14:m>
+                  <m:oMath xmlns:m="http://schemas.openxmlformats.org/officeDocument/2006/math">
+                    <m:r>
+                      <a:rPr lang="de-DE" b="0" i="1" smtClean="0">
+                        <a:latin typeface="Cambria Math" panose="02040503050406030204" pitchFamily="18" charset="0"/>
+                      </a:rPr>
+                      <m:t>𝑝</m:t>
+                    </m:r>
+                    <m:d>
+                      <m:dPr>
+                        <m:ctrlPr>
+                          <a:rPr lang="de-DE" b="0" i="1" smtClean="0">
+                            <a:latin typeface="Cambria Math" panose="02040503050406030204" pitchFamily="18" charset="0"/>
+                          </a:rPr>
+                        </m:ctrlPr>
+                      </m:dPr>
+                      <m:e>
+                        <m:r>
+                          <a:rPr lang="de-DE" b="0" i="1" smtClean="0">
+                            <a:latin typeface="Cambria Math" panose="02040503050406030204" pitchFamily="18" charset="0"/>
+                          </a:rPr>
+                          <m:t>𝑤</m:t>
+                        </m:r>
+                      </m:e>
+                      <m:e>
+                        <m:r>
+                          <a:rPr lang="de-DE" b="0" i="1" smtClean="0">
+                            <a:latin typeface="Cambria Math" panose="02040503050406030204" pitchFamily="18" charset="0"/>
+                          </a:rPr>
+                          <m:t>𝐷</m:t>
+                        </m:r>
+                      </m:e>
+                    </m:d>
+                    <m:r>
+                      <a:rPr lang="de-DE" b="0" i="1" smtClean="0">
+                        <a:latin typeface="Cambria Math" panose="02040503050406030204" pitchFamily="18" charset="0"/>
+                      </a:rPr>
+                      <m:t>=</m:t>
+                    </m:r>
+                    <m:r>
+                      <a:rPr lang="de-DE" b="0" i="1" smtClean="0">
+                        <a:latin typeface="Cambria Math" panose="02040503050406030204" pitchFamily="18" charset="0"/>
+                      </a:rPr>
+                      <m:t>𝑝</m:t>
+                    </m:r>
+                    <m:d>
+                      <m:dPr>
+                        <m:ctrlPr>
+                          <a:rPr lang="de-DE" b="0" i="1" smtClean="0">
+                            <a:latin typeface="Cambria Math" panose="02040503050406030204" pitchFamily="18" charset="0"/>
+                          </a:rPr>
+                        </m:ctrlPr>
+                      </m:dPr>
+                      <m:e>
+                        <m:r>
+                          <a:rPr lang="de-DE" b="0" i="1" smtClean="0">
+                            <a:latin typeface="Cambria Math" panose="02040503050406030204" pitchFamily="18" charset="0"/>
+                          </a:rPr>
+                          <m:t>𝐷</m:t>
+                        </m:r>
+                      </m:e>
+                      <m:e>
+                        <m:r>
+                          <a:rPr lang="de-DE" b="0" i="1" smtClean="0">
+                            <a:latin typeface="Cambria Math" panose="02040503050406030204" pitchFamily="18" charset="0"/>
+                          </a:rPr>
+                          <m:t>𝑤</m:t>
+                        </m:r>
+                      </m:e>
+                    </m:d>
+                    <m:r>
+                      <a:rPr lang="de-DE" b="0" i="1" smtClean="0">
+                        <a:latin typeface="Cambria Math" panose="02040503050406030204" pitchFamily="18" charset="0"/>
+                      </a:rPr>
+                      <m:t>𝑝</m:t>
+                    </m:r>
+                    <m:r>
+                      <a:rPr lang="de-DE" b="0" i="1" smtClean="0">
+                        <a:latin typeface="Cambria Math" panose="02040503050406030204" pitchFamily="18" charset="0"/>
+                      </a:rPr>
+                      <m:t>(</m:t>
+                    </m:r>
+                    <m:r>
+                      <a:rPr lang="de-DE" b="0" i="1" smtClean="0">
+                        <a:latin typeface="Cambria Math" panose="02040503050406030204" pitchFamily="18" charset="0"/>
+                      </a:rPr>
+                      <m:t>𝑤</m:t>
+                    </m:r>
+                    <m:r>
+                      <a:rPr lang="de-DE" b="0" i="1" smtClean="0">
+                        <a:latin typeface="Cambria Math" panose="02040503050406030204" pitchFamily="18" charset="0"/>
+                      </a:rPr>
+                      <m:t>)/</m:t>
+                    </m:r>
+                    <m:r>
+                      <a:rPr lang="de-DE" b="0" i="1" smtClean="0">
+                        <a:latin typeface="Cambria Math" panose="02040503050406030204" pitchFamily="18" charset="0"/>
+                      </a:rPr>
+                      <m:t>𝑝</m:t>
+                    </m:r>
+                    <m:r>
+                      <a:rPr lang="de-DE" b="0" i="1" smtClean="0">
+                        <a:latin typeface="Cambria Math" panose="02040503050406030204" pitchFamily="18" charset="0"/>
+                      </a:rPr>
+                      <m:t>(</m:t>
+                    </m:r>
+                    <m:r>
+                      <a:rPr lang="de-DE" b="0" i="1" smtClean="0">
+                        <a:latin typeface="Cambria Math" panose="02040503050406030204" pitchFamily="18" charset="0"/>
+                      </a:rPr>
+                      <m:t>𝐷</m:t>
+                    </m:r>
+                    <m:r>
+                      <a:rPr lang="de-DE" b="0" i="1" smtClean="0">
+                        <a:latin typeface="Cambria Math" panose="02040503050406030204" pitchFamily="18" charset="0"/>
+                      </a:rPr>
+                      <m:t>)</m:t>
+                    </m:r>
+                  </m:oMath>
+                </a14:m>
+                <a:endParaRPr lang="de-DE" dirty="0"/>
+              </a:p>
+              <a:p>
+                <a:r>
+                  <a:rPr lang="en-US" dirty="0"/>
+                  <a:t>Assume every probability to be Gaussian </a:t>
+                </a:r>
+                <a:r>
+                  <a:rPr lang="de-DE" dirty="0"/>
+                  <a:t>-&gt; </a:t>
+                </a:r>
+                <a14:m>
+                  <m:oMath xmlns:m="http://schemas.openxmlformats.org/officeDocument/2006/math">
+                    <m:r>
+                      <a:rPr lang="de-DE" b="0" i="1" smtClean="0">
+                        <a:latin typeface="Cambria Math" panose="02040503050406030204" pitchFamily="18" charset="0"/>
+                      </a:rPr>
+                      <m:t>𝑝</m:t>
+                    </m:r>
+                    <m:d>
+                      <m:dPr>
+                        <m:ctrlPr>
+                          <a:rPr lang="de-DE" b="0" i="1" smtClean="0">
+                            <a:latin typeface="Cambria Math" panose="02040503050406030204" pitchFamily="18" charset="0"/>
+                          </a:rPr>
+                        </m:ctrlPr>
+                      </m:dPr>
+                      <m:e>
+                        <m:r>
+                          <a:rPr lang="de-DE" b="0" i="1" smtClean="0">
+                            <a:latin typeface="Cambria Math" panose="02040503050406030204" pitchFamily="18" charset="0"/>
+                          </a:rPr>
+                          <m:t>𝑤</m:t>
+                        </m:r>
+                      </m:e>
+                      <m:e>
+                        <m:r>
+                          <a:rPr lang="de-DE" b="0" i="1" smtClean="0">
+                            <a:latin typeface="Cambria Math" panose="02040503050406030204" pitchFamily="18" charset="0"/>
+                          </a:rPr>
+                          <m:t>𝐷</m:t>
+                        </m:r>
+                      </m:e>
+                    </m:d>
+                    <m:r>
+                      <a:rPr lang="de-DE" b="0" i="0" smtClean="0">
+                        <a:latin typeface="Cambria Math" panose="02040503050406030204" pitchFamily="18" charset="0"/>
+                      </a:rPr>
+                      <m:t>~</m:t>
+                    </m:r>
+                    <m:r>
+                      <a:rPr lang="de-DE" b="0" i="1" smtClean="0">
+                        <a:latin typeface="Cambria Math" panose="02040503050406030204" pitchFamily="18" charset="0"/>
+                      </a:rPr>
+                      <m:t>𝒩</m:t>
+                    </m:r>
+                    <m:r>
+                      <a:rPr lang="de-DE" b="0" i="1" smtClean="0">
+                        <a:latin typeface="Cambria Math" panose="02040503050406030204" pitchFamily="18" charset="0"/>
+                      </a:rPr>
+                      <m:t>(</m:t>
+                    </m:r>
+                    <m:r>
+                      <a:rPr lang="de-DE" b="0" i="1" smtClean="0">
+                        <a:latin typeface="Cambria Math" panose="02040503050406030204" pitchFamily="18" charset="0"/>
+                      </a:rPr>
+                      <m:t>𝜇</m:t>
+                    </m:r>
+                    <m:r>
+                      <a:rPr lang="de-DE" b="0" i="1" smtClean="0">
+                        <a:latin typeface="Cambria Math" panose="02040503050406030204" pitchFamily="18" charset="0"/>
+                      </a:rPr>
+                      <m:t>, </m:t>
+                    </m:r>
+                    <m:r>
+                      <m:rPr>
+                        <m:sty m:val="p"/>
+                      </m:rPr>
+                      <a:rPr lang="de-DE" b="0" i="0" smtClean="0">
+                        <a:latin typeface="Cambria Math" panose="02040503050406030204" pitchFamily="18" charset="0"/>
+                      </a:rPr>
+                      <m:t>Σ</m:t>
+                    </m:r>
+                    <m:r>
+                      <a:rPr lang="de-DE" b="0" i="0" smtClean="0">
+                        <a:latin typeface="Cambria Math" panose="02040503050406030204" pitchFamily="18" charset="0"/>
+                      </a:rPr>
+                      <m:t>)</m:t>
+                    </m:r>
+                  </m:oMath>
+                </a14:m>
+                <a:endParaRPr lang="de-DE" dirty="0"/>
+              </a:p>
+            </p:txBody>
+          </p:sp>
+        </mc:Choice>
+        <mc:Fallback>
+          <p:sp>
+            <p:nvSpPr>
+              <p:cNvPr id="3" name="Content Placeholder 2">
+                <a:extLst>
+                  <a:ext uri="{FF2B5EF4-FFF2-40B4-BE49-F238E27FC236}">
+                    <a16:creationId xmlns:a16="http://schemas.microsoft.com/office/drawing/2014/main" id="{95EC1D9D-247F-FA8D-9842-2776F9614861}"/>
+                  </a:ext>
+                </a:extLst>
+              </p:cNvPr>
+              <p:cNvSpPr>
+                <a:spLocks noGrp="1" noRot="1" noChangeAspect="1" noMove="1" noResize="1" noEditPoints="1" noAdjustHandles="1" noChangeArrowheads="1" noChangeShapeType="1" noTextEdit="1"/>
+              </p:cNvSpPr>
+              <p:nvPr>
+                <p:ph sz="half" idx="1"/>
+              </p:nvPr>
+            </p:nvSpPr>
+            <p:spPr>
+              <a:blipFill>
+                <a:blip r:embed="rId4"/>
+                <a:stretch>
+                  <a:fillRect l="-2118" t="-2241"/>
+                </a:stretch>
+              </a:blipFill>
+            </p:spPr>
+            <p:txBody>
+              <a:bodyPr/>
+              <a:lstStyle/>
+              <a:p>
+                <a:r>
+                  <a:rPr lang="en-US">
+                    <a:noFill/>
+                  </a:rPr>
+                  <a:t> </a:t>
+                </a:r>
+              </a:p>
+            </p:txBody>
+          </p:sp>
+        </mc:Fallback>
+      </mc:AlternateContent>
+      <p:sp>
+        <p:nvSpPr>
+          <p:cNvPr id="4" name="Footer Placeholder 3">
+            <a:extLst>
+              <a:ext uri="{FF2B5EF4-FFF2-40B4-BE49-F238E27FC236}">
+                <a16:creationId xmlns:a16="http://schemas.microsoft.com/office/drawing/2014/main" id="{88A4DF01-40ED-78D5-1175-D4DC93E37772}"/>
+              </a:ext>
+            </a:extLst>
+          </p:cNvPr>
+          <p:cNvSpPr>
+            <a:spLocks noGrp="1"/>
+          </p:cNvSpPr>
+          <p:nvPr>
+            <p:ph type="ftr" sz="quarter" idx="11"/>
+          </p:nvPr>
+        </p:nvSpPr>
+        <p:spPr/>
+        <p:txBody>
+          <a:bodyPr/>
+          <a:lstStyle/>
+          <a:p>
+            <a:r>
+              <a:rPr lang="en-US" dirty="0"/>
+              <a:t>[1] K. Weinberger, Machine Learning Lecture: Gaussian Process (https://www.cs .cornell.edu/courses/cs4780/2018fa/lectures/lecturenote15.html)</a:t>
+            </a:r>
+          </a:p>
+        </p:txBody>
+      </p:sp>
+      <p:sp>
+        <p:nvSpPr>
+          <p:cNvPr id="5" name="Slide Number Placeholder 4">
+            <a:extLst>
+              <a:ext uri="{FF2B5EF4-FFF2-40B4-BE49-F238E27FC236}">
+                <a16:creationId xmlns:a16="http://schemas.microsoft.com/office/drawing/2014/main" id="{5D6A45AE-DE12-1A34-72EE-E74B80501700}"/>
+              </a:ext>
+            </a:extLst>
+          </p:cNvPr>
+          <p:cNvSpPr>
+            <a:spLocks noGrp="1"/>
+          </p:cNvSpPr>
+          <p:nvPr>
+            <p:ph type="sldNum" sz="quarter" idx="12"/>
+          </p:nvPr>
+        </p:nvSpPr>
+        <p:spPr/>
+        <p:txBody>
+          <a:bodyPr/>
+          <a:lstStyle/>
+          <a:p>
+            <a:fld id="{BB5BDEE0-5897-43EE-8390-09DDB5CCC2DB}" type="slidenum">
+              <a:rPr lang="en-US" smtClean="0"/>
+              <a:t>5</a:t>
+            </a:fld>
+            <a:endParaRPr lang="en-US"/>
+          </a:p>
+        </p:txBody>
+      </p:sp>
+      <p:pic>
+        <p:nvPicPr>
+          <p:cNvPr id="10" name="Content Placeholder 9">
+            <a:extLst>
+              <a:ext uri="{FF2B5EF4-FFF2-40B4-BE49-F238E27FC236}">
+                <a16:creationId xmlns:a16="http://schemas.microsoft.com/office/drawing/2014/main" id="{EB2EE2F9-9FB0-0990-795A-3CCBA394454E}"/>
+              </a:ext>
+            </a:extLst>
+          </p:cNvPr>
+          <p:cNvPicPr>
+            <a:picLocks noGrp="1" noChangeAspect="1"/>
+          </p:cNvPicPr>
+          <p:nvPr>
+            <p:ph sz="half" idx="2"/>
+          </p:nvPr>
+        </p:nvPicPr>
+        <p:blipFill>
+          <a:blip r:embed="rId5">
+            <a:extLst>
+              <a:ext uri="{28A0092B-C50C-407E-A947-70E740481C1C}">
+                <a14:useLocalDpi xmlns:a14="http://schemas.microsoft.com/office/drawing/2010/main" val="0"/>
+              </a:ext>
+              <a:ext uri="{96DAC541-7B7A-43D3-8B79-37D633B846F1}">
+                <asvg:svgBlip xmlns:asvg="http://schemas.microsoft.com/office/drawing/2016/SVG/main" r:embed="rId6"/>
+              </a:ext>
+            </a:extLst>
+          </a:blip>
+          <a:stretch>
+            <a:fillRect/>
+          </a:stretch>
+        </p:blipFill>
+        <p:spPr>
+          <a:xfrm>
+            <a:off x="6172200" y="1842294"/>
+            <a:ext cx="5181600" cy="4318000"/>
+          </a:xfrm>
+        </p:spPr>
+      </p:pic>
+    </p:spTree>
+    <p:extLst>
+      <p:ext uri="{BB962C8B-B14F-4D97-AF65-F5344CB8AC3E}">
+        <p14:creationId xmlns:p14="http://schemas.microsoft.com/office/powerpoint/2010/main" val="2219344397"/>
+      </p:ext>
+    </p:extLst>
+  </p:cSld>
+  <p:clrMapOvr>
+    <a:masterClrMapping/>
+  </p:clrMapOvr>
+  <p:extLst>
+    <p:ext uri="{6950BFC3-D8DA-4A85-94F7-54DA5524770B}">
+      <p188:commentRel xmlns:p188="http://schemas.microsoft.com/office/powerpoint/2018/8/main" r:id="rId3"/>
+    </p:ext>
+  </p:extLst>
+</p:sld>
+</file>
+
+<file path=ppt/slides/slide6.xml><?xml version="1.0" encoding="utf-8"?>
 <p:sld xmlns:a="http://schemas.openxmlformats.org/drawingml/2006/main" xmlns:r="http://schemas.openxmlformats.org/officeDocument/2006/relationships" xmlns:p="http://schemas.openxmlformats.org/presentationml/2006/main">
   <p:cSld>
     <p:spTree>
@@ -7521,7 +12317,7 @@
                                     </m:mc>
                                   </m:mcs>
                                   <m:ctrlPr>
-                                    <a:rPr lang="de-DE" b="0" i="1" smtClean="0">
+                                    <a:rPr lang="de-DE" i="1">
                                       <a:latin typeface="Cambria Math" panose="02040503050406030204" pitchFamily="18" charset="0"/>
                                       <a:ea typeface="Cambria Math" panose="02040503050406030204" pitchFamily="18" charset="0"/>
                                     </a:rPr>
@@ -7532,7 +12328,7 @@
                                     <m:sSub>
                                       <m:sSubPr>
                                         <m:ctrlPr>
-                                          <a:rPr lang="de-DE" b="0" i="1" smtClean="0">
+                                          <a:rPr lang="de-DE" i="1">
                                             <a:latin typeface="Cambria Math" panose="02040503050406030204" pitchFamily="18" charset="0"/>
                                             <a:ea typeface="Cambria Math" panose="02040503050406030204" pitchFamily="18" charset="0"/>
                                           </a:rPr>
@@ -7540,7 +12336,7 @@
                                       </m:sSubPr>
                                       <m:e>
                                         <m:r>
-                                          <a:rPr lang="de-DE" b="0" i="1" smtClean="0">
+                                          <a:rPr lang="de-DE" i="1">
                                             <a:latin typeface="Cambria Math" panose="02040503050406030204" pitchFamily="18" charset="0"/>
                                             <a:ea typeface="Cambria Math" panose="02040503050406030204" pitchFamily="18" charset="0"/>
                                           </a:rPr>
@@ -7549,7 +12345,7 @@
                                       </m:e>
                                       <m:sub>
                                         <m:r>
-                                          <a:rPr lang="de-DE" b="0" i="1" smtClean="0">
+                                          <a:rPr lang="de-DE" i="1">
                                             <a:latin typeface="Cambria Math" panose="02040503050406030204" pitchFamily="18" charset="0"/>
                                             <a:ea typeface="Cambria Math" panose="02040503050406030204" pitchFamily="18" charset="0"/>
                                           </a:rPr>
@@ -7564,7 +12360,7 @@
                                     <m:sSub>
                                       <m:sSubPr>
                                         <m:ctrlPr>
-                                          <a:rPr lang="de-DE" b="0" i="1" smtClean="0">
+                                          <a:rPr lang="de-DE" i="1">
                                             <a:latin typeface="Cambria Math" panose="02040503050406030204" pitchFamily="18" charset="0"/>
                                             <a:ea typeface="Cambria Math" panose="02040503050406030204" pitchFamily="18" charset="0"/>
                                           </a:rPr>
@@ -7572,7 +12368,7 @@
                                       </m:sSubPr>
                                       <m:e>
                                         <m:r>
-                                          <a:rPr lang="de-DE" b="0" i="1" smtClean="0">
+                                          <a:rPr lang="de-DE" i="1">
                                             <a:latin typeface="Cambria Math" panose="02040503050406030204" pitchFamily="18" charset="0"/>
                                             <a:ea typeface="Cambria Math" panose="02040503050406030204" pitchFamily="18" charset="0"/>
                                           </a:rPr>
@@ -7581,7 +12377,7 @@
                                       </m:e>
                                       <m:sub>
                                         <m:r>
-                                          <a:rPr lang="de-DE" b="0" i="1" smtClean="0">
+                                          <a:rPr lang="de-DE" i="1">
                                             <a:latin typeface="Cambria Math" panose="02040503050406030204" pitchFamily="18" charset="0"/>
                                             <a:ea typeface="Cambria Math" panose="02040503050406030204" pitchFamily="18" charset="0"/>
                                           </a:rPr>
@@ -7686,13 +12482,7 @@
                                           <a:rPr lang="de-DE" b="0" i="1" smtClean="0">
                                             <a:latin typeface="Cambria Math" panose="02040503050406030204" pitchFamily="18" charset="0"/>
                                           </a:rPr>
-                                          <m:t>𝑋</m:t>
-                                        </m:r>
-                                        <m:r>
-                                          <a:rPr lang="de-DE" b="0" i="1" smtClean="0">
-                                            <a:latin typeface="Cambria Math" panose="02040503050406030204" pitchFamily="18" charset="0"/>
-                                          </a:rPr>
-                                          <m:t>𝑌</m:t>
+                                          <m:t>𝑋𝑌</m:t>
                                         </m:r>
                                       </m:sub>
                                     </m:sSub>
@@ -7724,13 +12514,7 @@
                                           <a:rPr lang="de-DE" b="0" i="1" smtClean="0">
                                             <a:latin typeface="Cambria Math" panose="02040503050406030204" pitchFamily="18" charset="0"/>
                                           </a:rPr>
-                                          <m:t>𝑌</m:t>
-                                        </m:r>
-                                        <m:r>
-                                          <a:rPr lang="de-DE" b="0" i="1" smtClean="0">
-                                            <a:latin typeface="Cambria Math" panose="02040503050406030204" pitchFamily="18" charset="0"/>
-                                          </a:rPr>
-                                          <m:t>𝑋</m:t>
+                                          <m:t>𝑌𝑋</m:t>
                                         </m:r>
                                       </m:sub>
                                     </m:sSub>
@@ -7868,7 +12652,7 @@
             </p:nvSpPr>
             <p:spPr>
               <a:blipFill>
-                <a:blip r:embed="rId2"/>
+                <a:blip r:embed="rId3"/>
                 <a:stretch>
                   <a:fillRect l="-1043" t="-2241"/>
                 </a:stretch>
@@ -7959,7 +12743,7 @@
           <a:p>
             <a:fld id="{BB5BDEE0-5897-43EE-8390-09DDB5CCC2DB}" type="slidenum">
               <a:rPr lang="en-US" smtClean="0"/>
-              <a:t>5</a:t>
+              <a:t>6</a:t>
             </a:fld>
             <a:endParaRPr lang="en-US" dirty="0"/>
           </a:p>
@@ -7969,162 +12753,6 @@
     <p:extLst>
       <p:ext uri="{BB962C8B-B14F-4D97-AF65-F5344CB8AC3E}">
         <p14:creationId xmlns:p14="http://schemas.microsoft.com/office/powerpoint/2010/main" val="3416551820"/>
-      </p:ext>
-    </p:extLst>
-  </p:cSld>
-  <p:clrMapOvr>
-    <a:masterClrMapping/>
-  </p:clrMapOvr>
-</p:sld>
-</file>
-
-<file path=ppt/slides/slide6.xml><?xml version="1.0" encoding="utf-8"?>
-<p:sld xmlns:a="http://schemas.openxmlformats.org/drawingml/2006/main" xmlns:r="http://schemas.openxmlformats.org/officeDocument/2006/relationships" xmlns:p="http://schemas.openxmlformats.org/presentationml/2006/main">
-  <p:cSld>
-    <p:spTree>
-      <p:nvGrpSpPr>
-        <p:cNvPr id="1" name=""/>
-        <p:cNvGrpSpPr/>
-        <p:nvPr/>
-      </p:nvGrpSpPr>
-      <p:grpSpPr>
-        <a:xfrm>
-          <a:off x="0" y="0"/>
-          <a:ext cx="0" cy="0"/>
-          <a:chOff x="0" y="0"/>
-          <a:chExt cx="0" cy="0"/>
-        </a:xfrm>
-      </p:grpSpPr>
-      <p:sp>
-        <p:nvSpPr>
-          <p:cNvPr id="2" name="Title 1">
-            <a:extLst>
-              <a:ext uri="{FF2B5EF4-FFF2-40B4-BE49-F238E27FC236}">
-                <a16:creationId xmlns:a16="http://schemas.microsoft.com/office/drawing/2014/main" id="{D3FEB49D-DFFC-4538-7415-2DCBF27C1306}"/>
-              </a:ext>
-            </a:extLst>
-          </p:cNvPr>
-          <p:cNvSpPr>
-            <a:spLocks noGrp="1"/>
-          </p:cNvSpPr>
-          <p:nvPr>
-            <p:ph type="title"/>
-          </p:nvPr>
-        </p:nvSpPr>
-        <p:spPr/>
-        <p:txBody>
-          <a:bodyPr/>
-          <a:lstStyle/>
-          <a:p>
-            <a:r>
-              <a:rPr lang="en-US" dirty="0"/>
-              <a:t>Intermezzo – Multivariate Gaussian[2]</a:t>
-            </a:r>
-          </a:p>
-        </p:txBody>
-      </p:sp>
-      <p:sp>
-        <p:nvSpPr>
-          <p:cNvPr id="3" name="Content Placeholder 2">
-            <a:extLst>
-              <a:ext uri="{FF2B5EF4-FFF2-40B4-BE49-F238E27FC236}">
-                <a16:creationId xmlns:a16="http://schemas.microsoft.com/office/drawing/2014/main" id="{F37717BE-4CA3-E186-977A-65E255EF9AF4}"/>
-              </a:ext>
-            </a:extLst>
-          </p:cNvPr>
-          <p:cNvSpPr>
-            <a:spLocks noGrp="1"/>
-          </p:cNvSpPr>
-          <p:nvPr>
-            <p:ph idx="1"/>
-          </p:nvPr>
-        </p:nvSpPr>
-        <p:spPr/>
-        <p:txBody>
-          <a:bodyPr/>
-          <a:lstStyle/>
-          <a:p>
-            <a:r>
-              <a:rPr lang="en-US" dirty="0"/>
-              <a:t>Marginalization </a:t>
-            </a:r>
-          </a:p>
-        </p:txBody>
-      </p:sp>
-      <p:sp>
-        <p:nvSpPr>
-          <p:cNvPr id="4" name="Footer Placeholder 3">
-            <a:extLst>
-              <a:ext uri="{FF2B5EF4-FFF2-40B4-BE49-F238E27FC236}">
-                <a16:creationId xmlns:a16="http://schemas.microsoft.com/office/drawing/2014/main" id="{960B0A11-D98E-3DF9-C0C0-531929818EA4}"/>
-              </a:ext>
-            </a:extLst>
-          </p:cNvPr>
-          <p:cNvSpPr>
-            <a:spLocks noGrp="1"/>
-          </p:cNvSpPr>
-          <p:nvPr>
-            <p:ph type="ftr" sz="quarter" idx="11"/>
-          </p:nvPr>
-        </p:nvSpPr>
-        <p:spPr/>
-        <p:txBody>
-          <a:bodyPr/>
-          <a:lstStyle/>
-          <a:p>
-            <a:r>
-              <a:rPr lang="en-US" dirty="0"/>
-              <a:t>] </a:t>
-            </a:r>
-            <a:r>
-              <a:rPr lang="en-US" sz="1200" dirty="0"/>
-              <a:t>C. </a:t>
-            </a:r>
-            <a:r>
-              <a:rPr lang="en-US" sz="1200" dirty="0" err="1"/>
-              <a:t>Fonnesbeck</a:t>
-            </a:r>
-            <a:r>
-              <a:rPr lang="en-US" sz="1200" dirty="0"/>
-              <a:t>, Fitting Gaussian Process Models in Python (https://domino. ai/blog/fitting-gaussian-process-models-python)</a:t>
-            </a:r>
-            <a:endParaRPr lang="en-US" dirty="0"/>
-          </a:p>
-        </p:txBody>
-      </p:sp>
-      <p:sp>
-        <p:nvSpPr>
-          <p:cNvPr id="5" name="Slide Number Placeholder 4">
-            <a:extLst>
-              <a:ext uri="{FF2B5EF4-FFF2-40B4-BE49-F238E27FC236}">
-                <a16:creationId xmlns:a16="http://schemas.microsoft.com/office/drawing/2014/main" id="{CB0F8DFD-F8FA-673D-7C17-A02AFF7BB628}"/>
-              </a:ext>
-            </a:extLst>
-          </p:cNvPr>
-          <p:cNvSpPr>
-            <a:spLocks noGrp="1"/>
-          </p:cNvSpPr>
-          <p:nvPr>
-            <p:ph type="sldNum" sz="quarter" idx="12"/>
-          </p:nvPr>
-        </p:nvSpPr>
-        <p:spPr/>
-        <p:txBody>
-          <a:bodyPr/>
-          <a:lstStyle/>
-          <a:p>
-            <a:fld id="{BB5BDEE0-5897-43EE-8390-09DDB5CCC2DB}" type="slidenum">
-              <a:rPr lang="en-US" smtClean="0"/>
-              <a:t>6</a:t>
-            </a:fld>
-            <a:endParaRPr lang="en-US" dirty="0"/>
-          </a:p>
-        </p:txBody>
-      </p:sp>
-    </p:spTree>
-    <p:extLst>
-      <p:ext uri="{BB962C8B-B14F-4D97-AF65-F5344CB8AC3E}">
-        <p14:creationId xmlns:p14="http://schemas.microsoft.com/office/powerpoint/2010/main" val="27804474"/>
       </p:ext>
     </p:extLst>
   </p:cSld>
@@ -8151,12 +12779,997 @@
           <a:chExt cx="0" cy="0"/>
         </a:xfrm>
       </p:grpSpPr>
+      <p:pic>
+        <p:nvPicPr>
+          <p:cNvPr id="9" name="Content Placeholder 10">
+            <a:extLst>
+              <a:ext uri="{FF2B5EF4-FFF2-40B4-BE49-F238E27FC236}">
+                <a16:creationId xmlns:a16="http://schemas.microsoft.com/office/drawing/2014/main" id="{80FDE1ED-293F-E70E-DE86-DC1A993B93D4}"/>
+              </a:ext>
+            </a:extLst>
+          </p:cNvPr>
+          <p:cNvPicPr>
+            <a:picLocks noGrp="1" noChangeAspect="1"/>
+          </p:cNvPicPr>
+          <p:nvPr>
+            <p:ph sz="half" idx="2"/>
+          </p:nvPr>
+        </p:nvPicPr>
+        <p:blipFill>
+          <a:blip r:embed="rId4">
+            <a:extLst>
+              <a:ext uri="{28A0092B-C50C-407E-A947-70E740481C1C}">
+                <a14:useLocalDpi xmlns:a14="http://schemas.microsoft.com/office/drawing/2010/main" val="0"/>
+              </a:ext>
+              <a:ext uri="{96DAC541-7B7A-43D3-8B79-37D633B846F1}">
+                <asvg:svgBlip xmlns:asvg="http://schemas.microsoft.com/office/drawing/2016/SVG/main" r:embed="rId5"/>
+              </a:ext>
+            </a:extLst>
+          </a:blip>
+          <a:stretch>
+            <a:fillRect/>
+          </a:stretch>
+        </p:blipFill>
+        <p:spPr>
+          <a:xfrm>
+            <a:off x="6172200" y="1842294"/>
+            <a:ext cx="5181600" cy="4318000"/>
+          </a:xfrm>
+          <a:prstGeom prst="rect">
+            <a:avLst/>
+          </a:prstGeom>
+        </p:spPr>
+      </p:pic>
+      <mc:AlternateContent xmlns:mc="http://schemas.openxmlformats.org/markup-compatibility/2006">
+        <mc:Choice xmlns:a14="http://schemas.microsoft.com/office/drawing/2010/main" Requires="a14">
+          <p:sp>
+            <p:nvSpPr>
+              <p:cNvPr id="7" name="Content Placeholder 6">
+                <a:extLst>
+                  <a:ext uri="{FF2B5EF4-FFF2-40B4-BE49-F238E27FC236}">
+                    <a16:creationId xmlns:a16="http://schemas.microsoft.com/office/drawing/2014/main" id="{B8032623-46A4-D75E-B483-9F17A5584A8B}"/>
+                  </a:ext>
+                </a:extLst>
+              </p:cNvPr>
+              <p:cNvSpPr>
+                <a:spLocks noGrp="1"/>
+              </p:cNvSpPr>
+              <p:nvPr>
+                <p:ph sz="half" idx="1"/>
+              </p:nvPr>
+            </p:nvSpPr>
+            <p:spPr>
+              <a:xfrm>
+                <a:off x="838199" y="1825625"/>
+                <a:ext cx="6469214" cy="4351338"/>
+              </a:xfrm>
+            </p:spPr>
+            <p:txBody>
+              <a:bodyPr>
+                <a:normAutofit fontScale="92500"/>
+              </a:bodyPr>
+              <a:lstStyle/>
+              <a:p>
+                <a:r>
+                  <a:rPr lang="en-US" dirty="0"/>
+                  <a:t>Extract partial information from </a:t>
+                </a:r>
+                <a14:m>
+                  <m:oMath xmlns:m="http://schemas.openxmlformats.org/officeDocument/2006/math">
+                    <m:sSub>
+                      <m:sSubPr>
+                        <m:ctrlPr>
+                          <a:rPr lang="de-DE" b="0" i="1" smtClean="0">
+                            <a:latin typeface="Cambria Math" panose="02040503050406030204" pitchFamily="18" charset="0"/>
+                          </a:rPr>
+                        </m:ctrlPr>
+                      </m:sSubPr>
+                      <m:e>
+                        <m:r>
+                          <a:rPr lang="de-DE" b="0" i="1" smtClean="0">
+                            <a:latin typeface="Cambria Math" panose="02040503050406030204" pitchFamily="18" charset="0"/>
+                          </a:rPr>
+                          <m:t>𝑃</m:t>
+                        </m:r>
+                      </m:e>
+                      <m:sub>
+                        <m:r>
+                          <a:rPr lang="de-DE" b="0" i="1" smtClean="0">
+                            <a:latin typeface="Cambria Math" panose="02040503050406030204" pitchFamily="18" charset="0"/>
+                          </a:rPr>
+                          <m:t>𝑋</m:t>
+                        </m:r>
+                        <m:r>
+                          <a:rPr lang="de-DE" b="0" i="1" smtClean="0">
+                            <a:latin typeface="Cambria Math" panose="02040503050406030204" pitchFamily="18" charset="0"/>
+                          </a:rPr>
+                          <m:t>,</m:t>
+                        </m:r>
+                        <m:r>
+                          <a:rPr lang="de-DE" b="0" i="1" smtClean="0">
+                            <a:latin typeface="Cambria Math" panose="02040503050406030204" pitchFamily="18" charset="0"/>
+                          </a:rPr>
+                          <m:t>𝑌</m:t>
+                        </m:r>
+                      </m:sub>
+                    </m:sSub>
+                    <m:r>
+                      <a:rPr lang="de-DE" b="0" i="1" smtClean="0">
+                        <a:latin typeface="Cambria Math" panose="02040503050406030204" pitchFamily="18" charset="0"/>
+                      </a:rPr>
+                      <m:t>= </m:t>
+                    </m:r>
+                    <m:d>
+                      <m:dPr>
+                        <m:begChr m:val="["/>
+                        <m:endChr m:val="]"/>
+                        <m:ctrlPr>
+                          <a:rPr lang="de-DE" b="0" i="1" smtClean="0">
+                            <a:latin typeface="Cambria Math" panose="02040503050406030204" pitchFamily="18" charset="0"/>
+                          </a:rPr>
+                        </m:ctrlPr>
+                      </m:dPr>
+                      <m:e>
+                        <m:m>
+                          <m:mPr>
+                            <m:mcs>
+                              <m:mc>
+                                <m:mcPr>
+                                  <m:count m:val="1"/>
+                                  <m:mcJc m:val="center"/>
+                                </m:mcPr>
+                              </m:mc>
+                            </m:mcs>
+                            <m:ctrlPr>
+                              <a:rPr lang="de-DE" b="0" i="1" smtClean="0">
+                                <a:latin typeface="Cambria Math" panose="02040503050406030204" pitchFamily="18" charset="0"/>
+                              </a:rPr>
+                            </m:ctrlPr>
+                          </m:mPr>
+                          <m:mr>
+                            <m:e>
+                              <m:r>
+                                <m:rPr>
+                                  <m:brk m:alnAt="7"/>
+                                </m:rPr>
+                                <a:rPr lang="de-DE" b="0" i="1" smtClean="0">
+                                  <a:latin typeface="Cambria Math" panose="02040503050406030204" pitchFamily="18" charset="0"/>
+                                </a:rPr>
+                                <m:t>𝑋</m:t>
+                              </m:r>
+                            </m:e>
+                          </m:mr>
+                          <m:mr>
+                            <m:e>
+                              <m:r>
+                                <a:rPr lang="de-DE" b="0" i="1" smtClean="0">
+                                  <a:latin typeface="Cambria Math" panose="02040503050406030204" pitchFamily="18" charset="0"/>
+                                </a:rPr>
+                                <m:t>𝑌</m:t>
+                              </m:r>
+                            </m:e>
+                          </m:mr>
+                        </m:m>
+                      </m:e>
+                    </m:d>
+                    <m:r>
+                      <a:rPr lang="de-DE" b="0" i="1" smtClean="0">
+                        <a:latin typeface="Cambria Math" panose="02040503050406030204" pitchFamily="18" charset="0"/>
+                      </a:rPr>
+                      <m:t> </m:t>
+                    </m:r>
+                  </m:oMath>
+                </a14:m>
+                <a:endParaRPr lang="de-DE" b="0" i="1" dirty="0">
+                  <a:latin typeface="Cambria Math" panose="02040503050406030204" pitchFamily="18" charset="0"/>
+                </a:endParaRPr>
+              </a:p>
+              <a:p>
+                <a:pPr marL="0" indent="0">
+                  <a:lnSpc>
+                    <a:spcPct val="100000"/>
+                  </a:lnSpc>
+                  <a:spcAft>
+                    <a:spcPts val="1200"/>
+                  </a:spcAft>
+                  <a:buNone/>
+                </a:pPr>
+                <a14:m>
+                  <m:oMathPara xmlns:m="http://schemas.openxmlformats.org/officeDocument/2006/math">
+                    <m:oMathParaPr>
+                      <m:jc m:val="centerGroup"/>
+                    </m:oMathParaPr>
+                    <m:oMath xmlns:m="http://schemas.openxmlformats.org/officeDocument/2006/math">
+                      <m:r>
+                        <a:rPr lang="de-DE" b="0" i="1" smtClean="0">
+                          <a:latin typeface="Cambria Math" panose="02040503050406030204" pitchFamily="18" charset="0"/>
+                        </a:rPr>
+                        <m:t>𝑋</m:t>
+                      </m:r>
+                      <m:r>
+                        <a:rPr lang="de-DE" b="0" i="1" smtClean="0">
+                          <a:latin typeface="Cambria Math" panose="02040503050406030204" pitchFamily="18" charset="0"/>
+                        </a:rPr>
+                        <m:t> ~ </m:t>
+                      </m:r>
+                      <m:r>
+                        <a:rPr lang="de-DE" b="0" i="1" smtClean="0">
+                          <a:latin typeface="Cambria Math" panose="02040503050406030204" pitchFamily="18" charset="0"/>
+                        </a:rPr>
+                        <m:t>𝒩</m:t>
+                      </m:r>
+                      <m:d>
+                        <m:dPr>
+                          <m:ctrlPr>
+                            <a:rPr lang="de-DE" b="0" i="1" smtClean="0">
+                              <a:latin typeface="Cambria Math" panose="02040503050406030204" pitchFamily="18" charset="0"/>
+                            </a:rPr>
+                          </m:ctrlPr>
+                        </m:dPr>
+                        <m:e>
+                          <m:sSub>
+                            <m:sSubPr>
+                              <m:ctrlPr>
+                                <a:rPr lang="de-DE" b="0" i="1" smtClean="0">
+                                  <a:latin typeface="Cambria Math" panose="02040503050406030204" pitchFamily="18" charset="0"/>
+                                </a:rPr>
+                              </m:ctrlPr>
+                            </m:sSubPr>
+                            <m:e>
+                              <m:r>
+                                <a:rPr lang="de-DE" b="0" i="1" smtClean="0">
+                                  <a:latin typeface="Cambria Math" panose="02040503050406030204" pitchFamily="18" charset="0"/>
+                                </a:rPr>
+                                <m:t>𝜇</m:t>
+                              </m:r>
+                            </m:e>
+                            <m:sub>
+                              <m:r>
+                                <a:rPr lang="de-DE" b="0" i="1" smtClean="0">
+                                  <a:latin typeface="Cambria Math" panose="02040503050406030204" pitchFamily="18" charset="0"/>
+                                </a:rPr>
+                                <m:t>𝑋</m:t>
+                              </m:r>
+                            </m:sub>
+                          </m:sSub>
+                          <m:r>
+                            <a:rPr lang="de-DE" b="0" i="1" smtClean="0">
+                              <a:latin typeface="Cambria Math" panose="02040503050406030204" pitchFamily="18" charset="0"/>
+                            </a:rPr>
+                            <m:t>,</m:t>
+                          </m:r>
+                          <m:sSub>
+                            <m:sSubPr>
+                              <m:ctrlPr>
+                                <a:rPr lang="de-DE" b="0" i="1" smtClean="0">
+                                  <a:latin typeface="Cambria Math" panose="02040503050406030204" pitchFamily="18" charset="0"/>
+                                </a:rPr>
+                              </m:ctrlPr>
+                            </m:sSubPr>
+                            <m:e>
+                              <m:r>
+                                <m:rPr>
+                                  <m:sty m:val="p"/>
+                                </m:rPr>
+                                <a:rPr lang="de-DE" b="0" i="0" smtClean="0">
+                                  <a:latin typeface="Cambria Math" panose="02040503050406030204" pitchFamily="18" charset="0"/>
+                                </a:rPr>
+                                <m:t>Σ</m:t>
+                              </m:r>
+                            </m:e>
+                            <m:sub>
+                              <m:r>
+                                <a:rPr lang="de-DE" b="0" i="1" smtClean="0">
+                                  <a:latin typeface="Cambria Math" panose="02040503050406030204" pitchFamily="18" charset="0"/>
+                                </a:rPr>
+                                <m:t>𝑋</m:t>
+                              </m:r>
+                            </m:sub>
+                          </m:sSub>
+                        </m:e>
+                      </m:d>
+                      <m:r>
+                        <a:rPr lang="de-DE" b="0" i="1" smtClean="0">
+                          <a:latin typeface="Cambria Math" panose="02040503050406030204" pitchFamily="18" charset="0"/>
+                        </a:rPr>
+                        <m:t> | </m:t>
+                      </m:r>
+                      <m:r>
+                        <a:rPr lang="de-DE" b="0" i="1" smtClean="0">
+                          <a:latin typeface="Cambria Math" panose="02040503050406030204" pitchFamily="18" charset="0"/>
+                        </a:rPr>
+                        <m:t>𝑌</m:t>
+                      </m:r>
+                      <m:r>
+                        <a:rPr lang="de-DE" b="0" i="1" smtClean="0">
+                          <a:latin typeface="Cambria Math" panose="02040503050406030204" pitchFamily="18" charset="0"/>
+                        </a:rPr>
+                        <m:t> ~ </m:t>
+                      </m:r>
+                      <m:r>
+                        <a:rPr lang="de-DE" b="0" i="1" smtClean="0">
+                          <a:latin typeface="Cambria Math" panose="02040503050406030204" pitchFamily="18" charset="0"/>
+                        </a:rPr>
+                        <m:t>𝒩</m:t>
+                      </m:r>
+                      <m:r>
+                        <a:rPr lang="de-DE" b="0" i="1" smtClean="0">
+                          <a:latin typeface="Cambria Math" panose="02040503050406030204" pitchFamily="18" charset="0"/>
+                        </a:rPr>
+                        <m:t>(</m:t>
+                      </m:r>
+                      <m:sSub>
+                        <m:sSubPr>
+                          <m:ctrlPr>
+                            <a:rPr lang="de-DE" i="1">
+                              <a:latin typeface="Cambria Math" panose="02040503050406030204" pitchFamily="18" charset="0"/>
+                            </a:rPr>
+                          </m:ctrlPr>
+                        </m:sSubPr>
+                        <m:e>
+                          <m:r>
+                            <a:rPr lang="de-DE" i="1">
+                              <a:latin typeface="Cambria Math" panose="02040503050406030204" pitchFamily="18" charset="0"/>
+                            </a:rPr>
+                            <m:t>𝜇</m:t>
+                          </m:r>
+                        </m:e>
+                        <m:sub>
+                          <m:r>
+                            <a:rPr lang="de-DE" b="0" i="1" smtClean="0">
+                              <a:latin typeface="Cambria Math" panose="02040503050406030204" pitchFamily="18" charset="0"/>
+                            </a:rPr>
+                            <m:t>𝑌</m:t>
+                          </m:r>
+                        </m:sub>
+                      </m:sSub>
+                      <m:r>
+                        <a:rPr lang="de-DE" i="1">
+                          <a:latin typeface="Cambria Math" panose="02040503050406030204" pitchFamily="18" charset="0"/>
+                        </a:rPr>
+                        <m:t>,</m:t>
+                      </m:r>
+                      <m:sSub>
+                        <m:sSubPr>
+                          <m:ctrlPr>
+                            <a:rPr lang="de-DE" i="1">
+                              <a:latin typeface="Cambria Math" panose="02040503050406030204" pitchFamily="18" charset="0"/>
+                            </a:rPr>
+                          </m:ctrlPr>
+                        </m:sSubPr>
+                        <m:e>
+                          <m:r>
+                            <m:rPr>
+                              <m:sty m:val="p"/>
+                            </m:rPr>
+                            <a:rPr lang="de-DE">
+                              <a:latin typeface="Cambria Math" panose="02040503050406030204" pitchFamily="18" charset="0"/>
+                            </a:rPr>
+                            <m:t>Σ</m:t>
+                          </m:r>
+                        </m:e>
+                        <m:sub>
+                          <m:r>
+                            <a:rPr lang="de-DE" b="0" i="1" smtClean="0">
+                              <a:latin typeface="Cambria Math" panose="02040503050406030204" pitchFamily="18" charset="0"/>
+                            </a:rPr>
+                            <m:t>𝑌</m:t>
+                          </m:r>
+                        </m:sub>
+                      </m:sSub>
+                      <m:r>
+                        <a:rPr lang="de-DE" b="0" i="0" smtClean="0">
+                          <a:latin typeface="Cambria Math" panose="02040503050406030204" pitchFamily="18" charset="0"/>
+                        </a:rPr>
+                        <m:t>)</m:t>
+                      </m:r>
+                    </m:oMath>
+                  </m:oMathPara>
+                </a14:m>
+                <a:endParaRPr lang="en-US" dirty="0"/>
+              </a:p>
+              <a:p>
+                <a14:m>
+                  <m:oMath xmlns:m="http://schemas.openxmlformats.org/officeDocument/2006/math">
+                    <m:r>
+                      <a:rPr lang="en-US" i="1" dirty="0" smtClean="0">
+                        <a:latin typeface="Cambria Math" panose="02040503050406030204" pitchFamily="18" charset="0"/>
+                      </a:rPr>
+                      <m:t>𝑋</m:t>
+                    </m:r>
+                    <m:r>
+                      <a:rPr lang="de-DE" b="0" i="1" dirty="0" smtClean="0">
+                        <a:latin typeface="Cambria Math" panose="02040503050406030204" pitchFamily="18" charset="0"/>
+                      </a:rPr>
+                      <m:t>/</m:t>
+                    </m:r>
+                    <m:r>
+                      <a:rPr lang="en-US" i="1" dirty="0" smtClean="0">
+                        <a:latin typeface="Cambria Math" panose="02040503050406030204" pitchFamily="18" charset="0"/>
+                      </a:rPr>
+                      <m:t>𝑌</m:t>
+                    </m:r>
+                    <m:r>
+                      <a:rPr lang="en-US" i="1" dirty="0" smtClean="0">
+                        <a:latin typeface="Cambria Math" panose="02040503050406030204" pitchFamily="18" charset="0"/>
+                      </a:rPr>
+                      <m:t> </m:t>
+                    </m:r>
+                  </m:oMath>
+                </a14:m>
+                <a:r>
+                  <a:rPr lang="en-US" dirty="0"/>
+                  <a:t>only depending on corresponding </a:t>
+                </a:r>
+                <a14:m>
+                  <m:oMath xmlns:m="http://schemas.openxmlformats.org/officeDocument/2006/math">
+                    <m:sSub>
+                      <m:sSubPr>
+                        <m:ctrlPr>
+                          <a:rPr lang="de-DE" i="1">
+                            <a:latin typeface="Cambria Math" panose="02040503050406030204" pitchFamily="18" charset="0"/>
+                          </a:rPr>
+                        </m:ctrlPr>
+                      </m:sSubPr>
+                      <m:e>
+                        <m:r>
+                          <a:rPr lang="de-DE" i="1">
+                            <a:latin typeface="Cambria Math" panose="02040503050406030204" pitchFamily="18" charset="0"/>
+                          </a:rPr>
+                          <m:t>𝜇</m:t>
+                        </m:r>
+                      </m:e>
+                      <m:sub>
+                        <m:r>
+                          <a:rPr lang="de-DE">
+                            <a:latin typeface="Cambria Math" panose="02040503050406030204" pitchFamily="18" charset="0"/>
+                          </a:rPr>
+                          <m:t>∗</m:t>
+                        </m:r>
+                      </m:sub>
+                    </m:sSub>
+                    <m:r>
+                      <a:rPr lang="de-DE" b="0" i="1" smtClean="0">
+                        <a:latin typeface="Cambria Math" panose="02040503050406030204" pitchFamily="18" charset="0"/>
+                      </a:rPr>
+                      <m:t>/</m:t>
+                    </m:r>
+                    <m:sSub>
+                      <m:sSubPr>
+                        <m:ctrlPr>
+                          <a:rPr lang="de-DE" i="1">
+                            <a:latin typeface="Cambria Math" panose="02040503050406030204" pitchFamily="18" charset="0"/>
+                          </a:rPr>
+                        </m:ctrlPr>
+                      </m:sSubPr>
+                      <m:e>
+                        <m:r>
+                          <m:rPr>
+                            <m:sty m:val="p"/>
+                          </m:rPr>
+                          <a:rPr lang="de-DE">
+                            <a:latin typeface="Cambria Math" panose="02040503050406030204" pitchFamily="18" charset="0"/>
+                          </a:rPr>
+                          <m:t>Σ</m:t>
+                        </m:r>
+                      </m:e>
+                      <m:sub>
+                        <m:r>
+                          <a:rPr lang="de-DE">
+                            <a:latin typeface="Cambria Math" panose="02040503050406030204" pitchFamily="18" charset="0"/>
+                          </a:rPr>
+                          <m:t>∗</m:t>
+                        </m:r>
+                      </m:sub>
+                    </m:sSub>
+                  </m:oMath>
+                </a14:m>
+                <a:r>
+                  <a:rPr lang="de-DE" dirty="0"/>
+                  <a:t> </a:t>
+                </a:r>
+              </a:p>
+              <a:p>
+                <a:pPr marL="0" indent="0">
+                  <a:lnSpc>
+                    <a:spcPct val="100000"/>
+                  </a:lnSpc>
+                  <a:spcAft>
+                    <a:spcPts val="600"/>
+                  </a:spcAft>
+                  <a:buNone/>
+                </a:pPr>
+                <a14:m>
+                  <m:oMathPara xmlns:m="http://schemas.openxmlformats.org/officeDocument/2006/math">
+                    <m:oMathParaPr>
+                      <m:jc m:val="centerGroup"/>
+                    </m:oMathParaPr>
+                    <m:oMath xmlns:m="http://schemas.openxmlformats.org/officeDocument/2006/math">
+                      <m:r>
+                        <a:rPr lang="de-DE" b="0" i="1" smtClean="0">
+                          <a:latin typeface="Cambria Math" panose="02040503050406030204" pitchFamily="18" charset="0"/>
+                        </a:rPr>
+                        <m:t>𝑝</m:t>
+                      </m:r>
+                      <m:d>
+                        <m:dPr>
+                          <m:ctrlPr>
+                            <a:rPr lang="de-DE" b="0" i="1" smtClean="0">
+                              <a:latin typeface="Cambria Math" panose="02040503050406030204" pitchFamily="18" charset="0"/>
+                            </a:rPr>
+                          </m:ctrlPr>
+                        </m:dPr>
+                        <m:e>
+                          <m:r>
+                            <a:rPr lang="de-DE" b="0" i="1" smtClean="0">
+                              <a:latin typeface="Cambria Math" panose="02040503050406030204" pitchFamily="18" charset="0"/>
+                            </a:rPr>
+                            <m:t>𝑥</m:t>
+                          </m:r>
+                          <m:r>
+                            <a:rPr lang="de-DE" b="0" i="1" smtClean="0">
+                              <a:latin typeface="Cambria Math" panose="02040503050406030204" pitchFamily="18" charset="0"/>
+                            </a:rPr>
+                            <m:t>|</m:t>
+                          </m:r>
+                          <m:r>
+                            <a:rPr lang="de-DE" b="0" i="1" smtClean="0">
+                              <a:latin typeface="Cambria Math" panose="02040503050406030204" pitchFamily="18" charset="0"/>
+                            </a:rPr>
+                            <m:t>𝑋</m:t>
+                          </m:r>
+                        </m:e>
+                      </m:d>
+                      <m:r>
+                        <m:rPr>
+                          <m:aln/>
+                        </m:rPr>
+                        <a:rPr lang="de-DE" b="0" i="1" smtClean="0">
+                          <a:latin typeface="Cambria Math" panose="02040503050406030204" pitchFamily="18" charset="0"/>
+                        </a:rPr>
+                        <m:t>=</m:t>
+                      </m:r>
+                      <m:sSub>
+                        <m:sSubPr>
+                          <m:ctrlPr>
+                            <a:rPr lang="de-DE" b="0" i="1" smtClean="0">
+                              <a:latin typeface="Cambria Math" panose="02040503050406030204" pitchFamily="18" charset="0"/>
+                            </a:rPr>
+                          </m:ctrlPr>
+                        </m:sSubPr>
+                        <m:e>
+                          <m:r>
+                            <a:rPr lang="de-DE" b="0" i="1" smtClean="0">
+                              <a:latin typeface="Cambria Math" panose="02040503050406030204" pitchFamily="18" charset="0"/>
+                            </a:rPr>
+                            <m:t>𝑝</m:t>
+                          </m:r>
+                        </m:e>
+                        <m:sub>
+                          <m:r>
+                            <a:rPr lang="de-DE" b="0" i="1" smtClean="0">
+                              <a:latin typeface="Cambria Math" panose="02040503050406030204" pitchFamily="18" charset="0"/>
+                            </a:rPr>
+                            <m:t>𝑋</m:t>
+                          </m:r>
+                        </m:sub>
+                      </m:sSub>
+                      <m:d>
+                        <m:dPr>
+                          <m:ctrlPr>
+                            <a:rPr lang="de-DE" b="0" i="1" smtClean="0">
+                              <a:latin typeface="Cambria Math" panose="02040503050406030204" pitchFamily="18" charset="0"/>
+                            </a:rPr>
+                          </m:ctrlPr>
+                        </m:dPr>
+                        <m:e>
+                          <m:r>
+                            <a:rPr lang="de-DE" b="0" i="1" smtClean="0">
+                              <a:latin typeface="Cambria Math" panose="02040503050406030204" pitchFamily="18" charset="0"/>
+                            </a:rPr>
+                            <m:t>𝑥</m:t>
+                          </m:r>
+                        </m:e>
+                      </m:d>
+                      <m:r>
+                        <a:rPr lang="de-DE" b="0" i="1" smtClean="0">
+                          <a:latin typeface="Cambria Math" panose="02040503050406030204" pitchFamily="18" charset="0"/>
+                        </a:rPr>
+                        <m:t>=</m:t>
+                      </m:r>
+                      <m:nary>
+                        <m:naryPr>
+                          <m:supHide m:val="on"/>
+                          <m:ctrlPr>
+                            <a:rPr lang="de-DE" b="0" i="1" smtClean="0">
+                              <a:latin typeface="Cambria Math" panose="02040503050406030204" pitchFamily="18" charset="0"/>
+                            </a:rPr>
+                          </m:ctrlPr>
+                        </m:naryPr>
+                        <m:sub>
+                          <m:r>
+                            <a:rPr lang="de-DE" b="0" i="1" smtClean="0">
+                              <a:latin typeface="Cambria Math" panose="02040503050406030204" pitchFamily="18" charset="0"/>
+                            </a:rPr>
+                            <m:t>𝑦</m:t>
+                          </m:r>
+                        </m:sub>
+                        <m:sup/>
+                        <m:e>
+                          <m:sSub>
+                            <m:sSubPr>
+                              <m:ctrlPr>
+                                <a:rPr lang="de-DE" b="0" i="1" smtClean="0">
+                                  <a:latin typeface="Cambria Math" panose="02040503050406030204" pitchFamily="18" charset="0"/>
+                                </a:rPr>
+                              </m:ctrlPr>
+                            </m:sSubPr>
+                            <m:e>
+                              <m:r>
+                                <a:rPr lang="de-DE" b="0" i="1" smtClean="0">
+                                  <a:latin typeface="Cambria Math" panose="02040503050406030204" pitchFamily="18" charset="0"/>
+                                </a:rPr>
+                                <m:t>𝑝</m:t>
+                              </m:r>
+                            </m:e>
+                            <m:sub>
+                              <m:r>
+                                <a:rPr lang="de-DE" b="0" i="1" smtClean="0">
+                                  <a:latin typeface="Cambria Math" panose="02040503050406030204" pitchFamily="18" charset="0"/>
+                                </a:rPr>
+                                <m:t>𝑋</m:t>
+                              </m:r>
+                              <m:r>
+                                <a:rPr lang="de-DE" b="0" i="1" smtClean="0">
+                                  <a:latin typeface="Cambria Math" panose="02040503050406030204" pitchFamily="18" charset="0"/>
+                                </a:rPr>
+                                <m:t>,</m:t>
+                              </m:r>
+                              <m:r>
+                                <a:rPr lang="de-DE" b="0" i="1" smtClean="0">
+                                  <a:latin typeface="Cambria Math" panose="02040503050406030204" pitchFamily="18" charset="0"/>
+                                </a:rPr>
+                                <m:t>𝑌</m:t>
+                              </m:r>
+                            </m:sub>
+                          </m:sSub>
+                          <m:d>
+                            <m:dPr>
+                              <m:ctrlPr>
+                                <a:rPr lang="de-DE" b="0" i="1" smtClean="0">
+                                  <a:latin typeface="Cambria Math" panose="02040503050406030204" pitchFamily="18" charset="0"/>
+                                </a:rPr>
+                              </m:ctrlPr>
+                            </m:dPr>
+                            <m:e>
+                              <m:r>
+                                <a:rPr lang="de-DE" b="0" i="1" smtClean="0">
+                                  <a:latin typeface="Cambria Math" panose="02040503050406030204" pitchFamily="18" charset="0"/>
+                                </a:rPr>
+                                <m:t>𝑥</m:t>
+                              </m:r>
+                              <m:r>
+                                <a:rPr lang="de-DE" b="0" i="1" smtClean="0">
+                                  <a:latin typeface="Cambria Math" panose="02040503050406030204" pitchFamily="18" charset="0"/>
+                                </a:rPr>
+                                <m:t>,</m:t>
+                              </m:r>
+                              <m:r>
+                                <a:rPr lang="de-DE" b="0" i="1" smtClean="0">
+                                  <a:latin typeface="Cambria Math" panose="02040503050406030204" pitchFamily="18" charset="0"/>
+                                </a:rPr>
+                                <m:t>𝑦</m:t>
+                              </m:r>
+                            </m:e>
+                          </m:d>
+                          <m:r>
+                            <a:rPr lang="de-DE" b="0" i="1" smtClean="0">
+                              <a:latin typeface="Cambria Math" panose="02040503050406030204" pitchFamily="18" charset="0"/>
+                            </a:rPr>
+                            <m:t>𝑑𝑦</m:t>
+                          </m:r>
+                        </m:e>
+                      </m:nary>
+                    </m:oMath>
+                    <m:oMath xmlns:m="http://schemas.openxmlformats.org/officeDocument/2006/math">
+                      <m:r>
+                        <m:rPr>
+                          <m:aln/>
+                        </m:rPr>
+                        <a:rPr lang="de-DE" i="1">
+                          <a:latin typeface="Cambria Math" panose="02040503050406030204" pitchFamily="18" charset="0"/>
+                        </a:rPr>
+                        <m:t>=</m:t>
+                      </m:r>
+                      <m:nary>
+                        <m:naryPr>
+                          <m:supHide m:val="on"/>
+                          <m:ctrlPr>
+                            <a:rPr lang="de-DE" i="1">
+                              <a:latin typeface="Cambria Math" panose="02040503050406030204" pitchFamily="18" charset="0"/>
+                            </a:rPr>
+                          </m:ctrlPr>
+                        </m:naryPr>
+                        <m:sub>
+                          <m:r>
+                            <a:rPr lang="de-DE" i="1">
+                              <a:latin typeface="Cambria Math" panose="02040503050406030204" pitchFamily="18" charset="0"/>
+                            </a:rPr>
+                            <m:t>𝑦</m:t>
+                          </m:r>
+                        </m:sub>
+                        <m:sup/>
+                        <m:e>
+                          <m:sSub>
+                            <m:sSubPr>
+                              <m:ctrlPr>
+                                <a:rPr lang="de-DE" i="1">
+                                  <a:latin typeface="Cambria Math" panose="02040503050406030204" pitchFamily="18" charset="0"/>
+                                </a:rPr>
+                              </m:ctrlPr>
+                            </m:sSubPr>
+                            <m:e>
+                              <m:r>
+                                <a:rPr lang="de-DE" i="1">
+                                  <a:latin typeface="Cambria Math" panose="02040503050406030204" pitchFamily="18" charset="0"/>
+                                </a:rPr>
+                                <m:t>𝑝</m:t>
+                              </m:r>
+                            </m:e>
+                            <m:sub>
+                              <m:r>
+                                <a:rPr lang="de-DE" i="1">
+                                  <a:latin typeface="Cambria Math" panose="02040503050406030204" pitchFamily="18" charset="0"/>
+                                </a:rPr>
+                                <m:t>𝑋</m:t>
+                              </m:r>
+                              <m:r>
+                                <a:rPr lang="de-DE" i="1">
+                                  <a:latin typeface="Cambria Math" panose="02040503050406030204" pitchFamily="18" charset="0"/>
+                                </a:rPr>
+                                <m:t>|</m:t>
+                              </m:r>
+                              <m:r>
+                                <a:rPr lang="de-DE" i="1">
+                                  <a:latin typeface="Cambria Math" panose="02040503050406030204" pitchFamily="18" charset="0"/>
+                                </a:rPr>
+                                <m:t>𝑌</m:t>
+                              </m:r>
+                            </m:sub>
+                          </m:sSub>
+                          <m:d>
+                            <m:dPr>
+                              <m:ctrlPr>
+                                <a:rPr lang="de-DE" i="1">
+                                  <a:latin typeface="Cambria Math" panose="02040503050406030204" pitchFamily="18" charset="0"/>
+                                </a:rPr>
+                              </m:ctrlPr>
+                            </m:dPr>
+                            <m:e>
+                              <m:r>
+                                <a:rPr lang="de-DE" i="1">
+                                  <a:latin typeface="Cambria Math" panose="02040503050406030204" pitchFamily="18" charset="0"/>
+                                </a:rPr>
+                                <m:t>𝑥</m:t>
+                              </m:r>
+                              <m:r>
+                                <a:rPr lang="de-DE" i="1">
+                                  <a:latin typeface="Cambria Math" panose="02040503050406030204" pitchFamily="18" charset="0"/>
+                                </a:rPr>
+                                <m:t>|</m:t>
+                              </m:r>
+                              <m:r>
+                                <a:rPr lang="de-DE" i="1">
+                                  <a:latin typeface="Cambria Math" panose="02040503050406030204" pitchFamily="18" charset="0"/>
+                                </a:rPr>
+                                <m:t>𝑦</m:t>
+                              </m:r>
+                            </m:e>
+                          </m:d>
+                          <m:sSub>
+                            <m:sSubPr>
+                              <m:ctrlPr>
+                                <a:rPr lang="de-DE" i="1">
+                                  <a:latin typeface="Cambria Math" panose="02040503050406030204" pitchFamily="18" charset="0"/>
+                                </a:rPr>
+                              </m:ctrlPr>
+                            </m:sSubPr>
+                            <m:e>
+                              <m:r>
+                                <a:rPr lang="de-DE" i="1">
+                                  <a:latin typeface="Cambria Math" panose="02040503050406030204" pitchFamily="18" charset="0"/>
+                                </a:rPr>
+                                <m:t>𝑝</m:t>
+                              </m:r>
+                            </m:e>
+                            <m:sub>
+                              <m:r>
+                                <a:rPr lang="de-DE" i="1">
+                                  <a:latin typeface="Cambria Math" panose="02040503050406030204" pitchFamily="18" charset="0"/>
+                                </a:rPr>
+                                <m:t>𝑌</m:t>
+                              </m:r>
+                            </m:sub>
+                          </m:sSub>
+                          <m:r>
+                            <a:rPr lang="de-DE" i="1">
+                              <a:latin typeface="Cambria Math" panose="02040503050406030204" pitchFamily="18" charset="0"/>
+                            </a:rPr>
+                            <m:t>(</m:t>
+                          </m:r>
+                          <m:r>
+                            <a:rPr lang="de-DE" i="1">
+                              <a:latin typeface="Cambria Math" panose="02040503050406030204" pitchFamily="18" charset="0"/>
+                            </a:rPr>
+                            <m:t>𝑦</m:t>
+                          </m:r>
+                          <m:r>
+                            <a:rPr lang="de-DE" i="1">
+                              <a:latin typeface="Cambria Math" panose="02040503050406030204" pitchFamily="18" charset="0"/>
+                            </a:rPr>
+                            <m:t>)</m:t>
+                          </m:r>
+                          <m:r>
+                            <a:rPr lang="de-DE" i="1">
+                              <a:latin typeface="Cambria Math" panose="02040503050406030204" pitchFamily="18" charset="0"/>
+                            </a:rPr>
+                            <m:t>𝑑𝑦</m:t>
+                          </m:r>
+                        </m:e>
+                      </m:nary>
+                    </m:oMath>
+                  </m:oMathPara>
+                </a14:m>
+                <a:endParaRPr lang="en-US" dirty="0"/>
+              </a:p>
+              <a:p>
+                <a:pPr>
+                  <a:lnSpc>
+                    <a:spcPct val="100000"/>
+                  </a:lnSpc>
+                  <a:spcAft>
+                    <a:spcPts val="1200"/>
+                  </a:spcAft>
+                </a:pPr>
+                <a:r>
+                  <a:rPr lang="en-US" dirty="0"/>
+                  <a:t>Gets us </a:t>
+                </a:r>
+                <a14:m>
+                  <m:oMath xmlns:m="http://schemas.openxmlformats.org/officeDocument/2006/math">
+                    <m:r>
+                      <a:rPr lang="de-DE" b="0" i="1" smtClean="0">
+                        <a:latin typeface="Cambria Math" panose="02040503050406030204" pitchFamily="18" charset="0"/>
+                      </a:rPr>
+                      <m:t>𝑝</m:t>
+                    </m:r>
+                    <m:d>
+                      <m:dPr>
+                        <m:ctrlPr>
+                          <a:rPr lang="de-DE" b="0" i="1" smtClean="0">
+                            <a:latin typeface="Cambria Math" panose="02040503050406030204" pitchFamily="18" charset="0"/>
+                          </a:rPr>
+                        </m:ctrlPr>
+                      </m:dPr>
+                      <m:e>
+                        <m:r>
+                          <a:rPr lang="de-DE" b="0" i="1" smtClean="0">
+                            <a:latin typeface="Cambria Math" panose="02040503050406030204" pitchFamily="18" charset="0"/>
+                          </a:rPr>
+                          <m:t>𝑤</m:t>
+                        </m:r>
+                      </m:e>
+                      <m:e>
+                        <m:r>
+                          <a:rPr lang="de-DE" b="0" i="1" smtClean="0">
+                            <a:latin typeface="Cambria Math" panose="02040503050406030204" pitchFamily="18" charset="0"/>
+                          </a:rPr>
+                          <m:t>𝐷</m:t>
+                        </m:r>
+                      </m:e>
+                    </m:d>
+                    <m:r>
+                      <a:rPr lang="de-DE" b="0" i="0" smtClean="0">
+                        <a:latin typeface="Cambria Math" panose="02040503050406030204" pitchFamily="18" charset="0"/>
+                      </a:rPr>
+                      <m:t>~</m:t>
+                    </m:r>
+                    <m:r>
+                      <a:rPr lang="de-DE" b="0" i="1" smtClean="0">
+                        <a:latin typeface="Cambria Math" panose="02040503050406030204" pitchFamily="18" charset="0"/>
+                      </a:rPr>
+                      <m:t>𝒩</m:t>
+                    </m:r>
+                    <m:r>
+                      <a:rPr lang="de-DE" b="0" i="1" smtClean="0">
+                        <a:latin typeface="Cambria Math" panose="02040503050406030204" pitchFamily="18" charset="0"/>
+                      </a:rPr>
+                      <m:t>(</m:t>
+                    </m:r>
+                    <m:r>
+                      <a:rPr lang="de-DE" b="0" i="1" smtClean="0">
+                        <a:latin typeface="Cambria Math" panose="02040503050406030204" pitchFamily="18" charset="0"/>
+                      </a:rPr>
+                      <m:t>𝜇</m:t>
+                    </m:r>
+                    <m:r>
+                      <a:rPr lang="de-DE" b="0" i="1" smtClean="0">
+                        <a:latin typeface="Cambria Math" panose="02040503050406030204" pitchFamily="18" charset="0"/>
+                      </a:rPr>
+                      <m:t>, </m:t>
+                    </m:r>
+                    <m:r>
+                      <m:rPr>
+                        <m:sty m:val="p"/>
+                      </m:rPr>
+                      <a:rPr lang="de-DE" b="0" i="0" smtClean="0">
+                        <a:latin typeface="Cambria Math" panose="02040503050406030204" pitchFamily="18" charset="0"/>
+                      </a:rPr>
+                      <m:t>Σ</m:t>
+                    </m:r>
+                    <m:r>
+                      <a:rPr lang="de-DE" b="0" i="0" smtClean="0">
+                        <a:latin typeface="Cambria Math" panose="02040503050406030204" pitchFamily="18" charset="0"/>
+                      </a:rPr>
+                      <m:t>)</m:t>
+                    </m:r>
+                  </m:oMath>
+                </a14:m>
+                <a:endParaRPr lang="en-US" dirty="0"/>
+              </a:p>
+            </p:txBody>
+          </p:sp>
+        </mc:Choice>
+        <mc:Fallback>
+          <p:sp>
+            <p:nvSpPr>
+              <p:cNvPr id="7" name="Content Placeholder 6">
+                <a:extLst>
+                  <a:ext uri="{FF2B5EF4-FFF2-40B4-BE49-F238E27FC236}">
+                    <a16:creationId xmlns:a16="http://schemas.microsoft.com/office/drawing/2014/main" id="{B8032623-46A4-D75E-B483-9F17A5584A8B}"/>
+                  </a:ext>
+                </a:extLst>
+              </p:cNvPr>
+              <p:cNvSpPr>
+                <a:spLocks noGrp="1" noRot="1" noChangeAspect="1" noMove="1" noResize="1" noEditPoints="1" noAdjustHandles="1" noChangeArrowheads="1" noChangeShapeType="1" noTextEdit="1"/>
+              </p:cNvSpPr>
+              <p:nvPr>
+                <p:ph sz="half" idx="1"/>
+              </p:nvPr>
+            </p:nvSpPr>
+            <p:spPr>
+              <a:xfrm>
+                <a:off x="838199" y="1825625"/>
+                <a:ext cx="6469214" cy="4351338"/>
+              </a:xfrm>
+              <a:blipFill>
+                <a:blip r:embed="rId6"/>
+                <a:stretch>
+                  <a:fillRect l="-1412"/>
+                </a:stretch>
+              </a:blipFill>
+            </p:spPr>
+            <p:txBody>
+              <a:bodyPr/>
+              <a:lstStyle/>
+              <a:p>
+                <a:r>
+                  <a:rPr lang="en-US">
+                    <a:noFill/>
+                  </a:rPr>
+                  <a:t> </a:t>
+                </a:r>
+              </a:p>
+            </p:txBody>
+          </p:sp>
+        </mc:Fallback>
+      </mc:AlternateContent>
       <p:sp>
         <p:nvSpPr>
-          <p:cNvPr id="2" name="Title 1">
+          <p:cNvPr id="6" name="Title 5">
             <a:extLst>
               <a:ext uri="{FF2B5EF4-FFF2-40B4-BE49-F238E27FC236}">
-                <a16:creationId xmlns:a16="http://schemas.microsoft.com/office/drawing/2014/main" id="{DAAC92BD-0221-F666-F89D-5E96493622B6}"/>
+                <a16:creationId xmlns:a16="http://schemas.microsoft.com/office/drawing/2014/main" id="{CFB6F93F-2BCE-9D06-6AB2-F743DF2D205C}"/>
               </a:ext>
             </a:extLst>
           </p:cNvPr>
@@ -8174,278 +13787,17 @@
           <a:p>
             <a:r>
               <a:rPr lang="en-US" dirty="0"/>
-              <a:t>Sources</a:t>
+              <a:t>Intermezzo – Marginalization [2]</a:t>
             </a:r>
           </a:p>
         </p:txBody>
       </p:sp>
-      <mc:AlternateContent xmlns:mc="http://schemas.openxmlformats.org/markup-compatibility/2006">
-        <mc:Choice xmlns:a14="http://schemas.microsoft.com/office/drawing/2010/main" Requires="a14">
-          <p:sp>
-            <p:nvSpPr>
-              <p:cNvPr id="3" name="Content Placeholder 2">
-                <a:extLst>
-                  <a:ext uri="{FF2B5EF4-FFF2-40B4-BE49-F238E27FC236}">
-                    <a16:creationId xmlns:a16="http://schemas.microsoft.com/office/drawing/2014/main" id="{068C9075-FA1B-2AD5-F066-3A1F165A4558}"/>
-                  </a:ext>
-                </a:extLst>
-              </p:cNvPr>
-              <p:cNvSpPr>
-                <a:spLocks noGrp="1"/>
-              </p:cNvSpPr>
-              <p:nvPr>
-                <p:ph idx="1"/>
-              </p:nvPr>
-            </p:nvSpPr>
-            <p:spPr/>
-            <p:txBody>
-              <a:bodyPr>
-                <a:normAutofit/>
-              </a:bodyPr>
-              <a:lstStyle/>
-              <a:p>
-                <a:r>
-                  <a:rPr lang="en-US" sz="1800" dirty="0"/>
-                  <a:t>K. Weinberger, Machine Learning Lecture: Gaussian Process (</a:t>
-                </a:r>
-                <a:r>
-                  <a:rPr lang="en-US" sz="1800" dirty="0">
-                    <a:hlinkClick r:id="rId2"/>
-                  </a:rPr>
-                  <a:t>https://www.cs.cornell.edu/courses/cs4780/2018fa/lectures/lecturenote15.html</a:t>
-                </a:r>
-                <a:r>
-                  <a:rPr lang="en-US" sz="1800" dirty="0"/>
-                  <a:t>) </a:t>
-                </a:r>
-              </a:p>
-              <a:p>
-                <a:pPr lvl="1"/>
-                <a:r>
-                  <a:rPr lang="en-US" sz="1400" dirty="0"/>
-                  <a:t>The Multivariate gaussian distribution is written here with the normalization factor </a:t>
-                </a:r>
-                <a14:m>
-                  <m:oMath xmlns:m="http://schemas.openxmlformats.org/officeDocument/2006/math">
-                    <m:r>
-                      <a:rPr lang="de-DE" sz="1400" b="0" i="1" smtClean="0"/>
-                      <m:t>∝</m:t>
-                    </m:r>
-                    <m:func>
-                      <m:funcPr>
-                        <m:ctrlPr>
-                          <a:rPr lang="de-DE" sz="1400" b="0" i="1" smtClean="0"/>
-                        </m:ctrlPr>
-                      </m:funcPr>
-                      <m:fName>
-                        <m:r>
-                          <m:rPr>
-                            <m:sty m:val="p"/>
-                          </m:rPr>
-                          <a:rPr lang="de-DE" sz="1400" b="0" i="0" smtClean="0"/>
-                          <m:t>det</m:t>
-                        </m:r>
-                      </m:fName>
-                      <m:e>
-                        <m:sSup>
-                          <m:sSupPr>
-                            <m:ctrlPr>
-                              <a:rPr lang="de-DE" sz="1400" b="0" i="1" smtClean="0"/>
-                            </m:ctrlPr>
-                          </m:sSupPr>
-                          <m:e>
-                            <m:d>
-                              <m:dPr>
-                                <m:ctrlPr>
-                                  <a:rPr lang="de-DE" sz="1400" b="0" i="1" smtClean="0"/>
-                                </m:ctrlPr>
-                              </m:dPr>
-                              <m:e>
-                                <m:r>
-                                  <m:rPr>
-                                    <m:sty m:val="p"/>
-                                  </m:rPr>
-                                  <a:rPr lang="de-DE" sz="1400" b="0" i="0" smtClean="0"/>
-                                  <m:t>Σ</m:t>
-                                </m:r>
-                              </m:e>
-                            </m:d>
-                          </m:e>
-                          <m:sup>
-                            <m:r>
-                              <a:rPr lang="de-DE" sz="1400" b="0" i="1" smtClean="0"/>
-                              <m:t>−1</m:t>
-                            </m:r>
-                          </m:sup>
-                        </m:sSup>
-                      </m:e>
-                    </m:func>
-                  </m:oMath>
-                </a14:m>
-                <a:r>
-                  <a:rPr lang="en-US" sz="1400" dirty="0"/>
-                  <a:t> while it should be </a:t>
-                </a:r>
-                <a14:m>
-                  <m:oMath xmlns:m="http://schemas.openxmlformats.org/officeDocument/2006/math">
-                    <m:r>
-                      <a:rPr lang="de-DE" sz="1400" b="0" i="1" smtClean="0"/>
-                      <m:t>∝</m:t>
-                    </m:r>
-                    <m:func>
-                      <m:funcPr>
-                        <m:ctrlPr>
-                          <a:rPr lang="de-DE" sz="1400" b="0" i="1" smtClean="0"/>
-                        </m:ctrlPr>
-                      </m:funcPr>
-                      <m:fName>
-                        <m:r>
-                          <m:rPr>
-                            <m:sty m:val="p"/>
-                          </m:rPr>
-                          <a:rPr lang="de-DE" sz="1400" b="0" i="0" smtClean="0"/>
-                          <m:t>det</m:t>
-                        </m:r>
-                      </m:fName>
-                      <m:e>
-                        <m:sSup>
-                          <m:sSupPr>
-                            <m:ctrlPr>
-                              <a:rPr lang="de-DE" sz="1400" b="0" i="1" smtClean="0"/>
-                            </m:ctrlPr>
-                          </m:sSupPr>
-                          <m:e>
-                            <m:d>
-                              <m:dPr>
-                                <m:ctrlPr>
-                                  <a:rPr lang="de-DE" sz="1400" b="0" i="1" smtClean="0"/>
-                                </m:ctrlPr>
-                              </m:dPr>
-                              <m:e>
-                                <m:r>
-                                  <m:rPr>
-                                    <m:sty m:val="p"/>
-                                  </m:rPr>
-                                  <a:rPr lang="de-DE" sz="1400" b="0" i="0" smtClean="0"/>
-                                  <m:t>Σ</m:t>
-                                </m:r>
-                              </m:e>
-                            </m:d>
-                          </m:e>
-                          <m:sup>
-                            <m:r>
-                              <a:rPr lang="de-DE" sz="1400" b="0" i="1" smtClean="0"/>
-                              <m:t>−1</m:t>
-                            </m:r>
-                            <m:r>
-                              <a:rPr lang="de-DE" sz="1400" b="0" i="1" smtClean="0"/>
-                              <m:t>/2</m:t>
-                            </m:r>
-                          </m:sup>
-                        </m:sSup>
-                      </m:e>
-                    </m:func>
-                  </m:oMath>
-                </a14:m>
-                <a:endParaRPr lang="en-US" sz="1400" dirty="0"/>
-              </a:p>
-              <a:p>
-                <a:pPr lvl="1"/>
-                <a:r>
-                  <a:rPr lang="en-US" sz="1400" dirty="0"/>
-                  <a:t>In notation of conditional normal distribution the formular for the covariance Matrix is wrong, K and K_** are switched</a:t>
-                </a:r>
-                <a:endParaRPr lang="en-US" sz="1800" dirty="0"/>
-              </a:p>
-              <a:p>
-                <a:r>
-                  <a:rPr kumimoji="0" lang="en-US" altLang="en-US" sz="1800" b="0" i="0" u="none" strike="noStrike" cap="none" normalizeH="0" baseline="0" dirty="0" err="1">
-                    <a:ln>
-                      <a:noFill/>
-                    </a:ln>
-                    <a:solidFill>
-                      <a:schemeClr val="tx1"/>
-                    </a:solidFill>
-                    <a:effectLst/>
-                  </a:rPr>
-                  <a:t>Görtler</a:t>
-                </a:r>
-                <a:r>
-                  <a:rPr kumimoji="0" lang="en-US" altLang="en-US" sz="1800" b="0" i="0" u="none" strike="noStrike" cap="none" normalizeH="0" baseline="0" dirty="0">
-                    <a:ln>
-                      <a:noFill/>
-                    </a:ln>
-                    <a:solidFill>
-                      <a:schemeClr val="tx1"/>
-                    </a:solidFill>
-                    <a:effectLst/>
-                  </a:rPr>
-                  <a:t>, et al., "A Visual Exploration of Gaussian Processes", Distill, 2019. DOI: 10.23915/distill.00017</a:t>
-                </a:r>
-              </a:p>
-              <a:p>
-                <a:r>
-                  <a:rPr lang="en-US" sz="1800" dirty="0"/>
-                  <a:t>C. </a:t>
-                </a:r>
-                <a:r>
-                  <a:rPr lang="en-US" sz="1800" dirty="0" err="1"/>
-                  <a:t>Fonnesbeck</a:t>
-                </a:r>
-                <a:r>
-                  <a:rPr lang="en-US" sz="1800" dirty="0"/>
-                  <a:t>, Fitting Gaussian Process Models in Python (https://domino. ai/blog/fitting-gaussian-process-models-python)</a:t>
-                </a:r>
-              </a:p>
-            </p:txBody>
-          </p:sp>
-        </mc:Choice>
-        <mc:Fallback>
-          <p:sp>
-            <p:nvSpPr>
-              <p:cNvPr id="3" name="Content Placeholder 2">
-                <a:extLst>
-                  <a:ext uri="{FF2B5EF4-FFF2-40B4-BE49-F238E27FC236}">
-                    <a16:creationId xmlns:a16="http://schemas.microsoft.com/office/drawing/2014/main" id="{068C9075-FA1B-2AD5-F066-3A1F165A4558}"/>
-                  </a:ext>
-                </a:extLst>
-              </p:cNvPr>
-              <p:cNvSpPr>
-                <a:spLocks noGrp="1" noRot="1" noChangeAspect="1" noMove="1" noResize="1" noEditPoints="1" noAdjustHandles="1" noChangeArrowheads="1" noChangeShapeType="1" noTextEdit="1"/>
-              </p:cNvSpPr>
-              <p:nvPr>
-                <p:ph idx="1"/>
-              </p:nvPr>
-            </p:nvSpPr>
-            <p:spPr>
-              <a:blipFill>
-                <a:blip r:embed="rId3"/>
-                <a:stretch>
-                  <a:fillRect l="-406" t="-1261"/>
-                </a:stretch>
-              </a:blipFill>
-            </p:spPr>
-            <p:txBody>
-              <a:bodyPr/>
-              <a:lstStyle/>
-              <a:p>
-                <a:r>
-                  <a:rPr lang="en-US">
-                    <a:noFill/>
-                  </a:rPr>
-                  <a:t> </a:t>
-                </a:r>
-              </a:p>
-            </p:txBody>
-          </p:sp>
-        </mc:Fallback>
-      </mc:AlternateContent>
       <p:sp>
         <p:nvSpPr>
           <p:cNvPr id="4" name="Footer Placeholder 3">
             <a:extLst>
               <a:ext uri="{FF2B5EF4-FFF2-40B4-BE49-F238E27FC236}">
-                <a16:creationId xmlns:a16="http://schemas.microsoft.com/office/drawing/2014/main" id="{009F6E20-91B2-D6B6-3868-F0F9880617BE}"/>
+                <a16:creationId xmlns:a16="http://schemas.microsoft.com/office/drawing/2014/main" id="{7C63E274-603E-E18C-7959-A142B7038459}"/>
               </a:ext>
             </a:extLst>
           </p:cNvPr>
@@ -8470,7 +13822,7 @@
           <p:cNvPr id="5" name="Slide Number Placeholder 4">
             <a:extLst>
               <a:ext uri="{FF2B5EF4-FFF2-40B4-BE49-F238E27FC236}">
-                <a16:creationId xmlns:a16="http://schemas.microsoft.com/office/drawing/2014/main" id="{79B2FF18-536D-E573-3199-7F37D832AD1C}"/>
+                <a16:creationId xmlns:a16="http://schemas.microsoft.com/office/drawing/2014/main" id="{EEA3B08E-A62C-FDB2-A2D3-06F77A81040D}"/>
               </a:ext>
             </a:extLst>
           </p:cNvPr>
@@ -8494,16 +13846,2555 @@
           </a:p>
         </p:txBody>
       </p:sp>
+      <p:cxnSp>
+        <p:nvCxnSpPr>
+          <p:cNvPr id="11" name="Straight Arrow Connector 10">
+            <a:extLst>
+              <a:ext uri="{FF2B5EF4-FFF2-40B4-BE49-F238E27FC236}">
+                <a16:creationId xmlns:a16="http://schemas.microsoft.com/office/drawing/2014/main" id="{FE48D2B1-7765-B8C3-B0A7-B15571D907A3}"/>
+              </a:ext>
+            </a:extLst>
+          </p:cNvPr>
+          <p:cNvCxnSpPr>
+            <a:cxnSpLocks/>
+            <a:stCxn id="16" idx="2"/>
+          </p:cNvCxnSpPr>
+          <p:nvPr/>
+        </p:nvCxnSpPr>
+        <p:spPr>
+          <a:xfrm flipH="1">
+            <a:off x="9426498" y="2173801"/>
+            <a:ext cx="1005645" cy="881633"/>
+          </a:xfrm>
+          <a:prstGeom prst="straightConnector1">
+            <a:avLst/>
+          </a:prstGeom>
+          <a:ln w="28575">
+            <a:solidFill>
+              <a:srgbClr val="67001F"/>
+            </a:solidFill>
+            <a:tailEnd type="triangle"/>
+          </a:ln>
+        </p:spPr>
+        <p:style>
+          <a:lnRef idx="1">
+            <a:schemeClr val="accent1"/>
+          </a:lnRef>
+          <a:fillRef idx="0">
+            <a:schemeClr val="accent1"/>
+          </a:fillRef>
+          <a:effectRef idx="0">
+            <a:schemeClr val="accent1"/>
+          </a:effectRef>
+          <a:fontRef idx="minor">
+            <a:schemeClr val="tx1"/>
+          </a:fontRef>
+        </p:style>
+      </p:cxnSp>
+      <p:cxnSp>
+        <p:nvCxnSpPr>
+          <p:cNvPr id="12" name="Straight Arrow Connector 11">
+            <a:extLst>
+              <a:ext uri="{FF2B5EF4-FFF2-40B4-BE49-F238E27FC236}">
+                <a16:creationId xmlns:a16="http://schemas.microsoft.com/office/drawing/2014/main" id="{A8600A7E-2E45-208E-DCA6-0CEFE5EC2E7C}"/>
+              </a:ext>
+            </a:extLst>
+          </p:cNvPr>
+          <p:cNvCxnSpPr>
+            <a:cxnSpLocks/>
+            <a:stCxn id="16" idx="2"/>
+          </p:cNvCxnSpPr>
+          <p:nvPr/>
+        </p:nvCxnSpPr>
+        <p:spPr>
+          <a:xfrm flipH="1">
+            <a:off x="8229070" y="2173801"/>
+            <a:ext cx="2203073" cy="1041289"/>
+          </a:xfrm>
+          <a:prstGeom prst="straightConnector1">
+            <a:avLst/>
+          </a:prstGeom>
+          <a:ln w="28575">
+            <a:solidFill>
+              <a:srgbClr val="3B4CC0"/>
+            </a:solidFill>
+            <a:tailEnd type="triangle"/>
+          </a:ln>
+        </p:spPr>
+        <p:style>
+          <a:lnRef idx="1">
+            <a:schemeClr val="accent1"/>
+          </a:lnRef>
+          <a:fillRef idx="0">
+            <a:schemeClr val="accent1"/>
+          </a:fillRef>
+          <a:effectRef idx="0">
+            <a:schemeClr val="accent1"/>
+          </a:effectRef>
+          <a:fontRef idx="minor">
+            <a:schemeClr val="tx1"/>
+          </a:fontRef>
+        </p:style>
+      </p:cxnSp>
+      <p:sp>
+        <p:nvSpPr>
+          <p:cNvPr id="16" name="TextBox 15">
+            <a:extLst>
+              <a:ext uri="{FF2B5EF4-FFF2-40B4-BE49-F238E27FC236}">
+                <a16:creationId xmlns:a16="http://schemas.microsoft.com/office/drawing/2014/main" id="{B7D198DC-CFF3-CD18-A936-CC8667984883}"/>
+              </a:ext>
+            </a:extLst>
+          </p:cNvPr>
+          <p:cNvSpPr txBox="1"/>
+          <p:nvPr/>
+        </p:nvSpPr>
+        <p:spPr>
+          <a:xfrm>
+            <a:off x="8977086" y="1804469"/>
+            <a:ext cx="2910114" cy="369332"/>
+          </a:xfrm>
+          <a:prstGeom prst="rect">
+            <a:avLst/>
+          </a:prstGeom>
+          <a:noFill/>
+        </p:spPr>
+        <p:txBody>
+          <a:bodyPr wrap="square" rtlCol="0">
+            <a:spAutoFit/>
+          </a:bodyPr>
+          <a:lstStyle/>
+          <a:p>
+            <a:r>
+              <a:rPr lang="en-US" dirty="0"/>
+              <a:t>Marginal distributions of X/Y</a:t>
+            </a:r>
+          </a:p>
+        </p:txBody>
+      </p:sp>
     </p:spTree>
     <p:extLst>
       <p:ext uri="{BB962C8B-B14F-4D97-AF65-F5344CB8AC3E}">
-        <p14:creationId xmlns:p14="http://schemas.microsoft.com/office/powerpoint/2010/main" val="4285351169"/>
+        <p14:creationId xmlns:p14="http://schemas.microsoft.com/office/powerpoint/2010/main" val="2720097280"/>
       </p:ext>
     </p:extLst>
   </p:cSld>
   <p:clrMapOvr>
     <a:masterClrMapping/>
   </p:clrMapOvr>
+  <p:extLst>
+    <p:ext uri="{6950BFC3-D8DA-4A85-94F7-54DA5524770B}">
+      <p188:commentRel xmlns:p188="http://schemas.microsoft.com/office/powerpoint/2018/8/main" r:id="rId3"/>
+    </p:ext>
+  </p:extLst>
+</p:sld>
+</file>
+
+<file path=ppt/slides/slide8.xml><?xml version="1.0" encoding="utf-8"?>
+<p:sld xmlns:a="http://schemas.openxmlformats.org/drawingml/2006/main" xmlns:r="http://schemas.openxmlformats.org/officeDocument/2006/relationships" xmlns:p="http://schemas.openxmlformats.org/presentationml/2006/main">
+  <p:cSld>
+    <p:spTree>
+      <p:nvGrpSpPr>
+        <p:cNvPr id="1" name=""/>
+        <p:cNvGrpSpPr/>
+        <p:nvPr/>
+      </p:nvGrpSpPr>
+      <p:grpSpPr>
+        <a:xfrm>
+          <a:off x="0" y="0"/>
+          <a:ext cx="0" cy="0"/>
+          <a:chOff x="0" y="0"/>
+          <a:chExt cx="0" cy="0"/>
+        </a:xfrm>
+      </p:grpSpPr>
+      <p:sp>
+        <p:nvSpPr>
+          <p:cNvPr id="2" name="Title 1">
+            <a:extLst>
+              <a:ext uri="{FF2B5EF4-FFF2-40B4-BE49-F238E27FC236}">
+                <a16:creationId xmlns:a16="http://schemas.microsoft.com/office/drawing/2014/main" id="{586B8684-67FA-60F6-55B3-27835AFEE860}"/>
+              </a:ext>
+            </a:extLst>
+          </p:cNvPr>
+          <p:cNvSpPr>
+            <a:spLocks noGrp="1"/>
+          </p:cNvSpPr>
+          <p:nvPr>
+            <p:ph type="title"/>
+          </p:nvPr>
+        </p:nvSpPr>
+        <p:spPr/>
+        <p:txBody>
+          <a:bodyPr/>
+          <a:lstStyle/>
+          <a:p>
+            <a:r>
+              <a:rPr lang="en-US" dirty="0"/>
+              <a:t>Intermezzo – Conditioning[2]</a:t>
+            </a:r>
+          </a:p>
+        </p:txBody>
+      </p:sp>
+      <mc:AlternateContent xmlns:mc="http://schemas.openxmlformats.org/markup-compatibility/2006">
+        <mc:Choice xmlns:a14="http://schemas.microsoft.com/office/drawing/2010/main" Requires="a14">
+          <p:sp>
+            <p:nvSpPr>
+              <p:cNvPr id="3" name="Content Placeholder 2">
+                <a:extLst>
+                  <a:ext uri="{FF2B5EF4-FFF2-40B4-BE49-F238E27FC236}">
+                    <a16:creationId xmlns:a16="http://schemas.microsoft.com/office/drawing/2014/main" id="{04AE2C8E-4B08-D3DE-B045-A1F0BF2AEB51}"/>
+                  </a:ext>
+                </a:extLst>
+              </p:cNvPr>
+              <p:cNvSpPr>
+                <a:spLocks noGrp="1"/>
+              </p:cNvSpPr>
+              <p:nvPr>
+                <p:ph idx="1"/>
+              </p:nvPr>
+            </p:nvSpPr>
+            <p:spPr/>
+            <p:txBody>
+              <a:bodyPr>
+                <a:normAutofit lnSpcReduction="10000"/>
+              </a:bodyPr>
+              <a:lstStyle/>
+              <a:p>
+                <a:r>
+                  <a:rPr lang="en-US" dirty="0"/>
+                  <a:t>Determine probability of </a:t>
+                </a:r>
+                <a14:m>
+                  <m:oMath xmlns:m="http://schemas.openxmlformats.org/officeDocument/2006/math">
+                    <m:r>
+                      <a:rPr lang="de-DE" b="0" i="1" smtClean="0">
+                        <a:latin typeface="Cambria Math" panose="02040503050406030204" pitchFamily="18" charset="0"/>
+                      </a:rPr>
+                      <m:t>𝑌</m:t>
+                    </m:r>
+                  </m:oMath>
+                </a14:m>
+                <a:r>
+                  <a:rPr lang="en-US" dirty="0"/>
+                  <a:t> depending on </a:t>
+                </a:r>
+                <a14:m>
+                  <m:oMath xmlns:m="http://schemas.openxmlformats.org/officeDocument/2006/math">
+                    <m:r>
+                      <a:rPr lang="de-DE" b="0" i="1" dirty="0" smtClean="0">
+                        <a:latin typeface="Cambria Math" panose="02040503050406030204" pitchFamily="18" charset="0"/>
+                      </a:rPr>
+                      <m:t>𝑋</m:t>
+                    </m:r>
+                  </m:oMath>
+                </a14:m>
+                <a:endParaRPr lang="en-US" dirty="0"/>
+              </a:p>
+              <a:p>
+                <a:pPr marL="0" indent="0">
+                  <a:lnSpc>
+                    <a:spcPct val="100000"/>
+                  </a:lnSpc>
+                  <a:spcBef>
+                    <a:spcPts val="1200"/>
+                  </a:spcBef>
+                  <a:spcAft>
+                    <a:spcPts val="1200"/>
+                  </a:spcAft>
+                  <a:buNone/>
+                </a:pPr>
+                <a14:m>
+                  <m:oMathPara xmlns:m="http://schemas.openxmlformats.org/officeDocument/2006/math">
+                    <m:oMathParaPr>
+                      <m:jc m:val="centerGroup"/>
+                    </m:oMathParaPr>
+                    <m:oMath xmlns:m="http://schemas.openxmlformats.org/officeDocument/2006/math">
+                      <m:r>
+                        <a:rPr lang="de-DE" b="0" i="1" smtClean="0">
+                          <a:latin typeface="Cambria Math" panose="02040503050406030204" pitchFamily="18" charset="0"/>
+                        </a:rPr>
+                        <m:t>𝑌</m:t>
+                      </m:r>
+                      <m:r>
+                        <a:rPr lang="de-DE" b="0" i="1" smtClean="0">
+                          <a:latin typeface="Cambria Math" panose="02040503050406030204" pitchFamily="18" charset="0"/>
+                        </a:rPr>
+                        <m:t>|</m:t>
+                      </m:r>
+                      <m:r>
+                        <a:rPr lang="de-DE" b="0" i="1" smtClean="0">
+                          <a:latin typeface="Cambria Math" panose="02040503050406030204" pitchFamily="18" charset="0"/>
+                        </a:rPr>
+                        <m:t>𝑋</m:t>
+                      </m:r>
+                      <m:r>
+                        <a:rPr lang="de-DE" b="0" i="1" smtClean="0">
+                          <a:latin typeface="Cambria Math" panose="02040503050406030204" pitchFamily="18" charset="0"/>
+                        </a:rPr>
+                        <m:t> ~ </m:t>
+                      </m:r>
+                      <m:r>
+                        <a:rPr lang="de-DE" b="0" i="1" smtClean="0">
+                          <a:latin typeface="Cambria Math" panose="02040503050406030204" pitchFamily="18" charset="0"/>
+                        </a:rPr>
+                        <m:t>𝒩</m:t>
+                      </m:r>
+                      <m:r>
+                        <a:rPr lang="de-DE" b="0" i="1" smtClean="0">
+                          <a:latin typeface="Cambria Math" panose="02040503050406030204" pitchFamily="18" charset="0"/>
+                        </a:rPr>
+                        <m:t>(</m:t>
+                      </m:r>
+                      <m:sSub>
+                        <m:sSubPr>
+                          <m:ctrlPr>
+                            <a:rPr lang="de-DE" b="0" i="1" smtClean="0">
+                              <a:latin typeface="Cambria Math" panose="02040503050406030204" pitchFamily="18" charset="0"/>
+                            </a:rPr>
+                          </m:ctrlPr>
+                        </m:sSubPr>
+                        <m:e>
+                          <m:r>
+                            <a:rPr lang="de-DE" b="0" i="1" smtClean="0">
+                              <a:latin typeface="Cambria Math" panose="02040503050406030204" pitchFamily="18" charset="0"/>
+                            </a:rPr>
+                            <m:t>𝜇</m:t>
+                          </m:r>
+                        </m:e>
+                        <m:sub>
+                          <m:r>
+                            <a:rPr lang="de-DE" b="0" i="1" smtClean="0">
+                              <a:latin typeface="Cambria Math" panose="02040503050406030204" pitchFamily="18" charset="0"/>
+                            </a:rPr>
+                            <m:t>𝑌</m:t>
+                          </m:r>
+                        </m:sub>
+                      </m:sSub>
+                      <m:r>
+                        <a:rPr lang="de-DE" b="0" i="1" smtClean="0">
+                          <a:latin typeface="Cambria Math" panose="02040503050406030204" pitchFamily="18" charset="0"/>
+                        </a:rPr>
+                        <m:t>+</m:t>
+                      </m:r>
+                      <m:sSub>
+                        <m:sSubPr>
+                          <m:ctrlPr>
+                            <a:rPr lang="de-DE" b="0" i="1" smtClean="0">
+                              <a:latin typeface="Cambria Math" panose="02040503050406030204" pitchFamily="18" charset="0"/>
+                            </a:rPr>
+                          </m:ctrlPr>
+                        </m:sSubPr>
+                        <m:e>
+                          <m:r>
+                            <m:rPr>
+                              <m:sty m:val="p"/>
+                            </m:rPr>
+                            <a:rPr lang="de-DE" b="0" i="0" smtClean="0">
+                              <a:latin typeface="Cambria Math" panose="02040503050406030204" pitchFamily="18" charset="0"/>
+                            </a:rPr>
+                            <m:t>Σ</m:t>
+                          </m:r>
+                        </m:e>
+                        <m:sub>
+                          <m:r>
+                            <a:rPr lang="de-DE" b="0" i="1" smtClean="0">
+                              <a:latin typeface="Cambria Math" panose="02040503050406030204" pitchFamily="18" charset="0"/>
+                            </a:rPr>
+                            <m:t>𝑌𝑋</m:t>
+                          </m:r>
+                        </m:sub>
+                      </m:sSub>
+                      <m:r>
+                        <a:rPr lang="de-DE" b="0" i="1" smtClean="0">
+                          <a:latin typeface="Cambria Math" panose="02040503050406030204" pitchFamily="18" charset="0"/>
+                        </a:rPr>
+                        <m:t> </m:t>
+                      </m:r>
+                      <m:sSubSup>
+                        <m:sSubSupPr>
+                          <m:ctrlPr>
+                            <a:rPr lang="de-DE" b="0" i="1" smtClean="0">
+                              <a:latin typeface="Cambria Math" panose="02040503050406030204" pitchFamily="18" charset="0"/>
+                            </a:rPr>
+                          </m:ctrlPr>
+                        </m:sSubSupPr>
+                        <m:e>
+                          <m:r>
+                            <m:rPr>
+                              <m:sty m:val="p"/>
+                            </m:rPr>
+                            <a:rPr lang="de-DE" b="0" i="0" smtClean="0">
+                              <a:latin typeface="Cambria Math" panose="02040503050406030204" pitchFamily="18" charset="0"/>
+                            </a:rPr>
+                            <m:t>Σ</m:t>
+                          </m:r>
+                        </m:e>
+                        <m:sub>
+                          <m:r>
+                            <a:rPr lang="de-DE" b="0" i="1" smtClean="0">
+                              <a:latin typeface="Cambria Math" panose="02040503050406030204" pitchFamily="18" charset="0"/>
+                            </a:rPr>
+                            <m:t>𝑋𝑋</m:t>
+                          </m:r>
+                        </m:sub>
+                        <m:sup>
+                          <m:r>
+                            <a:rPr lang="de-DE" b="0" i="1" smtClean="0">
+                              <a:latin typeface="Cambria Math" panose="02040503050406030204" pitchFamily="18" charset="0"/>
+                            </a:rPr>
+                            <m:t>−1</m:t>
+                          </m:r>
+                        </m:sup>
+                      </m:sSubSup>
+                      <m:r>
+                        <a:rPr lang="de-DE" b="0" i="1" smtClean="0">
+                          <a:latin typeface="Cambria Math" panose="02040503050406030204" pitchFamily="18" charset="0"/>
+                        </a:rPr>
+                        <m:t> </m:t>
+                      </m:r>
+                      <m:d>
+                        <m:dPr>
+                          <m:ctrlPr>
+                            <a:rPr lang="de-DE" b="0" i="1" smtClean="0">
+                              <a:latin typeface="Cambria Math" panose="02040503050406030204" pitchFamily="18" charset="0"/>
+                            </a:rPr>
+                          </m:ctrlPr>
+                        </m:dPr>
+                        <m:e>
+                          <m:r>
+                            <a:rPr lang="de-DE" b="0" i="1" smtClean="0">
+                              <a:latin typeface="Cambria Math" panose="02040503050406030204" pitchFamily="18" charset="0"/>
+                            </a:rPr>
+                            <m:t>𝑋</m:t>
+                          </m:r>
+                          <m:r>
+                            <a:rPr lang="de-DE" b="0" i="1" smtClean="0">
+                              <a:latin typeface="Cambria Math" panose="02040503050406030204" pitchFamily="18" charset="0"/>
+                            </a:rPr>
+                            <m:t>−</m:t>
+                          </m:r>
+                          <m:sSub>
+                            <m:sSubPr>
+                              <m:ctrlPr>
+                                <a:rPr lang="de-DE" b="0" i="1" smtClean="0">
+                                  <a:latin typeface="Cambria Math" panose="02040503050406030204" pitchFamily="18" charset="0"/>
+                                </a:rPr>
+                              </m:ctrlPr>
+                            </m:sSubPr>
+                            <m:e>
+                              <m:r>
+                                <a:rPr lang="de-DE" b="0" i="1" smtClean="0">
+                                  <a:latin typeface="Cambria Math" panose="02040503050406030204" pitchFamily="18" charset="0"/>
+                                </a:rPr>
+                                <m:t>𝜇</m:t>
+                              </m:r>
+                            </m:e>
+                            <m:sub>
+                              <m:r>
+                                <a:rPr lang="de-DE" b="0" i="1" smtClean="0">
+                                  <a:latin typeface="Cambria Math" panose="02040503050406030204" pitchFamily="18" charset="0"/>
+                                </a:rPr>
+                                <m:t>𝑋</m:t>
+                              </m:r>
+                            </m:sub>
+                          </m:sSub>
+                        </m:e>
+                      </m:d>
+                      <m:r>
+                        <a:rPr lang="de-DE" b="0" i="1" smtClean="0">
+                          <a:latin typeface="Cambria Math" panose="02040503050406030204" pitchFamily="18" charset="0"/>
+                        </a:rPr>
+                        <m:t>,  </m:t>
+                      </m:r>
+                      <m:sSub>
+                        <m:sSubPr>
+                          <m:ctrlPr>
+                            <a:rPr lang="de-DE" b="0" i="1" smtClean="0">
+                              <a:latin typeface="Cambria Math" panose="02040503050406030204" pitchFamily="18" charset="0"/>
+                            </a:rPr>
+                          </m:ctrlPr>
+                        </m:sSubPr>
+                        <m:e>
+                          <m:r>
+                            <m:rPr>
+                              <m:sty m:val="p"/>
+                            </m:rPr>
+                            <a:rPr lang="de-DE" b="0" i="0" smtClean="0">
+                              <a:latin typeface="Cambria Math" panose="02040503050406030204" pitchFamily="18" charset="0"/>
+                            </a:rPr>
+                            <m:t>Σ</m:t>
+                          </m:r>
+                        </m:e>
+                        <m:sub>
+                          <m:r>
+                            <a:rPr lang="de-DE" b="0" i="1" smtClean="0">
+                              <a:latin typeface="Cambria Math" panose="02040503050406030204" pitchFamily="18" charset="0"/>
+                            </a:rPr>
+                            <m:t>𝑌𝑌</m:t>
+                          </m:r>
+                        </m:sub>
+                      </m:sSub>
+                      <m:r>
+                        <a:rPr lang="de-DE" b="0" i="1" smtClean="0">
+                          <a:latin typeface="Cambria Math" panose="02040503050406030204" pitchFamily="18" charset="0"/>
+                        </a:rPr>
+                        <m:t>−</m:t>
+                      </m:r>
+                      <m:sSub>
+                        <m:sSubPr>
+                          <m:ctrlPr>
+                            <a:rPr lang="de-DE" b="0" i="1" smtClean="0">
+                              <a:latin typeface="Cambria Math" panose="02040503050406030204" pitchFamily="18" charset="0"/>
+                            </a:rPr>
+                          </m:ctrlPr>
+                        </m:sSubPr>
+                        <m:e>
+                          <m:r>
+                            <m:rPr>
+                              <m:sty m:val="p"/>
+                            </m:rPr>
+                            <a:rPr lang="de-DE" b="0" i="0" smtClean="0">
+                              <a:latin typeface="Cambria Math" panose="02040503050406030204" pitchFamily="18" charset="0"/>
+                            </a:rPr>
+                            <m:t>Σ</m:t>
+                          </m:r>
+                        </m:e>
+                        <m:sub>
+                          <m:r>
+                            <a:rPr lang="de-DE" b="0" i="1" smtClean="0">
+                              <a:latin typeface="Cambria Math" panose="02040503050406030204" pitchFamily="18" charset="0"/>
+                            </a:rPr>
+                            <m:t>𝑌𝑋</m:t>
+                          </m:r>
+                        </m:sub>
+                      </m:sSub>
+                      <m:r>
+                        <a:rPr lang="de-DE" b="0" i="1" smtClean="0">
+                          <a:latin typeface="Cambria Math" panose="02040503050406030204" pitchFamily="18" charset="0"/>
+                        </a:rPr>
+                        <m:t> </m:t>
+                      </m:r>
+                      <m:sSubSup>
+                        <m:sSubSupPr>
+                          <m:ctrlPr>
+                            <a:rPr lang="de-DE" b="0" i="1" smtClean="0">
+                              <a:latin typeface="Cambria Math" panose="02040503050406030204" pitchFamily="18" charset="0"/>
+                            </a:rPr>
+                          </m:ctrlPr>
+                        </m:sSubSupPr>
+                        <m:e>
+                          <m:r>
+                            <m:rPr>
+                              <m:sty m:val="p"/>
+                            </m:rPr>
+                            <a:rPr lang="de-DE" b="0" i="0" smtClean="0">
+                              <a:latin typeface="Cambria Math" panose="02040503050406030204" pitchFamily="18" charset="0"/>
+                            </a:rPr>
+                            <m:t>Σ</m:t>
+                          </m:r>
+                        </m:e>
+                        <m:sub>
+                          <m:r>
+                            <a:rPr lang="de-DE" b="0" i="1" smtClean="0">
+                              <a:latin typeface="Cambria Math" panose="02040503050406030204" pitchFamily="18" charset="0"/>
+                            </a:rPr>
+                            <m:t>𝑋𝑋</m:t>
+                          </m:r>
+                        </m:sub>
+                        <m:sup>
+                          <m:r>
+                            <a:rPr lang="de-DE" b="0" i="1" smtClean="0">
+                              <a:latin typeface="Cambria Math" panose="02040503050406030204" pitchFamily="18" charset="0"/>
+                            </a:rPr>
+                            <m:t>−1</m:t>
+                          </m:r>
+                        </m:sup>
+                      </m:sSubSup>
+                      <m:r>
+                        <a:rPr lang="de-DE" b="0" i="0" smtClean="0">
+                          <a:latin typeface="Cambria Math" panose="02040503050406030204" pitchFamily="18" charset="0"/>
+                        </a:rPr>
+                        <m:t> </m:t>
+                      </m:r>
+                      <m:sSub>
+                        <m:sSubPr>
+                          <m:ctrlPr>
+                            <a:rPr lang="de-DE" b="0" i="0" smtClean="0">
+                              <a:latin typeface="Cambria Math" panose="02040503050406030204" pitchFamily="18" charset="0"/>
+                            </a:rPr>
+                          </m:ctrlPr>
+                        </m:sSubPr>
+                        <m:e>
+                          <m:r>
+                            <m:rPr>
+                              <m:sty m:val="p"/>
+                            </m:rPr>
+                            <a:rPr lang="de-DE" b="0" i="0" smtClean="0">
+                              <a:latin typeface="Cambria Math" panose="02040503050406030204" pitchFamily="18" charset="0"/>
+                            </a:rPr>
+                            <m:t>Σ</m:t>
+                          </m:r>
+                        </m:e>
+                        <m:sub>
+                          <m:r>
+                            <m:rPr>
+                              <m:sty m:val="p"/>
+                            </m:rPr>
+                            <a:rPr lang="de-DE" b="0" i="0" smtClean="0">
+                              <a:latin typeface="Cambria Math" panose="02040503050406030204" pitchFamily="18" charset="0"/>
+                            </a:rPr>
+                            <m:t>XY</m:t>
+                          </m:r>
+                        </m:sub>
+                      </m:sSub>
+                      <m:r>
+                        <a:rPr lang="de-DE" b="0" i="0" smtClean="0">
+                          <a:latin typeface="Cambria Math" panose="02040503050406030204" pitchFamily="18" charset="0"/>
+                        </a:rPr>
+                        <m:t>)</m:t>
+                      </m:r>
+                    </m:oMath>
+                    <m:oMath xmlns:m="http://schemas.openxmlformats.org/officeDocument/2006/math">
+                      <m:r>
+                        <a:rPr lang="de-DE" b="0" i="0" smtClean="0">
+                          <a:latin typeface="Cambria Math" panose="02040503050406030204" pitchFamily="18" charset="0"/>
+                        </a:rPr>
+                        <m:t>       </m:t>
+                      </m:r>
+                      <m:r>
+                        <a:rPr lang="de-DE" b="0" i="1" smtClean="0">
+                          <a:latin typeface="Cambria Math" panose="02040503050406030204" pitchFamily="18" charset="0"/>
+                        </a:rPr>
+                        <m:t> =</m:t>
+                      </m:r>
+                      <m:r>
+                        <a:rPr lang="de-DE" i="1">
+                          <a:latin typeface="Cambria Math" panose="02040503050406030204" pitchFamily="18" charset="0"/>
+                        </a:rPr>
+                        <m:t>𝒩</m:t>
+                      </m:r>
+                      <m:r>
+                        <a:rPr lang="de-DE" i="1">
+                          <a:latin typeface="Cambria Math" panose="02040503050406030204" pitchFamily="18" charset="0"/>
+                        </a:rPr>
+                        <m:t>(</m:t>
+                      </m:r>
+                      <m:sSub>
+                        <m:sSubPr>
+                          <m:ctrlPr>
+                            <a:rPr lang="de-DE" i="1">
+                              <a:latin typeface="Cambria Math" panose="02040503050406030204" pitchFamily="18" charset="0"/>
+                            </a:rPr>
+                          </m:ctrlPr>
+                        </m:sSubPr>
+                        <m:e>
+                          <m:r>
+                            <a:rPr lang="de-DE" i="1">
+                              <a:latin typeface="Cambria Math" panose="02040503050406030204" pitchFamily="18" charset="0"/>
+                            </a:rPr>
+                            <m:t>𝜇</m:t>
+                          </m:r>
+                        </m:e>
+                        <m:sub>
+                          <m:r>
+                            <a:rPr lang="de-DE" b="0" i="1" smtClean="0">
+                              <a:latin typeface="Cambria Math" panose="02040503050406030204" pitchFamily="18" charset="0"/>
+                            </a:rPr>
+                            <m:t>𝑌</m:t>
+                          </m:r>
+                        </m:sub>
+                      </m:sSub>
+                      <m:r>
+                        <a:rPr lang="de-DE" i="1">
+                          <a:latin typeface="Cambria Math" panose="02040503050406030204" pitchFamily="18" charset="0"/>
+                        </a:rPr>
+                        <m:t>+</m:t>
+                      </m:r>
+                      <m:sSub>
+                        <m:sSubPr>
+                          <m:ctrlPr>
+                            <a:rPr lang="de-DE" i="1">
+                              <a:latin typeface="Cambria Math" panose="02040503050406030204" pitchFamily="18" charset="0"/>
+                            </a:rPr>
+                          </m:ctrlPr>
+                        </m:sSubPr>
+                        <m:e>
+                          <m:r>
+                            <m:rPr>
+                              <m:sty m:val="p"/>
+                            </m:rPr>
+                            <a:rPr lang="de-DE">
+                              <a:latin typeface="Cambria Math" panose="02040503050406030204" pitchFamily="18" charset="0"/>
+                            </a:rPr>
+                            <m:t>Σ</m:t>
+                          </m:r>
+                        </m:e>
+                        <m:sub>
+                          <m:r>
+                            <a:rPr lang="de-DE" i="1">
+                              <a:latin typeface="Cambria Math" panose="02040503050406030204" pitchFamily="18" charset="0"/>
+                            </a:rPr>
+                            <m:t>𝑌𝑋</m:t>
+                          </m:r>
+                        </m:sub>
+                      </m:sSub>
+                      <m:sSubSup>
+                        <m:sSubSupPr>
+                          <m:ctrlPr>
+                            <a:rPr lang="de-DE" i="1">
+                              <a:latin typeface="Cambria Math" panose="02040503050406030204" pitchFamily="18" charset="0"/>
+                            </a:rPr>
+                          </m:ctrlPr>
+                        </m:sSubSupPr>
+                        <m:e>
+                          <m:r>
+                            <a:rPr lang="de-DE" b="0" i="0" smtClean="0">
+                              <a:latin typeface="Cambria Math" panose="02040503050406030204" pitchFamily="18" charset="0"/>
+                            </a:rPr>
+                            <m:t> </m:t>
+                          </m:r>
+                          <m:r>
+                            <m:rPr>
+                              <m:sty m:val="p"/>
+                            </m:rPr>
+                            <a:rPr lang="de-DE">
+                              <a:latin typeface="Cambria Math" panose="02040503050406030204" pitchFamily="18" charset="0"/>
+                            </a:rPr>
+                            <m:t>Σ</m:t>
+                          </m:r>
+                        </m:e>
+                        <m:sub>
+                          <m:r>
+                            <a:rPr lang="de-DE" i="1">
+                              <a:latin typeface="Cambria Math" panose="02040503050406030204" pitchFamily="18" charset="0"/>
+                            </a:rPr>
+                            <m:t>𝑋𝑋</m:t>
+                          </m:r>
+                        </m:sub>
+                        <m:sup>
+                          <m:r>
+                            <a:rPr lang="de-DE" i="1">
+                              <a:latin typeface="Cambria Math" panose="02040503050406030204" pitchFamily="18" charset="0"/>
+                            </a:rPr>
+                            <m:t>−1</m:t>
+                          </m:r>
+                        </m:sup>
+                      </m:sSubSup>
+                      <m:r>
+                        <a:rPr lang="de-DE" b="0" i="1" smtClean="0">
+                          <a:latin typeface="Cambria Math" panose="02040503050406030204" pitchFamily="18" charset="0"/>
+                        </a:rPr>
+                        <m:t> </m:t>
+                      </m:r>
+                      <m:d>
+                        <m:dPr>
+                          <m:ctrlPr>
+                            <a:rPr lang="de-DE" i="1">
+                              <a:latin typeface="Cambria Math" panose="02040503050406030204" pitchFamily="18" charset="0"/>
+                            </a:rPr>
+                          </m:ctrlPr>
+                        </m:dPr>
+                        <m:e>
+                          <m:r>
+                            <a:rPr lang="de-DE" b="0" i="1" smtClean="0">
+                              <a:latin typeface="Cambria Math" panose="02040503050406030204" pitchFamily="18" charset="0"/>
+                            </a:rPr>
+                            <m:t>𝑋</m:t>
+                          </m:r>
+                          <m:r>
+                            <a:rPr lang="de-DE" i="1">
+                              <a:latin typeface="Cambria Math" panose="02040503050406030204" pitchFamily="18" charset="0"/>
+                            </a:rPr>
+                            <m:t>−</m:t>
+                          </m:r>
+                          <m:sSub>
+                            <m:sSubPr>
+                              <m:ctrlPr>
+                                <a:rPr lang="de-DE" i="1">
+                                  <a:latin typeface="Cambria Math" panose="02040503050406030204" pitchFamily="18" charset="0"/>
+                                </a:rPr>
+                              </m:ctrlPr>
+                            </m:sSubPr>
+                            <m:e>
+                              <m:r>
+                                <a:rPr lang="de-DE" i="1">
+                                  <a:latin typeface="Cambria Math" panose="02040503050406030204" pitchFamily="18" charset="0"/>
+                                </a:rPr>
+                                <m:t>𝜇</m:t>
+                              </m:r>
+                            </m:e>
+                            <m:sub>
+                              <m:r>
+                                <a:rPr lang="de-DE" b="0" i="1" smtClean="0">
+                                  <a:latin typeface="Cambria Math" panose="02040503050406030204" pitchFamily="18" charset="0"/>
+                                </a:rPr>
+                                <m:t>𝑥</m:t>
+                              </m:r>
+                            </m:sub>
+                          </m:sSub>
+                        </m:e>
+                      </m:d>
+                      <m:r>
+                        <a:rPr lang="de-DE" i="1">
+                          <a:latin typeface="Cambria Math" panose="02040503050406030204" pitchFamily="18" charset="0"/>
+                        </a:rPr>
+                        <m:t>,  </m:t>
+                      </m:r>
+                      <m:sSub>
+                        <m:sSubPr>
+                          <m:ctrlPr>
+                            <a:rPr lang="de-DE" i="1" smtClean="0">
+                              <a:latin typeface="Cambria Math" panose="02040503050406030204" pitchFamily="18" charset="0"/>
+                            </a:rPr>
+                          </m:ctrlPr>
+                        </m:sSubPr>
+                        <m:e>
+                          <m:r>
+                            <m:rPr>
+                              <m:sty m:val="p"/>
+                            </m:rPr>
+                            <a:rPr lang="de-DE">
+                              <a:latin typeface="Cambria Math" panose="02040503050406030204" pitchFamily="18" charset="0"/>
+                            </a:rPr>
+                            <m:t>Σ</m:t>
+                          </m:r>
+                        </m:e>
+                        <m:sub>
+                          <m:r>
+                            <a:rPr lang="de-DE" b="0" i="1" smtClean="0">
+                              <a:latin typeface="Cambria Math" panose="02040503050406030204" pitchFamily="18" charset="0"/>
+                            </a:rPr>
+                            <m:t>𝑌𝑌</m:t>
+                          </m:r>
+                        </m:sub>
+                      </m:sSub>
+                      <m:r>
+                        <m:rPr>
+                          <m:aln/>
+                        </m:rPr>
+                        <a:rPr lang="de-DE" i="1">
+                          <a:latin typeface="Cambria Math" panose="02040503050406030204" pitchFamily="18" charset="0"/>
+                        </a:rPr>
+                        <m:t>−</m:t>
+                      </m:r>
+                      <m:sSubSup>
+                        <m:sSubSupPr>
+                          <m:ctrlPr>
+                            <a:rPr lang="de-DE" b="0" i="1" smtClean="0">
+                              <a:latin typeface="Cambria Math" panose="02040503050406030204" pitchFamily="18" charset="0"/>
+                            </a:rPr>
+                          </m:ctrlPr>
+                        </m:sSubSupPr>
+                        <m:e>
+                          <m:r>
+                            <m:rPr>
+                              <m:sty m:val="p"/>
+                            </m:rPr>
+                            <a:rPr lang="de-DE">
+                              <a:latin typeface="Cambria Math" panose="02040503050406030204" pitchFamily="18" charset="0"/>
+                            </a:rPr>
+                            <m:t>Σ</m:t>
+                          </m:r>
+                        </m:e>
+                        <m:sub>
+                          <m:r>
+                            <a:rPr lang="de-DE" b="0" i="1" smtClean="0">
+                              <a:latin typeface="Cambria Math" panose="02040503050406030204" pitchFamily="18" charset="0"/>
+                            </a:rPr>
+                            <m:t>𝑋𝑌</m:t>
+                          </m:r>
+                        </m:sub>
+                        <m:sup>
+                          <m:r>
+                            <a:rPr lang="de-DE" b="0" i="1" smtClean="0">
+                              <a:latin typeface="Cambria Math" panose="02040503050406030204" pitchFamily="18" charset="0"/>
+                            </a:rPr>
+                            <m:t>𝑇</m:t>
+                          </m:r>
+                        </m:sup>
+                      </m:sSubSup>
+                      <m:r>
+                        <a:rPr lang="de-DE" b="0" i="1" smtClean="0">
+                          <a:latin typeface="Cambria Math" panose="02040503050406030204" pitchFamily="18" charset="0"/>
+                        </a:rPr>
+                        <m:t> </m:t>
+                      </m:r>
+                      <m:sSubSup>
+                        <m:sSubSupPr>
+                          <m:ctrlPr>
+                            <a:rPr lang="de-DE" i="1">
+                              <a:latin typeface="Cambria Math" panose="02040503050406030204" pitchFamily="18" charset="0"/>
+                            </a:rPr>
+                          </m:ctrlPr>
+                        </m:sSubSupPr>
+                        <m:e>
+                          <m:r>
+                            <m:rPr>
+                              <m:sty m:val="p"/>
+                            </m:rPr>
+                            <a:rPr lang="de-DE">
+                              <a:latin typeface="Cambria Math" panose="02040503050406030204" pitchFamily="18" charset="0"/>
+                            </a:rPr>
+                            <m:t>Σ</m:t>
+                          </m:r>
+                        </m:e>
+                        <m:sub>
+                          <m:r>
+                            <a:rPr lang="de-DE" i="1">
+                              <a:latin typeface="Cambria Math" panose="02040503050406030204" pitchFamily="18" charset="0"/>
+                            </a:rPr>
+                            <m:t>𝑋𝑋</m:t>
+                          </m:r>
+                        </m:sub>
+                        <m:sup>
+                          <m:r>
+                            <a:rPr lang="de-DE" i="1">
+                              <a:latin typeface="Cambria Math" panose="02040503050406030204" pitchFamily="18" charset="0"/>
+                            </a:rPr>
+                            <m:t>−1</m:t>
+                          </m:r>
+                        </m:sup>
+                      </m:sSubSup>
+                      <m:r>
+                        <a:rPr lang="de-DE" b="0" i="1" smtClean="0">
+                          <a:latin typeface="Cambria Math" panose="02040503050406030204" pitchFamily="18" charset="0"/>
+                        </a:rPr>
+                        <m:t> </m:t>
+                      </m:r>
+                      <m:sSub>
+                        <m:sSubPr>
+                          <m:ctrlPr>
+                            <a:rPr lang="de-DE" i="1">
+                              <a:latin typeface="Cambria Math" panose="02040503050406030204" pitchFamily="18" charset="0"/>
+                            </a:rPr>
+                          </m:ctrlPr>
+                        </m:sSubPr>
+                        <m:e>
+                          <m:r>
+                            <m:rPr>
+                              <m:sty m:val="p"/>
+                            </m:rPr>
+                            <a:rPr lang="de-DE">
+                              <a:latin typeface="Cambria Math" panose="02040503050406030204" pitchFamily="18" charset="0"/>
+                            </a:rPr>
+                            <m:t>Σ</m:t>
+                          </m:r>
+                        </m:e>
+                        <m:sub>
+                          <m:r>
+                            <m:rPr>
+                              <m:sty m:val="p"/>
+                            </m:rPr>
+                            <a:rPr lang="de-DE">
+                              <a:latin typeface="Cambria Math" panose="02040503050406030204" pitchFamily="18" charset="0"/>
+                            </a:rPr>
+                            <m:t>XY</m:t>
+                          </m:r>
+                        </m:sub>
+                      </m:sSub>
+                      <m:r>
+                        <a:rPr lang="de-DE">
+                          <a:latin typeface="Cambria Math" panose="02040503050406030204" pitchFamily="18" charset="0"/>
+                        </a:rPr>
+                        <m:t>)</m:t>
+                      </m:r>
+                    </m:oMath>
+                    <m:oMath xmlns:m="http://schemas.openxmlformats.org/officeDocument/2006/math">
+                      <m:r>
+                        <a:rPr lang="de-DE" b="0" i="0" smtClean="0">
+                          <a:latin typeface="Cambria Math" panose="02040503050406030204" pitchFamily="18" charset="0"/>
+                        </a:rPr>
+                        <m:t> </m:t>
+                      </m:r>
+                      <m:r>
+                        <a:rPr lang="de-DE" b="0" i="1" smtClean="0">
+                          <a:latin typeface="Cambria Math" panose="02040503050406030204" pitchFamily="18" charset="0"/>
+                        </a:rPr>
+                        <m:t>       </m:t>
+                      </m:r>
+                      <m:r>
+                        <m:rPr>
+                          <m:aln/>
+                        </m:rPr>
+                        <a:rPr lang="de-DE" b="0" i="1" smtClean="0">
+                          <a:latin typeface="Cambria Math" panose="02040503050406030204" pitchFamily="18" charset="0"/>
+                        </a:rPr>
+                        <m:t>=</m:t>
+                      </m:r>
+                      <m:r>
+                        <a:rPr lang="de-DE" b="0" i="1" smtClean="0">
+                          <a:latin typeface="Cambria Math" panose="02040503050406030204" pitchFamily="18" charset="0"/>
+                        </a:rPr>
+                        <m:t>𝒩</m:t>
+                      </m:r>
+                      <m:d>
+                        <m:dPr>
+                          <m:ctrlPr>
+                            <a:rPr lang="de-DE" b="0" i="1" smtClean="0">
+                              <a:latin typeface="Cambria Math" panose="02040503050406030204" pitchFamily="18" charset="0"/>
+                            </a:rPr>
+                          </m:ctrlPr>
+                        </m:dPr>
+                        <m:e>
+                          <m:r>
+                            <a:rPr lang="de-DE" b="0" i="1" smtClean="0">
+                              <a:latin typeface="Cambria Math" panose="02040503050406030204" pitchFamily="18" charset="0"/>
+                            </a:rPr>
+                            <m:t>          </m:t>
+                          </m:r>
+                          <m:sSub>
+                            <m:sSubPr>
+                              <m:ctrlPr>
+                                <a:rPr lang="de-DE" i="1">
+                                  <a:latin typeface="Cambria Math" panose="02040503050406030204" pitchFamily="18" charset="0"/>
+                                </a:rPr>
+                              </m:ctrlPr>
+                            </m:sSubPr>
+                            <m:e>
+                              <m:r>
+                                <m:rPr>
+                                  <m:sty m:val="p"/>
+                                </m:rPr>
+                                <a:rPr lang="de-DE">
+                                  <a:latin typeface="Cambria Math" panose="02040503050406030204" pitchFamily="18" charset="0"/>
+                                </a:rPr>
+                                <m:t>Σ</m:t>
+                              </m:r>
+                            </m:e>
+                            <m:sub>
+                              <m:r>
+                                <a:rPr lang="de-DE" i="1">
+                                  <a:latin typeface="Cambria Math" panose="02040503050406030204" pitchFamily="18" charset="0"/>
+                                </a:rPr>
+                                <m:t>𝑌𝑋</m:t>
+                              </m:r>
+                            </m:sub>
+                          </m:sSub>
+                          <m:r>
+                            <a:rPr lang="de-DE" b="0" i="1" smtClean="0">
+                              <a:latin typeface="Cambria Math" panose="02040503050406030204" pitchFamily="18" charset="0"/>
+                            </a:rPr>
+                            <m:t> </m:t>
+                          </m:r>
+                          <m:sSubSup>
+                            <m:sSubSupPr>
+                              <m:ctrlPr>
+                                <a:rPr lang="de-DE" i="1">
+                                  <a:latin typeface="Cambria Math" panose="02040503050406030204" pitchFamily="18" charset="0"/>
+                                </a:rPr>
+                              </m:ctrlPr>
+                            </m:sSubSupPr>
+                            <m:e>
+                              <m:r>
+                                <m:rPr>
+                                  <m:sty m:val="p"/>
+                                </m:rPr>
+                                <a:rPr lang="de-DE">
+                                  <a:latin typeface="Cambria Math" panose="02040503050406030204" pitchFamily="18" charset="0"/>
+                                </a:rPr>
+                                <m:t>Σ</m:t>
+                              </m:r>
+                            </m:e>
+                            <m:sub>
+                              <m:r>
+                                <a:rPr lang="de-DE" i="1">
+                                  <a:latin typeface="Cambria Math" panose="02040503050406030204" pitchFamily="18" charset="0"/>
+                                </a:rPr>
+                                <m:t>𝑋𝑋</m:t>
+                              </m:r>
+                            </m:sub>
+                            <m:sup>
+                              <m:r>
+                                <a:rPr lang="de-DE" i="1">
+                                  <a:latin typeface="Cambria Math" panose="02040503050406030204" pitchFamily="18" charset="0"/>
+                                </a:rPr>
+                                <m:t>−1</m:t>
+                              </m:r>
+                            </m:sup>
+                          </m:sSubSup>
+                          <m:r>
+                            <a:rPr lang="de-DE" b="0" i="1" smtClean="0">
+                              <a:latin typeface="Cambria Math" panose="02040503050406030204" pitchFamily="18" charset="0"/>
+                            </a:rPr>
+                            <m:t> </m:t>
+                          </m:r>
+                          <m:r>
+                            <a:rPr lang="de-DE" b="0" i="1" smtClean="0">
+                              <a:latin typeface="Cambria Math" panose="02040503050406030204" pitchFamily="18" charset="0"/>
+                            </a:rPr>
+                            <m:t>𝑋</m:t>
+                          </m:r>
+                          <m:r>
+                            <a:rPr lang="de-DE" i="1">
+                              <a:latin typeface="Cambria Math" panose="02040503050406030204" pitchFamily="18" charset="0"/>
+                            </a:rPr>
+                            <m:t>, </m:t>
+                          </m:r>
+                          <m:r>
+                            <a:rPr lang="de-DE" i="1" smtClean="0">
+                              <a:latin typeface="Cambria Math" panose="02040503050406030204" pitchFamily="18" charset="0"/>
+                            </a:rPr>
+                            <m:t> </m:t>
+                          </m:r>
+                          <m:r>
+                            <a:rPr lang="de-DE" b="0" i="1" smtClean="0">
+                              <a:latin typeface="Cambria Math" panose="02040503050406030204" pitchFamily="18" charset="0"/>
+                            </a:rPr>
+                            <m:t>             </m:t>
+                          </m:r>
+                          <m:sSub>
+                            <m:sSubPr>
+                              <m:ctrlPr>
+                                <a:rPr lang="de-DE" i="1">
+                                  <a:latin typeface="Cambria Math" panose="02040503050406030204" pitchFamily="18" charset="0"/>
+                                </a:rPr>
+                              </m:ctrlPr>
+                            </m:sSubPr>
+                            <m:e>
+                              <m:r>
+                                <m:rPr>
+                                  <m:sty m:val="p"/>
+                                </m:rPr>
+                                <a:rPr lang="de-DE">
+                                  <a:latin typeface="Cambria Math" panose="02040503050406030204" pitchFamily="18" charset="0"/>
+                                </a:rPr>
+                                <m:t>Σ</m:t>
+                              </m:r>
+                            </m:e>
+                            <m:sub>
+                              <m:r>
+                                <a:rPr lang="de-DE" b="0" i="1" smtClean="0">
+                                  <a:latin typeface="Cambria Math" panose="02040503050406030204" pitchFamily="18" charset="0"/>
+                                </a:rPr>
+                                <m:t>𝑌𝑌</m:t>
+                              </m:r>
+                            </m:sub>
+                          </m:sSub>
+                          <m:r>
+                            <m:rPr>
+                              <m:aln/>
+                            </m:rPr>
+                            <a:rPr lang="de-DE" i="1">
+                              <a:latin typeface="Cambria Math" panose="02040503050406030204" pitchFamily="18" charset="0"/>
+                            </a:rPr>
+                            <m:t>−</m:t>
+                          </m:r>
+                          <m:sSubSup>
+                            <m:sSubSupPr>
+                              <m:ctrlPr>
+                                <a:rPr lang="de-DE" i="1">
+                                  <a:latin typeface="Cambria Math" panose="02040503050406030204" pitchFamily="18" charset="0"/>
+                                </a:rPr>
+                              </m:ctrlPr>
+                            </m:sSubSupPr>
+                            <m:e>
+                              <m:r>
+                                <m:rPr>
+                                  <m:sty m:val="p"/>
+                                </m:rPr>
+                                <a:rPr lang="de-DE">
+                                  <a:latin typeface="Cambria Math" panose="02040503050406030204" pitchFamily="18" charset="0"/>
+                                </a:rPr>
+                                <m:t>Σ</m:t>
+                              </m:r>
+                            </m:e>
+                            <m:sub>
+                              <m:r>
+                                <a:rPr lang="de-DE" b="0" i="1" smtClean="0">
+                                  <a:latin typeface="Cambria Math" panose="02040503050406030204" pitchFamily="18" charset="0"/>
+                                </a:rPr>
+                                <m:t>𝑋𝑌</m:t>
+                              </m:r>
+                            </m:sub>
+                            <m:sup>
+                              <m:r>
+                                <a:rPr lang="de-DE" i="1">
+                                  <a:latin typeface="Cambria Math" panose="02040503050406030204" pitchFamily="18" charset="0"/>
+                                </a:rPr>
+                                <m:t>𝑇</m:t>
+                              </m:r>
+                            </m:sup>
+                          </m:sSubSup>
+                          <m:r>
+                            <a:rPr lang="de-DE" b="0" i="1" smtClean="0">
+                              <a:latin typeface="Cambria Math" panose="02040503050406030204" pitchFamily="18" charset="0"/>
+                            </a:rPr>
+                            <m:t> </m:t>
+                          </m:r>
+                          <m:sSubSup>
+                            <m:sSubSupPr>
+                              <m:ctrlPr>
+                                <a:rPr lang="de-DE" i="1">
+                                  <a:latin typeface="Cambria Math" panose="02040503050406030204" pitchFamily="18" charset="0"/>
+                                </a:rPr>
+                              </m:ctrlPr>
+                            </m:sSubSupPr>
+                            <m:e>
+                              <m:r>
+                                <m:rPr>
+                                  <m:sty m:val="p"/>
+                                </m:rPr>
+                                <a:rPr lang="de-DE">
+                                  <a:latin typeface="Cambria Math" panose="02040503050406030204" pitchFamily="18" charset="0"/>
+                                </a:rPr>
+                                <m:t>Σ</m:t>
+                              </m:r>
+                            </m:e>
+                            <m:sub>
+                              <m:r>
+                                <a:rPr lang="de-DE" i="1">
+                                  <a:latin typeface="Cambria Math" panose="02040503050406030204" pitchFamily="18" charset="0"/>
+                                </a:rPr>
+                                <m:t>𝑋𝑋</m:t>
+                              </m:r>
+                            </m:sub>
+                            <m:sup>
+                              <m:r>
+                                <a:rPr lang="de-DE" i="1">
+                                  <a:latin typeface="Cambria Math" panose="02040503050406030204" pitchFamily="18" charset="0"/>
+                                </a:rPr>
+                                <m:t>−1</m:t>
+                              </m:r>
+                            </m:sup>
+                          </m:sSubSup>
+                          <m:r>
+                            <a:rPr lang="de-DE" b="0" i="1" smtClean="0">
+                              <a:latin typeface="Cambria Math" panose="02040503050406030204" pitchFamily="18" charset="0"/>
+                            </a:rPr>
+                            <m:t> </m:t>
+                          </m:r>
+                          <m:sSub>
+                            <m:sSubPr>
+                              <m:ctrlPr>
+                                <a:rPr lang="de-DE" i="1">
+                                  <a:latin typeface="Cambria Math" panose="02040503050406030204" pitchFamily="18" charset="0"/>
+                                </a:rPr>
+                              </m:ctrlPr>
+                            </m:sSubPr>
+                            <m:e>
+                              <m:r>
+                                <m:rPr>
+                                  <m:sty m:val="p"/>
+                                </m:rPr>
+                                <a:rPr lang="de-DE">
+                                  <a:latin typeface="Cambria Math" panose="02040503050406030204" pitchFamily="18" charset="0"/>
+                                </a:rPr>
+                                <m:t>Σ</m:t>
+                              </m:r>
+                            </m:e>
+                            <m:sub>
+                              <m:r>
+                                <m:rPr>
+                                  <m:sty m:val="p"/>
+                                </m:rPr>
+                                <a:rPr lang="de-DE">
+                                  <a:latin typeface="Cambria Math" panose="02040503050406030204" pitchFamily="18" charset="0"/>
+                                </a:rPr>
+                                <m:t>XY</m:t>
+                              </m:r>
+                            </m:sub>
+                          </m:sSub>
+                        </m:e>
+                      </m:d>
+                    </m:oMath>
+                  </m:oMathPara>
+                </a14:m>
+                <a:endParaRPr lang="en-US" dirty="0"/>
+              </a:p>
+              <a:p>
+                <a:pPr marL="0" indent="0">
+                  <a:lnSpc>
+                    <a:spcPct val="100000"/>
+                  </a:lnSpc>
+                  <a:spcAft>
+                    <a:spcPts val="1200"/>
+                  </a:spcAft>
+                  <a:buNone/>
+                </a:pPr>
+                <a:endParaRPr lang="en-US" dirty="0"/>
+              </a:p>
+              <a:p>
+                <a:pPr>
+                  <a:lnSpc>
+                    <a:spcPct val="100000"/>
+                  </a:lnSpc>
+                  <a:spcAft>
+                    <a:spcPts val="1200"/>
+                  </a:spcAft>
+                </a:pPr>
+                <a:r>
+                  <a:rPr lang="en-US" dirty="0"/>
+                  <a:t>For X</a:t>
+                </a:r>
+                <a14:m>
+                  <m:oMath xmlns:m="http://schemas.openxmlformats.org/officeDocument/2006/math">
+                    <m:r>
+                      <a:rPr lang="de-DE" b="0" i="1" smtClean="0">
+                        <a:latin typeface="Cambria Math" panose="02040503050406030204" pitchFamily="18" charset="0"/>
+                      </a:rPr>
+                      <m:t>|</m:t>
+                    </m:r>
+                    <m:r>
+                      <a:rPr lang="de-DE" b="0" i="1" smtClean="0">
+                        <a:latin typeface="Cambria Math" panose="02040503050406030204" pitchFamily="18" charset="0"/>
+                      </a:rPr>
+                      <m:t>𝑌</m:t>
+                    </m:r>
+                  </m:oMath>
+                </a14:m>
+                <a:r>
+                  <a:rPr lang="en-US" dirty="0"/>
+                  <a:t> switch all </a:t>
+                </a:r>
+                <a14:m>
+                  <m:oMath xmlns:m="http://schemas.openxmlformats.org/officeDocument/2006/math">
+                    <m:r>
+                      <a:rPr lang="de-DE" b="0" i="1" smtClean="0">
+                        <a:latin typeface="Cambria Math" panose="02040503050406030204" pitchFamily="18" charset="0"/>
+                      </a:rPr>
+                      <m:t>𝑋</m:t>
+                    </m:r>
+                  </m:oMath>
+                </a14:m>
+                <a:r>
+                  <a:rPr lang="en-US" dirty="0"/>
+                  <a:t> above with </a:t>
+                </a:r>
+                <a14:m>
+                  <m:oMath xmlns:m="http://schemas.openxmlformats.org/officeDocument/2006/math">
+                    <m:r>
+                      <a:rPr lang="de-DE" b="0" i="1" smtClean="0">
+                        <a:latin typeface="Cambria Math" panose="02040503050406030204" pitchFamily="18" charset="0"/>
+                      </a:rPr>
+                      <m:t>𝑌</m:t>
+                    </m:r>
+                  </m:oMath>
+                </a14:m>
+                <a:endParaRPr lang="en-US" dirty="0"/>
+              </a:p>
+              <a:p>
+                <a:pPr>
+                  <a:lnSpc>
+                    <a:spcPct val="100000"/>
+                  </a:lnSpc>
+                  <a:spcAft>
+                    <a:spcPts val="1200"/>
+                  </a:spcAft>
+                </a:pPr>
+                <a:r>
+                  <a:rPr lang="en-US" dirty="0"/>
+                  <a:t>Conditioning allows to implement Bayesian Inference </a:t>
+                </a:r>
+              </a:p>
+              <a:p>
+                <a:pPr lvl="1">
+                  <a:lnSpc>
+                    <a:spcPct val="100000"/>
+                  </a:lnSpc>
+                  <a:spcAft>
+                    <a:spcPts val="1200"/>
+                  </a:spcAft>
+                </a:pPr>
+                <a:r>
+                  <a:rPr lang="en-US" dirty="0"/>
+                  <a:t>Aka updating model with new data </a:t>
+                </a:r>
+                <a14:m>
+                  <m:oMath xmlns:m="http://schemas.openxmlformats.org/officeDocument/2006/math">
+                    <m:r>
+                      <a:rPr lang="de-DE" b="0" i="1" smtClean="0">
+                        <a:latin typeface="Cambria Math" panose="02040503050406030204" pitchFamily="18" charset="0"/>
+                      </a:rPr>
+                      <m:t>𝑌</m:t>
+                    </m:r>
+                  </m:oMath>
+                </a14:m>
+                <a:r>
+                  <a:rPr lang="en-US" dirty="0"/>
+                  <a:t> as soon as new data available</a:t>
+                </a:r>
+              </a:p>
+            </p:txBody>
+          </p:sp>
+        </mc:Choice>
+        <mc:Fallback>
+          <p:sp>
+            <p:nvSpPr>
+              <p:cNvPr id="3" name="Content Placeholder 2">
+                <a:extLst>
+                  <a:ext uri="{FF2B5EF4-FFF2-40B4-BE49-F238E27FC236}">
+                    <a16:creationId xmlns:a16="http://schemas.microsoft.com/office/drawing/2014/main" id="{04AE2C8E-4B08-D3DE-B045-A1F0BF2AEB51}"/>
+                  </a:ext>
+                </a:extLst>
+              </p:cNvPr>
+              <p:cNvSpPr>
+                <a:spLocks noGrp="1" noRot="1" noChangeAspect="1" noMove="1" noResize="1" noEditPoints="1" noAdjustHandles="1" noChangeArrowheads="1" noChangeShapeType="1" noTextEdit="1"/>
+              </p:cNvSpPr>
+              <p:nvPr>
+                <p:ph idx="1"/>
+              </p:nvPr>
+            </p:nvSpPr>
+            <p:spPr>
+              <a:blipFill>
+                <a:blip r:embed="rId3"/>
+                <a:stretch>
+                  <a:fillRect l="-1043" t="-3081" b="-1261"/>
+                </a:stretch>
+              </a:blipFill>
+            </p:spPr>
+            <p:txBody>
+              <a:bodyPr/>
+              <a:lstStyle/>
+              <a:p>
+                <a:r>
+                  <a:rPr lang="en-US">
+                    <a:noFill/>
+                  </a:rPr>
+                  <a:t> </a:t>
+                </a:r>
+              </a:p>
+            </p:txBody>
+          </p:sp>
+        </mc:Fallback>
+      </mc:AlternateContent>
+      <p:sp>
+        <p:nvSpPr>
+          <p:cNvPr id="4" name="Footer Placeholder 3">
+            <a:extLst>
+              <a:ext uri="{FF2B5EF4-FFF2-40B4-BE49-F238E27FC236}">
+                <a16:creationId xmlns:a16="http://schemas.microsoft.com/office/drawing/2014/main" id="{ED58D243-CF5F-4A4B-CF2C-324465608BD4}"/>
+              </a:ext>
+            </a:extLst>
+          </p:cNvPr>
+          <p:cNvSpPr>
+            <a:spLocks noGrp="1"/>
+          </p:cNvSpPr>
+          <p:nvPr>
+            <p:ph type="ftr" sz="quarter" idx="11"/>
+          </p:nvPr>
+        </p:nvSpPr>
+        <p:spPr/>
+        <p:txBody>
+          <a:bodyPr/>
+          <a:lstStyle/>
+          <a:p>
+            <a:r>
+              <a:rPr lang="en-US" dirty="0"/>
+              <a:t>[2] </a:t>
+            </a:r>
+            <a:r>
+              <a:rPr lang="en-US" sz="1200" dirty="0"/>
+              <a:t>C. </a:t>
+            </a:r>
+            <a:r>
+              <a:rPr lang="en-US" sz="1200" dirty="0" err="1"/>
+              <a:t>Fonnesbeck</a:t>
+            </a:r>
+            <a:r>
+              <a:rPr lang="en-US" sz="1200" dirty="0"/>
+              <a:t>, Fitting Gaussian Process Models in Python (https://domino. ai/blog/fitting-gaussian-process-models-python)</a:t>
+            </a:r>
+            <a:endParaRPr lang="en-US" dirty="0"/>
+          </a:p>
+        </p:txBody>
+      </p:sp>
+      <p:sp>
+        <p:nvSpPr>
+          <p:cNvPr id="5" name="Slide Number Placeholder 4">
+            <a:extLst>
+              <a:ext uri="{FF2B5EF4-FFF2-40B4-BE49-F238E27FC236}">
+                <a16:creationId xmlns:a16="http://schemas.microsoft.com/office/drawing/2014/main" id="{AF60EE5C-7A12-0C9C-2397-B5FF480CA59E}"/>
+              </a:ext>
+            </a:extLst>
+          </p:cNvPr>
+          <p:cNvSpPr>
+            <a:spLocks noGrp="1"/>
+          </p:cNvSpPr>
+          <p:nvPr>
+            <p:ph type="sldNum" sz="quarter" idx="12"/>
+          </p:nvPr>
+        </p:nvSpPr>
+        <p:spPr/>
+        <p:txBody>
+          <a:bodyPr/>
+          <a:lstStyle/>
+          <a:p>
+            <a:fld id="{BB5BDEE0-5897-43EE-8390-09DDB5CCC2DB}" type="slidenum">
+              <a:rPr lang="en-US" smtClean="0"/>
+              <a:t>8</a:t>
+            </a:fld>
+            <a:endParaRPr lang="en-US" dirty="0"/>
+          </a:p>
+        </p:txBody>
+      </p:sp>
+      <p:grpSp>
+        <p:nvGrpSpPr>
+          <p:cNvPr id="11" name="Group 10">
+            <a:extLst>
+              <a:ext uri="{FF2B5EF4-FFF2-40B4-BE49-F238E27FC236}">
+                <a16:creationId xmlns:a16="http://schemas.microsoft.com/office/drawing/2014/main" id="{60F7D834-7132-9186-93D1-0DE3E1E974AF}"/>
+              </a:ext>
+            </a:extLst>
+          </p:cNvPr>
+          <p:cNvGrpSpPr/>
+          <p:nvPr/>
+        </p:nvGrpSpPr>
+        <p:grpSpPr>
+          <a:xfrm>
+            <a:off x="3483432" y="3545124"/>
+            <a:ext cx="6711040" cy="886765"/>
+            <a:chOff x="3483432" y="3545124"/>
+            <a:chExt cx="6711040" cy="886765"/>
+          </a:xfrm>
+        </p:grpSpPr>
+        <p:sp>
+          <p:nvSpPr>
+            <p:cNvPr id="6" name="Left Brace 5">
+              <a:extLst>
+                <a:ext uri="{FF2B5EF4-FFF2-40B4-BE49-F238E27FC236}">
+                  <a16:creationId xmlns:a16="http://schemas.microsoft.com/office/drawing/2014/main" id="{9FEF7424-D5A9-01EC-065A-4A6155DB70C5}"/>
+                </a:ext>
+              </a:extLst>
+            </p:cNvPr>
+            <p:cNvSpPr/>
+            <p:nvPr/>
+          </p:nvSpPr>
+          <p:spPr>
+            <a:xfrm rot="16200000">
+              <a:off x="8539845" y="2409724"/>
+              <a:ext cx="380998" cy="2670626"/>
+            </a:xfrm>
+            <a:prstGeom prst="leftBrace">
+              <a:avLst/>
+            </a:prstGeom>
+            <a:ln w="28575"/>
+          </p:spPr>
+          <p:style>
+            <a:lnRef idx="1">
+              <a:schemeClr val="accent1"/>
+            </a:lnRef>
+            <a:fillRef idx="0">
+              <a:schemeClr val="accent1"/>
+            </a:fillRef>
+            <a:effectRef idx="0">
+              <a:schemeClr val="accent1"/>
+            </a:effectRef>
+            <a:fontRef idx="minor">
+              <a:schemeClr val="tx1"/>
+            </a:fontRef>
+          </p:style>
+          <p:txBody>
+            <a:bodyPr rtlCol="0" anchor="ctr"/>
+            <a:lstStyle/>
+            <a:p>
+              <a:pPr algn="ctr"/>
+              <a:endParaRPr lang="en-US"/>
+            </a:p>
+          </p:txBody>
+        </p:sp>
+        <p:sp>
+          <p:nvSpPr>
+            <p:cNvPr id="7" name="Left Brace 6">
+              <a:extLst>
+                <a:ext uri="{FF2B5EF4-FFF2-40B4-BE49-F238E27FC236}">
+                  <a16:creationId xmlns:a16="http://schemas.microsoft.com/office/drawing/2014/main" id="{6151FD2C-330D-3FA0-8362-589D9E8B2579}"/>
+                </a:ext>
+              </a:extLst>
+            </p:cNvPr>
+            <p:cNvSpPr/>
+            <p:nvPr/>
+          </p:nvSpPr>
+          <p:spPr>
+            <a:xfrm rot="16200000">
+              <a:off x="4896761" y="2131795"/>
+              <a:ext cx="380998" cy="3207655"/>
+            </a:xfrm>
+            <a:prstGeom prst="leftBrace">
+              <a:avLst/>
+            </a:prstGeom>
+            <a:ln w="28575"/>
+          </p:spPr>
+          <p:style>
+            <a:lnRef idx="1">
+              <a:schemeClr val="accent1"/>
+            </a:lnRef>
+            <a:fillRef idx="0">
+              <a:schemeClr val="accent1"/>
+            </a:fillRef>
+            <a:effectRef idx="0">
+              <a:schemeClr val="accent1"/>
+            </a:effectRef>
+            <a:fontRef idx="minor">
+              <a:schemeClr val="tx1"/>
+            </a:fontRef>
+          </p:style>
+          <p:txBody>
+            <a:bodyPr rtlCol="0" anchor="ctr"/>
+            <a:lstStyle/>
+            <a:p>
+              <a:pPr algn="ctr"/>
+              <a:endParaRPr lang="en-US"/>
+            </a:p>
+          </p:txBody>
+        </p:sp>
+        <p:sp>
+          <p:nvSpPr>
+            <p:cNvPr id="9" name="TextBox 8">
+              <a:extLst>
+                <a:ext uri="{FF2B5EF4-FFF2-40B4-BE49-F238E27FC236}">
+                  <a16:creationId xmlns:a16="http://schemas.microsoft.com/office/drawing/2014/main" id="{97E1D7C7-0F6B-F1FB-02A0-216FBE7BA469}"/>
+                </a:ext>
+              </a:extLst>
+            </p:cNvPr>
+            <p:cNvSpPr txBox="1"/>
+            <p:nvPr/>
+          </p:nvSpPr>
+          <p:spPr>
+            <a:xfrm>
+              <a:off x="4568374" y="3908669"/>
+              <a:ext cx="1037772" cy="523220"/>
+            </a:xfrm>
+            <a:prstGeom prst="rect">
+              <a:avLst/>
+            </a:prstGeom>
+            <a:noFill/>
+          </p:spPr>
+          <p:txBody>
+            <a:bodyPr wrap="square" rtlCol="0">
+              <a:spAutoFit/>
+            </a:bodyPr>
+            <a:lstStyle/>
+            <a:p>
+              <a:r>
+                <a:rPr lang="en-US" sz="2800" dirty="0"/>
+                <a:t>Mean</a:t>
+              </a:r>
+              <a:endParaRPr lang="en-US" dirty="0"/>
+            </a:p>
+          </p:txBody>
+        </p:sp>
+        <p:sp>
+          <p:nvSpPr>
+            <p:cNvPr id="10" name="TextBox 9">
+              <a:extLst>
+                <a:ext uri="{FF2B5EF4-FFF2-40B4-BE49-F238E27FC236}">
+                  <a16:creationId xmlns:a16="http://schemas.microsoft.com/office/drawing/2014/main" id="{78C53B76-A5F0-B928-D9CB-D8CAD0D235AA}"/>
+                </a:ext>
+              </a:extLst>
+            </p:cNvPr>
+            <p:cNvSpPr txBox="1"/>
+            <p:nvPr/>
+          </p:nvSpPr>
+          <p:spPr>
+            <a:xfrm>
+              <a:off x="7266216" y="3908669"/>
+              <a:ext cx="2928256" cy="523220"/>
+            </a:xfrm>
+            <a:prstGeom prst="rect">
+              <a:avLst/>
+            </a:prstGeom>
+            <a:noFill/>
+          </p:spPr>
+          <p:txBody>
+            <a:bodyPr wrap="square" rtlCol="0">
+              <a:spAutoFit/>
+            </a:bodyPr>
+            <a:lstStyle/>
+            <a:p>
+              <a:r>
+                <a:rPr lang="en-US" sz="2800" dirty="0"/>
+                <a:t>Covariance Matrix</a:t>
+              </a:r>
+              <a:endParaRPr lang="en-US" dirty="0"/>
+            </a:p>
+          </p:txBody>
+        </p:sp>
+      </p:grpSp>
+    </p:spTree>
+    <p:extLst>
+      <p:ext uri="{BB962C8B-B14F-4D97-AF65-F5344CB8AC3E}">
+        <p14:creationId xmlns:p14="http://schemas.microsoft.com/office/powerpoint/2010/main" val="3269139147"/>
+      </p:ext>
+    </p:extLst>
+  </p:cSld>
+  <p:clrMapOvr>
+    <a:masterClrMapping/>
+  </p:clrMapOvr>
+</p:sld>
+</file>
+
+<file path=ppt/slides/slide9.xml><?xml version="1.0" encoding="utf-8"?>
+<p:sld xmlns:a="http://schemas.openxmlformats.org/drawingml/2006/main" xmlns:r="http://schemas.openxmlformats.org/officeDocument/2006/relationships" xmlns:p="http://schemas.openxmlformats.org/presentationml/2006/main">
+  <p:cSld>
+    <p:spTree>
+      <p:nvGrpSpPr>
+        <p:cNvPr id="1" name=""/>
+        <p:cNvGrpSpPr/>
+        <p:nvPr/>
+      </p:nvGrpSpPr>
+      <p:grpSpPr>
+        <a:xfrm>
+          <a:off x="0" y="0"/>
+          <a:ext cx="0" cy="0"/>
+          <a:chOff x="0" y="0"/>
+          <a:chExt cx="0" cy="0"/>
+        </a:xfrm>
+      </p:grpSpPr>
+      <p:sp>
+        <p:nvSpPr>
+          <p:cNvPr id="2" name="Title 1">
+            <a:extLst>
+              <a:ext uri="{FF2B5EF4-FFF2-40B4-BE49-F238E27FC236}">
+                <a16:creationId xmlns:a16="http://schemas.microsoft.com/office/drawing/2014/main" id="{53DE6503-1DCF-CFBA-FD63-8278EF12AF01}"/>
+              </a:ext>
+            </a:extLst>
+          </p:cNvPr>
+          <p:cNvSpPr>
+            <a:spLocks noGrp="1"/>
+          </p:cNvSpPr>
+          <p:nvPr>
+            <p:ph type="title"/>
+          </p:nvPr>
+        </p:nvSpPr>
+        <p:spPr/>
+        <p:txBody>
+          <a:bodyPr/>
+          <a:lstStyle/>
+          <a:p>
+            <a:r>
+              <a:rPr lang="en-US" dirty="0"/>
+              <a:t>Regression as Gaussian Process [2]</a:t>
+            </a:r>
+          </a:p>
+        </p:txBody>
+      </p:sp>
+      <mc:AlternateContent xmlns:mc="http://schemas.openxmlformats.org/markup-compatibility/2006">
+        <mc:Choice xmlns:a14="http://schemas.microsoft.com/office/drawing/2010/main" Requires="a14">
+          <p:sp>
+            <p:nvSpPr>
+              <p:cNvPr id="3" name="Content Placeholder 2">
+                <a:extLst>
+                  <a:ext uri="{FF2B5EF4-FFF2-40B4-BE49-F238E27FC236}">
+                    <a16:creationId xmlns:a16="http://schemas.microsoft.com/office/drawing/2014/main" id="{1D3B5662-2F5F-7E31-3A30-BF20C3C2B04B}"/>
+                  </a:ext>
+                </a:extLst>
+              </p:cNvPr>
+              <p:cNvSpPr>
+                <a:spLocks noGrp="1"/>
+              </p:cNvSpPr>
+              <p:nvPr>
+                <p:ph idx="1"/>
+              </p:nvPr>
+            </p:nvSpPr>
+            <p:spPr/>
+            <p:txBody>
+              <a:bodyPr>
+                <a:normAutofit lnSpcReduction="10000"/>
+              </a:bodyPr>
+              <a:lstStyle/>
+              <a:p>
+                <a:r>
+                  <a:rPr lang="en-US" dirty="0"/>
+                  <a:t>How to predict function values?</a:t>
+                </a:r>
+              </a:p>
+              <a:p>
+                <a:r>
+                  <a:rPr lang="en-US" dirty="0"/>
+                  <a:t>We know </a:t>
+                </a:r>
+                <a14:m>
+                  <m:oMath xmlns:m="http://schemas.openxmlformats.org/officeDocument/2006/math">
+                    <m:r>
+                      <a:rPr lang="de-DE" b="0" i="1" smtClean="0">
+                        <a:latin typeface="Cambria Math" panose="02040503050406030204" pitchFamily="18" charset="0"/>
+                      </a:rPr>
+                      <m:t>𝑝</m:t>
+                    </m:r>
+                    <m:d>
+                      <m:dPr>
+                        <m:ctrlPr>
+                          <a:rPr lang="de-DE" b="0" i="1" smtClean="0">
+                            <a:latin typeface="Cambria Math" panose="02040503050406030204" pitchFamily="18" charset="0"/>
+                          </a:rPr>
+                        </m:ctrlPr>
+                      </m:dPr>
+                      <m:e>
+                        <m:r>
+                          <a:rPr lang="de-DE" b="0" i="1" smtClean="0">
+                            <a:latin typeface="Cambria Math" panose="02040503050406030204" pitchFamily="18" charset="0"/>
+                          </a:rPr>
+                          <m:t>𝑤</m:t>
+                        </m:r>
+                      </m:e>
+                      <m:e>
+                        <m:r>
+                          <a:rPr lang="de-DE" b="0" i="1" smtClean="0">
+                            <a:latin typeface="Cambria Math" panose="02040503050406030204" pitchFamily="18" charset="0"/>
+                          </a:rPr>
+                          <m:t>𝐷</m:t>
+                        </m:r>
+                      </m:e>
+                    </m:d>
+                    <m:r>
+                      <a:rPr lang="de-DE" b="0" i="0" smtClean="0">
+                        <a:latin typeface="Cambria Math" panose="02040503050406030204" pitchFamily="18" charset="0"/>
+                      </a:rPr>
+                      <m:t> </m:t>
+                    </m:r>
+                    <m:r>
+                      <a:rPr lang="de-DE" b="0" i="0" smtClean="0">
+                        <a:latin typeface="Cambria Math" panose="02040503050406030204" pitchFamily="18" charset="0"/>
+                      </a:rPr>
+                      <m:t>~</m:t>
+                    </m:r>
+                    <m:r>
+                      <a:rPr lang="de-DE" b="0" i="1" smtClean="0">
+                        <a:latin typeface="Cambria Math" panose="02040503050406030204" pitchFamily="18" charset="0"/>
+                      </a:rPr>
+                      <m:t> </m:t>
+                    </m:r>
+                    <m:r>
+                      <a:rPr lang="de-DE" b="0" i="1" smtClean="0">
+                        <a:latin typeface="Cambria Math" panose="02040503050406030204" pitchFamily="18" charset="0"/>
+                      </a:rPr>
+                      <m:t>𝒩</m:t>
+                    </m:r>
+                    <m:r>
+                      <a:rPr lang="de-DE" b="0" i="1" smtClean="0">
+                        <a:latin typeface="Cambria Math" panose="02040503050406030204" pitchFamily="18" charset="0"/>
+                      </a:rPr>
+                      <m:t>(</m:t>
+                    </m:r>
+                    <m:r>
+                      <a:rPr lang="de-DE" b="0" i="1" smtClean="0">
+                        <a:latin typeface="Cambria Math" panose="02040503050406030204" pitchFamily="18" charset="0"/>
+                      </a:rPr>
+                      <m:t>𝜇</m:t>
+                    </m:r>
+                    <m:r>
+                      <a:rPr lang="de-DE" b="0" i="1" smtClean="0">
+                        <a:latin typeface="Cambria Math" panose="02040503050406030204" pitchFamily="18" charset="0"/>
+                      </a:rPr>
+                      <m:t>, </m:t>
+                    </m:r>
+                    <m:r>
+                      <m:rPr>
+                        <m:sty m:val="p"/>
+                      </m:rPr>
+                      <a:rPr lang="de-DE" b="0" i="0" smtClean="0">
+                        <a:latin typeface="Cambria Math" panose="02040503050406030204" pitchFamily="18" charset="0"/>
+                      </a:rPr>
+                      <m:t>Σ</m:t>
+                    </m:r>
+                    <m:r>
+                      <a:rPr lang="de-DE" b="0" i="0" smtClean="0">
+                        <a:latin typeface="Cambria Math" panose="02040503050406030204" pitchFamily="18" charset="0"/>
+                      </a:rPr>
+                      <m:t>)</m:t>
+                    </m:r>
+                  </m:oMath>
+                </a14:m>
+                <a:r>
+                  <a:rPr lang="en-US" dirty="0"/>
+                  <a:t> –&gt; how get </a:t>
+                </a:r>
+                <a14:m>
+                  <m:oMath xmlns:m="http://schemas.openxmlformats.org/officeDocument/2006/math">
+                    <m:r>
+                      <a:rPr lang="de-DE" i="1">
+                        <a:latin typeface="Cambria Math" panose="02040503050406030204" pitchFamily="18" charset="0"/>
+                      </a:rPr>
+                      <m:t>𝒩</m:t>
+                    </m:r>
+                    <m:r>
+                      <a:rPr lang="de-DE" i="1">
+                        <a:latin typeface="Cambria Math" panose="02040503050406030204" pitchFamily="18" charset="0"/>
+                      </a:rPr>
+                      <m:t>(</m:t>
+                    </m:r>
+                    <m:r>
+                      <a:rPr lang="de-DE" i="1">
+                        <a:latin typeface="Cambria Math" panose="02040503050406030204" pitchFamily="18" charset="0"/>
+                      </a:rPr>
+                      <m:t>𝜇</m:t>
+                    </m:r>
+                    <m:r>
+                      <a:rPr lang="de-DE" i="1">
+                        <a:latin typeface="Cambria Math" panose="02040503050406030204" pitchFamily="18" charset="0"/>
+                      </a:rPr>
+                      <m:t>, </m:t>
+                    </m:r>
+                    <m:r>
+                      <m:rPr>
+                        <m:sty m:val="p"/>
+                      </m:rPr>
+                      <a:rPr lang="de-DE">
+                        <a:latin typeface="Cambria Math" panose="02040503050406030204" pitchFamily="18" charset="0"/>
+                      </a:rPr>
+                      <m:t>Σ</m:t>
+                    </m:r>
+                    <m:r>
+                      <a:rPr lang="de-DE">
+                        <a:latin typeface="Cambria Math" panose="02040503050406030204" pitchFamily="18" charset="0"/>
+                      </a:rPr>
+                      <m:t>)</m:t>
+                    </m:r>
+                  </m:oMath>
+                </a14:m>
+                <a:r>
+                  <a:rPr lang="en-US" dirty="0"/>
+                  <a:t>? </a:t>
+                </a:r>
+              </a:p>
+              <a:p>
+                <a:r>
+                  <a:rPr lang="en-US" dirty="0"/>
+                  <a:t>Start with training data </a:t>
+                </a:r>
+                <a14:m>
+                  <m:oMath xmlns:m="http://schemas.openxmlformats.org/officeDocument/2006/math">
+                    <m:r>
+                      <a:rPr lang="de-DE" b="0" i="1" smtClean="0">
+                        <a:latin typeface="Cambria Math" panose="02040503050406030204" pitchFamily="18" charset="0"/>
+                      </a:rPr>
+                      <m:t>𝑌</m:t>
+                    </m:r>
+                  </m:oMath>
+                </a14:m>
+                <a:r>
+                  <a:rPr lang="en-US" dirty="0"/>
+                  <a:t> –&gt; learn </a:t>
+                </a:r>
+                <a14:m>
+                  <m:oMath xmlns:m="http://schemas.openxmlformats.org/officeDocument/2006/math">
+                    <m:r>
+                      <a:rPr lang="de-DE" i="1">
+                        <a:latin typeface="Cambria Math" panose="02040503050406030204" pitchFamily="18" charset="0"/>
+                      </a:rPr>
+                      <m:t>𝒩</m:t>
+                    </m:r>
+                    <m:d>
+                      <m:dPr>
+                        <m:ctrlPr>
+                          <a:rPr lang="de-DE" i="1">
+                            <a:latin typeface="Cambria Math" panose="02040503050406030204" pitchFamily="18" charset="0"/>
+                          </a:rPr>
+                        </m:ctrlPr>
+                      </m:dPr>
+                      <m:e>
+                        <m:r>
+                          <a:rPr lang="de-DE" i="1">
+                            <a:latin typeface="Cambria Math" panose="02040503050406030204" pitchFamily="18" charset="0"/>
+                          </a:rPr>
+                          <m:t>𝜇</m:t>
+                        </m:r>
+                        <m:r>
+                          <a:rPr lang="de-DE" i="1">
+                            <a:latin typeface="Cambria Math" panose="02040503050406030204" pitchFamily="18" charset="0"/>
+                          </a:rPr>
+                          <m:t>, </m:t>
+                        </m:r>
+                        <m:r>
+                          <m:rPr>
+                            <m:sty m:val="p"/>
+                          </m:rPr>
+                          <a:rPr lang="de-DE">
+                            <a:latin typeface="Cambria Math" panose="02040503050406030204" pitchFamily="18" charset="0"/>
+                          </a:rPr>
+                          <m:t>Σ</m:t>
+                        </m:r>
+                      </m:e>
+                    </m:d>
+                  </m:oMath>
+                </a14:m>
+                <a:r>
+                  <a:rPr lang="en-US" dirty="0"/>
+                  <a:t> –&gt; predict function value for test data </a:t>
+                </a:r>
+                <a14:m>
+                  <m:oMath xmlns:m="http://schemas.openxmlformats.org/officeDocument/2006/math">
+                    <m:r>
+                      <a:rPr lang="de-DE" b="0" i="1" smtClean="0">
+                        <a:latin typeface="Cambria Math" panose="02040503050406030204" pitchFamily="18" charset="0"/>
+                      </a:rPr>
+                      <m:t>𝑋</m:t>
+                    </m:r>
+                  </m:oMath>
+                </a14:m>
+                <a:r>
+                  <a:rPr lang="en-US" dirty="0"/>
+                  <a:t> </a:t>
+                </a:r>
+              </a:p>
+              <a:p>
+                <a:r>
+                  <a:rPr lang="en-US" dirty="0"/>
+                  <a:t>Predictions made by drawing sample from </a:t>
+                </a:r>
+                <a14:m>
+                  <m:oMath xmlns:m="http://schemas.openxmlformats.org/officeDocument/2006/math">
+                    <m:r>
+                      <a:rPr lang="de-DE" i="1" smtClean="0">
+                        <a:latin typeface="Cambria Math" panose="02040503050406030204" pitchFamily="18" charset="0"/>
+                      </a:rPr>
+                      <m:t>𝒩</m:t>
+                    </m:r>
+                    <m:d>
+                      <m:dPr>
+                        <m:ctrlPr>
+                          <a:rPr lang="de-DE" i="1">
+                            <a:latin typeface="Cambria Math" panose="02040503050406030204" pitchFamily="18" charset="0"/>
+                          </a:rPr>
+                        </m:ctrlPr>
+                      </m:dPr>
+                      <m:e>
+                        <m:r>
+                          <a:rPr lang="de-DE" i="1">
+                            <a:latin typeface="Cambria Math" panose="02040503050406030204" pitchFamily="18" charset="0"/>
+                          </a:rPr>
+                          <m:t>𝜇</m:t>
+                        </m:r>
+                        <m:r>
+                          <a:rPr lang="de-DE" i="1">
+                            <a:latin typeface="Cambria Math" panose="02040503050406030204" pitchFamily="18" charset="0"/>
+                          </a:rPr>
+                          <m:t>, </m:t>
+                        </m:r>
+                        <m:r>
+                          <m:rPr>
+                            <m:sty m:val="p"/>
+                          </m:rPr>
+                          <a:rPr lang="de-DE">
+                            <a:latin typeface="Cambria Math" panose="02040503050406030204" pitchFamily="18" charset="0"/>
+                          </a:rPr>
+                          <m:t>Σ</m:t>
+                        </m:r>
+                      </m:e>
+                    </m:d>
+                  </m:oMath>
+                </a14:m>
+                <a:r>
+                  <a:rPr lang="en-US" dirty="0"/>
+                  <a:t> </a:t>
+                </a:r>
+              </a:p>
+              <a:p>
+                <a:r>
+                  <a:rPr lang="en-US" dirty="0"/>
+                  <a:t>How to determine </a:t>
+                </a:r>
+                <a14:m>
+                  <m:oMath xmlns:m="http://schemas.openxmlformats.org/officeDocument/2006/math">
+                    <m:r>
+                      <a:rPr lang="de-DE" i="1" smtClean="0">
+                        <a:latin typeface="Cambria Math" panose="02040503050406030204" pitchFamily="18" charset="0"/>
+                      </a:rPr>
+                      <m:t>𝜇</m:t>
+                    </m:r>
+                  </m:oMath>
+                </a14:m>
+                <a:r>
+                  <a:rPr lang="en-US" dirty="0"/>
+                  <a:t> and </a:t>
+                </a:r>
+                <a14:m>
+                  <m:oMath xmlns:m="http://schemas.openxmlformats.org/officeDocument/2006/math">
+                    <m:r>
+                      <m:rPr>
+                        <m:sty m:val="p"/>
+                      </m:rPr>
+                      <a:rPr lang="de-DE">
+                        <a:latin typeface="Cambria Math" panose="02040503050406030204" pitchFamily="18" charset="0"/>
+                      </a:rPr>
+                      <m:t>Σ</m:t>
+                    </m:r>
+                  </m:oMath>
+                </a14:m>
+                <a:r>
+                  <a:rPr lang="en-US" dirty="0"/>
+                  <a:t> in learning?</a:t>
+                </a:r>
+              </a:p>
+              <a:p>
+                <a:r>
+                  <a:rPr lang="en-US" dirty="0"/>
+                  <a:t>Shape of </a:t>
+                </a:r>
+                <a14:m>
+                  <m:oMath xmlns:m="http://schemas.openxmlformats.org/officeDocument/2006/math">
+                    <m:r>
+                      <a:rPr lang="de-DE" i="1" smtClean="0">
+                        <a:latin typeface="Cambria Math" panose="02040503050406030204" pitchFamily="18" charset="0"/>
+                      </a:rPr>
+                      <m:t>𝒩</m:t>
+                    </m:r>
+                    <m:r>
+                      <a:rPr lang="de-DE" i="1" smtClean="0">
+                        <a:latin typeface="Cambria Math" panose="02040503050406030204" pitchFamily="18" charset="0"/>
+                      </a:rPr>
+                      <m:t>(</m:t>
+                    </m:r>
+                    <m:r>
+                      <a:rPr lang="de-DE" i="1" smtClean="0">
+                        <a:latin typeface="Cambria Math" panose="02040503050406030204" pitchFamily="18" charset="0"/>
+                      </a:rPr>
+                      <m:t>𝜇</m:t>
+                    </m:r>
+                    <m:r>
+                      <a:rPr lang="de-DE" i="1" smtClean="0">
+                        <a:latin typeface="Cambria Math" panose="02040503050406030204" pitchFamily="18" charset="0"/>
+                      </a:rPr>
+                      <m:t>, </m:t>
+                    </m:r>
+                    <m:r>
+                      <m:rPr>
+                        <m:sty m:val="p"/>
+                      </m:rPr>
+                      <a:rPr lang="de-DE">
+                        <a:latin typeface="Cambria Math" panose="02040503050406030204" pitchFamily="18" charset="0"/>
+                      </a:rPr>
+                      <m:t>Σ</m:t>
+                    </m:r>
+                    <m:r>
+                      <a:rPr lang="de-DE">
+                        <a:latin typeface="Cambria Math" panose="02040503050406030204" pitchFamily="18" charset="0"/>
+                      </a:rPr>
+                      <m:t>)</m:t>
+                    </m:r>
+                  </m:oMath>
+                </a14:m>
+                <a:r>
+                  <a:rPr lang="en-US" dirty="0"/>
+                  <a:t> determined </a:t>
+                </a:r>
+                <a:r>
+                  <a:rPr lang="en-US" dirty="0" err="1"/>
+                  <a:t>soley</a:t>
+                </a:r>
+                <a:r>
+                  <a:rPr lang="en-US" dirty="0"/>
+                  <a:t> by </a:t>
+                </a:r>
+                <a14:m>
+                  <m:oMath xmlns:m="http://schemas.openxmlformats.org/officeDocument/2006/math">
+                    <m:r>
+                      <m:rPr>
+                        <m:sty m:val="p"/>
+                      </m:rPr>
+                      <a:rPr lang="de-DE" b="0" i="0" smtClean="0">
+                        <a:latin typeface="Cambria Math" panose="02040503050406030204" pitchFamily="18" charset="0"/>
+                      </a:rPr>
+                      <m:t>Σ</m:t>
+                    </m:r>
+                  </m:oMath>
+                </a14:m>
+                <a:r>
+                  <a:rPr lang="en-US" dirty="0"/>
+                  <a:t> </a:t>
+                </a:r>
+              </a:p>
+              <a:p>
+                <a:r>
+                  <a:rPr lang="en-US" dirty="0"/>
+                  <a:t>Set </a:t>
+                </a:r>
+                <a14:m>
+                  <m:oMath xmlns:m="http://schemas.openxmlformats.org/officeDocument/2006/math">
+                    <m:r>
+                      <a:rPr lang="de-DE" b="0" i="1" smtClean="0">
+                        <a:latin typeface="Cambria Math" panose="02040503050406030204" pitchFamily="18" charset="0"/>
+                      </a:rPr>
+                      <m:t>𝜇</m:t>
+                    </m:r>
+                    <m:r>
+                      <a:rPr lang="de-DE" b="0" i="1" smtClean="0">
+                        <a:latin typeface="Cambria Math" panose="02040503050406030204" pitchFamily="18" charset="0"/>
+                      </a:rPr>
+                      <m:t>=0</m:t>
+                    </m:r>
+                  </m:oMath>
+                </a14:m>
+                <a:endParaRPr lang="de-DE" b="0" dirty="0"/>
+              </a:p>
+              <a:p>
+                <a14:m>
+                  <m:oMath xmlns:m="http://schemas.openxmlformats.org/officeDocument/2006/math">
+                    <m:r>
+                      <a:rPr lang="de-DE" b="0" i="1" smtClean="0">
+                        <a:latin typeface="Cambria Math" panose="02040503050406030204" pitchFamily="18" charset="0"/>
+                      </a:rPr>
+                      <m:t>𝜇</m:t>
+                    </m:r>
+                    <m:r>
+                      <a:rPr lang="de-DE" b="0" i="1" smtClean="0">
+                        <a:latin typeface="Cambria Math" panose="02040503050406030204" pitchFamily="18" charset="0"/>
+                      </a:rPr>
+                      <m:t>=0</m:t>
+                    </m:r>
+                    <m:r>
+                      <a:rPr lang="de-DE" b="0" i="0" smtClean="0">
+                        <a:latin typeface="Cambria Math" panose="02040503050406030204" pitchFamily="18" charset="0"/>
+                      </a:rPr>
+                      <m:t> </m:t>
+                    </m:r>
+                  </m:oMath>
+                </a14:m>
+                <a:r>
+                  <a:rPr lang="en-US" dirty="0"/>
+                  <a:t>–&gt; simplifies conditioning to </a:t>
+                </a:r>
+                <a14:m>
+                  <m:oMath xmlns:m="http://schemas.openxmlformats.org/officeDocument/2006/math">
+                    <m:r>
+                      <a:rPr lang="de-DE" b="0" i="1" smtClean="0">
+                        <a:latin typeface="Cambria Math" panose="02040503050406030204" pitchFamily="18" charset="0"/>
+                      </a:rPr>
+                      <m:t>𝑋</m:t>
+                    </m:r>
+                    <m:r>
+                      <a:rPr lang="de-DE" b="0" i="1" smtClean="0">
+                        <a:latin typeface="Cambria Math" panose="02040503050406030204" pitchFamily="18" charset="0"/>
+                      </a:rPr>
+                      <m:t>|</m:t>
+                    </m:r>
+                    <m:r>
+                      <m:rPr>
+                        <m:sty m:val="p"/>
+                      </m:rPr>
+                      <a:rPr lang="de-DE" b="0" i="0" smtClean="0">
+                        <a:latin typeface="Cambria Math" panose="02040503050406030204" pitchFamily="18" charset="0"/>
+                      </a:rPr>
+                      <m:t>Y</m:t>
+                    </m:r>
+                    <m:r>
+                      <a:rPr lang="de-DE" b="0" i="0" smtClean="0">
+                        <a:latin typeface="Cambria Math" panose="02040503050406030204" pitchFamily="18" charset="0"/>
+                      </a:rPr>
+                      <m:t> ~ </m:t>
+                    </m:r>
+                    <m:r>
+                      <a:rPr lang="de-DE" i="1">
+                        <a:latin typeface="Cambria Math" panose="02040503050406030204" pitchFamily="18" charset="0"/>
+                      </a:rPr>
+                      <m:t>𝒩</m:t>
+                    </m:r>
+                    <m:d>
+                      <m:dPr>
+                        <m:ctrlPr>
+                          <a:rPr lang="de-DE" i="1">
+                            <a:latin typeface="Cambria Math" panose="02040503050406030204" pitchFamily="18" charset="0"/>
+                          </a:rPr>
+                        </m:ctrlPr>
+                      </m:dPr>
+                      <m:e>
+                        <m:r>
+                          <a:rPr lang="de-DE" b="0" i="1" smtClean="0">
+                            <a:latin typeface="Cambria Math" panose="02040503050406030204" pitchFamily="18" charset="0"/>
+                          </a:rPr>
+                          <m:t>0</m:t>
+                        </m:r>
+                        <m:r>
+                          <a:rPr lang="de-DE" i="1">
+                            <a:latin typeface="Cambria Math" panose="02040503050406030204" pitchFamily="18" charset="0"/>
+                          </a:rPr>
+                          <m:t>, </m:t>
+                        </m:r>
+                        <m:sSub>
+                          <m:sSubPr>
+                            <m:ctrlPr>
+                              <a:rPr lang="de-DE" b="0" i="1" smtClean="0">
+                                <a:latin typeface="Cambria Math" panose="02040503050406030204" pitchFamily="18" charset="0"/>
+                              </a:rPr>
+                            </m:ctrlPr>
+                          </m:sSubPr>
+                          <m:e>
+                            <m:r>
+                              <m:rPr>
+                                <m:sty m:val="p"/>
+                                <m:aln/>
+                              </m:rPr>
+                              <a:rPr lang="de-DE" b="0" i="0" smtClean="0">
+                                <a:latin typeface="Cambria Math" panose="02040503050406030204" pitchFamily="18" charset="0"/>
+                              </a:rPr>
+                              <m:t>Σ</m:t>
+                            </m:r>
+                          </m:e>
+                          <m:sub>
+                            <m:r>
+                              <a:rPr lang="de-DE" b="0" i="1" smtClean="0">
+                                <a:latin typeface="Cambria Math" panose="02040503050406030204" pitchFamily="18" charset="0"/>
+                              </a:rPr>
+                              <m:t>𝑋</m:t>
+                            </m:r>
+                            <m:r>
+                              <m:rPr>
+                                <m:aln/>
+                              </m:rPr>
+                              <a:rPr lang="de-DE" b="0" i="1" smtClean="0">
+                                <a:latin typeface="Cambria Math" panose="02040503050406030204" pitchFamily="18" charset="0"/>
+                              </a:rPr>
+                              <m:t>𝑋</m:t>
+                            </m:r>
+                          </m:sub>
+                        </m:sSub>
+                        <m:r>
+                          <m:rPr>
+                            <m:aln/>
+                          </m:rPr>
+                          <a:rPr lang="de-DE" i="1">
+                            <a:latin typeface="Cambria Math" panose="02040503050406030204" pitchFamily="18" charset="0"/>
+                          </a:rPr>
+                          <m:t>−</m:t>
+                        </m:r>
+                        <m:sSubSup>
+                          <m:sSubSupPr>
+                            <m:ctrlPr>
+                              <a:rPr lang="de-DE" i="1">
+                                <a:latin typeface="Cambria Math" panose="02040503050406030204" pitchFamily="18" charset="0"/>
+                              </a:rPr>
+                            </m:ctrlPr>
+                          </m:sSubSupPr>
+                          <m:e>
+                            <m:r>
+                              <m:rPr>
+                                <m:sty m:val="p"/>
+                              </m:rPr>
+                              <a:rPr lang="de-DE">
+                                <a:latin typeface="Cambria Math" panose="02040503050406030204" pitchFamily="18" charset="0"/>
+                              </a:rPr>
+                              <m:t>Σ</m:t>
+                            </m:r>
+                          </m:e>
+                          <m:sub>
+                            <m:r>
+                              <a:rPr lang="de-DE" b="0" i="1" smtClean="0">
+                                <a:latin typeface="Cambria Math" panose="02040503050406030204" pitchFamily="18" charset="0"/>
+                              </a:rPr>
+                              <m:t>𝑌𝑋</m:t>
+                            </m:r>
+                          </m:sub>
+                          <m:sup>
+                            <m:r>
+                              <a:rPr lang="de-DE" i="1">
+                                <a:latin typeface="Cambria Math" panose="02040503050406030204" pitchFamily="18" charset="0"/>
+                              </a:rPr>
+                              <m:t>𝑇</m:t>
+                            </m:r>
+                          </m:sup>
+                        </m:sSubSup>
+                        <m:r>
+                          <a:rPr lang="de-DE" i="1">
+                            <a:latin typeface="Cambria Math" panose="02040503050406030204" pitchFamily="18" charset="0"/>
+                          </a:rPr>
+                          <m:t> </m:t>
+                        </m:r>
+                        <m:sSubSup>
+                          <m:sSubSupPr>
+                            <m:ctrlPr>
+                              <a:rPr lang="de-DE" i="1">
+                                <a:latin typeface="Cambria Math" panose="02040503050406030204" pitchFamily="18" charset="0"/>
+                              </a:rPr>
+                            </m:ctrlPr>
+                          </m:sSubSupPr>
+                          <m:e>
+                            <m:r>
+                              <m:rPr>
+                                <m:sty m:val="p"/>
+                              </m:rPr>
+                              <a:rPr lang="de-DE">
+                                <a:latin typeface="Cambria Math" panose="02040503050406030204" pitchFamily="18" charset="0"/>
+                              </a:rPr>
+                              <m:t>Σ</m:t>
+                            </m:r>
+                          </m:e>
+                          <m:sub>
+                            <m:r>
+                              <a:rPr lang="de-DE" b="0" i="1" smtClean="0">
+                                <a:latin typeface="Cambria Math" panose="02040503050406030204" pitchFamily="18" charset="0"/>
+                              </a:rPr>
+                              <m:t>𝑌𝑌</m:t>
+                            </m:r>
+                          </m:sub>
+                          <m:sup>
+                            <m:r>
+                              <a:rPr lang="de-DE" i="1">
+                                <a:latin typeface="Cambria Math" panose="02040503050406030204" pitchFamily="18" charset="0"/>
+                              </a:rPr>
+                              <m:t>−1</m:t>
+                            </m:r>
+                          </m:sup>
+                        </m:sSubSup>
+                        <m:r>
+                          <a:rPr lang="de-DE" i="1">
+                            <a:latin typeface="Cambria Math" panose="02040503050406030204" pitchFamily="18" charset="0"/>
+                          </a:rPr>
+                          <m:t> </m:t>
+                        </m:r>
+                        <m:sSub>
+                          <m:sSubPr>
+                            <m:ctrlPr>
+                              <a:rPr lang="de-DE" i="1">
+                                <a:latin typeface="Cambria Math" panose="02040503050406030204" pitchFamily="18" charset="0"/>
+                              </a:rPr>
+                            </m:ctrlPr>
+                          </m:sSubPr>
+                          <m:e>
+                            <m:r>
+                              <m:rPr>
+                                <m:sty m:val="p"/>
+                              </m:rPr>
+                              <a:rPr lang="de-DE">
+                                <a:latin typeface="Cambria Math" panose="02040503050406030204" pitchFamily="18" charset="0"/>
+                              </a:rPr>
+                              <m:t>Σ</m:t>
+                            </m:r>
+                          </m:e>
+                          <m:sub>
+                            <m:r>
+                              <m:rPr>
+                                <m:sty m:val="p"/>
+                              </m:rPr>
+                              <a:rPr lang="de-DE" b="0" i="0" smtClean="0">
+                                <a:latin typeface="Cambria Math" panose="02040503050406030204" pitchFamily="18" charset="0"/>
+                              </a:rPr>
+                              <m:t>YX</m:t>
+                            </m:r>
+                          </m:sub>
+                        </m:sSub>
+                      </m:e>
+                    </m:d>
+                  </m:oMath>
+                </a14:m>
+                <a:endParaRPr lang="en-US" dirty="0"/>
+              </a:p>
+            </p:txBody>
+          </p:sp>
+        </mc:Choice>
+        <mc:Fallback>
+          <p:sp>
+            <p:nvSpPr>
+              <p:cNvPr id="3" name="Content Placeholder 2">
+                <a:extLst>
+                  <a:ext uri="{FF2B5EF4-FFF2-40B4-BE49-F238E27FC236}">
+                    <a16:creationId xmlns:a16="http://schemas.microsoft.com/office/drawing/2014/main" id="{1D3B5662-2F5F-7E31-3A30-BF20C3C2B04B}"/>
+                  </a:ext>
+                </a:extLst>
+              </p:cNvPr>
+              <p:cNvSpPr>
+                <a:spLocks noGrp="1" noRot="1" noChangeAspect="1" noMove="1" noResize="1" noEditPoints="1" noAdjustHandles="1" noChangeArrowheads="1" noChangeShapeType="1" noTextEdit="1"/>
+              </p:cNvSpPr>
+              <p:nvPr>
+                <p:ph idx="1"/>
+              </p:nvPr>
+            </p:nvSpPr>
+            <p:spPr>
+              <a:blipFill>
+                <a:blip r:embed="rId4"/>
+                <a:stretch>
+                  <a:fillRect l="-1043" t="-3081"/>
+                </a:stretch>
+              </a:blipFill>
+            </p:spPr>
+            <p:txBody>
+              <a:bodyPr/>
+              <a:lstStyle/>
+              <a:p>
+                <a:r>
+                  <a:rPr lang="en-US">
+                    <a:noFill/>
+                  </a:rPr>
+                  <a:t> </a:t>
+                </a:r>
+              </a:p>
+            </p:txBody>
+          </p:sp>
+        </mc:Fallback>
+      </mc:AlternateContent>
+      <p:sp>
+        <p:nvSpPr>
+          <p:cNvPr id="4" name="Footer Placeholder 3">
+            <a:extLst>
+              <a:ext uri="{FF2B5EF4-FFF2-40B4-BE49-F238E27FC236}">
+                <a16:creationId xmlns:a16="http://schemas.microsoft.com/office/drawing/2014/main" id="{D7E32A3F-416D-1EB5-2FC2-E834F9B7093E}"/>
+              </a:ext>
+            </a:extLst>
+          </p:cNvPr>
+          <p:cNvSpPr>
+            <a:spLocks noGrp="1"/>
+          </p:cNvSpPr>
+          <p:nvPr>
+            <p:ph type="ftr" sz="quarter" idx="11"/>
+          </p:nvPr>
+        </p:nvSpPr>
+        <p:spPr/>
+        <p:txBody>
+          <a:bodyPr/>
+          <a:lstStyle/>
+          <a:p>
+            <a:r>
+              <a:rPr lang="en-US" dirty="0"/>
+              <a:t>[2] </a:t>
+            </a:r>
+            <a:r>
+              <a:rPr lang="en-US" sz="1200" dirty="0"/>
+              <a:t>C. </a:t>
+            </a:r>
+            <a:r>
+              <a:rPr lang="en-US" sz="1200" dirty="0" err="1"/>
+              <a:t>Fonnesbeck</a:t>
+            </a:r>
+            <a:r>
+              <a:rPr lang="en-US" sz="1200" dirty="0"/>
+              <a:t>, Fitting Gaussian Process Models in Python (https://domino. ai/blog/fitting-gaussian-process-models-python)</a:t>
+            </a:r>
+            <a:endParaRPr lang="en-US" dirty="0"/>
+          </a:p>
+        </p:txBody>
+      </p:sp>
+      <p:sp>
+        <p:nvSpPr>
+          <p:cNvPr id="5" name="Slide Number Placeholder 4">
+            <a:extLst>
+              <a:ext uri="{FF2B5EF4-FFF2-40B4-BE49-F238E27FC236}">
+                <a16:creationId xmlns:a16="http://schemas.microsoft.com/office/drawing/2014/main" id="{4427D850-489F-1AC0-6243-0352C2112AA1}"/>
+              </a:ext>
+            </a:extLst>
+          </p:cNvPr>
+          <p:cNvSpPr>
+            <a:spLocks noGrp="1"/>
+          </p:cNvSpPr>
+          <p:nvPr>
+            <p:ph type="sldNum" sz="quarter" idx="12"/>
+          </p:nvPr>
+        </p:nvSpPr>
+        <p:spPr/>
+        <p:txBody>
+          <a:bodyPr/>
+          <a:lstStyle/>
+          <a:p>
+            <a:fld id="{BB5BDEE0-5897-43EE-8390-09DDB5CCC2DB}" type="slidenum">
+              <a:rPr lang="en-US" smtClean="0"/>
+              <a:t>9</a:t>
+            </a:fld>
+            <a:endParaRPr lang="en-US" dirty="0"/>
+          </a:p>
+        </p:txBody>
+      </p:sp>
+    </p:spTree>
+    <p:extLst>
+      <p:ext uri="{BB962C8B-B14F-4D97-AF65-F5344CB8AC3E}">
+        <p14:creationId xmlns:p14="http://schemas.microsoft.com/office/powerpoint/2010/main" val="1975859947"/>
+      </p:ext>
+    </p:extLst>
+  </p:cSld>
+  <p:clrMapOvr>
+    <a:masterClrMapping/>
+  </p:clrMapOvr>
+  <p:extLst>
+    <p:ext uri="{6950BFC3-D8DA-4A85-94F7-54DA5524770B}">
+      <p188:commentRel xmlns:p188="http://schemas.microsoft.com/office/powerpoint/2018/8/main" r:id="rId3"/>
+    </p:ext>
+  </p:extLst>
 </p:sld>
 </file>
 
